--- a/303-연산자와 제어문/303-2.조건문.pptx
+++ b/303-연산자와 제어문/303-2.조건문.pptx
@@ -5,7 +5,7 @@
     <p:sldMasterId id="2147483648" r:id="rId1"/>
   </p:sldMasterIdLst>
   <p:notesMasterIdLst>
-    <p:notesMasterId r:id="rId58"/>
+    <p:notesMasterId r:id="rId57"/>
   </p:notesMasterIdLst>
   <p:sldIdLst>
     <p:sldId id="256" r:id="rId2"/>
@@ -16,54 +16,53 @@
     <p:sldId id="22917" r:id="rId7"/>
     <p:sldId id="2420" r:id="rId8"/>
     <p:sldId id="22864" r:id="rId9"/>
-    <p:sldId id="294" r:id="rId10"/>
-    <p:sldId id="22764" r:id="rId11"/>
-    <p:sldId id="22765" r:id="rId12"/>
-    <p:sldId id="2471" r:id="rId13"/>
-    <p:sldId id="2472" r:id="rId14"/>
-    <p:sldId id="2473" r:id="rId15"/>
-    <p:sldId id="22919" r:id="rId16"/>
-    <p:sldId id="2421" r:id="rId17"/>
-    <p:sldId id="2474" r:id="rId18"/>
-    <p:sldId id="2475" r:id="rId19"/>
-    <p:sldId id="2423" r:id="rId20"/>
-    <p:sldId id="22791" r:id="rId21"/>
-    <p:sldId id="22767" r:id="rId22"/>
-    <p:sldId id="22769" r:id="rId23"/>
-    <p:sldId id="22773" r:id="rId24"/>
-    <p:sldId id="22771" r:id="rId25"/>
-    <p:sldId id="295" r:id="rId26"/>
-    <p:sldId id="22921" r:id="rId27"/>
-    <p:sldId id="2422" r:id="rId28"/>
-    <p:sldId id="22784" r:id="rId29"/>
-    <p:sldId id="22920" r:id="rId30"/>
-    <p:sldId id="2478" r:id="rId31"/>
-    <p:sldId id="2479" r:id="rId32"/>
-    <p:sldId id="296" r:id="rId33"/>
-    <p:sldId id="22788" r:id="rId34"/>
-    <p:sldId id="22922" r:id="rId35"/>
-    <p:sldId id="22795" r:id="rId36"/>
-    <p:sldId id="22865" r:id="rId37"/>
-    <p:sldId id="22796" r:id="rId38"/>
-    <p:sldId id="22798" r:id="rId39"/>
-    <p:sldId id="22918" r:id="rId40"/>
-    <p:sldId id="2476" r:id="rId41"/>
-    <p:sldId id="2477" r:id="rId42"/>
-    <p:sldId id="297" r:id="rId43"/>
-    <p:sldId id="22916" r:id="rId44"/>
-    <p:sldId id="2419" r:id="rId45"/>
-    <p:sldId id="22775" r:id="rId46"/>
-    <p:sldId id="22779" r:id="rId47"/>
-    <p:sldId id="22780" r:id="rId48"/>
-    <p:sldId id="22781" r:id="rId49"/>
-    <p:sldId id="2424" r:id="rId50"/>
-    <p:sldId id="2425" r:id="rId51"/>
-    <p:sldId id="2480" r:id="rId52"/>
-    <p:sldId id="2481" r:id="rId53"/>
-    <p:sldId id="2482" r:id="rId54"/>
-    <p:sldId id="2483" r:id="rId55"/>
-    <p:sldId id="2484" r:id="rId56"/>
-    <p:sldId id="2485" r:id="rId57"/>
+    <p:sldId id="2473" r:id="rId10"/>
+    <p:sldId id="2472" r:id="rId11"/>
+    <p:sldId id="22764" r:id="rId12"/>
+    <p:sldId id="22765" r:id="rId13"/>
+    <p:sldId id="2471" r:id="rId14"/>
+    <p:sldId id="22919" r:id="rId15"/>
+    <p:sldId id="2421" r:id="rId16"/>
+    <p:sldId id="2474" r:id="rId17"/>
+    <p:sldId id="2475" r:id="rId18"/>
+    <p:sldId id="2423" r:id="rId19"/>
+    <p:sldId id="22791" r:id="rId20"/>
+    <p:sldId id="22767" r:id="rId21"/>
+    <p:sldId id="22769" r:id="rId22"/>
+    <p:sldId id="22773" r:id="rId23"/>
+    <p:sldId id="22771" r:id="rId24"/>
+    <p:sldId id="295" r:id="rId25"/>
+    <p:sldId id="22921" r:id="rId26"/>
+    <p:sldId id="2422" r:id="rId27"/>
+    <p:sldId id="22784" r:id="rId28"/>
+    <p:sldId id="22920" r:id="rId29"/>
+    <p:sldId id="2478" r:id="rId30"/>
+    <p:sldId id="2479" r:id="rId31"/>
+    <p:sldId id="296" r:id="rId32"/>
+    <p:sldId id="22788" r:id="rId33"/>
+    <p:sldId id="22922" r:id="rId34"/>
+    <p:sldId id="22795" r:id="rId35"/>
+    <p:sldId id="22865" r:id="rId36"/>
+    <p:sldId id="22796" r:id="rId37"/>
+    <p:sldId id="22798" r:id="rId38"/>
+    <p:sldId id="22918" r:id="rId39"/>
+    <p:sldId id="2476" r:id="rId40"/>
+    <p:sldId id="2477" r:id="rId41"/>
+    <p:sldId id="297" r:id="rId42"/>
+    <p:sldId id="22916" r:id="rId43"/>
+    <p:sldId id="2419" r:id="rId44"/>
+    <p:sldId id="22775" r:id="rId45"/>
+    <p:sldId id="22779" r:id="rId46"/>
+    <p:sldId id="22780" r:id="rId47"/>
+    <p:sldId id="22781" r:id="rId48"/>
+    <p:sldId id="2424" r:id="rId49"/>
+    <p:sldId id="2425" r:id="rId50"/>
+    <p:sldId id="2480" r:id="rId51"/>
+    <p:sldId id="2481" r:id="rId52"/>
+    <p:sldId id="2482" r:id="rId53"/>
+    <p:sldId id="2483" r:id="rId54"/>
+    <p:sldId id="2484" r:id="rId55"/>
+    <p:sldId id="2485" r:id="rId56"/>
   </p:sldIdLst>
   <p:sldSz cx="12192000" cy="6858000"/>
   <p:notesSz cx="6858000" cy="9144000"/>
@@ -252,7 +251,7 @@
           <a:p>
             <a:fld id="{9B9C52FF-ECB9-49D3-B82D-9CFF69DD493C}" type="datetimeFigureOut">
               <a:rPr lang="ko-KR" altLang="en-US" smtClean="0"/>
-              <a:t>2023-05-20</a:t>
+              <a:t>2023-05-24</a:t>
             </a:fld>
             <a:endParaRPr lang="ko-KR" altLang="en-US"/>
           </a:p>
@@ -666,7 +665,7 @@
           <a:p>
             <a:fld id="{9E29935E-FB9C-473C-8B6B-BBE3D03D5D04}" type="datetimeFigureOut">
               <a:rPr lang="ko-KR" altLang="en-US" smtClean="0"/>
-              <a:t>2023-05-20</a:t>
+              <a:t>2023-05-24</a:t>
             </a:fld>
             <a:endParaRPr lang="ko-KR" altLang="en-US"/>
           </a:p>
@@ -864,7 +863,7 @@
           <a:p>
             <a:fld id="{9E29935E-FB9C-473C-8B6B-BBE3D03D5D04}" type="datetimeFigureOut">
               <a:rPr lang="ko-KR" altLang="en-US" smtClean="0"/>
-              <a:t>2023-05-20</a:t>
+              <a:t>2023-05-24</a:t>
             </a:fld>
             <a:endParaRPr lang="ko-KR" altLang="en-US"/>
           </a:p>
@@ -1072,7 +1071,7 @@
           <a:p>
             <a:fld id="{9E29935E-FB9C-473C-8B6B-BBE3D03D5D04}" type="datetimeFigureOut">
               <a:rPr lang="ko-KR" altLang="en-US" smtClean="0"/>
-              <a:t>2023-05-20</a:t>
+              <a:t>2023-05-24</a:t>
             </a:fld>
             <a:endParaRPr lang="ko-KR" altLang="en-US"/>
           </a:p>
@@ -1270,7 +1269,7 @@
           <a:p>
             <a:fld id="{9E29935E-FB9C-473C-8B6B-BBE3D03D5D04}" type="datetimeFigureOut">
               <a:rPr lang="ko-KR" altLang="en-US" smtClean="0"/>
-              <a:t>2023-05-20</a:t>
+              <a:t>2023-05-24</a:t>
             </a:fld>
             <a:endParaRPr lang="ko-KR" altLang="en-US"/>
           </a:p>
@@ -1545,7 +1544,7 @@
           <a:p>
             <a:fld id="{9E29935E-FB9C-473C-8B6B-BBE3D03D5D04}" type="datetimeFigureOut">
               <a:rPr lang="ko-KR" altLang="en-US" smtClean="0"/>
-              <a:t>2023-05-20</a:t>
+              <a:t>2023-05-24</a:t>
             </a:fld>
             <a:endParaRPr lang="ko-KR" altLang="en-US"/>
           </a:p>
@@ -1810,7 +1809,7 @@
           <a:p>
             <a:fld id="{9E29935E-FB9C-473C-8B6B-BBE3D03D5D04}" type="datetimeFigureOut">
               <a:rPr lang="ko-KR" altLang="en-US" smtClean="0"/>
-              <a:t>2023-05-20</a:t>
+              <a:t>2023-05-24</a:t>
             </a:fld>
             <a:endParaRPr lang="ko-KR" altLang="en-US"/>
           </a:p>
@@ -2222,7 +2221,7 @@
           <a:p>
             <a:fld id="{9E29935E-FB9C-473C-8B6B-BBE3D03D5D04}" type="datetimeFigureOut">
               <a:rPr lang="ko-KR" altLang="en-US" smtClean="0"/>
-              <a:t>2023-05-20</a:t>
+              <a:t>2023-05-24</a:t>
             </a:fld>
             <a:endParaRPr lang="ko-KR" altLang="en-US"/>
           </a:p>
@@ -2363,7 +2362,7 @@
           <a:p>
             <a:fld id="{9E29935E-FB9C-473C-8B6B-BBE3D03D5D04}" type="datetimeFigureOut">
               <a:rPr lang="ko-KR" altLang="en-US" smtClean="0"/>
-              <a:t>2023-05-20</a:t>
+              <a:t>2023-05-24</a:t>
             </a:fld>
             <a:endParaRPr lang="ko-KR" altLang="en-US"/>
           </a:p>
@@ -2476,7 +2475,7 @@
           <a:p>
             <a:fld id="{9E29935E-FB9C-473C-8B6B-BBE3D03D5D04}" type="datetimeFigureOut">
               <a:rPr lang="ko-KR" altLang="en-US" smtClean="0"/>
-              <a:t>2023-05-20</a:t>
+              <a:t>2023-05-24</a:t>
             </a:fld>
             <a:endParaRPr lang="ko-KR" altLang="en-US"/>
           </a:p>
@@ -2787,7 +2786,7 @@
           <a:p>
             <a:fld id="{9E29935E-FB9C-473C-8B6B-BBE3D03D5D04}" type="datetimeFigureOut">
               <a:rPr lang="ko-KR" altLang="en-US" smtClean="0"/>
-              <a:t>2023-05-20</a:t>
+              <a:t>2023-05-24</a:t>
             </a:fld>
             <a:endParaRPr lang="ko-KR" altLang="en-US"/>
           </a:p>
@@ -3075,7 +3074,7 @@
           <a:p>
             <a:fld id="{9E29935E-FB9C-473C-8B6B-BBE3D03D5D04}" type="datetimeFigureOut">
               <a:rPr lang="ko-KR" altLang="en-US" smtClean="0"/>
-              <a:t>2023-05-20</a:t>
+              <a:t>2023-05-24</a:t>
             </a:fld>
             <a:endParaRPr lang="ko-KR" altLang="en-US"/>
           </a:p>
@@ -3316,7 +3315,7 @@
           <a:p>
             <a:fld id="{9E29935E-FB9C-473C-8B6B-BBE3D03D5D04}" type="datetimeFigureOut">
               <a:rPr lang="ko-KR" altLang="en-US" smtClean="0"/>
-              <a:t>2023-05-20</a:t>
+              <a:t>2023-05-24</a:t>
             </a:fld>
             <a:endParaRPr lang="ko-KR" altLang="en-US"/>
           </a:p>
@@ -4056,6 +4055,781 @@
       </p:grpSpPr>
       <p:sp>
         <p:nvSpPr>
+          <p:cNvPr id="4" name="TextBox 3">
+            <a:extLst>
+              <a:ext uri="{FF2B5EF4-FFF2-40B4-BE49-F238E27FC236}">
+                <a16:creationId xmlns:a16="http://schemas.microsoft.com/office/drawing/2014/main" id="{83F193B6-A283-87DB-27DD-F0C0324FCA1E}"/>
+              </a:ext>
+            </a:extLst>
+          </p:cNvPr>
+          <p:cNvSpPr txBox="1"/>
+          <p:nvPr/>
+        </p:nvSpPr>
+        <p:spPr>
+          <a:xfrm>
+            <a:off x="306647" y="319086"/>
+            <a:ext cx="5691382" cy="707886"/>
+          </a:xfrm>
+          <a:prstGeom prst="rect">
+            <a:avLst/>
+          </a:prstGeom>
+          <a:noFill/>
+        </p:spPr>
+        <p:txBody>
+          <a:bodyPr wrap="square">
+            <a:spAutoFit/>
+          </a:bodyPr>
+          <a:lstStyle/>
+          <a:p>
+            <a:r>
+              <a:rPr lang="en-US" altLang="ko-KR" sz="4000" dirty="0">
+                <a:latin typeface="KoPubWorld돋움체 Bold" panose="00000800000000000000" pitchFamily="2" charset="-127"/>
+                <a:ea typeface="KoPubWorld돋움체 Bold" panose="00000800000000000000" pitchFamily="2" charset="-127"/>
+                <a:cs typeface="KoPubWorld돋움체 Bold" panose="00000800000000000000" pitchFamily="2" charset="-127"/>
+              </a:rPr>
+              <a:t>if </a:t>
+            </a:r>
+            <a:r>
+              <a:rPr lang="ko-KR" altLang="en-US" sz="4000" dirty="0">
+                <a:latin typeface="KoPubWorld돋움체 Bold" panose="00000800000000000000" pitchFamily="2" charset="-127"/>
+                <a:ea typeface="KoPubWorld돋움체 Bold" panose="00000800000000000000" pitchFamily="2" charset="-127"/>
+                <a:cs typeface="KoPubWorld돋움체 Bold" panose="00000800000000000000" pitchFamily="2" charset="-127"/>
+              </a:rPr>
+              <a:t>조건문 실습</a:t>
+            </a:r>
+            <a:r>
+              <a:rPr lang="en-US" altLang="ko-KR" sz="4000" dirty="0">
+                <a:latin typeface="KoPubWorld돋움체 Bold" panose="00000800000000000000" pitchFamily="2" charset="-127"/>
+                <a:ea typeface="KoPubWorld돋움체 Bold" panose="00000800000000000000" pitchFamily="2" charset="-127"/>
+                <a:cs typeface="KoPubWorld돋움체 Bold" panose="00000800000000000000" pitchFamily="2" charset="-127"/>
+              </a:rPr>
+              <a:t>1</a:t>
+            </a:r>
+            <a:endParaRPr lang="ko-KR" altLang="en-US" sz="4000" dirty="0">
+              <a:latin typeface="KoPubWorld돋움체 Bold" panose="00000800000000000000" pitchFamily="2" charset="-127"/>
+              <a:ea typeface="KoPubWorld돋움체 Bold" panose="00000800000000000000" pitchFamily="2" charset="-127"/>
+              <a:cs typeface="KoPubWorld돋움체 Bold" panose="00000800000000000000" pitchFamily="2" charset="-127"/>
+            </a:endParaRPr>
+          </a:p>
+        </p:txBody>
+      </p:sp>
+      <p:sp>
+        <p:nvSpPr>
+          <p:cNvPr id="2" name="텍스트 개체 틀 8">
+            <a:extLst>
+              <a:ext uri="{FF2B5EF4-FFF2-40B4-BE49-F238E27FC236}">
+                <a16:creationId xmlns:a16="http://schemas.microsoft.com/office/drawing/2014/main" id="{FEC5E64A-138A-3F25-2464-F956CE2B452D}"/>
+              </a:ext>
+            </a:extLst>
+          </p:cNvPr>
+          <p:cNvSpPr txBox="1">
+            <a:spLocks/>
+          </p:cNvSpPr>
+          <p:nvPr/>
+        </p:nvSpPr>
+        <p:spPr>
+          <a:xfrm>
+            <a:off x="455474" y="1234108"/>
+            <a:ext cx="11281052" cy="5351330"/>
+          </a:xfrm>
+          <a:prstGeom prst="rect">
+            <a:avLst/>
+          </a:prstGeom>
+        </p:spPr>
+        <p:txBody>
+          <a:bodyPr>
+            <a:normAutofit/>
+          </a:bodyPr>
+          <a:lstStyle>
+            <a:lvl1pPr marL="228600" indent="-228600" algn="l" defTabSz="914400" rtl="0" eaLnBrk="1" latinLnBrk="1" hangingPunct="1">
+              <a:lnSpc>
+                <a:spcPct val="90000"/>
+              </a:lnSpc>
+              <a:spcBef>
+                <a:spcPts val="1000"/>
+              </a:spcBef>
+              <a:buFont typeface="Arial" panose="020B0604020202020204" pitchFamily="34" charset="0"/>
+              <a:buChar char="•"/>
+              <a:defRPr sz="2800" kern="1200">
+                <a:solidFill>
+                  <a:schemeClr val="tx1"/>
+                </a:solidFill>
+                <a:latin typeface="+mn-lt"/>
+                <a:ea typeface="+mn-ea"/>
+                <a:cs typeface="+mn-cs"/>
+              </a:defRPr>
+            </a:lvl1pPr>
+            <a:lvl2pPr marL="685800" indent="-228600" algn="l" defTabSz="914400" rtl="0" eaLnBrk="1" latinLnBrk="1" hangingPunct="1">
+              <a:lnSpc>
+                <a:spcPct val="90000"/>
+              </a:lnSpc>
+              <a:spcBef>
+                <a:spcPts val="500"/>
+              </a:spcBef>
+              <a:buFont typeface="Arial" panose="020B0604020202020204" pitchFamily="34" charset="0"/>
+              <a:buChar char="•"/>
+              <a:defRPr sz="2400" kern="1200">
+                <a:solidFill>
+                  <a:schemeClr val="tx1"/>
+                </a:solidFill>
+                <a:latin typeface="+mn-lt"/>
+                <a:ea typeface="+mn-ea"/>
+                <a:cs typeface="+mn-cs"/>
+              </a:defRPr>
+            </a:lvl2pPr>
+            <a:lvl3pPr marL="1143000" indent="-228600" algn="l" defTabSz="914400" rtl="0" eaLnBrk="1" latinLnBrk="1" hangingPunct="1">
+              <a:lnSpc>
+                <a:spcPct val="90000"/>
+              </a:lnSpc>
+              <a:spcBef>
+                <a:spcPts val="500"/>
+              </a:spcBef>
+              <a:buFont typeface="Arial" panose="020B0604020202020204" pitchFamily="34" charset="0"/>
+              <a:buChar char="•"/>
+              <a:defRPr sz="2000" kern="1200">
+                <a:solidFill>
+                  <a:schemeClr val="tx1"/>
+                </a:solidFill>
+                <a:latin typeface="+mn-lt"/>
+                <a:ea typeface="+mn-ea"/>
+                <a:cs typeface="+mn-cs"/>
+              </a:defRPr>
+            </a:lvl3pPr>
+            <a:lvl4pPr marL="1600200" indent="-228600" algn="l" defTabSz="914400" rtl="0" eaLnBrk="1" latinLnBrk="1" hangingPunct="1">
+              <a:lnSpc>
+                <a:spcPct val="90000"/>
+              </a:lnSpc>
+              <a:spcBef>
+                <a:spcPts val="500"/>
+              </a:spcBef>
+              <a:buFont typeface="Arial" panose="020B0604020202020204" pitchFamily="34" charset="0"/>
+              <a:buChar char="•"/>
+              <a:defRPr sz="1800" kern="1200">
+                <a:solidFill>
+                  <a:schemeClr val="tx1"/>
+                </a:solidFill>
+                <a:latin typeface="+mn-lt"/>
+                <a:ea typeface="+mn-ea"/>
+                <a:cs typeface="+mn-cs"/>
+              </a:defRPr>
+            </a:lvl4pPr>
+            <a:lvl5pPr marL="2057400" indent="-228600" algn="l" defTabSz="914400" rtl="0" eaLnBrk="1" latinLnBrk="1" hangingPunct="1">
+              <a:lnSpc>
+                <a:spcPct val="90000"/>
+              </a:lnSpc>
+              <a:spcBef>
+                <a:spcPts val="500"/>
+              </a:spcBef>
+              <a:buFont typeface="Arial" panose="020B0604020202020204" pitchFamily="34" charset="0"/>
+              <a:buChar char="•"/>
+              <a:defRPr sz="1800" kern="1200">
+                <a:solidFill>
+                  <a:schemeClr val="tx1"/>
+                </a:solidFill>
+                <a:latin typeface="+mn-lt"/>
+                <a:ea typeface="+mn-ea"/>
+                <a:cs typeface="+mn-cs"/>
+              </a:defRPr>
+            </a:lvl5pPr>
+            <a:lvl6pPr marL="2514600" indent="-228600" algn="l" defTabSz="914400" rtl="0" eaLnBrk="1" latinLnBrk="1" hangingPunct="1">
+              <a:lnSpc>
+                <a:spcPct val="90000"/>
+              </a:lnSpc>
+              <a:spcBef>
+                <a:spcPts val="500"/>
+              </a:spcBef>
+              <a:buFont typeface="Arial" panose="020B0604020202020204" pitchFamily="34" charset="0"/>
+              <a:buChar char="•"/>
+              <a:defRPr sz="1800" kern="1200">
+                <a:solidFill>
+                  <a:schemeClr val="tx1"/>
+                </a:solidFill>
+                <a:latin typeface="+mn-lt"/>
+                <a:ea typeface="+mn-ea"/>
+                <a:cs typeface="+mn-cs"/>
+              </a:defRPr>
+            </a:lvl6pPr>
+            <a:lvl7pPr marL="2971800" indent="-228600" algn="l" defTabSz="914400" rtl="0" eaLnBrk="1" latinLnBrk="1" hangingPunct="1">
+              <a:lnSpc>
+                <a:spcPct val="90000"/>
+              </a:lnSpc>
+              <a:spcBef>
+                <a:spcPts val="500"/>
+              </a:spcBef>
+              <a:buFont typeface="Arial" panose="020B0604020202020204" pitchFamily="34" charset="0"/>
+              <a:buChar char="•"/>
+              <a:defRPr sz="1800" kern="1200">
+                <a:solidFill>
+                  <a:schemeClr val="tx1"/>
+                </a:solidFill>
+                <a:latin typeface="+mn-lt"/>
+                <a:ea typeface="+mn-ea"/>
+                <a:cs typeface="+mn-cs"/>
+              </a:defRPr>
+            </a:lvl7pPr>
+            <a:lvl8pPr marL="3429000" indent="-228600" algn="l" defTabSz="914400" rtl="0" eaLnBrk="1" latinLnBrk="1" hangingPunct="1">
+              <a:lnSpc>
+                <a:spcPct val="90000"/>
+              </a:lnSpc>
+              <a:spcBef>
+                <a:spcPts val="500"/>
+              </a:spcBef>
+              <a:buFont typeface="Arial" panose="020B0604020202020204" pitchFamily="34" charset="0"/>
+              <a:buChar char="•"/>
+              <a:defRPr sz="1800" kern="1200">
+                <a:solidFill>
+                  <a:schemeClr val="tx1"/>
+                </a:solidFill>
+                <a:latin typeface="+mn-lt"/>
+                <a:ea typeface="+mn-ea"/>
+                <a:cs typeface="+mn-cs"/>
+              </a:defRPr>
+            </a:lvl8pPr>
+            <a:lvl9pPr marL="3886200" indent="-228600" algn="l" defTabSz="914400" rtl="0" eaLnBrk="1" latinLnBrk="1" hangingPunct="1">
+              <a:lnSpc>
+                <a:spcPct val="90000"/>
+              </a:lnSpc>
+              <a:spcBef>
+                <a:spcPts val="500"/>
+              </a:spcBef>
+              <a:buFont typeface="Arial" panose="020B0604020202020204" pitchFamily="34" charset="0"/>
+              <a:buChar char="•"/>
+              <a:defRPr sz="1800" kern="1200">
+                <a:solidFill>
+                  <a:schemeClr val="tx1"/>
+                </a:solidFill>
+                <a:latin typeface="+mn-lt"/>
+                <a:ea typeface="+mn-ea"/>
+                <a:cs typeface="+mn-cs"/>
+              </a:defRPr>
+            </a:lvl9pPr>
+          </a:lstStyle>
+          <a:p>
+            <a:r>
+              <a:rPr lang="en-US" altLang="ko-KR" dirty="0">
+                <a:solidFill>
+                  <a:srgbClr val="000000"/>
+                </a:solidFill>
+                <a:latin typeface="+mn-ea"/>
+              </a:rPr>
+              <a:t>if</a:t>
+            </a:r>
+            <a:r>
+              <a:rPr lang="ko-KR" altLang="en-US" dirty="0">
+                <a:solidFill>
+                  <a:srgbClr val="000000"/>
+                </a:solidFill>
+                <a:latin typeface="+mn-ea"/>
+              </a:rPr>
+              <a:t> 조건문</a:t>
+            </a:r>
+            <a:endParaRPr lang="en-US" altLang="ko-KR" dirty="0">
+              <a:solidFill>
+                <a:srgbClr val="000000"/>
+              </a:solidFill>
+              <a:latin typeface="+mn-ea"/>
+            </a:endParaRPr>
+          </a:p>
+          <a:p>
+            <a:pPr lvl="1"/>
+            <a:r>
+              <a:rPr lang="ko-KR" altLang="en-US" dirty="0">
+                <a:solidFill>
+                  <a:srgbClr val="000000"/>
+                </a:solidFill>
+                <a:latin typeface="+mn-ea"/>
+              </a:rPr>
+              <a:t>현재 시각에 따라 오전과 오후를 구분하는 프로그램</a:t>
+            </a:r>
+            <a:endParaRPr lang="en-US" altLang="ko-KR" dirty="0">
+              <a:solidFill>
+                <a:srgbClr val="000000"/>
+              </a:solidFill>
+              <a:latin typeface="+mn-ea"/>
+            </a:endParaRPr>
+          </a:p>
+          <a:p>
+            <a:pPr lvl="2"/>
+            <a:r>
+              <a:rPr lang="ko-KR" altLang="en-US" dirty="0">
+                <a:solidFill>
+                  <a:srgbClr val="000000"/>
+                </a:solidFill>
+                <a:latin typeface="+mn-ea"/>
+              </a:rPr>
+              <a:t>현재 시각 구하기</a:t>
+            </a:r>
+            <a:endParaRPr lang="en-US" altLang="ko-KR" dirty="0">
+              <a:solidFill>
+                <a:srgbClr val="000000"/>
+              </a:solidFill>
+              <a:latin typeface="+mn-ea"/>
+            </a:endParaRPr>
+          </a:p>
+          <a:p>
+            <a:pPr lvl="2"/>
+            <a:endParaRPr lang="en-US" altLang="ko-KR" dirty="0">
+              <a:solidFill>
+                <a:srgbClr val="000000"/>
+              </a:solidFill>
+              <a:latin typeface="+mn-ea"/>
+            </a:endParaRPr>
+          </a:p>
+          <a:p>
+            <a:pPr lvl="2"/>
+            <a:endParaRPr lang="en-US" altLang="ko-KR" dirty="0">
+              <a:solidFill>
+                <a:srgbClr val="000000"/>
+              </a:solidFill>
+              <a:latin typeface="+mn-ea"/>
+            </a:endParaRPr>
+          </a:p>
+          <a:p>
+            <a:pPr lvl="2"/>
+            <a:endParaRPr lang="en-US" altLang="ko-KR" dirty="0">
+              <a:solidFill>
+                <a:srgbClr val="000000"/>
+              </a:solidFill>
+              <a:latin typeface="+mn-ea"/>
+            </a:endParaRPr>
+          </a:p>
+          <a:p>
+            <a:pPr lvl="2"/>
+            <a:endParaRPr lang="en-US" altLang="ko-KR" dirty="0">
+              <a:solidFill>
+                <a:srgbClr val="000000"/>
+              </a:solidFill>
+              <a:latin typeface="+mn-ea"/>
+            </a:endParaRPr>
+          </a:p>
+          <a:p>
+            <a:pPr lvl="1"/>
+            <a:endParaRPr lang="en-US" altLang="ko-KR" dirty="0">
+              <a:solidFill>
+                <a:srgbClr val="000000"/>
+              </a:solidFill>
+              <a:latin typeface="+mn-ea"/>
+            </a:endParaRPr>
+          </a:p>
+          <a:p>
+            <a:pPr lvl="1"/>
+            <a:endParaRPr lang="en-US" altLang="ko-KR" dirty="0">
+              <a:solidFill>
+                <a:srgbClr val="000000"/>
+              </a:solidFill>
+              <a:latin typeface="+mn-ea"/>
+            </a:endParaRPr>
+          </a:p>
+          <a:p>
+            <a:pPr lvl="1"/>
+            <a:endParaRPr lang="en-US" altLang="ko-KR" dirty="0">
+              <a:solidFill>
+                <a:srgbClr val="000000"/>
+              </a:solidFill>
+              <a:latin typeface="+mn-ea"/>
+            </a:endParaRPr>
+          </a:p>
+          <a:p>
+            <a:pPr lvl="1"/>
+            <a:endParaRPr lang="en-US" altLang="ko-KR" dirty="0">
+              <a:solidFill>
+                <a:srgbClr val="000000"/>
+              </a:solidFill>
+              <a:latin typeface="+mn-ea"/>
+            </a:endParaRPr>
+          </a:p>
+          <a:p>
+            <a:pPr lvl="1"/>
+            <a:endParaRPr lang="en-US" altLang="ko-KR" dirty="0">
+              <a:solidFill>
+                <a:srgbClr val="000000"/>
+              </a:solidFill>
+              <a:latin typeface="+mn-ea"/>
+            </a:endParaRPr>
+          </a:p>
+          <a:p>
+            <a:pPr lvl="1"/>
+            <a:endParaRPr lang="en-US" altLang="ko-KR" dirty="0">
+              <a:solidFill>
+                <a:srgbClr val="000000"/>
+              </a:solidFill>
+              <a:latin typeface="+mn-ea"/>
+            </a:endParaRPr>
+          </a:p>
+        </p:txBody>
+      </p:sp>
+      <p:graphicFrame>
+        <p:nvGraphicFramePr>
+          <p:cNvPr id="3" name="Table 4">
+            <a:extLst>
+              <a:ext uri="{FF2B5EF4-FFF2-40B4-BE49-F238E27FC236}">
+                <a16:creationId xmlns:a16="http://schemas.microsoft.com/office/drawing/2014/main" id="{349E5196-2408-FC81-0905-931381585E6D}"/>
+              </a:ext>
+            </a:extLst>
+          </p:cNvPr>
+          <p:cNvGraphicFramePr>
+            <a:graphicFrameLocks noGrp="1"/>
+          </p:cNvGraphicFramePr>
+          <p:nvPr/>
+        </p:nvGraphicFramePr>
+        <p:xfrm>
+          <a:off x="1726921" y="2484248"/>
+          <a:ext cx="2965938" cy="3505200"/>
+        </p:xfrm>
+        <a:graphic>
+          <a:graphicData uri="http://schemas.openxmlformats.org/drawingml/2006/table">
+            <a:tbl>
+              <a:tblPr firstRow="1" bandRow="1">
+                <a:tableStyleId>{5C22544A-7EE6-4342-B048-85BDC9FD1C3A}</a:tableStyleId>
+              </a:tblPr>
+              <a:tblGrid>
+                <a:gridCol w="2965938">
+                  <a:extLst>
+                    <a:ext uri="{9D8B030D-6E8A-4147-A177-3AD203B41FA5}">
+                      <a16:colId xmlns:a16="http://schemas.microsoft.com/office/drawing/2014/main" val="861803730"/>
+                    </a:ext>
+                  </a:extLst>
+                </a:gridCol>
+              </a:tblGrid>
+              <a:tr h="370840">
+                <a:tc>
+                  <a:txBody>
+                    <a:bodyPr/>
+                    <a:lstStyle/>
+                    <a:p>
+                      <a:pPr latinLnBrk="1"/>
+                      <a:r>
+                        <a:rPr lang="en-US" altLang="ko-KR" sz="1600" b="0" dirty="0">
+                          <a:solidFill>
+                            <a:sysClr val="windowText" lastClr="000000"/>
+                          </a:solidFill>
+                        </a:rPr>
+                        <a:t>&gt; const date = new Date()</a:t>
+                      </a:r>
+                    </a:p>
+                    <a:p>
+                      <a:pPr latinLnBrk="1"/>
+                      <a:r>
+                        <a:rPr lang="en-US" altLang="ko-KR" sz="1600" b="0" dirty="0">
+                          <a:solidFill>
+                            <a:sysClr val="windowText" lastClr="000000"/>
+                          </a:solidFill>
+                        </a:rPr>
+                        <a:t>undefined</a:t>
+                      </a:r>
+                    </a:p>
+                    <a:p>
+                      <a:pPr latinLnBrk="1"/>
+                      <a:r>
+                        <a:rPr lang="en-US" altLang="ko-KR" sz="1600" b="0" dirty="0">
+                          <a:solidFill>
+                            <a:sysClr val="windowText" lastClr="000000"/>
+                          </a:solidFill>
+                        </a:rPr>
+                        <a:t>&gt; </a:t>
+                      </a:r>
+                      <a:r>
+                        <a:rPr lang="en-US" altLang="ko-KR" sz="1600" b="0" dirty="0" err="1">
+                          <a:solidFill>
+                            <a:sysClr val="windowText" lastClr="000000"/>
+                          </a:solidFill>
+                        </a:rPr>
+                        <a:t>date.getFullYear</a:t>
+                      </a:r>
+                      <a:r>
+                        <a:rPr lang="en-US" altLang="ko-KR" sz="1600" b="0" dirty="0">
+                          <a:solidFill>
+                            <a:sysClr val="windowText" lastClr="000000"/>
+                          </a:solidFill>
+                        </a:rPr>
+                        <a:t>()</a:t>
+                      </a:r>
+                    </a:p>
+                    <a:p>
+                      <a:pPr latinLnBrk="1"/>
+                      <a:r>
+                        <a:rPr lang="en-US" altLang="ko-KR" sz="1600" b="0" dirty="0">
+                          <a:solidFill>
+                            <a:sysClr val="windowText" lastClr="000000"/>
+                          </a:solidFill>
+                        </a:rPr>
+                        <a:t>2020</a:t>
+                      </a:r>
+                    </a:p>
+                    <a:p>
+                      <a:pPr latinLnBrk="1"/>
+                      <a:r>
+                        <a:rPr lang="en-US" altLang="ko-KR" sz="1600" b="0" dirty="0">
+                          <a:solidFill>
+                            <a:sysClr val="windowText" lastClr="000000"/>
+                          </a:solidFill>
+                        </a:rPr>
+                        <a:t>&gt; </a:t>
+                      </a:r>
+                      <a:r>
+                        <a:rPr lang="en-US" altLang="ko-KR" sz="1600" b="0" dirty="0" err="1">
+                          <a:solidFill>
+                            <a:sysClr val="windowText" lastClr="000000"/>
+                          </a:solidFill>
+                        </a:rPr>
+                        <a:t>date.getMonth</a:t>
+                      </a:r>
+                      <a:r>
+                        <a:rPr lang="en-US" altLang="ko-KR" sz="1600" b="0" dirty="0">
+                          <a:solidFill>
+                            <a:sysClr val="windowText" lastClr="000000"/>
+                          </a:solidFill>
+                        </a:rPr>
+                        <a:t>() + 1</a:t>
+                      </a:r>
+                    </a:p>
+                    <a:p>
+                      <a:pPr latinLnBrk="1"/>
+                      <a:r>
+                        <a:rPr lang="en-US" altLang="ko-KR" sz="1600" b="0" dirty="0">
+                          <a:solidFill>
+                            <a:sysClr val="windowText" lastClr="000000"/>
+                          </a:solidFill>
+                        </a:rPr>
+                        <a:t>6</a:t>
+                      </a:r>
+                    </a:p>
+                    <a:p>
+                      <a:pPr latinLnBrk="1"/>
+                      <a:r>
+                        <a:rPr lang="en-US" altLang="ko-KR" sz="1600" b="0" dirty="0">
+                          <a:solidFill>
+                            <a:sysClr val="windowText" lastClr="000000"/>
+                          </a:solidFill>
+                        </a:rPr>
+                        <a:t>&gt; </a:t>
+                      </a:r>
+                      <a:r>
+                        <a:rPr lang="en-US" altLang="ko-KR" sz="1600" b="0" dirty="0" err="1">
+                          <a:solidFill>
+                            <a:sysClr val="windowText" lastClr="000000"/>
+                          </a:solidFill>
+                        </a:rPr>
+                        <a:t>date.getDate</a:t>
+                      </a:r>
+                      <a:r>
+                        <a:rPr lang="en-US" altLang="ko-KR" sz="1600" b="0" dirty="0">
+                          <a:solidFill>
+                            <a:sysClr val="windowText" lastClr="000000"/>
+                          </a:solidFill>
+                        </a:rPr>
+                        <a:t>()</a:t>
+                      </a:r>
+                    </a:p>
+                    <a:p>
+                      <a:pPr latinLnBrk="1"/>
+                      <a:r>
+                        <a:rPr lang="en-US" altLang="ko-KR" sz="1600" b="0" dirty="0">
+                          <a:solidFill>
+                            <a:sysClr val="windowText" lastClr="000000"/>
+                          </a:solidFill>
+                        </a:rPr>
+                        <a:t>4</a:t>
+                      </a:r>
+                    </a:p>
+                    <a:p>
+                      <a:pPr latinLnBrk="1"/>
+                      <a:r>
+                        <a:rPr lang="en-US" altLang="ko-KR" sz="1600" b="0" dirty="0">
+                          <a:solidFill>
+                            <a:sysClr val="windowText" lastClr="000000"/>
+                          </a:solidFill>
+                        </a:rPr>
+                        <a:t>&gt; </a:t>
+                      </a:r>
+                      <a:r>
+                        <a:rPr lang="en-US" altLang="ko-KR" sz="1600" b="0" dirty="0" err="1">
+                          <a:solidFill>
+                            <a:sysClr val="windowText" lastClr="000000"/>
+                          </a:solidFill>
+                        </a:rPr>
+                        <a:t>date.getHours</a:t>
+                      </a:r>
+                      <a:r>
+                        <a:rPr lang="en-US" altLang="ko-KR" sz="1600" b="0" dirty="0">
+                          <a:solidFill>
+                            <a:sysClr val="windowText" lastClr="000000"/>
+                          </a:solidFill>
+                        </a:rPr>
+                        <a:t>()</a:t>
+                      </a:r>
+                    </a:p>
+                    <a:p>
+                      <a:pPr latinLnBrk="1"/>
+                      <a:r>
+                        <a:rPr lang="en-US" altLang="ko-KR" sz="1600" b="0" dirty="0">
+                          <a:solidFill>
+                            <a:sysClr val="windowText" lastClr="000000"/>
+                          </a:solidFill>
+                        </a:rPr>
+                        <a:t>15</a:t>
+                      </a:r>
+                    </a:p>
+                    <a:p>
+                      <a:pPr latinLnBrk="1"/>
+                      <a:r>
+                        <a:rPr lang="en-US" altLang="ko-KR" sz="1600" b="0" dirty="0">
+                          <a:solidFill>
+                            <a:sysClr val="windowText" lastClr="000000"/>
+                          </a:solidFill>
+                        </a:rPr>
+                        <a:t>&gt; </a:t>
+                      </a:r>
+                      <a:r>
+                        <a:rPr lang="en-US" altLang="ko-KR" sz="1600" b="0" dirty="0" err="1">
+                          <a:solidFill>
+                            <a:sysClr val="windowText" lastClr="000000"/>
+                          </a:solidFill>
+                        </a:rPr>
+                        <a:t>date.getMinutes</a:t>
+                      </a:r>
+                      <a:r>
+                        <a:rPr lang="en-US" altLang="ko-KR" sz="1600" b="0" dirty="0">
+                          <a:solidFill>
+                            <a:sysClr val="windowText" lastClr="000000"/>
+                          </a:solidFill>
+                        </a:rPr>
+                        <a:t>()</a:t>
+                      </a:r>
+                    </a:p>
+                    <a:p>
+                      <a:pPr latinLnBrk="1"/>
+                      <a:r>
+                        <a:rPr lang="en-US" altLang="ko-KR" sz="1600" b="0" dirty="0">
+                          <a:solidFill>
+                            <a:sysClr val="windowText" lastClr="000000"/>
+                          </a:solidFill>
+                        </a:rPr>
+                        <a:t>5</a:t>
+                      </a:r>
+                    </a:p>
+                    <a:p>
+                      <a:pPr latinLnBrk="1"/>
+                      <a:r>
+                        <a:rPr lang="en-US" altLang="ko-KR" sz="1600" b="0" dirty="0">
+                          <a:solidFill>
+                            <a:sysClr val="windowText" lastClr="000000"/>
+                          </a:solidFill>
+                        </a:rPr>
+                        <a:t>&gt; </a:t>
+                      </a:r>
+                      <a:r>
+                        <a:rPr lang="en-US" altLang="ko-KR" sz="1600" b="0" dirty="0" err="1">
+                          <a:solidFill>
+                            <a:sysClr val="windowText" lastClr="000000"/>
+                          </a:solidFill>
+                        </a:rPr>
+                        <a:t>date.getSeconds</a:t>
+                      </a:r>
+                      <a:r>
+                        <a:rPr lang="en-US" altLang="ko-KR" sz="1600" b="0" dirty="0">
+                          <a:solidFill>
+                            <a:sysClr val="windowText" lastClr="000000"/>
+                          </a:solidFill>
+                        </a:rPr>
+                        <a:t>()</a:t>
+                      </a:r>
+                    </a:p>
+                    <a:p>
+                      <a:pPr latinLnBrk="1"/>
+                      <a:r>
+                        <a:rPr lang="en-US" altLang="ko-KR" sz="1600" b="0" dirty="0">
+                          <a:solidFill>
+                            <a:sysClr val="windowText" lastClr="000000"/>
+                          </a:solidFill>
+                        </a:rPr>
+                        <a:t>7</a:t>
+                      </a:r>
+                      <a:endParaRPr lang="ko-KR" altLang="en-US" sz="1600" b="0" dirty="0">
+                        <a:solidFill>
+                          <a:sysClr val="windowText" lastClr="000000"/>
+                        </a:solidFill>
+                      </a:endParaRPr>
+                    </a:p>
+                  </a:txBody>
+                  <a:tcPr>
+                    <a:lnL w="12700" cmpd="sng">
+                      <a:noFill/>
+                    </a:lnL>
+                    <a:lnR w="12700" cmpd="sng">
+                      <a:noFill/>
+                    </a:lnR>
+                    <a:lnT w="12700" cap="flat" cmpd="sng" algn="ctr">
+                      <a:solidFill>
+                        <a:schemeClr val="tx1"/>
+                      </a:solidFill>
+                      <a:prstDash val="solid"/>
+                      <a:round/>
+                      <a:headEnd type="none" w="med" len="med"/>
+                      <a:tailEnd type="none" w="med" len="med"/>
+                    </a:lnT>
+                    <a:lnB w="12700" cap="flat" cmpd="sng" algn="ctr">
+                      <a:solidFill>
+                        <a:schemeClr val="tx1"/>
+                      </a:solidFill>
+                      <a:prstDash val="solid"/>
+                      <a:round/>
+                      <a:headEnd type="none" w="med" len="med"/>
+                      <a:tailEnd type="none" w="med" len="med"/>
+                    </a:lnB>
+                    <a:lnTlToBr w="12700" cmpd="sng">
+                      <a:noFill/>
+                      <a:prstDash val="solid"/>
+                    </a:lnTlToBr>
+                    <a:lnBlToTr w="12700" cmpd="sng">
+                      <a:noFill/>
+                      <a:prstDash val="solid"/>
+                    </a:lnBlToTr>
+                    <a:noFill/>
+                  </a:tcPr>
+                </a:tc>
+                <a:extLst>
+                  <a:ext uri="{0D108BD9-81ED-4DB2-BD59-A6C34878D82A}">
+                    <a16:rowId xmlns:a16="http://schemas.microsoft.com/office/drawing/2014/main" val="2868720426"/>
+                  </a:ext>
+                </a:extLst>
+              </a:tr>
+            </a:tbl>
+          </a:graphicData>
+        </a:graphic>
+      </p:graphicFrame>
+    </p:spTree>
+    <p:extLst>
+      <p:ext uri="{BB962C8B-B14F-4D97-AF65-F5344CB8AC3E}">
+        <p14:creationId xmlns:p14="http://schemas.microsoft.com/office/powerpoint/2010/main" val="3529688027"/>
+      </p:ext>
+    </p:extLst>
+  </p:cSld>
+  <p:clrMapOvr>
+    <a:masterClrMapping/>
+  </p:clrMapOvr>
+</p:sld>
+</file>
+
+<file path=ppt/slides/slide11.xml><?xml version="1.0" encoding="utf-8"?>
+<p:sld xmlns:a="http://schemas.openxmlformats.org/drawingml/2006/main" xmlns:r="http://schemas.openxmlformats.org/officeDocument/2006/relationships" xmlns:p="http://schemas.openxmlformats.org/presentationml/2006/main">
+  <p:cSld>
+    <p:spTree>
+      <p:nvGrpSpPr>
+        <p:cNvPr id="1" name=""/>
+        <p:cNvGrpSpPr/>
+        <p:nvPr/>
+      </p:nvGrpSpPr>
+      <p:grpSpPr>
+        <a:xfrm>
+          <a:off x="0" y="0"/>
+          <a:ext cx="0" cy="0"/>
+          <a:chOff x="0" y="0"/>
+          <a:chExt cx="0" cy="0"/>
+        </a:xfrm>
+      </p:grpSpPr>
+      <p:sp>
+        <p:nvSpPr>
           <p:cNvPr id="7" name="TextBox 6">
             <a:extLst>
               <a:ext uri="{FF2B5EF4-FFF2-40B4-BE49-F238E27FC236}">
@@ -4068,7 +4842,7 @@
         </p:nvSpPr>
         <p:spPr>
           <a:xfrm>
-            <a:off x="571500" y="411480"/>
+            <a:off x="609600" y="1211520"/>
             <a:ext cx="5269230" cy="400110"/>
           </a:xfrm>
           <a:prstGeom prst="rect">
@@ -4128,58 +4902,6 @@
               <a:t>문 연습하기</a:t>
             </a:r>
             <a:endParaRPr kumimoji="1" lang="ko-Kore-KR" altLang="en-US" sz="2000"/>
-          </a:p>
-        </p:txBody>
-      </p:sp>
-      <p:sp>
-        <p:nvSpPr>
-          <p:cNvPr id="8" name="TextBox 7">
-            <a:extLst>
-              <a:ext uri="{FF2B5EF4-FFF2-40B4-BE49-F238E27FC236}">
-                <a16:creationId xmlns:a16="http://schemas.microsoft.com/office/drawing/2014/main" id="{7366C583-E414-5575-113D-F6801241EB60}"/>
-              </a:ext>
-            </a:extLst>
-          </p:cNvPr>
-          <p:cNvSpPr txBox="1"/>
-          <p:nvPr/>
-        </p:nvSpPr>
-        <p:spPr>
-          <a:xfrm>
-            <a:off x="571500" y="960120"/>
-            <a:ext cx="6332220" cy="369332"/>
-          </a:xfrm>
-          <a:prstGeom prst="rect">
-            <a:avLst/>
-          </a:prstGeom>
-          <a:noFill/>
-        </p:spPr>
-        <p:txBody>
-          <a:bodyPr wrap="square" rtlCol="0">
-            <a:spAutoFit/>
-          </a:bodyPr>
-          <a:lstStyle/>
-          <a:p>
-            <a:r>
-              <a:rPr kumimoji="1" lang="en-US" altLang="ko-Kore-KR" dirty="0"/>
-              <a:t>17\</a:t>
-            </a:r>
-            <a:r>
-              <a:rPr kumimoji="1" lang="en-US" altLang="ko-KR" dirty="0"/>
-              <a:t>age-1.html</a:t>
-            </a:r>
-            <a:r>
-              <a:rPr kumimoji="1" lang="ko-KR" altLang="en-US" dirty="0"/>
-              <a:t> 문서에서 연습합니다</a:t>
-            </a:r>
-            <a:r>
-              <a:rPr kumimoji="1" lang="en-US" altLang="ko-KR" dirty="0"/>
-              <a:t>.</a:t>
-            </a:r>
-            <a:r>
-              <a:rPr kumimoji="1" lang="ko-KR" altLang="en-US" dirty="0"/>
-              <a:t> </a:t>
-            </a:r>
-            <a:endParaRPr kumimoji="1" lang="ko-Kore-KR" altLang="en-US" dirty="0"/>
           </a:p>
         </p:txBody>
       </p:sp>
@@ -4280,7 +5002,7 @@
               </a:lnSpc>
             </a:pPr>
             <a:r>
-              <a:rPr lang="en" altLang="ko-Kore-KR" b="0">
+              <a:rPr lang="en" altLang="ko-Kore-KR" b="0" dirty="0">
                 <a:effectLst/>
                 <a:latin typeface="D2Coding" panose="020B0609020101020101" pitchFamily="49" charset="-127"/>
                 <a:ea typeface="D2Coding" panose="020B0609020101020101" pitchFamily="49" charset="-127"/>
@@ -4295,7 +5017,7 @@
               </a:lnSpc>
             </a:pPr>
             <a:r>
-              <a:rPr lang="ko-KR" altLang="en-US" b="0">
+              <a:rPr lang="ko-KR" altLang="en-US" b="0" dirty="0">
                 <a:effectLst/>
                 <a:latin typeface="D2Coding" panose="020B0609020101020101" pitchFamily="49" charset="-127"/>
                 <a:ea typeface="D2Coding" panose="020B0609020101020101" pitchFamily="49" charset="-127"/>
@@ -4303,7 +5025,7 @@
               <a:t>  </a:t>
             </a:r>
             <a:r>
-              <a:rPr lang="en" altLang="ko-Kore-KR" b="0">
+              <a:rPr lang="en" altLang="ko-Kore-KR" b="0" dirty="0">
                 <a:effectLst/>
                 <a:latin typeface="D2Coding" panose="020B0609020101020101" pitchFamily="49" charset="-127"/>
                 <a:ea typeface="D2Coding" panose="020B0609020101020101" pitchFamily="49" charset="-127"/>
@@ -4318,7 +5040,7 @@
               </a:lnSpc>
             </a:pPr>
             <a:r>
-              <a:rPr lang="ko-KR" altLang="en-US" b="0">
+              <a:rPr lang="ko-KR" altLang="en-US" b="0" dirty="0">
                 <a:effectLst/>
                 <a:latin typeface="D2Coding" panose="020B0609020101020101" pitchFamily="49" charset="-127"/>
                 <a:ea typeface="D2Coding" panose="020B0609020101020101" pitchFamily="49" charset="-127"/>
@@ -4326,7 +5048,7 @@
               <a:t>  </a:t>
             </a:r>
             <a:r>
-              <a:rPr lang="en" altLang="ko-Kore-KR" b="0">
+              <a:rPr lang="en" altLang="ko-Kore-KR" b="0" dirty="0">
                 <a:effectLst/>
                 <a:latin typeface="D2Coding" panose="020B0609020101020101" pitchFamily="49" charset="-127"/>
                 <a:ea typeface="D2Coding" panose="020B0609020101020101" pitchFamily="49" charset="-127"/>
@@ -4341,7 +5063,7 @@
               </a:lnSpc>
             </a:pPr>
             <a:r>
-              <a:rPr lang="ko-KR" altLang="en-US" b="0">
+              <a:rPr lang="ko-KR" altLang="en-US" b="0" dirty="0">
                 <a:effectLst/>
                 <a:latin typeface="D2Coding" panose="020B0609020101020101" pitchFamily="49" charset="-127"/>
                 <a:ea typeface="D2Coding" panose="020B0609020101020101" pitchFamily="49" charset="-127"/>
@@ -4349,7 +5071,7 @@
               <a:t>  </a:t>
             </a:r>
             <a:r>
-              <a:rPr lang="en" altLang="ko-Kore-KR" b="0">
+              <a:rPr lang="en" altLang="ko-Kore-KR" b="0" dirty="0">
                 <a:effectLst/>
                 <a:latin typeface="D2Coding" panose="020B0609020101020101" pitchFamily="49" charset="-127"/>
                 <a:ea typeface="D2Coding" panose="020B0609020101020101" pitchFamily="49" charset="-127"/>
@@ -4364,14 +5086,14 @@
               </a:lnSpc>
             </a:pPr>
             <a:br>
-              <a:rPr lang="en" altLang="ko-Kore-KR" b="0">
+              <a:rPr lang="en" altLang="ko-Kore-KR" b="0" dirty="0">
                 <a:effectLst/>
                 <a:latin typeface="D2Coding" panose="020B0609020101020101" pitchFamily="49" charset="-127"/>
                 <a:ea typeface="D2Coding" panose="020B0609020101020101" pitchFamily="49" charset="-127"/>
               </a:rPr>
             </a:br>
             <a:r>
-              <a:rPr lang="ko-KR" altLang="en-US" b="0">
+              <a:rPr lang="ko-KR" altLang="en-US" b="0" dirty="0">
                 <a:effectLst/>
                 <a:latin typeface="D2Coding" panose="020B0609020101020101" pitchFamily="49" charset="-127"/>
                 <a:ea typeface="D2Coding" panose="020B0609020101020101" pitchFamily="49" charset="-127"/>
@@ -4379,7 +5101,7 @@
               <a:t>  </a:t>
             </a:r>
             <a:r>
-              <a:rPr lang="en" altLang="ko-Kore-KR" b="0">
+              <a:rPr lang="en" altLang="ko-Kore-KR" b="0" dirty="0">
                 <a:effectLst/>
                 <a:latin typeface="D2Coding" panose="020B0609020101020101" pitchFamily="49" charset="-127"/>
                 <a:ea typeface="D2Coding" panose="020B0609020101020101" pitchFamily="49" charset="-127"/>
@@ -4387,7 +5109,7 @@
               <a:t>birthYear = parseInt(prompt("</a:t>
             </a:r>
             <a:r>
-              <a:rPr lang="ko-KR" altLang="en-US" b="0">
+              <a:rPr lang="ko-KR" altLang="en-US" b="0" dirty="0">
                 <a:effectLst/>
                 <a:latin typeface="D2Coding" panose="020B0609020101020101" pitchFamily="49" charset="-127"/>
                 <a:ea typeface="D2Coding" panose="020B0609020101020101" pitchFamily="49" charset="-127"/>
@@ -4395,7 +5117,7 @@
               <a:t>태어난 연도를 입력하세요</a:t>
             </a:r>
             <a:r>
-              <a:rPr lang="en-US" altLang="ko-KR" b="0">
+              <a:rPr lang="en-US" altLang="ko-KR" b="0" dirty="0">
                 <a:effectLst/>
                 <a:latin typeface="D2Coding" panose="020B0609020101020101" pitchFamily="49" charset="-127"/>
                 <a:ea typeface="D2Coding" panose="020B0609020101020101" pitchFamily="49" charset="-127"/>
@@ -4403,7 +5125,7 @@
               <a:t>. (</a:t>
             </a:r>
             <a:r>
-              <a:rPr lang="en" altLang="ko-Kore-KR" b="0">
+              <a:rPr lang="en" altLang="ko-Kore-KR" b="0" dirty="0">
                 <a:effectLst/>
                 <a:latin typeface="D2Coding" panose="020B0609020101020101" pitchFamily="49" charset="-127"/>
                 <a:ea typeface="D2Coding" panose="020B0609020101020101" pitchFamily="49" charset="-127"/>
@@ -4418,7 +5140,7 @@
               </a:lnSpc>
             </a:pPr>
             <a:r>
-              <a:rPr lang="ko-KR" altLang="en-US" b="0">
+              <a:rPr lang="ko-KR" altLang="en-US" b="0" dirty="0">
                 <a:effectLst/>
                 <a:latin typeface="D2Coding" panose="020B0609020101020101" pitchFamily="49" charset="-127"/>
                 <a:ea typeface="D2Coding" panose="020B0609020101020101" pitchFamily="49" charset="-127"/>
@@ -4426,7 +5148,7 @@
               <a:t>  </a:t>
             </a:r>
             <a:r>
-              <a:rPr lang="en" altLang="ko-Kore-KR" b="0">
+              <a:rPr lang="en" altLang="ko-Kore-KR" b="0" dirty="0">
                 <a:effectLst/>
                 <a:latin typeface="D2Coding" panose="020B0609020101020101" pitchFamily="49" charset="-127"/>
                 <a:ea typeface="D2Coding" panose="020B0609020101020101" pitchFamily="49" charset="-127"/>
@@ -4441,13 +5163,110 @@
               </a:lnSpc>
             </a:pPr>
             <a:r>
-              <a:rPr lang="en" altLang="ko-Kore-KR" b="0">
+              <a:rPr lang="en" altLang="ko-Kore-KR" b="0" dirty="0">
                 <a:effectLst/>
                 <a:latin typeface="D2Coding" panose="020B0609020101020101" pitchFamily="49" charset="-127"/>
                 <a:ea typeface="D2Coding" panose="020B0609020101020101" pitchFamily="49" charset="-127"/>
               </a:rPr>
               <a:t>&lt;/script&gt;</a:t>
             </a:r>
+          </a:p>
+        </p:txBody>
+      </p:sp>
+      <p:sp>
+        <p:nvSpPr>
+          <p:cNvPr id="2" name="TextBox 1">
+            <a:extLst>
+              <a:ext uri="{FF2B5EF4-FFF2-40B4-BE49-F238E27FC236}">
+                <a16:creationId xmlns:a16="http://schemas.microsoft.com/office/drawing/2014/main" id="{7AD49982-0424-3D94-59CC-8292406489F4}"/>
+              </a:ext>
+            </a:extLst>
+          </p:cNvPr>
+          <p:cNvSpPr txBox="1"/>
+          <p:nvPr/>
+        </p:nvSpPr>
+        <p:spPr>
+          <a:xfrm>
+            <a:off x="10110651" y="242203"/>
+            <a:ext cx="1710146" cy="369332"/>
+          </a:xfrm>
+          <a:prstGeom prst="rect">
+            <a:avLst/>
+          </a:prstGeom>
+          <a:noFill/>
+        </p:spPr>
+        <p:txBody>
+          <a:bodyPr wrap="square" rtlCol="0">
+            <a:spAutoFit/>
+          </a:bodyPr>
+          <a:lstStyle/>
+          <a:p>
+            <a:pPr algn="r"/>
+            <a:r>
+              <a:rPr lang="en-US" altLang="ko-KR" dirty="0"/>
+              <a:t>age1.js</a:t>
+            </a:r>
+            <a:endParaRPr lang="ko-KR" altLang="en-US" dirty="0"/>
+          </a:p>
+        </p:txBody>
+      </p:sp>
+      <p:sp>
+        <p:nvSpPr>
+          <p:cNvPr id="3" name="TextBox 2">
+            <a:extLst>
+              <a:ext uri="{FF2B5EF4-FFF2-40B4-BE49-F238E27FC236}">
+                <a16:creationId xmlns:a16="http://schemas.microsoft.com/office/drawing/2014/main" id="{65B38515-C6EE-3E78-2B75-51AEFEDA0622}"/>
+              </a:ext>
+            </a:extLst>
+          </p:cNvPr>
+          <p:cNvSpPr txBox="1"/>
+          <p:nvPr/>
+        </p:nvSpPr>
+        <p:spPr>
+          <a:xfrm>
+            <a:off x="306647" y="319086"/>
+            <a:ext cx="5691382" cy="707886"/>
+          </a:xfrm>
+          <a:prstGeom prst="rect">
+            <a:avLst/>
+          </a:prstGeom>
+          <a:noFill/>
+        </p:spPr>
+        <p:txBody>
+          <a:bodyPr wrap="square">
+            <a:spAutoFit/>
+          </a:bodyPr>
+          <a:lstStyle/>
+          <a:p>
+            <a:r>
+              <a:rPr lang="en-US" altLang="ko-KR" sz="4000" dirty="0">
+                <a:latin typeface="KoPubWorld돋움체 Bold" panose="00000800000000000000" pitchFamily="2" charset="-127"/>
+                <a:ea typeface="KoPubWorld돋움체 Bold" panose="00000800000000000000" pitchFamily="2" charset="-127"/>
+                <a:cs typeface="KoPubWorld돋움체 Bold" panose="00000800000000000000" pitchFamily="2" charset="-127"/>
+              </a:rPr>
+              <a:t>if </a:t>
+            </a:r>
+            <a:r>
+              <a:rPr lang="ko-KR" altLang="en-US" sz="4000" dirty="0">
+                <a:latin typeface="KoPubWorld돋움체 Bold" panose="00000800000000000000" pitchFamily="2" charset="-127"/>
+                <a:ea typeface="KoPubWorld돋움체 Bold" panose="00000800000000000000" pitchFamily="2" charset="-127"/>
+                <a:cs typeface="KoPubWorld돋움체 Bold" panose="00000800000000000000" pitchFamily="2" charset="-127"/>
+              </a:rPr>
+              <a:t>조건문 실습</a:t>
+            </a:r>
+            <a:r>
+              <a:rPr lang="en-US" altLang="ko-KR" sz="4000" dirty="0">
+                <a:latin typeface="KoPubWorld돋움체 Bold" panose="00000800000000000000" pitchFamily="2" charset="-127"/>
+                <a:ea typeface="KoPubWorld돋움체 Bold" panose="00000800000000000000" pitchFamily="2" charset="-127"/>
+                <a:cs typeface="KoPubWorld돋움체 Bold" panose="00000800000000000000" pitchFamily="2" charset="-127"/>
+              </a:rPr>
+              <a:t>2</a:t>
+            </a:r>
+            <a:endParaRPr lang="ko-KR" altLang="en-US" sz="4000" dirty="0">
+              <a:latin typeface="KoPubWorld돋움체 Bold" panose="00000800000000000000" pitchFamily="2" charset="-127"/>
+              <a:ea typeface="KoPubWorld돋움체 Bold" panose="00000800000000000000" pitchFamily="2" charset="-127"/>
+              <a:cs typeface="KoPubWorld돋움체 Bold" panose="00000800000000000000" pitchFamily="2" charset="-127"/>
+            </a:endParaRPr>
           </a:p>
         </p:txBody>
       </p:sp>
@@ -4464,7 +5283,7 @@
 </p:sld>
 </file>
 
-<file path=ppt/slides/slide11.xml><?xml version="1.0" encoding="utf-8"?>
+<file path=ppt/slides/slide12.xml><?xml version="1.0" encoding="utf-8"?>
 <p:sld xmlns:a="http://schemas.openxmlformats.org/drawingml/2006/main" xmlns:r="http://schemas.openxmlformats.org/officeDocument/2006/relationships" xmlns:p="http://schemas.openxmlformats.org/presentationml/2006/main">
   <p:cSld>
     <p:spTree>
@@ -4495,7 +5314,7 @@
         </p:nvSpPr>
         <p:spPr>
           <a:xfrm>
-            <a:off x="693420" y="749482"/>
+            <a:off x="671648" y="1604010"/>
             <a:ext cx="8641080" cy="783356"/>
           </a:xfrm>
           <a:prstGeom prst="rect">
@@ -4592,7 +5411,7 @@
         </p:nvSpPr>
         <p:spPr>
           <a:xfrm>
-            <a:off x="693420" y="1880947"/>
+            <a:off x="671648" y="2735475"/>
             <a:ext cx="7920990" cy="3373809"/>
           </a:xfrm>
           <a:prstGeom prst="rect">
@@ -4884,6 +5703,103 @@
           </a:p>
         </p:txBody>
       </p:sp>
+      <p:sp>
+        <p:nvSpPr>
+          <p:cNvPr id="2" name="TextBox 1">
+            <a:extLst>
+              <a:ext uri="{FF2B5EF4-FFF2-40B4-BE49-F238E27FC236}">
+                <a16:creationId xmlns:a16="http://schemas.microsoft.com/office/drawing/2014/main" id="{424EABBD-E6EF-1826-EFA8-98781CA08E9F}"/>
+              </a:ext>
+            </a:extLst>
+          </p:cNvPr>
+          <p:cNvSpPr txBox="1"/>
+          <p:nvPr/>
+        </p:nvSpPr>
+        <p:spPr>
+          <a:xfrm>
+            <a:off x="10110651" y="242203"/>
+            <a:ext cx="1710146" cy="369332"/>
+          </a:xfrm>
+          <a:prstGeom prst="rect">
+            <a:avLst/>
+          </a:prstGeom>
+          <a:noFill/>
+        </p:spPr>
+        <p:txBody>
+          <a:bodyPr wrap="square" rtlCol="0">
+            <a:spAutoFit/>
+          </a:bodyPr>
+          <a:lstStyle/>
+          <a:p>
+            <a:pPr algn="r"/>
+            <a:r>
+              <a:rPr lang="en-US" altLang="ko-KR" dirty="0"/>
+              <a:t>age2.js</a:t>
+            </a:r>
+            <a:endParaRPr lang="ko-KR" altLang="en-US" dirty="0"/>
+          </a:p>
+        </p:txBody>
+      </p:sp>
+      <p:sp>
+        <p:nvSpPr>
+          <p:cNvPr id="3" name="TextBox 2">
+            <a:extLst>
+              <a:ext uri="{FF2B5EF4-FFF2-40B4-BE49-F238E27FC236}">
+                <a16:creationId xmlns:a16="http://schemas.microsoft.com/office/drawing/2014/main" id="{254A37BA-29D8-0D0F-D04F-8C2A1ED93CF3}"/>
+              </a:ext>
+            </a:extLst>
+          </p:cNvPr>
+          <p:cNvSpPr txBox="1"/>
+          <p:nvPr/>
+        </p:nvSpPr>
+        <p:spPr>
+          <a:xfrm>
+            <a:off x="306647" y="319086"/>
+            <a:ext cx="5691382" cy="707886"/>
+          </a:xfrm>
+          <a:prstGeom prst="rect">
+            <a:avLst/>
+          </a:prstGeom>
+          <a:noFill/>
+        </p:spPr>
+        <p:txBody>
+          <a:bodyPr wrap="square">
+            <a:spAutoFit/>
+          </a:bodyPr>
+          <a:lstStyle/>
+          <a:p>
+            <a:r>
+              <a:rPr lang="en-US" altLang="ko-KR" sz="4000" dirty="0">
+                <a:latin typeface="KoPubWorld돋움체 Bold" panose="00000800000000000000" pitchFamily="2" charset="-127"/>
+                <a:ea typeface="KoPubWorld돋움체 Bold" panose="00000800000000000000" pitchFamily="2" charset="-127"/>
+                <a:cs typeface="KoPubWorld돋움체 Bold" panose="00000800000000000000" pitchFamily="2" charset="-127"/>
+              </a:rPr>
+              <a:t>if </a:t>
+            </a:r>
+            <a:r>
+              <a:rPr lang="ko-KR" altLang="en-US" sz="4000" dirty="0">
+                <a:latin typeface="KoPubWorld돋움체 Bold" panose="00000800000000000000" pitchFamily="2" charset="-127"/>
+                <a:ea typeface="KoPubWorld돋움체 Bold" panose="00000800000000000000" pitchFamily="2" charset="-127"/>
+                <a:cs typeface="KoPubWorld돋움체 Bold" panose="00000800000000000000" pitchFamily="2" charset="-127"/>
+              </a:rPr>
+              <a:t>조건문 실습</a:t>
+            </a:r>
+            <a:r>
+              <a:rPr lang="en-US" altLang="ko-KR" sz="4000" dirty="0">
+                <a:latin typeface="KoPubWorld돋움체 Bold" panose="00000800000000000000" pitchFamily="2" charset="-127"/>
+                <a:ea typeface="KoPubWorld돋움체 Bold" panose="00000800000000000000" pitchFamily="2" charset="-127"/>
+                <a:cs typeface="KoPubWorld돋움체 Bold" panose="00000800000000000000" pitchFamily="2" charset="-127"/>
+              </a:rPr>
+              <a:t>2</a:t>
+            </a:r>
+            <a:endParaRPr lang="ko-KR" altLang="en-US" sz="4000" dirty="0">
+              <a:latin typeface="KoPubWorld돋움체 Bold" panose="00000800000000000000" pitchFamily="2" charset="-127"/>
+              <a:ea typeface="KoPubWorld돋움체 Bold" panose="00000800000000000000" pitchFamily="2" charset="-127"/>
+              <a:cs typeface="KoPubWorld돋움체 Bold" panose="00000800000000000000" pitchFamily="2" charset="-127"/>
+            </a:endParaRPr>
+          </a:p>
+        </p:txBody>
+      </p:sp>
     </p:spTree>
     <p:extLst>
       <p:ext uri="{BB962C8B-B14F-4D97-AF65-F5344CB8AC3E}">
@@ -4897,7 +5813,7 @@
 </p:sld>
 </file>
 
-<file path=ppt/slides/slide12.xml><?xml version="1.0" encoding="utf-8"?>
+<file path=ppt/slides/slide13.xml><?xml version="1.0" encoding="utf-8"?>
 <p:sld xmlns:a="http://schemas.openxmlformats.org/drawingml/2006/main" xmlns:r="http://schemas.openxmlformats.org/officeDocument/2006/relationships" xmlns:p="http://schemas.openxmlformats.org/presentationml/2006/main">
   <p:cSld>
     <p:spTree>
@@ -5831,2009 +6747,7 @@
 </p:sld>
 </file>
 
-<file path=ppt/slides/slide13.xml><?xml version="1.0" encoding="utf-8"?>
-<p:sld xmlns:a="http://schemas.openxmlformats.org/drawingml/2006/main" xmlns:r="http://schemas.openxmlformats.org/officeDocument/2006/relationships" xmlns:p="http://schemas.openxmlformats.org/presentationml/2006/main">
-  <p:cSld>
-    <p:spTree>
-      <p:nvGrpSpPr>
-        <p:cNvPr id="1" name=""/>
-        <p:cNvGrpSpPr/>
-        <p:nvPr/>
-      </p:nvGrpSpPr>
-      <p:grpSpPr>
-        <a:xfrm>
-          <a:off x="0" y="0"/>
-          <a:ext cx="0" cy="0"/>
-          <a:chOff x="0" y="0"/>
-          <a:chExt cx="0" cy="0"/>
-        </a:xfrm>
-      </p:grpSpPr>
-      <p:sp>
-        <p:nvSpPr>
-          <p:cNvPr id="4" name="TextBox 3">
-            <a:extLst>
-              <a:ext uri="{FF2B5EF4-FFF2-40B4-BE49-F238E27FC236}">
-                <a16:creationId xmlns:a16="http://schemas.microsoft.com/office/drawing/2014/main" id="{83F193B6-A283-87DB-27DD-F0C0324FCA1E}"/>
-              </a:ext>
-            </a:extLst>
-          </p:cNvPr>
-          <p:cNvSpPr txBox="1"/>
-          <p:nvPr/>
-        </p:nvSpPr>
-        <p:spPr>
-          <a:xfrm>
-            <a:off x="306647" y="319086"/>
-            <a:ext cx="2861095" cy="707886"/>
-          </a:xfrm>
-          <a:prstGeom prst="rect">
-            <a:avLst/>
-          </a:prstGeom>
-          <a:noFill/>
-        </p:spPr>
-        <p:txBody>
-          <a:bodyPr wrap="square">
-            <a:spAutoFit/>
-          </a:bodyPr>
-          <a:lstStyle/>
-          <a:p>
-            <a:r>
-              <a:rPr lang="en-US" altLang="ko-KR" sz="4000" dirty="0">
-                <a:latin typeface="KoPubWorld돋움체 Bold" panose="00000800000000000000" pitchFamily="2" charset="-127"/>
-                <a:ea typeface="KoPubWorld돋움체 Bold" panose="00000800000000000000" pitchFamily="2" charset="-127"/>
-                <a:cs typeface="KoPubWorld돋움체 Bold" panose="00000800000000000000" pitchFamily="2" charset="-127"/>
-              </a:rPr>
-              <a:t>if </a:t>
-            </a:r>
-            <a:r>
-              <a:rPr lang="ko-KR" altLang="en-US" sz="4000" dirty="0">
-                <a:latin typeface="KoPubWorld돋움체 Bold" panose="00000800000000000000" pitchFamily="2" charset="-127"/>
-                <a:ea typeface="KoPubWorld돋움체 Bold" panose="00000800000000000000" pitchFamily="2" charset="-127"/>
-                <a:cs typeface="KoPubWorld돋움체 Bold" panose="00000800000000000000" pitchFamily="2" charset="-127"/>
-              </a:rPr>
-              <a:t>조건문</a:t>
-            </a:r>
-            <a:r>
-              <a:rPr lang="en-US" altLang="ko-KR" sz="4000" dirty="0">
-                <a:latin typeface="KoPubWorld돋움체 Bold" panose="00000800000000000000" pitchFamily="2" charset="-127"/>
-                <a:ea typeface="KoPubWorld돋움체 Bold" panose="00000800000000000000" pitchFamily="2" charset="-127"/>
-                <a:cs typeface="KoPubWorld돋움체 Bold" panose="00000800000000000000" pitchFamily="2" charset="-127"/>
-              </a:rPr>
-              <a:t>(1)</a:t>
-            </a:r>
-            <a:endParaRPr lang="ko-KR" altLang="en-US" sz="4000" dirty="0">
-              <a:latin typeface="KoPubWorld돋움체 Bold" panose="00000800000000000000" pitchFamily="2" charset="-127"/>
-              <a:ea typeface="KoPubWorld돋움체 Bold" panose="00000800000000000000" pitchFamily="2" charset="-127"/>
-              <a:cs typeface="KoPubWorld돋움체 Bold" panose="00000800000000000000" pitchFamily="2" charset="-127"/>
-            </a:endParaRPr>
-          </a:p>
-        </p:txBody>
-      </p:sp>
-      <p:sp>
-        <p:nvSpPr>
-          <p:cNvPr id="2" name="텍스트 개체 틀 8">
-            <a:extLst>
-              <a:ext uri="{FF2B5EF4-FFF2-40B4-BE49-F238E27FC236}">
-                <a16:creationId xmlns:a16="http://schemas.microsoft.com/office/drawing/2014/main" id="{FEC5E64A-138A-3F25-2464-F956CE2B452D}"/>
-              </a:ext>
-            </a:extLst>
-          </p:cNvPr>
-          <p:cNvSpPr txBox="1">
-            <a:spLocks/>
-          </p:cNvSpPr>
-          <p:nvPr/>
-        </p:nvSpPr>
-        <p:spPr>
-          <a:xfrm>
-            <a:off x="455474" y="1234108"/>
-            <a:ext cx="11281052" cy="5351330"/>
-          </a:xfrm>
-          <a:prstGeom prst="rect">
-            <a:avLst/>
-          </a:prstGeom>
-        </p:spPr>
-        <p:txBody>
-          <a:bodyPr>
-            <a:normAutofit/>
-          </a:bodyPr>
-          <a:lstStyle>
-            <a:lvl1pPr marL="228600" indent="-228600" algn="l" defTabSz="914400" rtl="0" eaLnBrk="1" latinLnBrk="1" hangingPunct="1">
-              <a:lnSpc>
-                <a:spcPct val="90000"/>
-              </a:lnSpc>
-              <a:spcBef>
-                <a:spcPts val="1000"/>
-              </a:spcBef>
-              <a:buFont typeface="Arial" panose="020B0604020202020204" pitchFamily="34" charset="0"/>
-              <a:buChar char="•"/>
-              <a:defRPr sz="2800" kern="1200">
-                <a:solidFill>
-                  <a:schemeClr val="tx1"/>
-                </a:solidFill>
-                <a:latin typeface="+mn-lt"/>
-                <a:ea typeface="+mn-ea"/>
-                <a:cs typeface="+mn-cs"/>
-              </a:defRPr>
-            </a:lvl1pPr>
-            <a:lvl2pPr marL="685800" indent="-228600" algn="l" defTabSz="914400" rtl="0" eaLnBrk="1" latinLnBrk="1" hangingPunct="1">
-              <a:lnSpc>
-                <a:spcPct val="90000"/>
-              </a:lnSpc>
-              <a:spcBef>
-                <a:spcPts val="500"/>
-              </a:spcBef>
-              <a:buFont typeface="Arial" panose="020B0604020202020204" pitchFamily="34" charset="0"/>
-              <a:buChar char="•"/>
-              <a:defRPr sz="2400" kern="1200">
-                <a:solidFill>
-                  <a:schemeClr val="tx1"/>
-                </a:solidFill>
-                <a:latin typeface="+mn-lt"/>
-                <a:ea typeface="+mn-ea"/>
-                <a:cs typeface="+mn-cs"/>
-              </a:defRPr>
-            </a:lvl2pPr>
-            <a:lvl3pPr marL="1143000" indent="-228600" algn="l" defTabSz="914400" rtl="0" eaLnBrk="1" latinLnBrk="1" hangingPunct="1">
-              <a:lnSpc>
-                <a:spcPct val="90000"/>
-              </a:lnSpc>
-              <a:spcBef>
-                <a:spcPts val="500"/>
-              </a:spcBef>
-              <a:buFont typeface="Arial" panose="020B0604020202020204" pitchFamily="34" charset="0"/>
-              <a:buChar char="•"/>
-              <a:defRPr sz="2000" kern="1200">
-                <a:solidFill>
-                  <a:schemeClr val="tx1"/>
-                </a:solidFill>
-                <a:latin typeface="+mn-lt"/>
-                <a:ea typeface="+mn-ea"/>
-                <a:cs typeface="+mn-cs"/>
-              </a:defRPr>
-            </a:lvl3pPr>
-            <a:lvl4pPr marL="1600200" indent="-228600" algn="l" defTabSz="914400" rtl="0" eaLnBrk="1" latinLnBrk="1" hangingPunct="1">
-              <a:lnSpc>
-                <a:spcPct val="90000"/>
-              </a:lnSpc>
-              <a:spcBef>
-                <a:spcPts val="500"/>
-              </a:spcBef>
-              <a:buFont typeface="Arial" panose="020B0604020202020204" pitchFamily="34" charset="0"/>
-              <a:buChar char="•"/>
-              <a:defRPr sz="1800" kern="1200">
-                <a:solidFill>
-                  <a:schemeClr val="tx1"/>
-                </a:solidFill>
-                <a:latin typeface="+mn-lt"/>
-                <a:ea typeface="+mn-ea"/>
-                <a:cs typeface="+mn-cs"/>
-              </a:defRPr>
-            </a:lvl4pPr>
-            <a:lvl5pPr marL="2057400" indent="-228600" algn="l" defTabSz="914400" rtl="0" eaLnBrk="1" latinLnBrk="1" hangingPunct="1">
-              <a:lnSpc>
-                <a:spcPct val="90000"/>
-              </a:lnSpc>
-              <a:spcBef>
-                <a:spcPts val="500"/>
-              </a:spcBef>
-              <a:buFont typeface="Arial" panose="020B0604020202020204" pitchFamily="34" charset="0"/>
-              <a:buChar char="•"/>
-              <a:defRPr sz="1800" kern="1200">
-                <a:solidFill>
-                  <a:schemeClr val="tx1"/>
-                </a:solidFill>
-                <a:latin typeface="+mn-lt"/>
-                <a:ea typeface="+mn-ea"/>
-                <a:cs typeface="+mn-cs"/>
-              </a:defRPr>
-            </a:lvl5pPr>
-            <a:lvl6pPr marL="2514600" indent="-228600" algn="l" defTabSz="914400" rtl="0" eaLnBrk="1" latinLnBrk="1" hangingPunct="1">
-              <a:lnSpc>
-                <a:spcPct val="90000"/>
-              </a:lnSpc>
-              <a:spcBef>
-                <a:spcPts val="500"/>
-              </a:spcBef>
-              <a:buFont typeface="Arial" panose="020B0604020202020204" pitchFamily="34" charset="0"/>
-              <a:buChar char="•"/>
-              <a:defRPr sz="1800" kern="1200">
-                <a:solidFill>
-                  <a:schemeClr val="tx1"/>
-                </a:solidFill>
-                <a:latin typeface="+mn-lt"/>
-                <a:ea typeface="+mn-ea"/>
-                <a:cs typeface="+mn-cs"/>
-              </a:defRPr>
-            </a:lvl6pPr>
-            <a:lvl7pPr marL="2971800" indent="-228600" algn="l" defTabSz="914400" rtl="0" eaLnBrk="1" latinLnBrk="1" hangingPunct="1">
-              <a:lnSpc>
-                <a:spcPct val="90000"/>
-              </a:lnSpc>
-              <a:spcBef>
-                <a:spcPts val="500"/>
-              </a:spcBef>
-              <a:buFont typeface="Arial" panose="020B0604020202020204" pitchFamily="34" charset="0"/>
-              <a:buChar char="•"/>
-              <a:defRPr sz="1800" kern="1200">
-                <a:solidFill>
-                  <a:schemeClr val="tx1"/>
-                </a:solidFill>
-                <a:latin typeface="+mn-lt"/>
-                <a:ea typeface="+mn-ea"/>
-                <a:cs typeface="+mn-cs"/>
-              </a:defRPr>
-            </a:lvl7pPr>
-            <a:lvl8pPr marL="3429000" indent="-228600" algn="l" defTabSz="914400" rtl="0" eaLnBrk="1" latinLnBrk="1" hangingPunct="1">
-              <a:lnSpc>
-                <a:spcPct val="90000"/>
-              </a:lnSpc>
-              <a:spcBef>
-                <a:spcPts val="500"/>
-              </a:spcBef>
-              <a:buFont typeface="Arial" panose="020B0604020202020204" pitchFamily="34" charset="0"/>
-              <a:buChar char="•"/>
-              <a:defRPr sz="1800" kern="1200">
-                <a:solidFill>
-                  <a:schemeClr val="tx1"/>
-                </a:solidFill>
-                <a:latin typeface="+mn-lt"/>
-                <a:ea typeface="+mn-ea"/>
-                <a:cs typeface="+mn-cs"/>
-              </a:defRPr>
-            </a:lvl8pPr>
-            <a:lvl9pPr marL="3886200" indent="-228600" algn="l" defTabSz="914400" rtl="0" eaLnBrk="1" latinLnBrk="1" hangingPunct="1">
-              <a:lnSpc>
-                <a:spcPct val="90000"/>
-              </a:lnSpc>
-              <a:spcBef>
-                <a:spcPts val="500"/>
-              </a:spcBef>
-              <a:buFont typeface="Arial" panose="020B0604020202020204" pitchFamily="34" charset="0"/>
-              <a:buChar char="•"/>
-              <a:defRPr sz="1800" kern="1200">
-                <a:solidFill>
-                  <a:schemeClr val="tx1"/>
-                </a:solidFill>
-                <a:latin typeface="+mn-lt"/>
-                <a:ea typeface="+mn-ea"/>
-                <a:cs typeface="+mn-cs"/>
-              </a:defRPr>
-            </a:lvl9pPr>
-          </a:lstStyle>
-          <a:p>
-            <a:r>
-              <a:rPr lang="en-US" altLang="ko-KR">
-                <a:solidFill>
-                  <a:srgbClr val="000000"/>
-                </a:solidFill>
-                <a:latin typeface="+mn-ea"/>
-              </a:rPr>
-              <a:t>if</a:t>
-            </a:r>
-            <a:r>
-              <a:rPr lang="ko-KR" altLang="en-US">
-                <a:solidFill>
-                  <a:srgbClr val="000000"/>
-                </a:solidFill>
-                <a:latin typeface="+mn-ea"/>
-              </a:rPr>
-              <a:t> 조건문</a:t>
-            </a:r>
-            <a:endParaRPr lang="en-US" altLang="ko-KR">
-              <a:solidFill>
-                <a:srgbClr val="000000"/>
-              </a:solidFill>
-              <a:latin typeface="+mn-ea"/>
-            </a:endParaRPr>
-          </a:p>
-          <a:p>
-            <a:pPr lvl="1"/>
-            <a:r>
-              <a:rPr lang="ko-KR" altLang="en-US">
-                <a:solidFill>
-                  <a:srgbClr val="000000"/>
-                </a:solidFill>
-                <a:latin typeface="+mn-ea"/>
-              </a:rPr>
-              <a:t>현재 시각에 따라 오전과 오후를 구분하는 프로그램</a:t>
-            </a:r>
-            <a:endParaRPr lang="en-US" altLang="ko-KR">
-              <a:solidFill>
-                <a:srgbClr val="000000"/>
-              </a:solidFill>
-              <a:latin typeface="+mn-ea"/>
-            </a:endParaRPr>
-          </a:p>
-          <a:p>
-            <a:pPr lvl="2"/>
-            <a:r>
-              <a:rPr lang="ko-KR" altLang="en-US">
-                <a:solidFill>
-                  <a:srgbClr val="000000"/>
-                </a:solidFill>
-                <a:latin typeface="+mn-ea"/>
-              </a:rPr>
-              <a:t>현재 시각 구하기 </a:t>
-            </a:r>
-            <a:r>
-              <a:rPr lang="en-US" altLang="ko-KR">
-                <a:solidFill>
-                  <a:srgbClr val="000000"/>
-                </a:solidFill>
-                <a:latin typeface="+mn-ea"/>
-              </a:rPr>
-              <a:t>(Chapter 7</a:t>
-            </a:r>
-            <a:r>
-              <a:rPr lang="ko-KR" altLang="en-US">
-                <a:solidFill>
-                  <a:srgbClr val="000000"/>
-                </a:solidFill>
-                <a:latin typeface="+mn-ea"/>
-              </a:rPr>
-              <a:t>에서 학습</a:t>
-            </a:r>
-            <a:r>
-              <a:rPr lang="en-US" altLang="ko-KR">
-                <a:solidFill>
-                  <a:srgbClr val="000000"/>
-                </a:solidFill>
-                <a:latin typeface="+mn-ea"/>
-              </a:rPr>
-              <a:t>)</a:t>
-            </a:r>
-          </a:p>
-          <a:p>
-            <a:pPr lvl="2"/>
-            <a:endParaRPr lang="en-US" altLang="ko-KR">
-              <a:solidFill>
-                <a:srgbClr val="000000"/>
-              </a:solidFill>
-              <a:latin typeface="+mn-ea"/>
-            </a:endParaRPr>
-          </a:p>
-          <a:p>
-            <a:pPr lvl="2"/>
-            <a:endParaRPr lang="en-US" altLang="ko-KR">
-              <a:solidFill>
-                <a:srgbClr val="000000"/>
-              </a:solidFill>
-              <a:latin typeface="+mn-ea"/>
-            </a:endParaRPr>
-          </a:p>
-          <a:p>
-            <a:pPr lvl="2"/>
-            <a:endParaRPr lang="en-US" altLang="ko-KR">
-              <a:solidFill>
-                <a:srgbClr val="000000"/>
-              </a:solidFill>
-              <a:latin typeface="+mn-ea"/>
-            </a:endParaRPr>
-          </a:p>
-          <a:p>
-            <a:pPr lvl="2"/>
-            <a:endParaRPr lang="en-US" altLang="ko-KR">
-              <a:solidFill>
-                <a:srgbClr val="000000"/>
-              </a:solidFill>
-              <a:latin typeface="+mn-ea"/>
-            </a:endParaRPr>
-          </a:p>
-          <a:p>
-            <a:pPr lvl="2"/>
-            <a:endParaRPr lang="en-US" altLang="ko-KR">
-              <a:solidFill>
-                <a:srgbClr val="000000"/>
-              </a:solidFill>
-              <a:latin typeface="+mn-ea"/>
-            </a:endParaRPr>
-          </a:p>
-          <a:p>
-            <a:pPr lvl="1"/>
-            <a:endParaRPr lang="en-US" altLang="ko-KR">
-              <a:solidFill>
-                <a:srgbClr val="000000"/>
-              </a:solidFill>
-              <a:latin typeface="+mn-ea"/>
-            </a:endParaRPr>
-          </a:p>
-          <a:p>
-            <a:pPr lvl="1"/>
-            <a:endParaRPr lang="en-US" altLang="ko-KR">
-              <a:solidFill>
-                <a:srgbClr val="000000"/>
-              </a:solidFill>
-              <a:latin typeface="+mn-ea"/>
-            </a:endParaRPr>
-          </a:p>
-          <a:p>
-            <a:pPr lvl="1"/>
-            <a:endParaRPr lang="en-US" altLang="ko-KR">
-              <a:solidFill>
-                <a:srgbClr val="000000"/>
-              </a:solidFill>
-              <a:latin typeface="+mn-ea"/>
-            </a:endParaRPr>
-          </a:p>
-          <a:p>
-            <a:pPr lvl="1"/>
-            <a:endParaRPr lang="en-US" altLang="ko-KR">
-              <a:solidFill>
-                <a:srgbClr val="000000"/>
-              </a:solidFill>
-              <a:latin typeface="+mn-ea"/>
-            </a:endParaRPr>
-          </a:p>
-          <a:p>
-            <a:pPr lvl="1"/>
-            <a:endParaRPr lang="en-US" altLang="ko-KR">
-              <a:solidFill>
-                <a:srgbClr val="000000"/>
-              </a:solidFill>
-              <a:latin typeface="+mn-ea"/>
-            </a:endParaRPr>
-          </a:p>
-          <a:p>
-            <a:pPr lvl="1"/>
-            <a:endParaRPr lang="en-US" altLang="ko-KR" dirty="0">
-              <a:solidFill>
-                <a:srgbClr val="000000"/>
-              </a:solidFill>
-              <a:latin typeface="+mn-ea"/>
-            </a:endParaRPr>
-          </a:p>
-        </p:txBody>
-      </p:sp>
-      <p:graphicFrame>
-        <p:nvGraphicFramePr>
-          <p:cNvPr id="3" name="Table 4">
-            <a:extLst>
-              <a:ext uri="{FF2B5EF4-FFF2-40B4-BE49-F238E27FC236}">
-                <a16:creationId xmlns:a16="http://schemas.microsoft.com/office/drawing/2014/main" id="{349E5196-2408-FC81-0905-931381585E6D}"/>
-              </a:ext>
-            </a:extLst>
-          </p:cNvPr>
-          <p:cNvGraphicFramePr>
-            <a:graphicFrameLocks noGrp="1"/>
-          </p:cNvGraphicFramePr>
-          <p:nvPr/>
-        </p:nvGraphicFramePr>
-        <p:xfrm>
-          <a:off x="1726921" y="2484248"/>
-          <a:ext cx="2965938" cy="3505200"/>
-        </p:xfrm>
-        <a:graphic>
-          <a:graphicData uri="http://schemas.openxmlformats.org/drawingml/2006/table">
-            <a:tbl>
-              <a:tblPr firstRow="1" bandRow="1">
-                <a:tableStyleId>{5C22544A-7EE6-4342-B048-85BDC9FD1C3A}</a:tableStyleId>
-              </a:tblPr>
-              <a:tblGrid>
-                <a:gridCol w="2965938">
-                  <a:extLst>
-                    <a:ext uri="{9D8B030D-6E8A-4147-A177-3AD203B41FA5}">
-                      <a16:colId xmlns:a16="http://schemas.microsoft.com/office/drawing/2014/main" val="861803730"/>
-                    </a:ext>
-                  </a:extLst>
-                </a:gridCol>
-              </a:tblGrid>
-              <a:tr h="370840">
-                <a:tc>
-                  <a:txBody>
-                    <a:bodyPr/>
-                    <a:lstStyle/>
-                    <a:p>
-                      <a:pPr latinLnBrk="1"/>
-                      <a:r>
-                        <a:rPr lang="en-US" altLang="ko-KR" sz="1600" b="0" dirty="0">
-                          <a:solidFill>
-                            <a:sysClr val="windowText" lastClr="000000"/>
-                          </a:solidFill>
-                        </a:rPr>
-                        <a:t>&gt; const date = new Date()</a:t>
-                      </a:r>
-                    </a:p>
-                    <a:p>
-                      <a:pPr latinLnBrk="1"/>
-                      <a:r>
-                        <a:rPr lang="en-US" altLang="ko-KR" sz="1600" b="0" dirty="0">
-                          <a:solidFill>
-                            <a:sysClr val="windowText" lastClr="000000"/>
-                          </a:solidFill>
-                        </a:rPr>
-                        <a:t>undefined</a:t>
-                      </a:r>
-                    </a:p>
-                    <a:p>
-                      <a:pPr latinLnBrk="1"/>
-                      <a:r>
-                        <a:rPr lang="en-US" altLang="ko-KR" sz="1600" b="0" dirty="0">
-                          <a:solidFill>
-                            <a:sysClr val="windowText" lastClr="000000"/>
-                          </a:solidFill>
-                        </a:rPr>
-                        <a:t>&gt; </a:t>
-                      </a:r>
-                      <a:r>
-                        <a:rPr lang="en-US" altLang="ko-KR" sz="1600" b="0" dirty="0" err="1">
-                          <a:solidFill>
-                            <a:sysClr val="windowText" lastClr="000000"/>
-                          </a:solidFill>
-                        </a:rPr>
-                        <a:t>date.getFullYear</a:t>
-                      </a:r>
-                      <a:r>
-                        <a:rPr lang="en-US" altLang="ko-KR" sz="1600" b="0" dirty="0">
-                          <a:solidFill>
-                            <a:sysClr val="windowText" lastClr="000000"/>
-                          </a:solidFill>
-                        </a:rPr>
-                        <a:t>()</a:t>
-                      </a:r>
-                    </a:p>
-                    <a:p>
-                      <a:pPr latinLnBrk="1"/>
-                      <a:r>
-                        <a:rPr lang="en-US" altLang="ko-KR" sz="1600" b="0" dirty="0">
-                          <a:solidFill>
-                            <a:sysClr val="windowText" lastClr="000000"/>
-                          </a:solidFill>
-                        </a:rPr>
-                        <a:t>2020</a:t>
-                      </a:r>
-                    </a:p>
-                    <a:p>
-                      <a:pPr latinLnBrk="1"/>
-                      <a:r>
-                        <a:rPr lang="en-US" altLang="ko-KR" sz="1600" b="0" dirty="0">
-                          <a:solidFill>
-                            <a:sysClr val="windowText" lastClr="000000"/>
-                          </a:solidFill>
-                        </a:rPr>
-                        <a:t>&gt; </a:t>
-                      </a:r>
-                      <a:r>
-                        <a:rPr lang="en-US" altLang="ko-KR" sz="1600" b="0" dirty="0" err="1">
-                          <a:solidFill>
-                            <a:sysClr val="windowText" lastClr="000000"/>
-                          </a:solidFill>
-                        </a:rPr>
-                        <a:t>date.getMonth</a:t>
-                      </a:r>
-                      <a:r>
-                        <a:rPr lang="en-US" altLang="ko-KR" sz="1600" b="0" dirty="0">
-                          <a:solidFill>
-                            <a:sysClr val="windowText" lastClr="000000"/>
-                          </a:solidFill>
-                        </a:rPr>
-                        <a:t>() + 1</a:t>
-                      </a:r>
-                    </a:p>
-                    <a:p>
-                      <a:pPr latinLnBrk="1"/>
-                      <a:r>
-                        <a:rPr lang="en-US" altLang="ko-KR" sz="1600" b="0" dirty="0">
-                          <a:solidFill>
-                            <a:sysClr val="windowText" lastClr="000000"/>
-                          </a:solidFill>
-                        </a:rPr>
-                        <a:t>6</a:t>
-                      </a:r>
-                    </a:p>
-                    <a:p>
-                      <a:pPr latinLnBrk="1"/>
-                      <a:r>
-                        <a:rPr lang="en-US" altLang="ko-KR" sz="1600" b="0" dirty="0">
-                          <a:solidFill>
-                            <a:sysClr val="windowText" lastClr="000000"/>
-                          </a:solidFill>
-                        </a:rPr>
-                        <a:t>&gt; </a:t>
-                      </a:r>
-                      <a:r>
-                        <a:rPr lang="en-US" altLang="ko-KR" sz="1600" b="0" dirty="0" err="1">
-                          <a:solidFill>
-                            <a:sysClr val="windowText" lastClr="000000"/>
-                          </a:solidFill>
-                        </a:rPr>
-                        <a:t>date.getDate</a:t>
-                      </a:r>
-                      <a:r>
-                        <a:rPr lang="en-US" altLang="ko-KR" sz="1600" b="0" dirty="0">
-                          <a:solidFill>
-                            <a:sysClr val="windowText" lastClr="000000"/>
-                          </a:solidFill>
-                        </a:rPr>
-                        <a:t>()</a:t>
-                      </a:r>
-                    </a:p>
-                    <a:p>
-                      <a:pPr latinLnBrk="1"/>
-                      <a:r>
-                        <a:rPr lang="en-US" altLang="ko-KR" sz="1600" b="0" dirty="0">
-                          <a:solidFill>
-                            <a:sysClr val="windowText" lastClr="000000"/>
-                          </a:solidFill>
-                        </a:rPr>
-                        <a:t>4</a:t>
-                      </a:r>
-                    </a:p>
-                    <a:p>
-                      <a:pPr latinLnBrk="1"/>
-                      <a:r>
-                        <a:rPr lang="en-US" altLang="ko-KR" sz="1600" b="0" dirty="0">
-                          <a:solidFill>
-                            <a:sysClr val="windowText" lastClr="000000"/>
-                          </a:solidFill>
-                        </a:rPr>
-                        <a:t>&gt; </a:t>
-                      </a:r>
-                      <a:r>
-                        <a:rPr lang="en-US" altLang="ko-KR" sz="1600" b="0" dirty="0" err="1">
-                          <a:solidFill>
-                            <a:sysClr val="windowText" lastClr="000000"/>
-                          </a:solidFill>
-                        </a:rPr>
-                        <a:t>date.getHours</a:t>
-                      </a:r>
-                      <a:r>
-                        <a:rPr lang="en-US" altLang="ko-KR" sz="1600" b="0" dirty="0">
-                          <a:solidFill>
-                            <a:sysClr val="windowText" lastClr="000000"/>
-                          </a:solidFill>
-                        </a:rPr>
-                        <a:t>()</a:t>
-                      </a:r>
-                    </a:p>
-                    <a:p>
-                      <a:pPr latinLnBrk="1"/>
-                      <a:r>
-                        <a:rPr lang="en-US" altLang="ko-KR" sz="1600" b="0" dirty="0">
-                          <a:solidFill>
-                            <a:sysClr val="windowText" lastClr="000000"/>
-                          </a:solidFill>
-                        </a:rPr>
-                        <a:t>15</a:t>
-                      </a:r>
-                    </a:p>
-                    <a:p>
-                      <a:pPr latinLnBrk="1"/>
-                      <a:r>
-                        <a:rPr lang="en-US" altLang="ko-KR" sz="1600" b="0" dirty="0">
-                          <a:solidFill>
-                            <a:sysClr val="windowText" lastClr="000000"/>
-                          </a:solidFill>
-                        </a:rPr>
-                        <a:t>&gt; </a:t>
-                      </a:r>
-                      <a:r>
-                        <a:rPr lang="en-US" altLang="ko-KR" sz="1600" b="0" dirty="0" err="1">
-                          <a:solidFill>
-                            <a:sysClr val="windowText" lastClr="000000"/>
-                          </a:solidFill>
-                        </a:rPr>
-                        <a:t>date.getMinutes</a:t>
-                      </a:r>
-                      <a:r>
-                        <a:rPr lang="en-US" altLang="ko-KR" sz="1600" b="0" dirty="0">
-                          <a:solidFill>
-                            <a:sysClr val="windowText" lastClr="000000"/>
-                          </a:solidFill>
-                        </a:rPr>
-                        <a:t>()</a:t>
-                      </a:r>
-                    </a:p>
-                    <a:p>
-                      <a:pPr latinLnBrk="1"/>
-                      <a:r>
-                        <a:rPr lang="en-US" altLang="ko-KR" sz="1600" b="0" dirty="0">
-                          <a:solidFill>
-                            <a:sysClr val="windowText" lastClr="000000"/>
-                          </a:solidFill>
-                        </a:rPr>
-                        <a:t>5</a:t>
-                      </a:r>
-                    </a:p>
-                    <a:p>
-                      <a:pPr latinLnBrk="1"/>
-                      <a:r>
-                        <a:rPr lang="en-US" altLang="ko-KR" sz="1600" b="0" dirty="0">
-                          <a:solidFill>
-                            <a:sysClr val="windowText" lastClr="000000"/>
-                          </a:solidFill>
-                        </a:rPr>
-                        <a:t>&gt; </a:t>
-                      </a:r>
-                      <a:r>
-                        <a:rPr lang="en-US" altLang="ko-KR" sz="1600" b="0" dirty="0" err="1">
-                          <a:solidFill>
-                            <a:sysClr val="windowText" lastClr="000000"/>
-                          </a:solidFill>
-                        </a:rPr>
-                        <a:t>date.getSeconds</a:t>
-                      </a:r>
-                      <a:r>
-                        <a:rPr lang="en-US" altLang="ko-KR" sz="1600" b="0" dirty="0">
-                          <a:solidFill>
-                            <a:sysClr val="windowText" lastClr="000000"/>
-                          </a:solidFill>
-                        </a:rPr>
-                        <a:t>()</a:t>
-                      </a:r>
-                    </a:p>
-                    <a:p>
-                      <a:pPr latinLnBrk="1"/>
-                      <a:r>
-                        <a:rPr lang="en-US" altLang="ko-KR" sz="1600" b="0" dirty="0">
-                          <a:solidFill>
-                            <a:sysClr val="windowText" lastClr="000000"/>
-                          </a:solidFill>
-                        </a:rPr>
-                        <a:t>7</a:t>
-                      </a:r>
-                      <a:endParaRPr lang="ko-KR" altLang="en-US" sz="1600" b="0" dirty="0">
-                        <a:solidFill>
-                          <a:sysClr val="windowText" lastClr="000000"/>
-                        </a:solidFill>
-                      </a:endParaRPr>
-                    </a:p>
-                  </a:txBody>
-                  <a:tcPr>
-                    <a:lnL w="12700" cmpd="sng">
-                      <a:noFill/>
-                    </a:lnL>
-                    <a:lnR w="12700" cmpd="sng">
-                      <a:noFill/>
-                    </a:lnR>
-                    <a:lnT w="12700" cap="flat" cmpd="sng" algn="ctr">
-                      <a:solidFill>
-                        <a:schemeClr val="tx1"/>
-                      </a:solidFill>
-                      <a:prstDash val="solid"/>
-                      <a:round/>
-                      <a:headEnd type="none" w="med" len="med"/>
-                      <a:tailEnd type="none" w="med" len="med"/>
-                    </a:lnT>
-                    <a:lnB w="12700" cap="flat" cmpd="sng" algn="ctr">
-                      <a:solidFill>
-                        <a:schemeClr val="tx1"/>
-                      </a:solidFill>
-                      <a:prstDash val="solid"/>
-                      <a:round/>
-                      <a:headEnd type="none" w="med" len="med"/>
-                      <a:tailEnd type="none" w="med" len="med"/>
-                    </a:lnB>
-                    <a:lnTlToBr w="12700" cmpd="sng">
-                      <a:noFill/>
-                      <a:prstDash val="solid"/>
-                    </a:lnTlToBr>
-                    <a:lnBlToTr w="12700" cmpd="sng">
-                      <a:noFill/>
-                      <a:prstDash val="solid"/>
-                    </a:lnBlToTr>
-                    <a:noFill/>
-                  </a:tcPr>
-                </a:tc>
-                <a:extLst>
-                  <a:ext uri="{0D108BD9-81ED-4DB2-BD59-A6C34878D82A}">
-                    <a16:rowId xmlns:a16="http://schemas.microsoft.com/office/drawing/2014/main" val="2868720426"/>
-                  </a:ext>
-                </a:extLst>
-              </a:tr>
-            </a:tbl>
-          </a:graphicData>
-        </a:graphic>
-      </p:graphicFrame>
-    </p:spTree>
-    <p:extLst>
-      <p:ext uri="{BB962C8B-B14F-4D97-AF65-F5344CB8AC3E}">
-        <p14:creationId xmlns:p14="http://schemas.microsoft.com/office/powerpoint/2010/main" val="3529688027"/>
-      </p:ext>
-    </p:extLst>
-  </p:cSld>
-  <p:clrMapOvr>
-    <a:masterClrMapping/>
-  </p:clrMapOvr>
-</p:sld>
-</file>
-
 <file path=ppt/slides/slide14.xml><?xml version="1.0" encoding="utf-8"?>
-<p:sld xmlns:a="http://schemas.openxmlformats.org/drawingml/2006/main" xmlns:r="http://schemas.openxmlformats.org/officeDocument/2006/relationships" xmlns:p="http://schemas.openxmlformats.org/presentationml/2006/main">
-  <p:cSld>
-    <p:spTree>
-      <p:nvGrpSpPr>
-        <p:cNvPr id="1" name=""/>
-        <p:cNvGrpSpPr/>
-        <p:nvPr/>
-      </p:nvGrpSpPr>
-      <p:grpSpPr>
-        <a:xfrm>
-          <a:off x="0" y="0"/>
-          <a:ext cx="0" cy="0"/>
-          <a:chOff x="0" y="0"/>
-          <a:chExt cx="0" cy="0"/>
-        </a:xfrm>
-      </p:grpSpPr>
-      <p:sp>
-        <p:nvSpPr>
-          <p:cNvPr id="4" name="TextBox 3">
-            <a:extLst>
-              <a:ext uri="{FF2B5EF4-FFF2-40B4-BE49-F238E27FC236}">
-                <a16:creationId xmlns:a16="http://schemas.microsoft.com/office/drawing/2014/main" id="{83F193B6-A283-87DB-27DD-F0C0324FCA1E}"/>
-              </a:ext>
-            </a:extLst>
-          </p:cNvPr>
-          <p:cNvSpPr txBox="1"/>
-          <p:nvPr/>
-        </p:nvSpPr>
-        <p:spPr>
-          <a:xfrm>
-            <a:off x="306647" y="319086"/>
-            <a:ext cx="2861095" cy="707886"/>
-          </a:xfrm>
-          <a:prstGeom prst="rect">
-            <a:avLst/>
-          </a:prstGeom>
-          <a:noFill/>
-        </p:spPr>
-        <p:txBody>
-          <a:bodyPr wrap="square">
-            <a:spAutoFit/>
-          </a:bodyPr>
-          <a:lstStyle/>
-          <a:p>
-            <a:r>
-              <a:rPr lang="en-US" altLang="ko-KR" sz="4000" dirty="0">
-                <a:latin typeface="KoPubWorld돋움체 Bold" panose="00000800000000000000" pitchFamily="2" charset="-127"/>
-                <a:ea typeface="KoPubWorld돋움체 Bold" panose="00000800000000000000" pitchFamily="2" charset="-127"/>
-                <a:cs typeface="KoPubWorld돋움체 Bold" panose="00000800000000000000" pitchFamily="2" charset="-127"/>
-              </a:rPr>
-              <a:t>if </a:t>
-            </a:r>
-            <a:r>
-              <a:rPr lang="ko-KR" altLang="en-US" sz="4000" dirty="0">
-                <a:latin typeface="KoPubWorld돋움체 Bold" panose="00000800000000000000" pitchFamily="2" charset="-127"/>
-                <a:ea typeface="KoPubWorld돋움체 Bold" panose="00000800000000000000" pitchFamily="2" charset="-127"/>
-                <a:cs typeface="KoPubWorld돋움체 Bold" panose="00000800000000000000" pitchFamily="2" charset="-127"/>
-              </a:rPr>
-              <a:t>조건문</a:t>
-            </a:r>
-            <a:r>
-              <a:rPr lang="en-US" altLang="ko-KR" sz="4000" dirty="0">
-                <a:latin typeface="KoPubWorld돋움체 Bold" panose="00000800000000000000" pitchFamily="2" charset="-127"/>
-                <a:ea typeface="KoPubWorld돋움체 Bold" panose="00000800000000000000" pitchFamily="2" charset="-127"/>
-                <a:cs typeface="KoPubWorld돋움체 Bold" panose="00000800000000000000" pitchFamily="2" charset="-127"/>
-              </a:rPr>
-              <a:t>(1)</a:t>
-            </a:r>
-            <a:endParaRPr lang="ko-KR" altLang="en-US" sz="4000" dirty="0">
-              <a:latin typeface="KoPubWorld돋움체 Bold" panose="00000800000000000000" pitchFamily="2" charset="-127"/>
-              <a:ea typeface="KoPubWorld돋움체 Bold" panose="00000800000000000000" pitchFamily="2" charset="-127"/>
-              <a:cs typeface="KoPubWorld돋움체 Bold" panose="00000800000000000000" pitchFamily="2" charset="-127"/>
-            </a:endParaRPr>
-          </a:p>
-        </p:txBody>
-      </p:sp>
-      <p:sp>
-        <p:nvSpPr>
-          <p:cNvPr id="2" name="텍스트 개체 틀 8">
-            <a:extLst>
-              <a:ext uri="{FF2B5EF4-FFF2-40B4-BE49-F238E27FC236}">
-                <a16:creationId xmlns:a16="http://schemas.microsoft.com/office/drawing/2014/main" id="{6C6F1EF9-781E-7D99-0846-199207B7BD62}"/>
-              </a:ext>
-            </a:extLst>
-          </p:cNvPr>
-          <p:cNvSpPr txBox="1">
-            <a:spLocks/>
-          </p:cNvSpPr>
-          <p:nvPr/>
-        </p:nvSpPr>
-        <p:spPr>
-          <a:xfrm>
-            <a:off x="557772" y="1119808"/>
-            <a:ext cx="11281052" cy="5351330"/>
-          </a:xfrm>
-          <a:prstGeom prst="rect">
-            <a:avLst/>
-          </a:prstGeom>
-        </p:spPr>
-        <p:txBody>
-          <a:bodyPr>
-            <a:normAutofit/>
-          </a:bodyPr>
-          <a:lstStyle>
-            <a:lvl1pPr marL="228600" indent="-228600" algn="l" defTabSz="914400" rtl="0" eaLnBrk="1" latinLnBrk="1" hangingPunct="1">
-              <a:lnSpc>
-                <a:spcPct val="90000"/>
-              </a:lnSpc>
-              <a:spcBef>
-                <a:spcPts val="1000"/>
-              </a:spcBef>
-              <a:buFont typeface="Arial" panose="020B0604020202020204" pitchFamily="34" charset="0"/>
-              <a:buChar char="•"/>
-              <a:defRPr sz="2800" kern="1200">
-                <a:solidFill>
-                  <a:schemeClr val="tx1"/>
-                </a:solidFill>
-                <a:latin typeface="+mn-lt"/>
-                <a:ea typeface="+mn-ea"/>
-                <a:cs typeface="+mn-cs"/>
-              </a:defRPr>
-            </a:lvl1pPr>
-            <a:lvl2pPr marL="685800" indent="-228600" algn="l" defTabSz="914400" rtl="0" eaLnBrk="1" latinLnBrk="1" hangingPunct="1">
-              <a:lnSpc>
-                <a:spcPct val="90000"/>
-              </a:lnSpc>
-              <a:spcBef>
-                <a:spcPts val="500"/>
-              </a:spcBef>
-              <a:buFont typeface="Arial" panose="020B0604020202020204" pitchFamily="34" charset="0"/>
-              <a:buChar char="•"/>
-              <a:defRPr sz="2400" kern="1200">
-                <a:solidFill>
-                  <a:schemeClr val="tx1"/>
-                </a:solidFill>
-                <a:latin typeface="+mn-lt"/>
-                <a:ea typeface="+mn-ea"/>
-                <a:cs typeface="+mn-cs"/>
-              </a:defRPr>
-            </a:lvl2pPr>
-            <a:lvl3pPr marL="1143000" indent="-228600" algn="l" defTabSz="914400" rtl="0" eaLnBrk="1" latinLnBrk="1" hangingPunct="1">
-              <a:lnSpc>
-                <a:spcPct val="90000"/>
-              </a:lnSpc>
-              <a:spcBef>
-                <a:spcPts val="500"/>
-              </a:spcBef>
-              <a:buFont typeface="Arial" panose="020B0604020202020204" pitchFamily="34" charset="0"/>
-              <a:buChar char="•"/>
-              <a:defRPr sz="2000" kern="1200">
-                <a:solidFill>
-                  <a:schemeClr val="tx1"/>
-                </a:solidFill>
-                <a:latin typeface="+mn-lt"/>
-                <a:ea typeface="+mn-ea"/>
-                <a:cs typeface="+mn-cs"/>
-              </a:defRPr>
-            </a:lvl3pPr>
-            <a:lvl4pPr marL="1600200" indent="-228600" algn="l" defTabSz="914400" rtl="0" eaLnBrk="1" latinLnBrk="1" hangingPunct="1">
-              <a:lnSpc>
-                <a:spcPct val="90000"/>
-              </a:lnSpc>
-              <a:spcBef>
-                <a:spcPts val="500"/>
-              </a:spcBef>
-              <a:buFont typeface="Arial" panose="020B0604020202020204" pitchFamily="34" charset="0"/>
-              <a:buChar char="•"/>
-              <a:defRPr sz="1800" kern="1200">
-                <a:solidFill>
-                  <a:schemeClr val="tx1"/>
-                </a:solidFill>
-                <a:latin typeface="+mn-lt"/>
-                <a:ea typeface="+mn-ea"/>
-                <a:cs typeface="+mn-cs"/>
-              </a:defRPr>
-            </a:lvl4pPr>
-            <a:lvl5pPr marL="2057400" indent="-228600" algn="l" defTabSz="914400" rtl="0" eaLnBrk="1" latinLnBrk="1" hangingPunct="1">
-              <a:lnSpc>
-                <a:spcPct val="90000"/>
-              </a:lnSpc>
-              <a:spcBef>
-                <a:spcPts val="500"/>
-              </a:spcBef>
-              <a:buFont typeface="Arial" panose="020B0604020202020204" pitchFamily="34" charset="0"/>
-              <a:buChar char="•"/>
-              <a:defRPr sz="1800" kern="1200">
-                <a:solidFill>
-                  <a:schemeClr val="tx1"/>
-                </a:solidFill>
-                <a:latin typeface="+mn-lt"/>
-                <a:ea typeface="+mn-ea"/>
-                <a:cs typeface="+mn-cs"/>
-              </a:defRPr>
-            </a:lvl5pPr>
-            <a:lvl6pPr marL="2514600" indent="-228600" algn="l" defTabSz="914400" rtl="0" eaLnBrk="1" latinLnBrk="1" hangingPunct="1">
-              <a:lnSpc>
-                <a:spcPct val="90000"/>
-              </a:lnSpc>
-              <a:spcBef>
-                <a:spcPts val="500"/>
-              </a:spcBef>
-              <a:buFont typeface="Arial" panose="020B0604020202020204" pitchFamily="34" charset="0"/>
-              <a:buChar char="•"/>
-              <a:defRPr sz="1800" kern="1200">
-                <a:solidFill>
-                  <a:schemeClr val="tx1"/>
-                </a:solidFill>
-                <a:latin typeface="+mn-lt"/>
-                <a:ea typeface="+mn-ea"/>
-                <a:cs typeface="+mn-cs"/>
-              </a:defRPr>
-            </a:lvl6pPr>
-            <a:lvl7pPr marL="2971800" indent="-228600" algn="l" defTabSz="914400" rtl="0" eaLnBrk="1" latinLnBrk="1" hangingPunct="1">
-              <a:lnSpc>
-                <a:spcPct val="90000"/>
-              </a:lnSpc>
-              <a:spcBef>
-                <a:spcPts val="500"/>
-              </a:spcBef>
-              <a:buFont typeface="Arial" panose="020B0604020202020204" pitchFamily="34" charset="0"/>
-              <a:buChar char="•"/>
-              <a:defRPr sz="1800" kern="1200">
-                <a:solidFill>
-                  <a:schemeClr val="tx1"/>
-                </a:solidFill>
-                <a:latin typeface="+mn-lt"/>
-                <a:ea typeface="+mn-ea"/>
-                <a:cs typeface="+mn-cs"/>
-              </a:defRPr>
-            </a:lvl7pPr>
-            <a:lvl8pPr marL="3429000" indent="-228600" algn="l" defTabSz="914400" rtl="0" eaLnBrk="1" latinLnBrk="1" hangingPunct="1">
-              <a:lnSpc>
-                <a:spcPct val="90000"/>
-              </a:lnSpc>
-              <a:spcBef>
-                <a:spcPts val="500"/>
-              </a:spcBef>
-              <a:buFont typeface="Arial" panose="020B0604020202020204" pitchFamily="34" charset="0"/>
-              <a:buChar char="•"/>
-              <a:defRPr sz="1800" kern="1200">
-                <a:solidFill>
-                  <a:schemeClr val="tx1"/>
-                </a:solidFill>
-                <a:latin typeface="+mn-lt"/>
-                <a:ea typeface="+mn-ea"/>
-                <a:cs typeface="+mn-cs"/>
-              </a:defRPr>
-            </a:lvl8pPr>
-            <a:lvl9pPr marL="3886200" indent="-228600" algn="l" defTabSz="914400" rtl="0" eaLnBrk="1" latinLnBrk="1" hangingPunct="1">
-              <a:lnSpc>
-                <a:spcPct val="90000"/>
-              </a:lnSpc>
-              <a:spcBef>
-                <a:spcPts val="500"/>
-              </a:spcBef>
-              <a:buFont typeface="Arial" panose="020B0604020202020204" pitchFamily="34" charset="0"/>
-              <a:buChar char="•"/>
-              <a:defRPr sz="1800" kern="1200">
-                <a:solidFill>
-                  <a:schemeClr val="tx1"/>
-                </a:solidFill>
-                <a:latin typeface="+mn-lt"/>
-                <a:ea typeface="+mn-ea"/>
-                <a:cs typeface="+mn-cs"/>
-              </a:defRPr>
-            </a:lvl9pPr>
-          </a:lstStyle>
-          <a:p>
-            <a:r>
-              <a:rPr lang="en-US" altLang="ko-KR">
-                <a:solidFill>
-                  <a:srgbClr val="000000"/>
-                </a:solidFill>
-                <a:latin typeface="+mn-ea"/>
-              </a:rPr>
-              <a:t>if</a:t>
-            </a:r>
-            <a:r>
-              <a:rPr lang="ko-KR" altLang="en-US">
-                <a:solidFill>
-                  <a:srgbClr val="000000"/>
-                </a:solidFill>
-                <a:latin typeface="+mn-ea"/>
-              </a:rPr>
-              <a:t> 조건문</a:t>
-            </a:r>
-            <a:endParaRPr lang="en-US" altLang="ko-KR">
-              <a:solidFill>
-                <a:srgbClr val="000000"/>
-              </a:solidFill>
-              <a:latin typeface="+mn-ea"/>
-            </a:endParaRPr>
-          </a:p>
-          <a:p>
-            <a:pPr lvl="1"/>
-            <a:r>
-              <a:rPr lang="ko-KR" altLang="en-US">
-                <a:solidFill>
-                  <a:srgbClr val="000000"/>
-                </a:solidFill>
-                <a:latin typeface="+mn-ea"/>
-              </a:rPr>
-              <a:t>현재 시각에 따라 오전과 오후를 구분하는 프로그램</a:t>
-            </a:r>
-            <a:endParaRPr lang="en-US" altLang="ko-KR">
-              <a:solidFill>
-                <a:srgbClr val="000000"/>
-              </a:solidFill>
-              <a:latin typeface="+mn-ea"/>
-            </a:endParaRPr>
-          </a:p>
-          <a:p>
-            <a:pPr lvl="2"/>
-            <a:r>
-              <a:rPr lang="ko-KR" altLang="en-US">
-                <a:solidFill>
-                  <a:srgbClr val="000000"/>
-                </a:solidFill>
-                <a:latin typeface="+mn-ea"/>
-              </a:rPr>
-              <a:t>오전과 오후 구분하기 </a:t>
-            </a:r>
-            <a:r>
-              <a:rPr lang="en-US" altLang="ko-KR">
-                <a:solidFill>
-                  <a:srgbClr val="000000"/>
-                </a:solidFill>
-                <a:latin typeface="+mn-ea"/>
-              </a:rPr>
-              <a:t>(</a:t>
-            </a:r>
-            <a:r>
-              <a:rPr lang="ko-KR" altLang="en-US">
-                <a:solidFill>
-                  <a:srgbClr val="000000"/>
-                </a:solidFill>
-                <a:latin typeface="+mn-ea"/>
-              </a:rPr>
-              <a:t>소스 코드 </a:t>
-            </a:r>
-            <a:r>
-              <a:rPr lang="en-US" altLang="ko-KR">
-                <a:solidFill>
-                  <a:srgbClr val="000000"/>
-                </a:solidFill>
-                <a:latin typeface="+mn-ea"/>
-              </a:rPr>
-              <a:t>3-1-2.html)</a:t>
-            </a:r>
-          </a:p>
-          <a:p>
-            <a:pPr lvl="2"/>
-            <a:endParaRPr lang="en-US" altLang="ko-KR">
-              <a:solidFill>
-                <a:srgbClr val="000000"/>
-              </a:solidFill>
-              <a:latin typeface="+mn-ea"/>
-            </a:endParaRPr>
-          </a:p>
-          <a:p>
-            <a:pPr lvl="2"/>
-            <a:endParaRPr lang="en-US" altLang="ko-KR">
-              <a:solidFill>
-                <a:srgbClr val="000000"/>
-              </a:solidFill>
-              <a:latin typeface="+mn-ea"/>
-            </a:endParaRPr>
-          </a:p>
-          <a:p>
-            <a:pPr lvl="2"/>
-            <a:endParaRPr lang="en-US" altLang="ko-KR">
-              <a:solidFill>
-                <a:srgbClr val="000000"/>
-              </a:solidFill>
-              <a:latin typeface="+mn-ea"/>
-            </a:endParaRPr>
-          </a:p>
-          <a:p>
-            <a:pPr lvl="2"/>
-            <a:endParaRPr lang="en-US" altLang="ko-KR">
-              <a:solidFill>
-                <a:srgbClr val="000000"/>
-              </a:solidFill>
-              <a:latin typeface="+mn-ea"/>
-            </a:endParaRPr>
-          </a:p>
-          <a:p>
-            <a:pPr lvl="1"/>
-            <a:endParaRPr lang="en-US" altLang="ko-KR">
-              <a:solidFill>
-                <a:srgbClr val="000000"/>
-              </a:solidFill>
-              <a:latin typeface="+mn-ea"/>
-            </a:endParaRPr>
-          </a:p>
-          <a:p>
-            <a:pPr lvl="1"/>
-            <a:endParaRPr lang="en-US" altLang="ko-KR">
-              <a:solidFill>
-                <a:srgbClr val="000000"/>
-              </a:solidFill>
-              <a:latin typeface="+mn-ea"/>
-            </a:endParaRPr>
-          </a:p>
-          <a:p>
-            <a:pPr lvl="1"/>
-            <a:endParaRPr lang="en-US" altLang="ko-KR">
-              <a:solidFill>
-                <a:srgbClr val="000000"/>
-              </a:solidFill>
-              <a:latin typeface="+mn-ea"/>
-            </a:endParaRPr>
-          </a:p>
-          <a:p>
-            <a:pPr lvl="1"/>
-            <a:endParaRPr lang="en-US" altLang="ko-KR">
-              <a:solidFill>
-                <a:srgbClr val="000000"/>
-              </a:solidFill>
-              <a:latin typeface="+mn-ea"/>
-            </a:endParaRPr>
-          </a:p>
-          <a:p>
-            <a:pPr lvl="1"/>
-            <a:endParaRPr lang="en-US" altLang="ko-KR">
-              <a:solidFill>
-                <a:srgbClr val="000000"/>
-              </a:solidFill>
-              <a:latin typeface="+mn-ea"/>
-            </a:endParaRPr>
-          </a:p>
-          <a:p>
-            <a:pPr lvl="1"/>
-            <a:endParaRPr lang="en-US" altLang="ko-KR" dirty="0">
-              <a:solidFill>
-                <a:srgbClr val="000000"/>
-              </a:solidFill>
-              <a:latin typeface="+mn-ea"/>
-            </a:endParaRPr>
-          </a:p>
-        </p:txBody>
-      </p:sp>
-      <p:graphicFrame>
-        <p:nvGraphicFramePr>
-          <p:cNvPr id="3" name="Table 4">
-            <a:extLst>
-              <a:ext uri="{FF2B5EF4-FFF2-40B4-BE49-F238E27FC236}">
-                <a16:creationId xmlns:a16="http://schemas.microsoft.com/office/drawing/2014/main" id="{42570B85-BC2F-DEF6-C064-A05802BEFF89}"/>
-              </a:ext>
-            </a:extLst>
-          </p:cNvPr>
-          <p:cNvGraphicFramePr>
-            <a:graphicFrameLocks noGrp="1"/>
-          </p:cNvGraphicFramePr>
-          <p:nvPr/>
-        </p:nvGraphicFramePr>
-        <p:xfrm>
-          <a:off x="1794050" y="2296548"/>
-          <a:ext cx="4372708" cy="3992880"/>
-        </p:xfrm>
-        <a:graphic>
-          <a:graphicData uri="http://schemas.openxmlformats.org/drawingml/2006/table">
-            <a:tbl>
-              <a:tblPr firstRow="1" bandRow="1">
-                <a:tableStyleId>{5C22544A-7EE6-4342-B048-85BDC9FD1C3A}</a:tableStyleId>
-              </a:tblPr>
-              <a:tblGrid>
-                <a:gridCol w="4372708">
-                  <a:extLst>
-                    <a:ext uri="{9D8B030D-6E8A-4147-A177-3AD203B41FA5}">
-                      <a16:colId xmlns:a16="http://schemas.microsoft.com/office/drawing/2014/main" val="861803730"/>
-                    </a:ext>
-                  </a:extLst>
-                </a:gridCol>
-              </a:tblGrid>
-              <a:tr h="370840">
-                <a:tc>
-                  <a:txBody>
-                    <a:bodyPr/>
-                    <a:lstStyle/>
-                    <a:p>
-                      <a:pPr latinLnBrk="1"/>
-                      <a:r>
-                        <a:rPr lang="en-US" altLang="ko-KR" sz="1600" b="0" dirty="0">
-                          <a:solidFill>
-                            <a:sysClr val="windowText" lastClr="000000"/>
-                          </a:solidFill>
-                        </a:rPr>
-                        <a:t>01 &lt;script&gt;</a:t>
-                      </a:r>
-                    </a:p>
-                    <a:p>
-                      <a:pPr latinLnBrk="1"/>
-                      <a:r>
-                        <a:rPr lang="en-US" altLang="ko-KR" sz="1600" b="0" dirty="0">
-                          <a:solidFill>
-                            <a:sysClr val="windowText" lastClr="000000"/>
-                          </a:solidFill>
-                        </a:rPr>
-                        <a:t>02 </a:t>
-                      </a:r>
-                      <a:r>
-                        <a:rPr lang="en-US" altLang="ko-KR" sz="1600" b="0" baseline="0" dirty="0">
-                          <a:solidFill>
-                            <a:sysClr val="windowText" lastClr="000000"/>
-                          </a:solidFill>
-                        </a:rPr>
-                        <a:t>  </a:t>
-                      </a:r>
-                      <a:r>
-                        <a:rPr lang="en-US" altLang="ko-KR" sz="1600" b="0" dirty="0">
-                          <a:solidFill>
-                            <a:srgbClr val="FF0000"/>
-                          </a:solidFill>
-                        </a:rPr>
-                        <a:t>// </a:t>
-                      </a:r>
-                      <a:r>
-                        <a:rPr lang="ko-KR" altLang="en-US" sz="1600" b="0" dirty="0">
-                          <a:solidFill>
-                            <a:srgbClr val="FF0000"/>
-                          </a:solidFill>
-                        </a:rPr>
-                        <a:t>변수를 선언</a:t>
-                      </a:r>
-                      <a:endParaRPr lang="en-US" altLang="ko-KR" sz="1600" b="0" dirty="0">
-                        <a:solidFill>
-                          <a:srgbClr val="FF0000"/>
-                        </a:solidFill>
-                      </a:endParaRPr>
-                    </a:p>
-                    <a:p>
-                      <a:pPr latinLnBrk="1"/>
-                      <a:r>
-                        <a:rPr lang="en-US" altLang="ko-KR" sz="1600" b="0" dirty="0">
-                          <a:solidFill>
-                            <a:sysClr val="windowText" lastClr="000000"/>
-                          </a:solidFill>
-                        </a:rPr>
-                        <a:t>03   </a:t>
-                      </a:r>
-                      <a:r>
-                        <a:rPr lang="en-US" altLang="ko-KR" sz="1600" b="0" dirty="0" err="1">
-                          <a:solidFill>
-                            <a:sysClr val="windowText" lastClr="000000"/>
-                          </a:solidFill>
-                        </a:rPr>
-                        <a:t>const</a:t>
-                      </a:r>
-                      <a:r>
-                        <a:rPr lang="en-US" altLang="ko-KR" sz="1600" b="0" dirty="0">
-                          <a:solidFill>
-                            <a:sysClr val="windowText" lastClr="000000"/>
-                          </a:solidFill>
-                        </a:rPr>
-                        <a:t> date = new Date()</a:t>
-                      </a:r>
-                      <a:endParaRPr lang="ko-KR" altLang="en-US" sz="1600" b="0" dirty="0">
-                        <a:solidFill>
-                          <a:sysClr val="windowText" lastClr="000000"/>
-                        </a:solidFill>
-                      </a:endParaRPr>
-                    </a:p>
-                    <a:p>
-                      <a:pPr latinLnBrk="1"/>
-                      <a:r>
-                        <a:rPr lang="en-US" altLang="ko-KR" sz="1600" b="0" dirty="0">
-                          <a:solidFill>
-                            <a:sysClr val="windowText" lastClr="000000"/>
-                          </a:solidFill>
-                        </a:rPr>
-                        <a:t>04   </a:t>
-                      </a:r>
-                      <a:r>
-                        <a:rPr lang="en-US" altLang="ko-KR" sz="1600" b="0" dirty="0" err="1">
-                          <a:solidFill>
-                            <a:sysClr val="windowText" lastClr="000000"/>
-                          </a:solidFill>
-                        </a:rPr>
-                        <a:t>const</a:t>
-                      </a:r>
-                      <a:r>
-                        <a:rPr lang="en-US" altLang="ko-KR" sz="1600" b="0" dirty="0">
-                          <a:solidFill>
-                            <a:sysClr val="windowText" lastClr="000000"/>
-                          </a:solidFill>
-                        </a:rPr>
-                        <a:t> hour = </a:t>
-                      </a:r>
-                      <a:r>
-                        <a:rPr lang="en-US" altLang="ko-KR" sz="1600" b="0" dirty="0" err="1">
-                          <a:solidFill>
-                            <a:sysClr val="windowText" lastClr="000000"/>
-                          </a:solidFill>
-                        </a:rPr>
-                        <a:t>date.getHours</a:t>
-                      </a:r>
-                      <a:r>
-                        <a:rPr lang="en-US" altLang="ko-KR" sz="1600" b="0" dirty="0">
-                          <a:solidFill>
-                            <a:sysClr val="windowText" lastClr="000000"/>
-                          </a:solidFill>
-                        </a:rPr>
-                        <a:t>()</a:t>
-                      </a:r>
-                      <a:endParaRPr lang="ko-KR" altLang="en-US" sz="1600" b="0" dirty="0">
-                        <a:solidFill>
-                          <a:sysClr val="windowText" lastClr="000000"/>
-                        </a:solidFill>
-                      </a:endParaRPr>
-                    </a:p>
-                    <a:p>
-                      <a:pPr latinLnBrk="1"/>
-                      <a:r>
-                        <a:rPr lang="en-US" altLang="ko-KR" sz="1600" b="0" dirty="0">
-                          <a:solidFill>
-                            <a:sysClr val="windowText" lastClr="000000"/>
-                          </a:solidFill>
-                        </a:rPr>
-                        <a:t>05</a:t>
-                      </a:r>
-                    </a:p>
-                    <a:p>
-                      <a:pPr latinLnBrk="1"/>
-                      <a:r>
-                        <a:rPr lang="en-US" altLang="ko-KR" sz="1600" b="0" dirty="0">
-                          <a:solidFill>
-                            <a:sysClr val="windowText" lastClr="000000"/>
-                          </a:solidFill>
-                        </a:rPr>
-                        <a:t>06   </a:t>
-                      </a:r>
-                      <a:r>
-                        <a:rPr lang="en-US" altLang="ko-KR" sz="1600" b="0" dirty="0">
-                          <a:solidFill>
-                            <a:srgbClr val="FF0000"/>
-                          </a:solidFill>
-                        </a:rPr>
-                        <a:t>// if </a:t>
-                      </a:r>
-                      <a:r>
-                        <a:rPr lang="ko-KR" altLang="en-US" sz="1600" b="0" dirty="0">
-                          <a:solidFill>
-                            <a:srgbClr val="FF0000"/>
-                          </a:solidFill>
-                        </a:rPr>
-                        <a:t>조건문</a:t>
-                      </a:r>
-                    </a:p>
-                    <a:p>
-                      <a:pPr latinLnBrk="1"/>
-                      <a:r>
-                        <a:rPr lang="en-US" altLang="ko-KR" sz="1600" b="0" dirty="0">
-                          <a:solidFill>
-                            <a:sysClr val="windowText" lastClr="000000"/>
-                          </a:solidFill>
-                        </a:rPr>
-                        <a:t>07   if (hour &lt; 12) {</a:t>
-                      </a:r>
-                    </a:p>
-                    <a:p>
-                      <a:pPr latinLnBrk="1"/>
-                      <a:r>
-                        <a:rPr lang="en-US" altLang="ko-KR" sz="1600" b="0" dirty="0">
-                          <a:solidFill>
-                            <a:sysClr val="windowText" lastClr="000000"/>
-                          </a:solidFill>
-                        </a:rPr>
-                        <a:t>08     </a:t>
-                      </a:r>
-                      <a:r>
-                        <a:rPr lang="en-US" altLang="ko-KR" sz="1600" b="0" dirty="0">
-                          <a:solidFill>
-                            <a:srgbClr val="FF0000"/>
-                          </a:solidFill>
-                        </a:rPr>
-                        <a:t>// </a:t>
-                      </a:r>
-                      <a:r>
-                        <a:rPr lang="ko-KR" altLang="en-US" sz="1600" b="0" dirty="0">
-                          <a:solidFill>
-                            <a:srgbClr val="FF0000"/>
-                          </a:solidFill>
-                        </a:rPr>
-                        <a:t>표현식 </a:t>
-                      </a:r>
-                      <a:r>
-                        <a:rPr lang="en-US" altLang="ko-KR" sz="1600" b="0" dirty="0">
-                          <a:solidFill>
-                            <a:srgbClr val="FF0000"/>
-                          </a:solidFill>
-                        </a:rPr>
-                        <a:t>hour &lt; 12</a:t>
-                      </a:r>
-                      <a:r>
-                        <a:rPr lang="ko-KR" altLang="en-US" sz="1600" b="0" dirty="0">
-                          <a:solidFill>
-                            <a:srgbClr val="FF0000"/>
-                          </a:solidFill>
-                        </a:rPr>
-                        <a:t>가 참일 때 실행</a:t>
-                      </a:r>
-                      <a:endParaRPr lang="en-US" altLang="ko-KR" sz="1600" b="0" dirty="0">
-                        <a:solidFill>
-                          <a:sysClr val="windowText" lastClr="000000"/>
-                        </a:solidFill>
-                      </a:endParaRPr>
-                    </a:p>
-                    <a:p>
-                      <a:pPr latinLnBrk="1"/>
-                      <a:r>
-                        <a:rPr lang="en-US" altLang="ko-KR" sz="1600" b="0" dirty="0">
-                          <a:solidFill>
-                            <a:sysClr val="windowText" lastClr="000000"/>
-                          </a:solidFill>
-                        </a:rPr>
-                        <a:t>09     alert('</a:t>
-                      </a:r>
-                      <a:r>
-                        <a:rPr lang="ko-KR" altLang="en-US" sz="1600" b="0" dirty="0">
-                          <a:solidFill>
-                            <a:sysClr val="windowText" lastClr="000000"/>
-                          </a:solidFill>
-                        </a:rPr>
-                        <a:t>오전입니다</a:t>
-                      </a:r>
-                      <a:r>
-                        <a:rPr lang="en-US" altLang="ko-KR" sz="1600" b="0" dirty="0">
-                          <a:solidFill>
-                            <a:sysClr val="windowText" lastClr="000000"/>
-                          </a:solidFill>
-                        </a:rPr>
-                        <a:t>.');</a:t>
-                      </a:r>
-                    </a:p>
-                    <a:p>
-                      <a:pPr latinLnBrk="1"/>
-                      <a:r>
-                        <a:rPr lang="en-US" altLang="ko-KR" sz="1600" b="0" dirty="0">
-                          <a:solidFill>
-                            <a:sysClr val="windowText" lastClr="000000"/>
-                          </a:solidFill>
-                        </a:rPr>
-                        <a:t>10   }</a:t>
-                      </a:r>
-                    </a:p>
-                    <a:p>
-                      <a:pPr latinLnBrk="1"/>
-                      <a:r>
-                        <a:rPr lang="en-US" altLang="ko-KR" sz="1600" b="0" dirty="0">
-                          <a:solidFill>
-                            <a:sysClr val="windowText" lastClr="000000"/>
-                          </a:solidFill>
-                        </a:rPr>
-                        <a:t>11</a:t>
-                      </a:r>
-                    </a:p>
-                    <a:p>
-                      <a:pPr latinLnBrk="1"/>
-                      <a:r>
-                        <a:rPr lang="en-US" altLang="ko-KR" sz="1600" b="0" dirty="0">
-                          <a:solidFill>
-                            <a:sysClr val="windowText" lastClr="000000"/>
-                          </a:solidFill>
-                        </a:rPr>
-                        <a:t>12   if (hour &gt;= 12) {</a:t>
-                      </a:r>
-                    </a:p>
-                    <a:p>
-                      <a:pPr latinLnBrk="1"/>
-                      <a:r>
-                        <a:rPr lang="en-US" altLang="ko-KR" sz="1600" b="0" dirty="0">
-                          <a:solidFill>
-                            <a:sysClr val="windowText" lastClr="000000"/>
-                          </a:solidFill>
-                        </a:rPr>
-                        <a:t>13     </a:t>
-                      </a:r>
-                      <a:r>
-                        <a:rPr lang="en-US" altLang="ko-KR" sz="1600" b="0" dirty="0">
-                          <a:solidFill>
-                            <a:srgbClr val="FF0000"/>
-                          </a:solidFill>
-                        </a:rPr>
-                        <a:t>// </a:t>
-                      </a:r>
-                      <a:r>
-                        <a:rPr lang="ko-KR" altLang="en-US" sz="1600" b="0" dirty="0">
-                          <a:solidFill>
-                            <a:srgbClr val="FF0000"/>
-                          </a:solidFill>
-                        </a:rPr>
-                        <a:t>표현식 </a:t>
-                      </a:r>
-                      <a:r>
-                        <a:rPr lang="en-US" altLang="ko-KR" sz="1600" b="0" dirty="0">
-                          <a:solidFill>
-                            <a:srgbClr val="FF0000"/>
-                          </a:solidFill>
-                        </a:rPr>
-                        <a:t>hour &gt;= 12</a:t>
-                      </a:r>
-                      <a:r>
-                        <a:rPr lang="ko-KR" altLang="en-US" sz="1600" b="0" dirty="0">
-                          <a:solidFill>
-                            <a:srgbClr val="FF0000"/>
-                          </a:solidFill>
-                        </a:rPr>
-                        <a:t>가 참일 때 실행</a:t>
-                      </a:r>
-                      <a:endParaRPr lang="en-US" altLang="ko-KR" sz="1600" b="0" dirty="0">
-                        <a:solidFill>
-                          <a:srgbClr val="FF0000"/>
-                        </a:solidFill>
-                      </a:endParaRPr>
-                    </a:p>
-                    <a:p>
-                      <a:pPr latinLnBrk="1"/>
-                      <a:r>
-                        <a:rPr lang="en-US" altLang="ko-KR" sz="1600" b="0" dirty="0">
-                          <a:solidFill>
-                            <a:sysClr val="windowText" lastClr="000000"/>
-                          </a:solidFill>
-                        </a:rPr>
-                        <a:t>14     alert('</a:t>
-                      </a:r>
-                      <a:r>
-                        <a:rPr lang="ko-KR" altLang="en-US" sz="1600" b="0" dirty="0">
-                          <a:solidFill>
-                            <a:sysClr val="windowText" lastClr="000000"/>
-                          </a:solidFill>
-                        </a:rPr>
-                        <a:t>오후입니다</a:t>
-                      </a:r>
-                      <a:r>
-                        <a:rPr lang="en-US" altLang="ko-KR" sz="1600" b="0" dirty="0">
-                          <a:solidFill>
-                            <a:sysClr val="windowText" lastClr="000000"/>
-                          </a:solidFill>
-                        </a:rPr>
-                        <a:t>.')</a:t>
-                      </a:r>
-                    </a:p>
-                    <a:p>
-                      <a:pPr latinLnBrk="1"/>
-                      <a:r>
-                        <a:rPr lang="en-US" altLang="ko-KR" sz="1600" b="0" dirty="0">
-                          <a:solidFill>
-                            <a:sysClr val="windowText" lastClr="000000"/>
-                          </a:solidFill>
-                        </a:rPr>
-                        <a:t>15   }</a:t>
-                      </a:r>
-                    </a:p>
-                    <a:p>
-                      <a:pPr latinLnBrk="1"/>
-                      <a:r>
-                        <a:rPr lang="en-US" altLang="ko-KR" sz="1600" b="0" dirty="0">
-                          <a:solidFill>
-                            <a:sysClr val="windowText" lastClr="000000"/>
-                          </a:solidFill>
-                        </a:rPr>
-                        <a:t>16 &lt;/script&gt;</a:t>
-                      </a:r>
-                      <a:endParaRPr lang="ko-KR" altLang="en-US" sz="1600" b="0" dirty="0">
-                        <a:solidFill>
-                          <a:sysClr val="windowText" lastClr="000000"/>
-                        </a:solidFill>
-                      </a:endParaRPr>
-                    </a:p>
-                  </a:txBody>
-                  <a:tcPr>
-                    <a:lnL w="12700" cmpd="sng">
-                      <a:noFill/>
-                    </a:lnL>
-                    <a:lnR w="12700" cmpd="sng">
-                      <a:noFill/>
-                    </a:lnR>
-                    <a:lnT w="12700" cap="flat" cmpd="sng" algn="ctr">
-                      <a:solidFill>
-                        <a:schemeClr val="tx1"/>
-                      </a:solidFill>
-                      <a:prstDash val="solid"/>
-                      <a:round/>
-                      <a:headEnd type="none" w="med" len="med"/>
-                      <a:tailEnd type="none" w="med" len="med"/>
-                    </a:lnT>
-                    <a:lnB w="12700" cap="flat" cmpd="sng" algn="ctr">
-                      <a:solidFill>
-                        <a:schemeClr val="tx1"/>
-                      </a:solidFill>
-                      <a:prstDash val="solid"/>
-                      <a:round/>
-                      <a:headEnd type="none" w="med" len="med"/>
-                      <a:tailEnd type="none" w="med" len="med"/>
-                    </a:lnB>
-                    <a:lnTlToBr w="12700" cmpd="sng">
-                      <a:noFill/>
-                      <a:prstDash val="solid"/>
-                    </a:lnTlToBr>
-                    <a:lnBlToTr w="12700" cmpd="sng">
-                      <a:noFill/>
-                      <a:prstDash val="solid"/>
-                    </a:lnBlToTr>
-                    <a:noFill/>
-                  </a:tcPr>
-                </a:tc>
-                <a:extLst>
-                  <a:ext uri="{0D108BD9-81ED-4DB2-BD59-A6C34878D82A}">
-                    <a16:rowId xmlns:a16="http://schemas.microsoft.com/office/drawing/2014/main" val="2868720426"/>
-                  </a:ext>
-                </a:extLst>
-              </a:tr>
-            </a:tbl>
-          </a:graphicData>
-        </a:graphic>
-      </p:graphicFrame>
-      <p:sp>
-        <p:nvSpPr>
-          <p:cNvPr id="5" name="TextBox 4">
-            <a:extLst>
-              <a:ext uri="{FF2B5EF4-FFF2-40B4-BE49-F238E27FC236}">
-                <a16:creationId xmlns:a16="http://schemas.microsoft.com/office/drawing/2014/main" id="{525AE53E-AD88-3F57-76EB-B546D15C7510}"/>
-              </a:ext>
-            </a:extLst>
-          </p:cNvPr>
-          <p:cNvSpPr txBox="1"/>
-          <p:nvPr/>
-        </p:nvSpPr>
-        <p:spPr>
-          <a:xfrm>
-            <a:off x="5855205" y="2850232"/>
-            <a:ext cx="6107722" cy="307777"/>
-          </a:xfrm>
-          <a:prstGeom prst="rect">
-            <a:avLst/>
-          </a:prstGeom>
-          <a:noFill/>
-        </p:spPr>
-        <p:txBody>
-          <a:bodyPr wrap="square">
-            <a:spAutoFit/>
-          </a:bodyPr>
-          <a:lstStyle/>
-          <a:p>
-            <a:r>
-              <a:rPr lang="ko-KR" altLang="en-US" sz="1400" b="0" dirty="0">
-                <a:solidFill>
-                  <a:srgbClr val="FF0000"/>
-                </a:solidFill>
-              </a:rPr>
-              <a:t>현재 날짜와 시간을 갖는 객체 생성</a:t>
-            </a:r>
-            <a:endParaRPr lang="ko-KR" altLang="en-US" sz="1400" dirty="0">
-              <a:solidFill>
-                <a:srgbClr val="FF0000"/>
-              </a:solidFill>
-            </a:endParaRPr>
-          </a:p>
-        </p:txBody>
-      </p:sp>
-      <p:sp>
-        <p:nvSpPr>
-          <p:cNvPr id="6" name="TextBox 5">
-            <a:extLst>
-              <a:ext uri="{FF2B5EF4-FFF2-40B4-BE49-F238E27FC236}">
-                <a16:creationId xmlns:a16="http://schemas.microsoft.com/office/drawing/2014/main" id="{147CEE13-2C08-6416-B07A-56E203BC1F83}"/>
-              </a:ext>
-            </a:extLst>
-          </p:cNvPr>
-          <p:cNvSpPr txBox="1"/>
-          <p:nvPr/>
-        </p:nvSpPr>
-        <p:spPr>
-          <a:xfrm>
-            <a:off x="6135588" y="3092491"/>
-            <a:ext cx="4171435" cy="307777"/>
-          </a:xfrm>
-          <a:prstGeom prst="rect">
-            <a:avLst/>
-          </a:prstGeom>
-          <a:noFill/>
-        </p:spPr>
-        <p:txBody>
-          <a:bodyPr wrap="square">
-            <a:spAutoFit/>
-          </a:bodyPr>
-          <a:lstStyle/>
-          <a:p>
-            <a:r>
-              <a:rPr lang="ko-KR" altLang="en-US" sz="1400" b="0" dirty="0">
-                <a:solidFill>
-                  <a:srgbClr val="FF0000"/>
-                </a:solidFill>
-              </a:rPr>
-              <a:t>현재시간을 </a:t>
-            </a:r>
-            <a:r>
-              <a:rPr lang="en-US" altLang="ko-KR" sz="1400" b="0" dirty="0">
-                <a:solidFill>
-                  <a:srgbClr val="FF0000"/>
-                </a:solidFill>
-              </a:rPr>
-              <a:t>0~23 </a:t>
-            </a:r>
-            <a:r>
-              <a:rPr lang="ko-KR" altLang="en-US" sz="1400" b="0" dirty="0">
-                <a:solidFill>
-                  <a:srgbClr val="FF0000"/>
-                </a:solidFill>
-              </a:rPr>
-              <a:t>사이의 값으로 출력하는 메소드</a:t>
-            </a:r>
-            <a:endParaRPr lang="ko-KR" altLang="en-US" sz="1400" dirty="0">
-              <a:solidFill>
-                <a:srgbClr val="FF0000"/>
-              </a:solidFill>
-            </a:endParaRPr>
-          </a:p>
-        </p:txBody>
-      </p:sp>
-      <p:cxnSp>
-        <p:nvCxnSpPr>
-          <p:cNvPr id="7" name="Straight Arrow Connector 11">
-            <a:extLst>
-              <a:ext uri="{FF2B5EF4-FFF2-40B4-BE49-F238E27FC236}">
-                <a16:creationId xmlns:a16="http://schemas.microsoft.com/office/drawing/2014/main" id="{925FF92E-57BB-DF92-C9AF-9E6ACB4939BD}"/>
-              </a:ext>
-            </a:extLst>
-          </p:cNvPr>
-          <p:cNvCxnSpPr/>
-          <p:nvPr/>
-        </p:nvCxnSpPr>
-        <p:spPr>
-          <a:xfrm>
-            <a:off x="4349680" y="2998175"/>
-            <a:ext cx="1301262" cy="0"/>
-          </a:xfrm>
-          <a:prstGeom prst="straightConnector1">
-            <a:avLst/>
-          </a:prstGeom>
-          <a:ln>
-            <a:tailEnd type="triangle"/>
-          </a:ln>
-        </p:spPr>
-        <p:style>
-          <a:lnRef idx="1">
-            <a:schemeClr val="accent2"/>
-          </a:lnRef>
-          <a:fillRef idx="0">
-            <a:schemeClr val="accent2"/>
-          </a:fillRef>
-          <a:effectRef idx="0">
-            <a:schemeClr val="accent2"/>
-          </a:effectRef>
-          <a:fontRef idx="minor">
-            <a:schemeClr val="tx1"/>
-          </a:fontRef>
-        </p:style>
-      </p:cxnSp>
-      <p:cxnSp>
-        <p:nvCxnSpPr>
-          <p:cNvPr id="8" name="Straight Arrow Connector 12">
-            <a:extLst>
-              <a:ext uri="{FF2B5EF4-FFF2-40B4-BE49-F238E27FC236}">
-                <a16:creationId xmlns:a16="http://schemas.microsoft.com/office/drawing/2014/main" id="{AEE3A650-ECB9-6A73-18E5-C11CF19B6F9F}"/>
-              </a:ext>
-            </a:extLst>
-          </p:cNvPr>
-          <p:cNvCxnSpPr/>
-          <p:nvPr/>
-        </p:nvCxnSpPr>
-        <p:spPr>
-          <a:xfrm>
-            <a:off x="4644737" y="3246380"/>
-            <a:ext cx="1301262" cy="0"/>
-          </a:xfrm>
-          <a:prstGeom prst="straightConnector1">
-            <a:avLst/>
-          </a:prstGeom>
-          <a:ln>
-            <a:tailEnd type="triangle"/>
-          </a:ln>
-        </p:spPr>
-        <p:style>
-          <a:lnRef idx="1">
-            <a:schemeClr val="accent2"/>
-          </a:lnRef>
-          <a:fillRef idx="0">
-            <a:schemeClr val="accent2"/>
-          </a:fillRef>
-          <a:effectRef idx="0">
-            <a:schemeClr val="accent2"/>
-          </a:effectRef>
-          <a:fontRef idx="minor">
-            <a:schemeClr val="tx1"/>
-          </a:fontRef>
-        </p:style>
-      </p:cxnSp>
-      <p:pic>
-        <p:nvPicPr>
-          <p:cNvPr id="9" name="Picture 14">
-            <a:extLst>
-              <a:ext uri="{FF2B5EF4-FFF2-40B4-BE49-F238E27FC236}">
-                <a16:creationId xmlns:a16="http://schemas.microsoft.com/office/drawing/2014/main" id="{0F338309-85CF-2A08-1624-97DD578F3B0A}"/>
-              </a:ext>
-            </a:extLst>
-          </p:cNvPr>
-          <p:cNvPicPr>
-            <a:picLocks noChangeAspect="1"/>
-          </p:cNvPicPr>
-          <p:nvPr/>
-        </p:nvPicPr>
-        <p:blipFill>
-          <a:blip r:embed="rId2"/>
-          <a:stretch>
-            <a:fillRect/>
-          </a:stretch>
-        </p:blipFill>
-        <p:spPr>
-          <a:xfrm>
-            <a:off x="7350813" y="4433014"/>
-            <a:ext cx="3116506" cy="1191807"/>
-          </a:xfrm>
-          <a:prstGeom prst="rect">
-            <a:avLst/>
-          </a:prstGeom>
-        </p:spPr>
-      </p:pic>
-      <p:sp>
-        <p:nvSpPr>
-          <p:cNvPr id="10" name="Arrow: Right 15">
-            <a:extLst>
-              <a:ext uri="{FF2B5EF4-FFF2-40B4-BE49-F238E27FC236}">
-                <a16:creationId xmlns:a16="http://schemas.microsoft.com/office/drawing/2014/main" id="{83BC90A5-6372-3E9D-B2F9-4D5A5FED707A}"/>
-              </a:ext>
-            </a:extLst>
-          </p:cNvPr>
-          <p:cNvSpPr/>
-          <p:nvPr/>
-        </p:nvSpPr>
-        <p:spPr>
-          <a:xfrm>
-            <a:off x="6539161" y="4788815"/>
-            <a:ext cx="439249" cy="480203"/>
-          </a:xfrm>
-          <a:prstGeom prst="rightArrow">
-            <a:avLst/>
-          </a:prstGeom>
-          <a:solidFill>
-            <a:schemeClr val="bg1">
-              <a:lumMod val="50000"/>
-            </a:schemeClr>
-          </a:solidFill>
-          <a:ln>
-            <a:noFill/>
-          </a:ln>
-        </p:spPr>
-        <p:style>
-          <a:lnRef idx="2">
-            <a:schemeClr val="accent1">
-              <a:shade val="50000"/>
-            </a:schemeClr>
-          </a:lnRef>
-          <a:fillRef idx="1">
-            <a:schemeClr val="accent1"/>
-          </a:fillRef>
-          <a:effectRef idx="0">
-            <a:schemeClr val="accent1"/>
-          </a:effectRef>
-          <a:fontRef idx="minor">
-            <a:schemeClr val="lt1"/>
-          </a:fontRef>
-        </p:style>
-        <p:txBody>
-          <a:bodyPr rtlCol="0" anchor="ctr"/>
-          <a:lstStyle/>
-          <a:p>
-            <a:pPr algn="ctr"/>
-            <a:endParaRPr lang="ko-KR" altLang="en-US"/>
-          </a:p>
-        </p:txBody>
-      </p:sp>
-    </p:spTree>
-    <p:extLst>
-      <p:ext uri="{BB962C8B-B14F-4D97-AF65-F5344CB8AC3E}">
-        <p14:creationId xmlns:p14="http://schemas.microsoft.com/office/powerpoint/2010/main" val="1187169721"/>
-      </p:ext>
-    </p:extLst>
-  </p:cSld>
-  <p:clrMapOvr>
-    <a:masterClrMapping/>
-  </p:clrMapOvr>
-</p:sld>
-</file>
-
-<file path=ppt/slides/slide15.xml><?xml version="1.0" encoding="utf-8"?>
 <p:sld xmlns:a="http://schemas.openxmlformats.org/drawingml/2006/main" xmlns:r="http://schemas.openxmlformats.org/officeDocument/2006/relationships" xmlns:p="http://schemas.openxmlformats.org/presentationml/2006/main">
   <p:cSld>
     <p:spTree>
@@ -8250,7 +7164,7 @@
 </p:sld>
 </file>
 
-<file path=ppt/slides/slide16.xml><?xml version="1.0" encoding="utf-8"?>
+<file path=ppt/slides/slide15.xml><?xml version="1.0" encoding="utf-8"?>
 <p:sld xmlns:a="http://schemas.openxmlformats.org/drawingml/2006/main" xmlns:r="http://schemas.openxmlformats.org/officeDocument/2006/relationships" xmlns:p="http://schemas.openxmlformats.org/presentationml/2006/main">
   <p:cSld>
     <p:spTree>
@@ -8281,8 +7195,8 @@
         </p:nvSpPr>
         <p:spPr>
           <a:xfrm>
-            <a:off x="838200" y="1552697"/>
-            <a:ext cx="9211236" cy="1285288"/>
+            <a:off x="463732" y="1345517"/>
+            <a:ext cx="10413274" cy="869790"/>
           </a:xfrm>
           <a:prstGeom prst="rect">
             <a:avLst/>
@@ -8294,14 +7208,6 @@
             <a:spAutoFit/>
           </a:bodyPr>
           <a:lstStyle/>
-          <a:p>
-            <a:pPr>
-              <a:lnSpc>
-                <a:spcPct val="150000"/>
-              </a:lnSpc>
-            </a:pPr>
-            <a:endParaRPr kumimoji="1" lang="en-US" altLang="ko-KR" dirty="0"/>
-          </a:p>
           <a:p>
             <a:pPr>
               <a:lnSpc>
@@ -8421,46 +7327,14 @@
         </p:blipFill>
         <p:spPr>
           <a:xfrm>
-            <a:off x="838200" y="3618387"/>
-            <a:ext cx="5746983" cy="2419418"/>
+            <a:off x="576943" y="2634317"/>
+            <a:ext cx="7395294" cy="3113339"/>
           </a:xfrm>
           <a:prstGeom prst="rect">
             <a:avLst/>
           </a:prstGeom>
         </p:spPr>
       </p:pic>
-      <p:sp>
-        <p:nvSpPr>
-          <p:cNvPr id="3" name="바닥글 개체 틀 2">
-            <a:extLst>
-              <a:ext uri="{FF2B5EF4-FFF2-40B4-BE49-F238E27FC236}">
-                <a16:creationId xmlns:a16="http://schemas.microsoft.com/office/drawing/2014/main" id="{CC464ABF-5F2F-4E89-A14C-D39442C1B596}"/>
-              </a:ext>
-            </a:extLst>
-          </p:cNvPr>
-          <p:cNvSpPr>
-            <a:spLocks noGrp="1"/>
-          </p:cNvSpPr>
-          <p:nvPr>
-            <p:ph type="ftr" sz="quarter" idx="11"/>
-          </p:nvPr>
-        </p:nvSpPr>
-        <p:spPr/>
-        <p:txBody>
-          <a:bodyPr/>
-          <a:lstStyle/>
-          <a:p>
-            <a:r>
-              <a:rPr lang="en-US" altLang="ko-KR"/>
-              <a:t>Do it! </a:t>
-            </a:r>
-            <a:r>
-              <a:rPr lang="ko-KR" altLang="en-US"/>
-              <a:t>자바스크립트 입문</a:t>
-            </a:r>
-          </a:p>
-        </p:txBody>
-      </p:sp>
       <p:sp>
         <p:nvSpPr>
           <p:cNvPr id="4" name="TextBox 3">
@@ -8526,7 +7400,7 @@
 </p:sld>
 </file>
 
-<file path=ppt/slides/slide17.xml><?xml version="1.0" encoding="utf-8"?>
+<file path=ppt/slides/slide16.xml><?xml version="1.0" encoding="utf-8"?>
 <p:sld xmlns:a="http://schemas.openxmlformats.org/drawingml/2006/main" xmlns:r="http://schemas.openxmlformats.org/officeDocument/2006/relationships" xmlns:p="http://schemas.openxmlformats.org/presentationml/2006/main">
   <p:cSld>
     <p:spTree>
@@ -8620,7 +7494,7 @@
         <p:spPr>
           <a:xfrm>
             <a:off x="546887" y="1187584"/>
-            <a:ext cx="11281052" cy="5351330"/>
+            <a:ext cx="11281052" cy="3088325"/>
           </a:xfrm>
           <a:prstGeom prst="rect">
             <a:avLst/>
@@ -8796,7 +7670,7 @@
           </a:lstStyle>
           <a:p>
             <a:r>
-              <a:rPr lang="en-US" altLang="ko-KR">
+              <a:rPr lang="en-US" altLang="ko-KR" dirty="0">
                 <a:solidFill>
                   <a:srgbClr val="000000"/>
                 </a:solidFill>
@@ -8805,7 +7679,7 @@
               <a:t>if else </a:t>
             </a:r>
             <a:r>
-              <a:rPr lang="ko-KR" altLang="en-US">
+              <a:rPr lang="ko-KR" altLang="en-US" dirty="0">
                 <a:solidFill>
                   <a:srgbClr val="000000"/>
                 </a:solidFill>
@@ -8813,7 +7687,7 @@
               </a:rPr>
               <a:t>조건문</a:t>
             </a:r>
-            <a:endParaRPr lang="en-US" altLang="ko-KR">
+            <a:endParaRPr lang="en-US" altLang="ko-KR" dirty="0">
               <a:solidFill>
                 <a:srgbClr val="000000"/>
               </a:solidFill>
@@ -8823,7 +7697,7 @@
           <a:p>
             <a:pPr lvl="1"/>
             <a:r>
-              <a:rPr lang="ko-KR" altLang="en-US">
+              <a:rPr lang="ko-KR" altLang="en-US" dirty="0">
                 <a:solidFill>
                   <a:srgbClr val="000000"/>
                 </a:solidFill>
@@ -8831,7 +7705,7 @@
               </a:rPr>
               <a:t>서로 반대되는 상황을 표현하는 구문</a:t>
             </a:r>
-            <a:endParaRPr lang="en-US" altLang="ko-KR">
+            <a:endParaRPr lang="en-US" altLang="ko-KR" dirty="0">
               <a:solidFill>
                 <a:srgbClr val="000000"/>
               </a:solidFill>
@@ -8840,7 +7714,7 @@
           </a:p>
           <a:p>
             <a:pPr lvl="1"/>
-            <a:endParaRPr lang="en-US" altLang="ko-KR">
+            <a:endParaRPr lang="en-US" altLang="ko-KR" dirty="0">
               <a:solidFill>
                 <a:srgbClr val="000000"/>
               </a:solidFill>
@@ -8849,7 +7723,7 @@
           </a:p>
           <a:p>
             <a:pPr lvl="1"/>
-            <a:endParaRPr lang="en-US" altLang="ko-KR">
+            <a:endParaRPr lang="en-US" altLang="ko-KR" dirty="0">
               <a:solidFill>
                 <a:srgbClr val="000000"/>
               </a:solidFill>
@@ -8858,7 +7732,7 @@
           </a:p>
           <a:p>
             <a:pPr lvl="1"/>
-            <a:endParaRPr lang="en-US" altLang="ko-KR">
+            <a:endParaRPr lang="en-US" altLang="ko-KR" dirty="0">
               <a:solidFill>
                 <a:srgbClr val="000000"/>
               </a:solidFill>
@@ -8867,7 +7741,7 @@
           </a:p>
           <a:p>
             <a:pPr lvl="1"/>
-            <a:endParaRPr lang="en-US" altLang="ko-KR">
+            <a:endParaRPr lang="en-US" altLang="ko-KR" dirty="0">
               <a:solidFill>
                 <a:srgbClr val="000000"/>
               </a:solidFill>
@@ -8877,7 +7751,7 @@
           <a:p>
             <a:pPr lvl="1"/>
             <a:r>
-              <a:rPr lang="en-US" altLang="ko-KR">
+              <a:rPr lang="en-US" altLang="ko-KR" dirty="0">
                 <a:solidFill>
                   <a:srgbClr val="000000"/>
                 </a:solidFill>
@@ -8886,27 +7760,15 @@
               <a:t>if else </a:t>
             </a:r>
             <a:r>
-              <a:rPr lang="ko-KR" altLang="en-US">
+              <a:rPr lang="ko-KR" altLang="en-US" dirty="0">
                 <a:solidFill>
                   <a:srgbClr val="000000"/>
                 </a:solidFill>
                 <a:latin typeface="+mn-ea"/>
               </a:rPr>
-              <a:t>조건문을 사용해 현재 시간 구하기 소스 코드 </a:t>
-            </a:r>
-            <a:r>
-              <a:rPr lang="en-US" altLang="ko-KR">
-                <a:solidFill>
-                  <a:srgbClr val="000000"/>
-                </a:solidFill>
-                <a:latin typeface="+mn-ea"/>
-              </a:rPr>
-              <a:t>3-1-3.html</a:t>
-            </a:r>
-          </a:p>
-          <a:p>
-            <a:pPr lvl="2"/>
-            <a:endParaRPr lang="en-US" altLang="ko-KR">
+              <a:t>조건문을 사용해 현재 시간 구하기 실습</a:t>
+            </a:r>
+            <a:endParaRPr lang="en-US" altLang="ko-KR" dirty="0">
               <a:solidFill>
                 <a:srgbClr val="000000"/>
               </a:solidFill>
@@ -8915,7 +7777,7 @@
           </a:p>
           <a:p>
             <a:pPr lvl="2"/>
-            <a:endParaRPr lang="en-US" altLang="ko-KR">
+            <a:endParaRPr lang="en-US" altLang="ko-KR" dirty="0">
               <a:solidFill>
                 <a:srgbClr val="000000"/>
               </a:solidFill>
@@ -8924,7 +7786,7 @@
           </a:p>
           <a:p>
             <a:pPr lvl="2"/>
-            <a:endParaRPr lang="en-US" altLang="ko-KR">
+            <a:endParaRPr lang="en-US" altLang="ko-KR" dirty="0">
               <a:solidFill>
                 <a:srgbClr val="000000"/>
               </a:solidFill>
@@ -8933,7 +7795,7 @@
           </a:p>
           <a:p>
             <a:pPr lvl="2"/>
-            <a:endParaRPr lang="en-US" altLang="ko-KR">
+            <a:endParaRPr lang="en-US" altLang="ko-KR" dirty="0">
               <a:solidFill>
                 <a:srgbClr val="000000"/>
               </a:solidFill>
@@ -8941,8 +7803,8 @@
             </a:endParaRPr>
           </a:p>
           <a:p>
-            <a:pPr lvl="1"/>
-            <a:endParaRPr lang="en-US" altLang="ko-KR">
+            <a:pPr lvl="2"/>
+            <a:endParaRPr lang="en-US" altLang="ko-KR" dirty="0">
               <a:solidFill>
                 <a:srgbClr val="000000"/>
               </a:solidFill>
@@ -8951,7 +7813,7 @@
           </a:p>
           <a:p>
             <a:pPr lvl="1"/>
-            <a:endParaRPr lang="en-US" altLang="ko-KR">
+            <a:endParaRPr lang="en-US" altLang="ko-KR" dirty="0">
               <a:solidFill>
                 <a:srgbClr val="000000"/>
               </a:solidFill>
@@ -8960,7 +7822,7 @@
           </a:p>
           <a:p>
             <a:pPr lvl="1"/>
-            <a:endParaRPr lang="en-US" altLang="ko-KR">
+            <a:endParaRPr lang="en-US" altLang="ko-KR" dirty="0">
               <a:solidFill>
                 <a:srgbClr val="000000"/>
               </a:solidFill>
@@ -8969,7 +7831,7 @@
           </a:p>
           <a:p>
             <a:pPr lvl="1"/>
-            <a:endParaRPr lang="en-US" altLang="ko-KR">
+            <a:endParaRPr lang="en-US" altLang="ko-KR" dirty="0">
               <a:solidFill>
                 <a:srgbClr val="000000"/>
               </a:solidFill>
@@ -8978,7 +7840,16 @@
           </a:p>
           <a:p>
             <a:pPr lvl="1"/>
-            <a:endParaRPr lang="en-US" altLang="ko-KR">
+            <a:endParaRPr lang="en-US" altLang="ko-KR" dirty="0">
+              <a:solidFill>
+                <a:srgbClr val="000000"/>
+              </a:solidFill>
+              <a:latin typeface="+mn-ea"/>
+            </a:endParaRPr>
+          </a:p>
+          <a:p>
+            <a:pPr lvl="1"/>
+            <a:endParaRPr lang="en-US" altLang="ko-KR" dirty="0">
               <a:solidFill>
                 <a:srgbClr val="000000"/>
               </a:solidFill>
@@ -9170,7 +8041,7 @@
 </p:sld>
 </file>
 
-<file path=ppt/slides/slide18.xml><?xml version="1.0" encoding="utf-8"?>
+<file path=ppt/slides/slide17.xml><?xml version="1.0" encoding="utf-8"?>
 <p:sld xmlns:a="http://schemas.openxmlformats.org/drawingml/2006/main" xmlns:r="http://schemas.openxmlformats.org/officeDocument/2006/relationships" xmlns:p="http://schemas.openxmlformats.org/presentationml/2006/main">
   <p:cSld>
     <p:spTree>
@@ -10118,7 +8989,7 @@
 </p:sld>
 </file>
 
-<file path=ppt/slides/slide19.xml><?xml version="1.0" encoding="utf-8"?>
+<file path=ppt/slides/slide18.xml><?xml version="1.0" encoding="utf-8"?>
 <p:sld xmlns:a="http://schemas.openxmlformats.org/drawingml/2006/main" xmlns:r="http://schemas.openxmlformats.org/officeDocument/2006/relationships" xmlns:p="http://schemas.openxmlformats.org/presentationml/2006/main">
   <p:cSld>
     <p:spTree>
@@ -10794,6 +9665,507 @@
     <p:extLst>
       <p:ext uri="{BB962C8B-B14F-4D97-AF65-F5344CB8AC3E}">
         <p14:creationId xmlns:p14="http://schemas.microsoft.com/office/powerpoint/2010/main" val="2745207054"/>
+      </p:ext>
+    </p:extLst>
+  </p:cSld>
+  <p:clrMapOvr>
+    <a:masterClrMapping/>
+  </p:clrMapOvr>
+</p:sld>
+</file>
+
+<file path=ppt/slides/slide19.xml><?xml version="1.0" encoding="utf-8"?>
+<p:sld xmlns:a="http://schemas.openxmlformats.org/drawingml/2006/main" xmlns:r="http://schemas.openxmlformats.org/officeDocument/2006/relationships" xmlns:p="http://schemas.openxmlformats.org/presentationml/2006/main">
+  <p:cSld>
+    <p:spTree>
+      <p:nvGrpSpPr>
+        <p:cNvPr id="1" name=""/>
+        <p:cNvGrpSpPr/>
+        <p:nvPr/>
+      </p:nvGrpSpPr>
+      <p:grpSpPr>
+        <a:xfrm>
+          <a:off x="0" y="0"/>
+          <a:ext cx="0" cy="0"/>
+          <a:chOff x="0" y="0"/>
+          <a:chExt cx="0" cy="0"/>
+        </a:xfrm>
+      </p:grpSpPr>
+      <p:sp>
+        <p:nvSpPr>
+          <p:cNvPr id="3" name="TextBox 2">
+            <a:extLst>
+              <a:ext uri="{FF2B5EF4-FFF2-40B4-BE49-F238E27FC236}">
+                <a16:creationId xmlns:a16="http://schemas.microsoft.com/office/drawing/2014/main" id="{0074F701-19F2-9EE5-D7DF-89C55628181A}"/>
+              </a:ext>
+            </a:extLst>
+          </p:cNvPr>
+          <p:cNvSpPr txBox="1"/>
+          <p:nvPr/>
+        </p:nvSpPr>
+        <p:spPr>
+          <a:xfrm>
+            <a:off x="688644" y="1272677"/>
+            <a:ext cx="8796130" cy="783356"/>
+          </a:xfrm>
+          <a:prstGeom prst="rect">
+            <a:avLst/>
+          </a:prstGeom>
+          <a:noFill/>
+        </p:spPr>
+        <p:txBody>
+          <a:bodyPr wrap="square" rtlCol="0">
+            <a:spAutoFit/>
+          </a:bodyPr>
+          <a:lstStyle/>
+          <a:p>
+            <a:pPr>
+              <a:lnSpc>
+                <a:spcPct val="150000"/>
+              </a:lnSpc>
+            </a:pPr>
+            <a:r>
+              <a:rPr kumimoji="1" lang="ko-Kore-KR" altLang="en-US" sz="1600"/>
+              <a:t>프롬프트</a:t>
+            </a:r>
+            <a:r>
+              <a:rPr kumimoji="1" lang="ko-KR" altLang="en-US" sz="1600"/>
+              <a:t> 창에서 값을 입력하지 않고 </a:t>
+            </a:r>
+            <a:r>
+              <a:rPr kumimoji="1" lang="en-US" altLang="ko-KR" sz="1600"/>
+              <a:t>[</a:t>
+            </a:r>
+            <a:r>
+              <a:rPr kumimoji="1" lang="ko-KR" altLang="en-US" sz="1600"/>
+              <a:t>확인</a:t>
+            </a:r>
+            <a:r>
+              <a:rPr kumimoji="1" lang="en-US" altLang="ko-KR" sz="1600"/>
+              <a:t>]</a:t>
+            </a:r>
+            <a:r>
+              <a:rPr kumimoji="1" lang="ko-KR" altLang="en-US" sz="1600"/>
+              <a:t>을 누른 경우도 체크하려면</a:t>
+            </a:r>
+            <a:endParaRPr kumimoji="1" lang="en-US" altLang="ko-KR" sz="1600"/>
+          </a:p>
+          <a:p>
+            <a:pPr>
+              <a:lnSpc>
+                <a:spcPct val="150000"/>
+              </a:lnSpc>
+            </a:pPr>
+            <a:r>
+              <a:rPr kumimoji="1" lang="ko-KR" altLang="en-US" sz="1600"/>
+              <a:t>값이 입력되었는지를 체크할 때 </a:t>
+            </a:r>
+            <a:r>
+              <a:rPr kumimoji="1" lang="en-US" altLang="ko-KR" sz="1600"/>
+              <a:t>truthy </a:t>
+            </a:r>
+            <a:r>
+              <a:rPr kumimoji="1" lang="ko-KR" altLang="en-US" sz="1600"/>
+              <a:t>값을 사용할 수도 있다</a:t>
+            </a:r>
+            <a:r>
+              <a:rPr kumimoji="1" lang="en-US" altLang="ko-KR" sz="1600"/>
+              <a:t>.</a:t>
+            </a:r>
+            <a:endParaRPr kumimoji="1" lang="ko-Kore-KR" altLang="en-US" sz="1600"/>
+          </a:p>
+        </p:txBody>
+      </p:sp>
+      <p:sp>
+        <p:nvSpPr>
+          <p:cNvPr id="4" name="TextBox 3">
+            <a:extLst>
+              <a:ext uri="{FF2B5EF4-FFF2-40B4-BE49-F238E27FC236}">
+                <a16:creationId xmlns:a16="http://schemas.microsoft.com/office/drawing/2014/main" id="{4F352024-43E5-2F32-5ECB-9E8D5AB232A7}"/>
+              </a:ext>
+            </a:extLst>
+          </p:cNvPr>
+          <p:cNvSpPr txBox="1"/>
+          <p:nvPr/>
+        </p:nvSpPr>
+        <p:spPr>
+          <a:xfrm>
+            <a:off x="775730" y="2380524"/>
+            <a:ext cx="7146235" cy="2681311"/>
+          </a:xfrm>
+          <a:prstGeom prst="rect">
+            <a:avLst/>
+          </a:prstGeom>
+          <a:noFill/>
+          <a:ln>
+            <a:solidFill>
+              <a:schemeClr val="bg1">
+                <a:lumMod val="50000"/>
+              </a:schemeClr>
+            </a:solidFill>
+          </a:ln>
+        </p:spPr>
+        <p:txBody>
+          <a:bodyPr wrap="square" rtlCol="0">
+            <a:spAutoFit/>
+          </a:bodyPr>
+          <a:lstStyle/>
+          <a:p>
+            <a:pPr>
+              <a:lnSpc>
+                <a:spcPct val="150000"/>
+              </a:lnSpc>
+            </a:pPr>
+            <a:r>
+              <a:rPr kumimoji="1" lang="en-US" altLang="ko-Kore-KR" sz="1600">
+                <a:latin typeface="D2Coding" panose="020B0609020101020101" pitchFamily="49" charset="-127"/>
+                <a:ea typeface="D2Coding" panose="020B0609020101020101" pitchFamily="49" charset="-127"/>
+              </a:rPr>
+              <a:t>let input = prompt(“</a:t>
+            </a:r>
+            <a:r>
+              <a:rPr kumimoji="1" lang="ko-Kore-KR" altLang="en-US" sz="1600">
+                <a:latin typeface="D2Coding" panose="020B0609020101020101" pitchFamily="49" charset="-127"/>
+                <a:ea typeface="D2Coding" panose="020B0609020101020101" pitchFamily="49" charset="-127"/>
+              </a:rPr>
+              <a:t>이름을</a:t>
+            </a:r>
+            <a:r>
+              <a:rPr kumimoji="1" lang="ko-KR" altLang="en-US" sz="1600">
+                <a:latin typeface="D2Coding" panose="020B0609020101020101" pitchFamily="49" charset="-127"/>
+                <a:ea typeface="D2Coding" panose="020B0609020101020101" pitchFamily="49" charset="-127"/>
+              </a:rPr>
+              <a:t> 입력하세요</a:t>
+            </a:r>
+            <a:r>
+              <a:rPr kumimoji="1" lang="en-US" altLang="ko-KR" sz="1600">
+                <a:latin typeface="D2Coding" panose="020B0609020101020101" pitchFamily="49" charset="-127"/>
+                <a:ea typeface="D2Coding" panose="020B0609020101020101" pitchFamily="49" charset="-127"/>
+              </a:rPr>
+              <a:t>.”)</a:t>
+            </a:r>
+          </a:p>
+          <a:p>
+            <a:pPr>
+              <a:lnSpc>
+                <a:spcPct val="150000"/>
+              </a:lnSpc>
+            </a:pPr>
+            <a:r>
+              <a:rPr kumimoji="1" lang="en-US" altLang="ko-Kore-KR" sz="1600">
+                <a:latin typeface="D2Coding" panose="020B0609020101020101" pitchFamily="49" charset="-127"/>
+                <a:ea typeface="D2Coding" panose="020B0609020101020101" pitchFamily="49" charset="-127"/>
+              </a:rPr>
+              <a:t>if (input) {           </a:t>
+            </a:r>
+            <a:r>
+              <a:rPr kumimoji="1" lang="en-US" altLang="ko-Kore-KR" sz="1400">
+                <a:solidFill>
+                  <a:schemeClr val="bg1">
+                    <a:lumMod val="50000"/>
+                  </a:schemeClr>
+                </a:solidFill>
+                <a:latin typeface="D2Coding" panose="020B0609020101020101" pitchFamily="49" charset="-127"/>
+                <a:ea typeface="D2Coding" panose="020B0609020101020101" pitchFamily="49" charset="-127"/>
+              </a:rPr>
+              <a:t>// </a:t>
+            </a:r>
+            <a:r>
+              <a:rPr kumimoji="1" lang="en-US" altLang="ko-Kore-KR" sz="1400">
+                <a:solidFill>
+                  <a:schemeClr val="bg1">
+                    <a:lumMod val="50000"/>
+                  </a:schemeClr>
+                </a:solidFill>
+              </a:rPr>
+              <a:t>input</a:t>
+            </a:r>
+            <a:r>
+              <a:rPr kumimoji="1" lang="ko-Kore-KR" altLang="en-US" sz="1400">
+                <a:solidFill>
+                  <a:schemeClr val="bg1">
+                    <a:lumMod val="50000"/>
+                  </a:schemeClr>
+                </a:solidFill>
+              </a:rPr>
+              <a:t>에</a:t>
+            </a:r>
+            <a:r>
+              <a:rPr kumimoji="1" lang="en-US" altLang="ko-Kore-KR" sz="1400">
+                <a:solidFill>
+                  <a:schemeClr val="bg1">
+                    <a:lumMod val="50000"/>
+                  </a:schemeClr>
+                </a:solidFill>
+              </a:rPr>
+              <a:t> </a:t>
+            </a:r>
+            <a:r>
+              <a:rPr kumimoji="1" lang="ko-KR" altLang="en-US" sz="1400">
+                <a:solidFill>
+                  <a:schemeClr val="bg1">
+                    <a:lumMod val="50000"/>
+                  </a:schemeClr>
+                </a:solidFill>
+              </a:rPr>
+              <a:t>값이 들어있다면</a:t>
+            </a:r>
+            <a:r>
+              <a:rPr kumimoji="1" lang="en-US" altLang="ko-KR" sz="1400">
+                <a:solidFill>
+                  <a:schemeClr val="bg1">
+                    <a:lumMod val="50000"/>
+                  </a:schemeClr>
+                </a:solidFill>
+              </a:rPr>
+              <a:t> truthy</a:t>
+            </a:r>
+            <a:endParaRPr kumimoji="1" lang="en-US" altLang="ko-Kore-KR" sz="1600">
+              <a:solidFill>
+                <a:schemeClr val="bg1">
+                  <a:lumMod val="50000"/>
+                </a:schemeClr>
+              </a:solidFill>
+              <a:latin typeface="D2Coding" panose="020B0609020101020101" pitchFamily="49" charset="-127"/>
+              <a:ea typeface="D2Coding" panose="020B0609020101020101" pitchFamily="49" charset="-127"/>
+            </a:endParaRPr>
+          </a:p>
+          <a:p>
+            <a:pPr>
+              <a:lnSpc>
+                <a:spcPct val="150000"/>
+              </a:lnSpc>
+            </a:pPr>
+            <a:r>
+              <a:rPr kumimoji="1" lang="en-US" altLang="ko-Kore-KR" sz="1600">
+                <a:latin typeface="D2Coding" panose="020B0609020101020101" pitchFamily="49" charset="-127"/>
+                <a:ea typeface="D2Coding" panose="020B0609020101020101" pitchFamily="49" charset="-127"/>
+              </a:rPr>
+              <a:t>  alert(`</a:t>
+            </a:r>
+            <a:r>
+              <a:rPr kumimoji="1" lang="en-US" altLang="ko-KR" sz="1600">
+                <a:latin typeface="D2Coding" panose="020B0609020101020101" pitchFamily="49" charset="-127"/>
+                <a:ea typeface="D2Coding" panose="020B0609020101020101" pitchFamily="49" charset="-127"/>
+              </a:rPr>
+              <a:t>$</a:t>
+            </a:r>
+            <a:r>
+              <a:rPr kumimoji="1" lang="en-US" altLang="ko-Kore-KR" sz="1600">
+                <a:latin typeface="D2Coding" panose="020B0609020101020101" pitchFamily="49" charset="-127"/>
+                <a:ea typeface="D2Coding" panose="020B0609020101020101" pitchFamily="49" charset="-127"/>
+              </a:rPr>
+              <a:t>{input}</a:t>
+            </a:r>
+            <a:r>
+              <a:rPr kumimoji="1" lang="ko-KR" altLang="en-US" sz="1600">
+                <a:latin typeface="D2Coding" panose="020B0609020101020101" pitchFamily="49" charset="-127"/>
+                <a:ea typeface="D2Coding" panose="020B0609020101020101" pitchFamily="49" charset="-127"/>
+              </a:rPr>
+              <a:t>님</a:t>
+            </a:r>
+            <a:r>
+              <a:rPr kumimoji="1" lang="en-US" altLang="ko-KR" sz="1600">
+                <a:latin typeface="D2Coding" panose="020B0609020101020101" pitchFamily="49" charset="-127"/>
+                <a:ea typeface="D2Coding" panose="020B0609020101020101" pitchFamily="49" charset="-127"/>
+              </a:rPr>
+              <a:t>,</a:t>
+            </a:r>
+            <a:r>
+              <a:rPr kumimoji="1" lang="ko-KR" altLang="en-US" sz="1600">
+                <a:latin typeface="D2Coding" panose="020B0609020101020101" pitchFamily="49" charset="-127"/>
+                <a:ea typeface="D2Coding" panose="020B0609020101020101" pitchFamily="49" charset="-127"/>
+              </a:rPr>
+              <a:t> 어서오세요</a:t>
+            </a:r>
+            <a:r>
+              <a:rPr kumimoji="1" lang="en-US" altLang="ko-KR" sz="1600">
+                <a:latin typeface="D2Coding" panose="020B0609020101020101" pitchFamily="49" charset="-127"/>
+                <a:ea typeface="D2Coding" panose="020B0609020101020101" pitchFamily="49" charset="-127"/>
+              </a:rPr>
+              <a:t>.`);</a:t>
+            </a:r>
+          </a:p>
+          <a:p>
+            <a:pPr>
+              <a:lnSpc>
+                <a:spcPct val="150000"/>
+              </a:lnSpc>
+            </a:pPr>
+            <a:r>
+              <a:rPr kumimoji="1" lang="en-US" altLang="ko-Kore-KR" sz="1600">
+                <a:latin typeface="D2Coding" panose="020B0609020101020101" pitchFamily="49" charset="-127"/>
+                <a:ea typeface="D2Coding" panose="020B0609020101020101" pitchFamily="49" charset="-127"/>
+              </a:rPr>
+              <a:t>}</a:t>
+            </a:r>
+          </a:p>
+          <a:p>
+            <a:pPr>
+              <a:lnSpc>
+                <a:spcPct val="150000"/>
+              </a:lnSpc>
+            </a:pPr>
+            <a:r>
+              <a:rPr kumimoji="1" lang="en-US" altLang="ko-Kore-KR" sz="1600">
+                <a:latin typeface="D2Coding" panose="020B0609020101020101" pitchFamily="49" charset="-127"/>
+                <a:ea typeface="D2Coding" panose="020B0609020101020101" pitchFamily="49" charset="-127"/>
+              </a:rPr>
+              <a:t>else {</a:t>
+            </a:r>
+          </a:p>
+          <a:p>
+            <a:pPr>
+              <a:lnSpc>
+                <a:spcPct val="150000"/>
+              </a:lnSpc>
+            </a:pPr>
+            <a:r>
+              <a:rPr kumimoji="1" lang="en-US" altLang="ko-Kore-KR" sz="1600">
+                <a:latin typeface="D2Coding" panose="020B0609020101020101" pitchFamily="49" charset="-127"/>
+                <a:ea typeface="D2Coding" panose="020B0609020101020101" pitchFamily="49" charset="-127"/>
+              </a:rPr>
+              <a:t>  alert(</a:t>
+            </a:r>
+            <a:r>
+              <a:rPr kumimoji="1" lang="en-US" altLang="ko-KR" sz="1600">
+                <a:latin typeface="D2Coding" panose="020B0609020101020101" pitchFamily="49" charset="-127"/>
+                <a:ea typeface="D2Coding" panose="020B0609020101020101" pitchFamily="49" charset="-127"/>
+              </a:rPr>
+              <a:t>`</a:t>
+            </a:r>
+            <a:r>
+              <a:rPr kumimoji="1" lang="ko-KR" altLang="en-US" sz="1600">
+                <a:latin typeface="D2Coding" panose="020B0609020101020101" pitchFamily="49" charset="-127"/>
+                <a:ea typeface="D2Coding" panose="020B0609020101020101" pitchFamily="49" charset="-127"/>
+              </a:rPr>
+              <a:t>이름을 입력하지 않았습니다</a:t>
+            </a:r>
+            <a:r>
+              <a:rPr kumimoji="1" lang="en-US" altLang="ko-KR" sz="1600">
+                <a:latin typeface="D2Coding" panose="020B0609020101020101" pitchFamily="49" charset="-127"/>
+                <a:ea typeface="D2Coding" panose="020B0609020101020101" pitchFamily="49" charset="-127"/>
+              </a:rPr>
+              <a:t>.</a:t>
+            </a:r>
+            <a:r>
+              <a:rPr kumimoji="1" lang="ko-KR" altLang="en-US" sz="1600">
+                <a:latin typeface="D2Coding" panose="020B0609020101020101" pitchFamily="49" charset="-127"/>
+                <a:ea typeface="D2Coding" panose="020B0609020101020101" pitchFamily="49" charset="-127"/>
+              </a:rPr>
+              <a:t> </a:t>
+            </a:r>
+            <a:r>
+              <a:rPr kumimoji="1" lang="en-US" altLang="ko-KR" sz="1600">
+                <a:latin typeface="D2Coding" panose="020B0609020101020101" pitchFamily="49" charset="-127"/>
+                <a:ea typeface="D2Coding" panose="020B0609020101020101" pitchFamily="49" charset="-127"/>
+              </a:rPr>
+              <a:t>`)</a:t>
+            </a:r>
+          </a:p>
+          <a:p>
+            <a:pPr>
+              <a:lnSpc>
+                <a:spcPct val="150000"/>
+              </a:lnSpc>
+            </a:pPr>
+            <a:r>
+              <a:rPr kumimoji="1" lang="en-US" altLang="ko-KR" sz="1600">
+                <a:latin typeface="D2Coding" panose="020B0609020101020101" pitchFamily="49" charset="-127"/>
+                <a:ea typeface="D2Coding" panose="020B0609020101020101" pitchFamily="49" charset="-127"/>
+              </a:rPr>
+              <a:t>}</a:t>
+            </a:r>
+            <a:endParaRPr kumimoji="1" lang="ko-Kore-KR" altLang="en-US" sz="1600">
+              <a:latin typeface="D2Coding" panose="020B0609020101020101" pitchFamily="49" charset="-127"/>
+              <a:ea typeface="D2Coding" panose="020B0609020101020101" pitchFamily="49" charset="-127"/>
+            </a:endParaRPr>
+          </a:p>
+        </p:txBody>
+      </p:sp>
+      <p:sp>
+        <p:nvSpPr>
+          <p:cNvPr id="5" name="TextBox 4">
+            <a:extLst>
+              <a:ext uri="{FF2B5EF4-FFF2-40B4-BE49-F238E27FC236}">
+                <a16:creationId xmlns:a16="http://schemas.microsoft.com/office/drawing/2014/main" id="{1E2747CD-5713-9B59-5FA7-364556C93E16}"/>
+              </a:ext>
+            </a:extLst>
+          </p:cNvPr>
+          <p:cNvSpPr txBox="1"/>
+          <p:nvPr/>
+        </p:nvSpPr>
+        <p:spPr>
+          <a:xfrm>
+            <a:off x="306647" y="319086"/>
+            <a:ext cx="5691381" cy="707886"/>
+          </a:xfrm>
+          <a:prstGeom prst="rect">
+            <a:avLst/>
+          </a:prstGeom>
+          <a:noFill/>
+        </p:spPr>
+        <p:txBody>
+          <a:bodyPr wrap="square">
+            <a:spAutoFit/>
+          </a:bodyPr>
+          <a:lstStyle/>
+          <a:p>
+            <a:r>
+              <a:rPr lang="en-US" altLang="ko-KR" sz="4000" dirty="0">
+                <a:latin typeface="KoPubWorld돋움체 Bold" panose="00000800000000000000" pitchFamily="2" charset="-127"/>
+                <a:ea typeface="KoPubWorld돋움체 Bold" panose="00000800000000000000" pitchFamily="2" charset="-127"/>
+                <a:cs typeface="KoPubWorld돋움체 Bold" panose="00000800000000000000" pitchFamily="2" charset="-127"/>
+              </a:rPr>
+              <a:t>truthy </a:t>
+            </a:r>
+            <a:r>
+              <a:rPr lang="ko-KR" altLang="en-US" sz="4000" dirty="0">
+                <a:latin typeface="KoPubWorld돋움체 Bold" panose="00000800000000000000" pitchFamily="2" charset="-127"/>
+                <a:ea typeface="KoPubWorld돋움체 Bold" panose="00000800000000000000" pitchFamily="2" charset="-127"/>
+                <a:cs typeface="KoPubWorld돋움체 Bold" panose="00000800000000000000" pitchFamily="2" charset="-127"/>
+              </a:rPr>
+              <a:t>값</a:t>
+            </a:r>
+            <a:r>
+              <a:rPr lang="en-US" altLang="ko-KR" sz="4000" dirty="0">
+                <a:latin typeface="KoPubWorld돋움체 Bold" panose="00000800000000000000" pitchFamily="2" charset="-127"/>
+                <a:ea typeface="KoPubWorld돋움체 Bold" panose="00000800000000000000" pitchFamily="2" charset="-127"/>
+                <a:cs typeface="KoPubWorld돋움체 Bold" panose="00000800000000000000" pitchFamily="2" charset="-127"/>
+              </a:rPr>
+              <a:t>, </a:t>
+            </a:r>
+            <a:r>
+              <a:rPr lang="en-US" altLang="ko-KR" sz="4000" dirty="0" err="1">
+                <a:latin typeface="KoPubWorld돋움체 Bold" panose="00000800000000000000" pitchFamily="2" charset="-127"/>
+                <a:ea typeface="KoPubWorld돋움체 Bold" panose="00000800000000000000" pitchFamily="2" charset="-127"/>
+                <a:cs typeface="KoPubWorld돋움체 Bold" panose="00000800000000000000" pitchFamily="2" charset="-127"/>
+              </a:rPr>
+              <a:t>falsy</a:t>
+            </a:r>
+            <a:r>
+              <a:rPr lang="en-US" altLang="ko-KR" sz="4000" dirty="0">
+                <a:latin typeface="KoPubWorld돋움체 Bold" panose="00000800000000000000" pitchFamily="2" charset="-127"/>
+                <a:ea typeface="KoPubWorld돋움체 Bold" panose="00000800000000000000" pitchFamily="2" charset="-127"/>
+                <a:cs typeface="KoPubWorld돋움체 Bold" panose="00000800000000000000" pitchFamily="2" charset="-127"/>
+              </a:rPr>
+              <a:t> </a:t>
+            </a:r>
+            <a:r>
+              <a:rPr lang="ko-KR" altLang="en-US" sz="4000" dirty="0">
+                <a:latin typeface="KoPubWorld돋움체 Bold" panose="00000800000000000000" pitchFamily="2" charset="-127"/>
+                <a:ea typeface="KoPubWorld돋움체 Bold" panose="00000800000000000000" pitchFamily="2" charset="-127"/>
+                <a:cs typeface="KoPubWorld돋움체 Bold" panose="00000800000000000000" pitchFamily="2" charset="-127"/>
+              </a:rPr>
+              <a:t>값</a:t>
+            </a:r>
+          </a:p>
+        </p:txBody>
+      </p:sp>
+    </p:spTree>
+    <p:extLst>
+      <p:ext uri="{BB962C8B-B14F-4D97-AF65-F5344CB8AC3E}">
+        <p14:creationId xmlns:p14="http://schemas.microsoft.com/office/powerpoint/2010/main" val="3094623010"/>
       </p:ext>
     </p:extLst>
   </p:cSld>
@@ -11231,507 +10603,6 @@
       </p:grpSpPr>
       <p:sp>
         <p:nvSpPr>
-          <p:cNvPr id="3" name="TextBox 2">
-            <a:extLst>
-              <a:ext uri="{FF2B5EF4-FFF2-40B4-BE49-F238E27FC236}">
-                <a16:creationId xmlns:a16="http://schemas.microsoft.com/office/drawing/2014/main" id="{0074F701-19F2-9EE5-D7DF-89C55628181A}"/>
-              </a:ext>
-            </a:extLst>
-          </p:cNvPr>
-          <p:cNvSpPr txBox="1"/>
-          <p:nvPr/>
-        </p:nvSpPr>
-        <p:spPr>
-          <a:xfrm>
-            <a:off x="688644" y="1272677"/>
-            <a:ext cx="8796130" cy="783356"/>
-          </a:xfrm>
-          <a:prstGeom prst="rect">
-            <a:avLst/>
-          </a:prstGeom>
-          <a:noFill/>
-        </p:spPr>
-        <p:txBody>
-          <a:bodyPr wrap="square" rtlCol="0">
-            <a:spAutoFit/>
-          </a:bodyPr>
-          <a:lstStyle/>
-          <a:p>
-            <a:pPr>
-              <a:lnSpc>
-                <a:spcPct val="150000"/>
-              </a:lnSpc>
-            </a:pPr>
-            <a:r>
-              <a:rPr kumimoji="1" lang="ko-Kore-KR" altLang="en-US" sz="1600"/>
-              <a:t>프롬프트</a:t>
-            </a:r>
-            <a:r>
-              <a:rPr kumimoji="1" lang="ko-KR" altLang="en-US" sz="1600"/>
-              <a:t> 창에서 값을 입력하지 않고 </a:t>
-            </a:r>
-            <a:r>
-              <a:rPr kumimoji="1" lang="en-US" altLang="ko-KR" sz="1600"/>
-              <a:t>[</a:t>
-            </a:r>
-            <a:r>
-              <a:rPr kumimoji="1" lang="ko-KR" altLang="en-US" sz="1600"/>
-              <a:t>확인</a:t>
-            </a:r>
-            <a:r>
-              <a:rPr kumimoji="1" lang="en-US" altLang="ko-KR" sz="1600"/>
-              <a:t>]</a:t>
-            </a:r>
-            <a:r>
-              <a:rPr kumimoji="1" lang="ko-KR" altLang="en-US" sz="1600"/>
-              <a:t>을 누른 경우도 체크하려면</a:t>
-            </a:r>
-            <a:endParaRPr kumimoji="1" lang="en-US" altLang="ko-KR" sz="1600"/>
-          </a:p>
-          <a:p>
-            <a:pPr>
-              <a:lnSpc>
-                <a:spcPct val="150000"/>
-              </a:lnSpc>
-            </a:pPr>
-            <a:r>
-              <a:rPr kumimoji="1" lang="ko-KR" altLang="en-US" sz="1600"/>
-              <a:t>값이 입력되었는지를 체크할 때 </a:t>
-            </a:r>
-            <a:r>
-              <a:rPr kumimoji="1" lang="en-US" altLang="ko-KR" sz="1600"/>
-              <a:t>truthy </a:t>
-            </a:r>
-            <a:r>
-              <a:rPr kumimoji="1" lang="ko-KR" altLang="en-US" sz="1600"/>
-              <a:t>값을 사용할 수도 있다</a:t>
-            </a:r>
-            <a:r>
-              <a:rPr kumimoji="1" lang="en-US" altLang="ko-KR" sz="1600"/>
-              <a:t>.</a:t>
-            </a:r>
-            <a:endParaRPr kumimoji="1" lang="ko-Kore-KR" altLang="en-US" sz="1600"/>
-          </a:p>
-        </p:txBody>
-      </p:sp>
-      <p:sp>
-        <p:nvSpPr>
-          <p:cNvPr id="4" name="TextBox 3">
-            <a:extLst>
-              <a:ext uri="{FF2B5EF4-FFF2-40B4-BE49-F238E27FC236}">
-                <a16:creationId xmlns:a16="http://schemas.microsoft.com/office/drawing/2014/main" id="{4F352024-43E5-2F32-5ECB-9E8D5AB232A7}"/>
-              </a:ext>
-            </a:extLst>
-          </p:cNvPr>
-          <p:cNvSpPr txBox="1"/>
-          <p:nvPr/>
-        </p:nvSpPr>
-        <p:spPr>
-          <a:xfrm>
-            <a:off x="775730" y="2380524"/>
-            <a:ext cx="7146235" cy="2681311"/>
-          </a:xfrm>
-          <a:prstGeom prst="rect">
-            <a:avLst/>
-          </a:prstGeom>
-          <a:noFill/>
-          <a:ln>
-            <a:solidFill>
-              <a:schemeClr val="bg1">
-                <a:lumMod val="50000"/>
-              </a:schemeClr>
-            </a:solidFill>
-          </a:ln>
-        </p:spPr>
-        <p:txBody>
-          <a:bodyPr wrap="square" rtlCol="0">
-            <a:spAutoFit/>
-          </a:bodyPr>
-          <a:lstStyle/>
-          <a:p>
-            <a:pPr>
-              <a:lnSpc>
-                <a:spcPct val="150000"/>
-              </a:lnSpc>
-            </a:pPr>
-            <a:r>
-              <a:rPr kumimoji="1" lang="en-US" altLang="ko-Kore-KR" sz="1600">
-                <a:latin typeface="D2Coding" panose="020B0609020101020101" pitchFamily="49" charset="-127"/>
-                <a:ea typeface="D2Coding" panose="020B0609020101020101" pitchFamily="49" charset="-127"/>
-              </a:rPr>
-              <a:t>let input = prompt(“</a:t>
-            </a:r>
-            <a:r>
-              <a:rPr kumimoji="1" lang="ko-Kore-KR" altLang="en-US" sz="1600">
-                <a:latin typeface="D2Coding" panose="020B0609020101020101" pitchFamily="49" charset="-127"/>
-                <a:ea typeface="D2Coding" panose="020B0609020101020101" pitchFamily="49" charset="-127"/>
-              </a:rPr>
-              <a:t>이름을</a:t>
-            </a:r>
-            <a:r>
-              <a:rPr kumimoji="1" lang="ko-KR" altLang="en-US" sz="1600">
-                <a:latin typeface="D2Coding" panose="020B0609020101020101" pitchFamily="49" charset="-127"/>
-                <a:ea typeface="D2Coding" panose="020B0609020101020101" pitchFamily="49" charset="-127"/>
-              </a:rPr>
-              <a:t> 입력하세요</a:t>
-            </a:r>
-            <a:r>
-              <a:rPr kumimoji="1" lang="en-US" altLang="ko-KR" sz="1600">
-                <a:latin typeface="D2Coding" panose="020B0609020101020101" pitchFamily="49" charset="-127"/>
-                <a:ea typeface="D2Coding" panose="020B0609020101020101" pitchFamily="49" charset="-127"/>
-              </a:rPr>
-              <a:t>.”)</a:t>
-            </a:r>
-          </a:p>
-          <a:p>
-            <a:pPr>
-              <a:lnSpc>
-                <a:spcPct val="150000"/>
-              </a:lnSpc>
-            </a:pPr>
-            <a:r>
-              <a:rPr kumimoji="1" lang="en-US" altLang="ko-Kore-KR" sz="1600">
-                <a:latin typeface="D2Coding" panose="020B0609020101020101" pitchFamily="49" charset="-127"/>
-                <a:ea typeface="D2Coding" panose="020B0609020101020101" pitchFamily="49" charset="-127"/>
-              </a:rPr>
-              <a:t>if (input) {           </a:t>
-            </a:r>
-            <a:r>
-              <a:rPr kumimoji="1" lang="en-US" altLang="ko-Kore-KR" sz="1400">
-                <a:solidFill>
-                  <a:schemeClr val="bg1">
-                    <a:lumMod val="50000"/>
-                  </a:schemeClr>
-                </a:solidFill>
-                <a:latin typeface="D2Coding" panose="020B0609020101020101" pitchFamily="49" charset="-127"/>
-                <a:ea typeface="D2Coding" panose="020B0609020101020101" pitchFamily="49" charset="-127"/>
-              </a:rPr>
-              <a:t>// </a:t>
-            </a:r>
-            <a:r>
-              <a:rPr kumimoji="1" lang="en-US" altLang="ko-Kore-KR" sz="1400">
-                <a:solidFill>
-                  <a:schemeClr val="bg1">
-                    <a:lumMod val="50000"/>
-                  </a:schemeClr>
-                </a:solidFill>
-              </a:rPr>
-              <a:t>input</a:t>
-            </a:r>
-            <a:r>
-              <a:rPr kumimoji="1" lang="ko-Kore-KR" altLang="en-US" sz="1400">
-                <a:solidFill>
-                  <a:schemeClr val="bg1">
-                    <a:lumMod val="50000"/>
-                  </a:schemeClr>
-                </a:solidFill>
-              </a:rPr>
-              <a:t>에</a:t>
-            </a:r>
-            <a:r>
-              <a:rPr kumimoji="1" lang="en-US" altLang="ko-Kore-KR" sz="1400">
-                <a:solidFill>
-                  <a:schemeClr val="bg1">
-                    <a:lumMod val="50000"/>
-                  </a:schemeClr>
-                </a:solidFill>
-              </a:rPr>
-              <a:t> </a:t>
-            </a:r>
-            <a:r>
-              <a:rPr kumimoji="1" lang="ko-KR" altLang="en-US" sz="1400">
-                <a:solidFill>
-                  <a:schemeClr val="bg1">
-                    <a:lumMod val="50000"/>
-                  </a:schemeClr>
-                </a:solidFill>
-              </a:rPr>
-              <a:t>값이 들어있다면</a:t>
-            </a:r>
-            <a:r>
-              <a:rPr kumimoji="1" lang="en-US" altLang="ko-KR" sz="1400">
-                <a:solidFill>
-                  <a:schemeClr val="bg1">
-                    <a:lumMod val="50000"/>
-                  </a:schemeClr>
-                </a:solidFill>
-              </a:rPr>
-              <a:t> truthy</a:t>
-            </a:r>
-            <a:endParaRPr kumimoji="1" lang="en-US" altLang="ko-Kore-KR" sz="1600">
-              <a:solidFill>
-                <a:schemeClr val="bg1">
-                  <a:lumMod val="50000"/>
-                </a:schemeClr>
-              </a:solidFill>
-              <a:latin typeface="D2Coding" panose="020B0609020101020101" pitchFamily="49" charset="-127"/>
-              <a:ea typeface="D2Coding" panose="020B0609020101020101" pitchFamily="49" charset="-127"/>
-            </a:endParaRPr>
-          </a:p>
-          <a:p>
-            <a:pPr>
-              <a:lnSpc>
-                <a:spcPct val="150000"/>
-              </a:lnSpc>
-            </a:pPr>
-            <a:r>
-              <a:rPr kumimoji="1" lang="en-US" altLang="ko-Kore-KR" sz="1600">
-                <a:latin typeface="D2Coding" panose="020B0609020101020101" pitchFamily="49" charset="-127"/>
-                <a:ea typeface="D2Coding" panose="020B0609020101020101" pitchFamily="49" charset="-127"/>
-              </a:rPr>
-              <a:t>  alert(`</a:t>
-            </a:r>
-            <a:r>
-              <a:rPr kumimoji="1" lang="en-US" altLang="ko-KR" sz="1600">
-                <a:latin typeface="D2Coding" panose="020B0609020101020101" pitchFamily="49" charset="-127"/>
-                <a:ea typeface="D2Coding" panose="020B0609020101020101" pitchFamily="49" charset="-127"/>
-              </a:rPr>
-              <a:t>$</a:t>
-            </a:r>
-            <a:r>
-              <a:rPr kumimoji="1" lang="en-US" altLang="ko-Kore-KR" sz="1600">
-                <a:latin typeface="D2Coding" panose="020B0609020101020101" pitchFamily="49" charset="-127"/>
-                <a:ea typeface="D2Coding" panose="020B0609020101020101" pitchFamily="49" charset="-127"/>
-              </a:rPr>
-              <a:t>{input}</a:t>
-            </a:r>
-            <a:r>
-              <a:rPr kumimoji="1" lang="ko-KR" altLang="en-US" sz="1600">
-                <a:latin typeface="D2Coding" panose="020B0609020101020101" pitchFamily="49" charset="-127"/>
-                <a:ea typeface="D2Coding" panose="020B0609020101020101" pitchFamily="49" charset="-127"/>
-              </a:rPr>
-              <a:t>님</a:t>
-            </a:r>
-            <a:r>
-              <a:rPr kumimoji="1" lang="en-US" altLang="ko-KR" sz="1600">
-                <a:latin typeface="D2Coding" panose="020B0609020101020101" pitchFamily="49" charset="-127"/>
-                <a:ea typeface="D2Coding" panose="020B0609020101020101" pitchFamily="49" charset="-127"/>
-              </a:rPr>
-              <a:t>,</a:t>
-            </a:r>
-            <a:r>
-              <a:rPr kumimoji="1" lang="ko-KR" altLang="en-US" sz="1600">
-                <a:latin typeface="D2Coding" panose="020B0609020101020101" pitchFamily="49" charset="-127"/>
-                <a:ea typeface="D2Coding" panose="020B0609020101020101" pitchFamily="49" charset="-127"/>
-              </a:rPr>
-              <a:t> 어서오세요</a:t>
-            </a:r>
-            <a:r>
-              <a:rPr kumimoji="1" lang="en-US" altLang="ko-KR" sz="1600">
-                <a:latin typeface="D2Coding" panose="020B0609020101020101" pitchFamily="49" charset="-127"/>
-                <a:ea typeface="D2Coding" panose="020B0609020101020101" pitchFamily="49" charset="-127"/>
-              </a:rPr>
-              <a:t>.`);</a:t>
-            </a:r>
-          </a:p>
-          <a:p>
-            <a:pPr>
-              <a:lnSpc>
-                <a:spcPct val="150000"/>
-              </a:lnSpc>
-            </a:pPr>
-            <a:r>
-              <a:rPr kumimoji="1" lang="en-US" altLang="ko-Kore-KR" sz="1600">
-                <a:latin typeface="D2Coding" panose="020B0609020101020101" pitchFamily="49" charset="-127"/>
-                <a:ea typeface="D2Coding" panose="020B0609020101020101" pitchFamily="49" charset="-127"/>
-              </a:rPr>
-              <a:t>}</a:t>
-            </a:r>
-          </a:p>
-          <a:p>
-            <a:pPr>
-              <a:lnSpc>
-                <a:spcPct val="150000"/>
-              </a:lnSpc>
-            </a:pPr>
-            <a:r>
-              <a:rPr kumimoji="1" lang="en-US" altLang="ko-Kore-KR" sz="1600">
-                <a:latin typeface="D2Coding" panose="020B0609020101020101" pitchFamily="49" charset="-127"/>
-                <a:ea typeface="D2Coding" panose="020B0609020101020101" pitchFamily="49" charset="-127"/>
-              </a:rPr>
-              <a:t>else {</a:t>
-            </a:r>
-          </a:p>
-          <a:p>
-            <a:pPr>
-              <a:lnSpc>
-                <a:spcPct val="150000"/>
-              </a:lnSpc>
-            </a:pPr>
-            <a:r>
-              <a:rPr kumimoji="1" lang="en-US" altLang="ko-Kore-KR" sz="1600">
-                <a:latin typeface="D2Coding" panose="020B0609020101020101" pitchFamily="49" charset="-127"/>
-                <a:ea typeface="D2Coding" panose="020B0609020101020101" pitchFamily="49" charset="-127"/>
-              </a:rPr>
-              <a:t>  alert(</a:t>
-            </a:r>
-            <a:r>
-              <a:rPr kumimoji="1" lang="en-US" altLang="ko-KR" sz="1600">
-                <a:latin typeface="D2Coding" panose="020B0609020101020101" pitchFamily="49" charset="-127"/>
-                <a:ea typeface="D2Coding" panose="020B0609020101020101" pitchFamily="49" charset="-127"/>
-              </a:rPr>
-              <a:t>`</a:t>
-            </a:r>
-            <a:r>
-              <a:rPr kumimoji="1" lang="ko-KR" altLang="en-US" sz="1600">
-                <a:latin typeface="D2Coding" panose="020B0609020101020101" pitchFamily="49" charset="-127"/>
-                <a:ea typeface="D2Coding" panose="020B0609020101020101" pitchFamily="49" charset="-127"/>
-              </a:rPr>
-              <a:t>이름을 입력하지 않았습니다</a:t>
-            </a:r>
-            <a:r>
-              <a:rPr kumimoji="1" lang="en-US" altLang="ko-KR" sz="1600">
-                <a:latin typeface="D2Coding" panose="020B0609020101020101" pitchFamily="49" charset="-127"/>
-                <a:ea typeface="D2Coding" panose="020B0609020101020101" pitchFamily="49" charset="-127"/>
-              </a:rPr>
-              <a:t>.</a:t>
-            </a:r>
-            <a:r>
-              <a:rPr kumimoji="1" lang="ko-KR" altLang="en-US" sz="1600">
-                <a:latin typeface="D2Coding" panose="020B0609020101020101" pitchFamily="49" charset="-127"/>
-                <a:ea typeface="D2Coding" panose="020B0609020101020101" pitchFamily="49" charset="-127"/>
-              </a:rPr>
-              <a:t> </a:t>
-            </a:r>
-            <a:r>
-              <a:rPr kumimoji="1" lang="en-US" altLang="ko-KR" sz="1600">
-                <a:latin typeface="D2Coding" panose="020B0609020101020101" pitchFamily="49" charset="-127"/>
-                <a:ea typeface="D2Coding" panose="020B0609020101020101" pitchFamily="49" charset="-127"/>
-              </a:rPr>
-              <a:t>`)</a:t>
-            </a:r>
-          </a:p>
-          <a:p>
-            <a:pPr>
-              <a:lnSpc>
-                <a:spcPct val="150000"/>
-              </a:lnSpc>
-            </a:pPr>
-            <a:r>
-              <a:rPr kumimoji="1" lang="en-US" altLang="ko-KR" sz="1600">
-                <a:latin typeface="D2Coding" panose="020B0609020101020101" pitchFamily="49" charset="-127"/>
-                <a:ea typeface="D2Coding" panose="020B0609020101020101" pitchFamily="49" charset="-127"/>
-              </a:rPr>
-              <a:t>}</a:t>
-            </a:r>
-            <a:endParaRPr kumimoji="1" lang="ko-Kore-KR" altLang="en-US" sz="1600">
-              <a:latin typeface="D2Coding" panose="020B0609020101020101" pitchFamily="49" charset="-127"/>
-              <a:ea typeface="D2Coding" panose="020B0609020101020101" pitchFamily="49" charset="-127"/>
-            </a:endParaRPr>
-          </a:p>
-        </p:txBody>
-      </p:sp>
-      <p:sp>
-        <p:nvSpPr>
-          <p:cNvPr id="5" name="TextBox 4">
-            <a:extLst>
-              <a:ext uri="{FF2B5EF4-FFF2-40B4-BE49-F238E27FC236}">
-                <a16:creationId xmlns:a16="http://schemas.microsoft.com/office/drawing/2014/main" id="{1E2747CD-5713-9B59-5FA7-364556C93E16}"/>
-              </a:ext>
-            </a:extLst>
-          </p:cNvPr>
-          <p:cNvSpPr txBox="1"/>
-          <p:nvPr/>
-        </p:nvSpPr>
-        <p:spPr>
-          <a:xfrm>
-            <a:off x="306647" y="319086"/>
-            <a:ext cx="5691381" cy="707886"/>
-          </a:xfrm>
-          <a:prstGeom prst="rect">
-            <a:avLst/>
-          </a:prstGeom>
-          <a:noFill/>
-        </p:spPr>
-        <p:txBody>
-          <a:bodyPr wrap="square">
-            <a:spAutoFit/>
-          </a:bodyPr>
-          <a:lstStyle/>
-          <a:p>
-            <a:r>
-              <a:rPr lang="en-US" altLang="ko-KR" sz="4000" dirty="0">
-                <a:latin typeface="KoPubWorld돋움체 Bold" panose="00000800000000000000" pitchFamily="2" charset="-127"/>
-                <a:ea typeface="KoPubWorld돋움체 Bold" panose="00000800000000000000" pitchFamily="2" charset="-127"/>
-                <a:cs typeface="KoPubWorld돋움체 Bold" panose="00000800000000000000" pitchFamily="2" charset="-127"/>
-              </a:rPr>
-              <a:t>truthy </a:t>
-            </a:r>
-            <a:r>
-              <a:rPr lang="ko-KR" altLang="en-US" sz="4000" dirty="0">
-                <a:latin typeface="KoPubWorld돋움체 Bold" panose="00000800000000000000" pitchFamily="2" charset="-127"/>
-                <a:ea typeface="KoPubWorld돋움체 Bold" panose="00000800000000000000" pitchFamily="2" charset="-127"/>
-                <a:cs typeface="KoPubWorld돋움체 Bold" panose="00000800000000000000" pitchFamily="2" charset="-127"/>
-              </a:rPr>
-              <a:t>값</a:t>
-            </a:r>
-            <a:r>
-              <a:rPr lang="en-US" altLang="ko-KR" sz="4000" dirty="0">
-                <a:latin typeface="KoPubWorld돋움체 Bold" panose="00000800000000000000" pitchFamily="2" charset="-127"/>
-                <a:ea typeface="KoPubWorld돋움체 Bold" panose="00000800000000000000" pitchFamily="2" charset="-127"/>
-                <a:cs typeface="KoPubWorld돋움체 Bold" panose="00000800000000000000" pitchFamily="2" charset="-127"/>
-              </a:rPr>
-              <a:t>, </a:t>
-            </a:r>
-            <a:r>
-              <a:rPr lang="en-US" altLang="ko-KR" sz="4000" dirty="0" err="1">
-                <a:latin typeface="KoPubWorld돋움체 Bold" panose="00000800000000000000" pitchFamily="2" charset="-127"/>
-                <a:ea typeface="KoPubWorld돋움체 Bold" panose="00000800000000000000" pitchFamily="2" charset="-127"/>
-                <a:cs typeface="KoPubWorld돋움체 Bold" panose="00000800000000000000" pitchFamily="2" charset="-127"/>
-              </a:rPr>
-              <a:t>falsy</a:t>
-            </a:r>
-            <a:r>
-              <a:rPr lang="en-US" altLang="ko-KR" sz="4000" dirty="0">
-                <a:latin typeface="KoPubWorld돋움체 Bold" panose="00000800000000000000" pitchFamily="2" charset="-127"/>
-                <a:ea typeface="KoPubWorld돋움체 Bold" panose="00000800000000000000" pitchFamily="2" charset="-127"/>
-                <a:cs typeface="KoPubWorld돋움체 Bold" panose="00000800000000000000" pitchFamily="2" charset="-127"/>
-              </a:rPr>
-              <a:t> </a:t>
-            </a:r>
-            <a:r>
-              <a:rPr lang="ko-KR" altLang="en-US" sz="4000" dirty="0">
-                <a:latin typeface="KoPubWorld돋움체 Bold" panose="00000800000000000000" pitchFamily="2" charset="-127"/>
-                <a:ea typeface="KoPubWorld돋움체 Bold" panose="00000800000000000000" pitchFamily="2" charset="-127"/>
-                <a:cs typeface="KoPubWorld돋움체 Bold" panose="00000800000000000000" pitchFamily="2" charset="-127"/>
-              </a:rPr>
-              <a:t>값</a:t>
-            </a:r>
-          </a:p>
-        </p:txBody>
-      </p:sp>
-    </p:spTree>
-    <p:extLst>
-      <p:ext uri="{BB962C8B-B14F-4D97-AF65-F5344CB8AC3E}">
-        <p14:creationId xmlns:p14="http://schemas.microsoft.com/office/powerpoint/2010/main" val="3094623010"/>
-      </p:ext>
-    </p:extLst>
-  </p:cSld>
-  <p:clrMapOvr>
-    <a:masterClrMapping/>
-  </p:clrMapOvr>
-</p:sld>
-</file>
-
-<file path=ppt/slides/slide21.xml><?xml version="1.0" encoding="utf-8"?>
-<p:sld xmlns:a="http://schemas.openxmlformats.org/drawingml/2006/main" xmlns:r="http://schemas.openxmlformats.org/officeDocument/2006/relationships" xmlns:p="http://schemas.openxmlformats.org/presentationml/2006/main">
-  <p:cSld>
-    <p:spTree>
-      <p:nvGrpSpPr>
-        <p:cNvPr id="1" name=""/>
-        <p:cNvGrpSpPr/>
-        <p:nvPr/>
-      </p:nvGrpSpPr>
-      <p:grpSpPr>
-        <a:xfrm>
-          <a:off x="0" y="0"/>
-          <a:ext cx="0" cy="0"/>
-          <a:chOff x="0" y="0"/>
-          <a:chExt cx="0" cy="0"/>
-        </a:xfrm>
-      </p:grpSpPr>
-      <p:sp>
-        <p:nvSpPr>
           <p:cNvPr id="4" name="TextBox 3">
             <a:extLst>
               <a:ext uri="{FF2B5EF4-FFF2-40B4-BE49-F238E27FC236}">
@@ -12129,7 +11000,7 @@
 </p:sld>
 </file>
 
-<file path=ppt/slides/slide22.xml><?xml version="1.0" encoding="utf-8"?>
+<file path=ppt/slides/slide21.xml><?xml version="1.0" encoding="utf-8"?>
 <p:sld xmlns:a="http://schemas.openxmlformats.org/drawingml/2006/main" xmlns:r="http://schemas.openxmlformats.org/officeDocument/2006/relationships" xmlns:p="http://schemas.openxmlformats.org/presentationml/2006/main">
   <p:cSld>
     <p:spTree>
@@ -12560,7 +11431,7 @@
 </p:sld>
 </file>
 
-<file path=ppt/slides/slide23.xml><?xml version="1.0" encoding="utf-8"?>
+<file path=ppt/slides/slide22.xml><?xml version="1.0" encoding="utf-8"?>
 <p:sld xmlns:a="http://schemas.openxmlformats.org/drawingml/2006/main" xmlns:r="http://schemas.openxmlformats.org/officeDocument/2006/relationships" xmlns:p="http://schemas.openxmlformats.org/presentationml/2006/main">
   <p:cSld>
     <p:spTree>
@@ -13945,7 +12816,7 @@
 </p:sld>
 </file>
 
-<file path=ppt/slides/slide24.xml><?xml version="1.0" encoding="utf-8"?>
+<file path=ppt/slides/slide23.xml><?xml version="1.0" encoding="utf-8"?>
 <p:sld xmlns:a="http://schemas.openxmlformats.org/drawingml/2006/main" xmlns:r="http://schemas.openxmlformats.org/officeDocument/2006/relationships" xmlns:p="http://schemas.openxmlformats.org/presentationml/2006/main">
   <p:cSld>
     <p:spTree>
@@ -14554,11 +13425,25 @@
             </a:r>
             <a:r>
               <a:rPr lang="en" altLang="ko-Kore-KR" dirty="0">
+                <a:solidFill>
+                  <a:srgbClr val="FF0000"/>
+                </a:solidFill>
                 <a:effectLst/>
                 <a:latin typeface="D2Coding" panose="020B0609020101020101" pitchFamily="49" charset="-127"/>
                 <a:ea typeface="D2Coding" panose="020B0609020101020101" pitchFamily="49" charset="-127"/>
               </a:rPr>
               <a:t>else </a:t>
+            </a:r>
+            <a:r>
+              <a:rPr lang="en-US" altLang="ko-KR" dirty="0">
+                <a:solidFill>
+                  <a:srgbClr val="FF0000"/>
+                </a:solidFill>
+                <a:effectLst/>
+                <a:latin typeface="D2Coding" panose="020B0609020101020101" pitchFamily="49" charset="-127"/>
+                <a:ea typeface="D2Coding" panose="020B0609020101020101" pitchFamily="49" charset="-127"/>
+              </a:rPr>
+              <a:t>if</a:t>
             </a:r>
             <a:r>
               <a:rPr lang="en-US" altLang="ko-KR" dirty="0">
@@ -14566,7 +13451,7 @@
                 <a:latin typeface="D2Coding" panose="020B0609020101020101" pitchFamily="49" charset="-127"/>
                 <a:ea typeface="D2Coding" panose="020B0609020101020101" pitchFamily="49" charset="-127"/>
               </a:rPr>
-              <a:t>if(</a:t>
+              <a:t>(</a:t>
             </a:r>
             <a:r>
               <a:rPr lang="ko-KR" altLang="en-US" dirty="0">
@@ -14731,7 +13616,7 @@
 </p:sld>
 </file>
 
-<file path=ppt/slides/slide25.xml><?xml version="1.0" encoding="utf-8"?>
+<file path=ppt/slides/slide24.xml><?xml version="1.0" encoding="utf-8"?>
 <p:sld xmlns:a="http://schemas.openxmlformats.org/drawingml/2006/main" xmlns:r="http://schemas.openxmlformats.org/officeDocument/2006/relationships" xmlns:p="http://schemas.openxmlformats.org/presentationml/2006/main">
   <p:cSld>
     <p:spTree>
@@ -14878,7 +13763,7 @@
 </p:sld>
 </file>
 
-<file path=ppt/slides/slide26.xml><?xml version="1.0" encoding="utf-8"?>
+<file path=ppt/slides/slide25.xml><?xml version="1.0" encoding="utf-8"?>
 <p:sld xmlns:a="http://schemas.openxmlformats.org/drawingml/2006/main" xmlns:r="http://schemas.openxmlformats.org/officeDocument/2006/relationships" xmlns:p="http://schemas.openxmlformats.org/presentationml/2006/main">
   <p:cSld>
     <p:spTree>
@@ -15287,7 +14172,7 @@
 </p:sld>
 </file>
 
-<file path=ppt/slides/slide27.xml><?xml version="1.0" encoding="utf-8"?>
+<file path=ppt/slides/slide26.xml><?xml version="1.0" encoding="utf-8"?>
 <p:sld xmlns:a="http://schemas.openxmlformats.org/drawingml/2006/main" xmlns:r="http://schemas.openxmlformats.org/officeDocument/2006/relationships" xmlns:p="http://schemas.openxmlformats.org/presentationml/2006/main">
   <p:cSld>
     <p:spTree>
@@ -15503,7 +14388,7 @@
 </p:sld>
 </file>
 
-<file path=ppt/slides/slide28.xml><?xml version="1.0" encoding="utf-8"?>
+<file path=ppt/slides/slide27.xml><?xml version="1.0" encoding="utf-8"?>
 <p:sld xmlns:a="http://schemas.openxmlformats.org/drawingml/2006/main" xmlns:r="http://schemas.openxmlformats.org/officeDocument/2006/relationships" xmlns:p="http://schemas.openxmlformats.org/presentationml/2006/main">
   <p:cSld>
     <p:spTree>
@@ -16049,7 +14934,7 @@
 </p:sld>
 </file>
 
-<file path=ppt/slides/slide29.xml><?xml version="1.0" encoding="utf-8"?>
+<file path=ppt/slides/slide28.xml><?xml version="1.0" encoding="utf-8"?>
 <p:sld xmlns:a="http://schemas.openxmlformats.org/drawingml/2006/main" xmlns:r="http://schemas.openxmlformats.org/officeDocument/2006/relationships" xmlns:p="http://schemas.openxmlformats.org/presentationml/2006/main">
   <p:cSld>
     <p:spTree>
@@ -16458,6 +15343,741 @@
 </p:sld>
 </file>
 
+<file path=ppt/slides/slide29.xml><?xml version="1.0" encoding="utf-8"?>
+<p:sld xmlns:a="http://schemas.openxmlformats.org/drawingml/2006/main" xmlns:r="http://schemas.openxmlformats.org/officeDocument/2006/relationships" xmlns:p="http://schemas.openxmlformats.org/presentationml/2006/main">
+  <p:cSld>
+    <p:spTree>
+      <p:nvGrpSpPr>
+        <p:cNvPr id="1" name=""/>
+        <p:cNvGrpSpPr/>
+        <p:nvPr/>
+      </p:nvGrpSpPr>
+      <p:grpSpPr>
+        <a:xfrm>
+          <a:off x="0" y="0"/>
+          <a:ext cx="0" cy="0"/>
+          <a:chOff x="0" y="0"/>
+          <a:chExt cx="0" cy="0"/>
+        </a:xfrm>
+      </p:grpSpPr>
+      <p:sp>
+        <p:nvSpPr>
+          <p:cNvPr id="4" name="TextBox 3">
+            <a:extLst>
+              <a:ext uri="{FF2B5EF4-FFF2-40B4-BE49-F238E27FC236}">
+                <a16:creationId xmlns:a16="http://schemas.microsoft.com/office/drawing/2014/main" id="{EA93DD08-51B6-5E6C-C97A-BA043F5EAC3B}"/>
+              </a:ext>
+            </a:extLst>
+          </p:cNvPr>
+          <p:cNvSpPr txBox="1"/>
+          <p:nvPr/>
+        </p:nvSpPr>
+        <p:spPr>
+          <a:xfrm>
+            <a:off x="306647" y="319086"/>
+            <a:ext cx="2861095" cy="707886"/>
+          </a:xfrm>
+          <a:prstGeom prst="rect">
+            <a:avLst/>
+          </a:prstGeom>
+          <a:noFill/>
+        </p:spPr>
+        <p:txBody>
+          <a:bodyPr wrap="square">
+            <a:spAutoFit/>
+          </a:bodyPr>
+          <a:lstStyle/>
+          <a:p>
+            <a:r>
+              <a:rPr lang="en-US" altLang="ko-KR" sz="4000" dirty="0">
+                <a:latin typeface="KoPubWorld돋움체 Bold" panose="00000800000000000000" pitchFamily="2" charset="-127"/>
+                <a:ea typeface="KoPubWorld돋움체 Bold" panose="00000800000000000000" pitchFamily="2" charset="-127"/>
+                <a:cs typeface="KoPubWorld돋움체 Bold" panose="00000800000000000000" pitchFamily="2" charset="-127"/>
+              </a:rPr>
+              <a:t>if </a:t>
+            </a:r>
+            <a:r>
+              <a:rPr lang="ko-KR" altLang="en-US" sz="4000" dirty="0">
+                <a:latin typeface="KoPubWorld돋움체 Bold" panose="00000800000000000000" pitchFamily="2" charset="-127"/>
+                <a:ea typeface="KoPubWorld돋움체 Bold" panose="00000800000000000000" pitchFamily="2" charset="-127"/>
+                <a:cs typeface="KoPubWorld돋움체 Bold" panose="00000800000000000000" pitchFamily="2" charset="-127"/>
+              </a:rPr>
+              <a:t>조건문</a:t>
+            </a:r>
+            <a:r>
+              <a:rPr lang="en-US" altLang="ko-KR" sz="4000" dirty="0">
+                <a:latin typeface="KoPubWorld돋움체 Bold" panose="00000800000000000000" pitchFamily="2" charset="-127"/>
+                <a:ea typeface="KoPubWorld돋움체 Bold" panose="00000800000000000000" pitchFamily="2" charset="-127"/>
+                <a:cs typeface="KoPubWorld돋움체 Bold" panose="00000800000000000000" pitchFamily="2" charset="-127"/>
+              </a:rPr>
+              <a:t>(1)</a:t>
+            </a:r>
+            <a:endParaRPr lang="ko-KR" altLang="en-US" sz="4000" dirty="0">
+              <a:latin typeface="KoPubWorld돋움체 Bold" panose="00000800000000000000" pitchFamily="2" charset="-127"/>
+              <a:ea typeface="KoPubWorld돋움체 Bold" panose="00000800000000000000" pitchFamily="2" charset="-127"/>
+              <a:cs typeface="KoPubWorld돋움체 Bold" panose="00000800000000000000" pitchFamily="2" charset="-127"/>
+            </a:endParaRPr>
+          </a:p>
+        </p:txBody>
+      </p:sp>
+      <p:sp>
+        <p:nvSpPr>
+          <p:cNvPr id="2" name="텍스트 개체 틀 8">
+            <a:extLst>
+              <a:ext uri="{FF2B5EF4-FFF2-40B4-BE49-F238E27FC236}">
+                <a16:creationId xmlns:a16="http://schemas.microsoft.com/office/drawing/2014/main" id="{91A17491-88BD-62C7-7527-944A087B0ECA}"/>
+              </a:ext>
+            </a:extLst>
+          </p:cNvPr>
+          <p:cNvSpPr txBox="1">
+            <a:spLocks/>
+          </p:cNvSpPr>
+          <p:nvPr/>
+        </p:nvSpPr>
+        <p:spPr>
+          <a:xfrm>
+            <a:off x="541443" y="1261323"/>
+            <a:ext cx="11281052" cy="5351330"/>
+          </a:xfrm>
+          <a:prstGeom prst="rect">
+            <a:avLst/>
+          </a:prstGeom>
+        </p:spPr>
+        <p:txBody>
+          <a:bodyPr>
+            <a:normAutofit/>
+          </a:bodyPr>
+          <a:lstStyle>
+            <a:lvl1pPr marL="228600" indent="-228600" algn="l" defTabSz="914400" rtl="0" eaLnBrk="1" latinLnBrk="1" hangingPunct="1">
+              <a:lnSpc>
+                <a:spcPct val="90000"/>
+              </a:lnSpc>
+              <a:spcBef>
+                <a:spcPts val="1000"/>
+              </a:spcBef>
+              <a:buFont typeface="Arial" panose="020B0604020202020204" pitchFamily="34" charset="0"/>
+              <a:buChar char="•"/>
+              <a:defRPr sz="2800" kern="1200">
+                <a:solidFill>
+                  <a:schemeClr val="tx1"/>
+                </a:solidFill>
+                <a:latin typeface="+mn-lt"/>
+                <a:ea typeface="+mn-ea"/>
+                <a:cs typeface="+mn-cs"/>
+              </a:defRPr>
+            </a:lvl1pPr>
+            <a:lvl2pPr marL="685800" indent="-228600" algn="l" defTabSz="914400" rtl="0" eaLnBrk="1" latinLnBrk="1" hangingPunct="1">
+              <a:lnSpc>
+                <a:spcPct val="90000"/>
+              </a:lnSpc>
+              <a:spcBef>
+                <a:spcPts val="500"/>
+              </a:spcBef>
+              <a:buFont typeface="Arial" panose="020B0604020202020204" pitchFamily="34" charset="0"/>
+              <a:buChar char="•"/>
+              <a:defRPr sz="2400" kern="1200">
+                <a:solidFill>
+                  <a:schemeClr val="tx1"/>
+                </a:solidFill>
+                <a:latin typeface="+mn-lt"/>
+                <a:ea typeface="+mn-ea"/>
+                <a:cs typeface="+mn-cs"/>
+              </a:defRPr>
+            </a:lvl2pPr>
+            <a:lvl3pPr marL="1143000" indent="-228600" algn="l" defTabSz="914400" rtl="0" eaLnBrk="1" latinLnBrk="1" hangingPunct="1">
+              <a:lnSpc>
+                <a:spcPct val="90000"/>
+              </a:lnSpc>
+              <a:spcBef>
+                <a:spcPts val="500"/>
+              </a:spcBef>
+              <a:buFont typeface="Arial" panose="020B0604020202020204" pitchFamily="34" charset="0"/>
+              <a:buChar char="•"/>
+              <a:defRPr sz="2000" kern="1200">
+                <a:solidFill>
+                  <a:schemeClr val="tx1"/>
+                </a:solidFill>
+                <a:latin typeface="+mn-lt"/>
+                <a:ea typeface="+mn-ea"/>
+                <a:cs typeface="+mn-cs"/>
+              </a:defRPr>
+            </a:lvl3pPr>
+            <a:lvl4pPr marL="1600200" indent="-228600" algn="l" defTabSz="914400" rtl="0" eaLnBrk="1" latinLnBrk="1" hangingPunct="1">
+              <a:lnSpc>
+                <a:spcPct val="90000"/>
+              </a:lnSpc>
+              <a:spcBef>
+                <a:spcPts val="500"/>
+              </a:spcBef>
+              <a:buFont typeface="Arial" panose="020B0604020202020204" pitchFamily="34" charset="0"/>
+              <a:buChar char="•"/>
+              <a:defRPr sz="1800" kern="1200">
+                <a:solidFill>
+                  <a:schemeClr val="tx1"/>
+                </a:solidFill>
+                <a:latin typeface="+mn-lt"/>
+                <a:ea typeface="+mn-ea"/>
+                <a:cs typeface="+mn-cs"/>
+              </a:defRPr>
+            </a:lvl4pPr>
+            <a:lvl5pPr marL="2057400" indent="-228600" algn="l" defTabSz="914400" rtl="0" eaLnBrk="1" latinLnBrk="1" hangingPunct="1">
+              <a:lnSpc>
+                <a:spcPct val="90000"/>
+              </a:lnSpc>
+              <a:spcBef>
+                <a:spcPts val="500"/>
+              </a:spcBef>
+              <a:buFont typeface="Arial" panose="020B0604020202020204" pitchFamily="34" charset="0"/>
+              <a:buChar char="•"/>
+              <a:defRPr sz="1800" kern="1200">
+                <a:solidFill>
+                  <a:schemeClr val="tx1"/>
+                </a:solidFill>
+                <a:latin typeface="+mn-lt"/>
+                <a:ea typeface="+mn-ea"/>
+                <a:cs typeface="+mn-cs"/>
+              </a:defRPr>
+            </a:lvl5pPr>
+            <a:lvl6pPr marL="2514600" indent="-228600" algn="l" defTabSz="914400" rtl="0" eaLnBrk="1" latinLnBrk="1" hangingPunct="1">
+              <a:lnSpc>
+                <a:spcPct val="90000"/>
+              </a:lnSpc>
+              <a:spcBef>
+                <a:spcPts val="500"/>
+              </a:spcBef>
+              <a:buFont typeface="Arial" panose="020B0604020202020204" pitchFamily="34" charset="0"/>
+              <a:buChar char="•"/>
+              <a:defRPr sz="1800" kern="1200">
+                <a:solidFill>
+                  <a:schemeClr val="tx1"/>
+                </a:solidFill>
+                <a:latin typeface="+mn-lt"/>
+                <a:ea typeface="+mn-ea"/>
+                <a:cs typeface="+mn-cs"/>
+              </a:defRPr>
+            </a:lvl6pPr>
+            <a:lvl7pPr marL="2971800" indent="-228600" algn="l" defTabSz="914400" rtl="0" eaLnBrk="1" latinLnBrk="1" hangingPunct="1">
+              <a:lnSpc>
+                <a:spcPct val="90000"/>
+              </a:lnSpc>
+              <a:spcBef>
+                <a:spcPts val="500"/>
+              </a:spcBef>
+              <a:buFont typeface="Arial" panose="020B0604020202020204" pitchFamily="34" charset="0"/>
+              <a:buChar char="•"/>
+              <a:defRPr sz="1800" kern="1200">
+                <a:solidFill>
+                  <a:schemeClr val="tx1"/>
+                </a:solidFill>
+                <a:latin typeface="+mn-lt"/>
+                <a:ea typeface="+mn-ea"/>
+                <a:cs typeface="+mn-cs"/>
+              </a:defRPr>
+            </a:lvl7pPr>
+            <a:lvl8pPr marL="3429000" indent="-228600" algn="l" defTabSz="914400" rtl="0" eaLnBrk="1" latinLnBrk="1" hangingPunct="1">
+              <a:lnSpc>
+                <a:spcPct val="90000"/>
+              </a:lnSpc>
+              <a:spcBef>
+                <a:spcPts val="500"/>
+              </a:spcBef>
+              <a:buFont typeface="Arial" panose="020B0604020202020204" pitchFamily="34" charset="0"/>
+              <a:buChar char="•"/>
+              <a:defRPr sz="1800" kern="1200">
+                <a:solidFill>
+                  <a:schemeClr val="tx1"/>
+                </a:solidFill>
+                <a:latin typeface="+mn-lt"/>
+                <a:ea typeface="+mn-ea"/>
+                <a:cs typeface="+mn-cs"/>
+              </a:defRPr>
+            </a:lvl8pPr>
+            <a:lvl9pPr marL="3886200" indent="-228600" algn="l" defTabSz="914400" rtl="0" eaLnBrk="1" latinLnBrk="1" hangingPunct="1">
+              <a:lnSpc>
+                <a:spcPct val="90000"/>
+              </a:lnSpc>
+              <a:spcBef>
+                <a:spcPts val="500"/>
+              </a:spcBef>
+              <a:buFont typeface="Arial" panose="020B0604020202020204" pitchFamily="34" charset="0"/>
+              <a:buChar char="•"/>
+              <a:defRPr sz="1800" kern="1200">
+                <a:solidFill>
+                  <a:schemeClr val="tx1"/>
+                </a:solidFill>
+                <a:latin typeface="+mn-lt"/>
+                <a:ea typeface="+mn-ea"/>
+                <a:cs typeface="+mn-cs"/>
+              </a:defRPr>
+            </a:lvl9pPr>
+          </a:lstStyle>
+          <a:p>
+            <a:r>
+              <a:rPr lang="en-US" altLang="ko-KR">
+                <a:solidFill>
+                  <a:srgbClr val="000000"/>
+                </a:solidFill>
+                <a:latin typeface="+mn-ea"/>
+              </a:rPr>
+              <a:t>if else if </a:t>
+            </a:r>
+            <a:r>
+              <a:rPr lang="ko-KR" altLang="en-US">
+                <a:solidFill>
+                  <a:srgbClr val="000000"/>
+                </a:solidFill>
+                <a:latin typeface="+mn-ea"/>
+              </a:rPr>
+              <a:t>조건문</a:t>
+            </a:r>
+            <a:endParaRPr lang="en-US" altLang="ko-KR">
+              <a:solidFill>
+                <a:srgbClr val="000000"/>
+              </a:solidFill>
+              <a:latin typeface="+mn-ea"/>
+            </a:endParaRPr>
+          </a:p>
+          <a:p>
+            <a:pPr lvl="1"/>
+            <a:r>
+              <a:rPr lang="ko-KR" altLang="en-US">
+                <a:solidFill>
+                  <a:srgbClr val="000000"/>
+                </a:solidFill>
+                <a:latin typeface="+mn-ea"/>
+              </a:rPr>
+              <a:t>중첩 조건문에서 중괄호를 생략한 형태</a:t>
+            </a:r>
+            <a:endParaRPr lang="en-US" altLang="ko-KR">
+              <a:solidFill>
+                <a:srgbClr val="000000"/>
+              </a:solidFill>
+              <a:latin typeface="+mn-ea"/>
+            </a:endParaRPr>
+          </a:p>
+          <a:p>
+            <a:pPr lvl="1"/>
+            <a:endParaRPr lang="en-US" altLang="ko-KR">
+              <a:solidFill>
+                <a:srgbClr val="000000"/>
+              </a:solidFill>
+              <a:latin typeface="+mn-ea"/>
+            </a:endParaRPr>
+          </a:p>
+          <a:p>
+            <a:pPr lvl="1"/>
+            <a:endParaRPr lang="en-US" altLang="ko-KR">
+              <a:solidFill>
+                <a:srgbClr val="000000"/>
+              </a:solidFill>
+              <a:latin typeface="+mn-ea"/>
+            </a:endParaRPr>
+          </a:p>
+          <a:p>
+            <a:pPr lvl="1"/>
+            <a:endParaRPr lang="en-US" altLang="ko-KR">
+              <a:solidFill>
+                <a:srgbClr val="000000"/>
+              </a:solidFill>
+              <a:latin typeface="+mn-ea"/>
+            </a:endParaRPr>
+          </a:p>
+          <a:p>
+            <a:pPr lvl="1"/>
+            <a:endParaRPr lang="en-US" altLang="ko-KR">
+              <a:solidFill>
+                <a:srgbClr val="000000"/>
+              </a:solidFill>
+              <a:latin typeface="+mn-ea"/>
+            </a:endParaRPr>
+          </a:p>
+          <a:p>
+            <a:pPr lvl="1"/>
+            <a:endParaRPr lang="en-US" altLang="ko-KR">
+              <a:solidFill>
+                <a:srgbClr val="000000"/>
+              </a:solidFill>
+              <a:latin typeface="+mn-ea"/>
+            </a:endParaRPr>
+          </a:p>
+          <a:p>
+            <a:pPr lvl="1"/>
+            <a:endParaRPr lang="en-US" altLang="ko-KR">
+              <a:solidFill>
+                <a:srgbClr val="000000"/>
+              </a:solidFill>
+              <a:latin typeface="+mn-ea"/>
+            </a:endParaRPr>
+          </a:p>
+          <a:p>
+            <a:pPr lvl="1"/>
+            <a:r>
+              <a:rPr lang="ko-KR" altLang="en-US">
+                <a:solidFill>
+                  <a:srgbClr val="000000"/>
+                </a:solidFill>
+                <a:latin typeface="+mn-ea"/>
+              </a:rPr>
+              <a:t>중첩 조건문으로 만들었던 예제를 </a:t>
+            </a:r>
+            <a:r>
+              <a:rPr lang="en-US" altLang="ko-KR">
+                <a:solidFill>
+                  <a:srgbClr val="000000"/>
+                </a:solidFill>
+                <a:latin typeface="+mn-ea"/>
+              </a:rPr>
+              <a:t>if else if </a:t>
+            </a:r>
+            <a:r>
+              <a:rPr lang="ko-KR" altLang="en-US">
+                <a:solidFill>
+                  <a:srgbClr val="000000"/>
+                </a:solidFill>
+                <a:latin typeface="+mn-ea"/>
+              </a:rPr>
+              <a:t>조건문의 형태로 바꾸는 것은 매우 간단하여</a:t>
+            </a:r>
+            <a:r>
+              <a:rPr lang="en-US" altLang="ko-KR">
+                <a:solidFill>
+                  <a:srgbClr val="000000"/>
+                </a:solidFill>
+                <a:latin typeface="+mn-ea"/>
+              </a:rPr>
+              <a:t>, </a:t>
+            </a:r>
+            <a:r>
+              <a:rPr lang="ko-KR" altLang="en-US">
+                <a:solidFill>
+                  <a:srgbClr val="000000"/>
+                </a:solidFill>
+                <a:latin typeface="+mn-ea"/>
+              </a:rPr>
+              <a:t>한 쌍의 중괄호를 지우면 됨</a:t>
+            </a:r>
+            <a:endParaRPr lang="en-US" altLang="ko-KR">
+              <a:solidFill>
+                <a:srgbClr val="000000"/>
+              </a:solidFill>
+              <a:latin typeface="+mn-ea"/>
+            </a:endParaRPr>
+          </a:p>
+          <a:p>
+            <a:pPr lvl="2"/>
+            <a:endParaRPr lang="en-US" altLang="ko-KR">
+              <a:solidFill>
+                <a:srgbClr val="000000"/>
+              </a:solidFill>
+              <a:latin typeface="+mn-ea"/>
+            </a:endParaRPr>
+          </a:p>
+          <a:p>
+            <a:pPr lvl="1"/>
+            <a:endParaRPr lang="en-US" altLang="ko-KR">
+              <a:solidFill>
+                <a:srgbClr val="000000"/>
+              </a:solidFill>
+              <a:latin typeface="+mn-ea"/>
+            </a:endParaRPr>
+          </a:p>
+          <a:p>
+            <a:pPr lvl="1"/>
+            <a:endParaRPr lang="en-US" altLang="ko-KR">
+              <a:solidFill>
+                <a:srgbClr val="000000"/>
+              </a:solidFill>
+              <a:latin typeface="+mn-ea"/>
+            </a:endParaRPr>
+          </a:p>
+          <a:p>
+            <a:pPr lvl="1"/>
+            <a:endParaRPr lang="en-US" altLang="ko-KR">
+              <a:solidFill>
+                <a:srgbClr val="000000"/>
+              </a:solidFill>
+              <a:latin typeface="+mn-ea"/>
+            </a:endParaRPr>
+          </a:p>
+          <a:p>
+            <a:pPr lvl="1"/>
+            <a:endParaRPr lang="en-US" altLang="ko-KR">
+              <a:solidFill>
+                <a:srgbClr val="000000"/>
+              </a:solidFill>
+              <a:latin typeface="+mn-ea"/>
+            </a:endParaRPr>
+          </a:p>
+          <a:p>
+            <a:pPr lvl="1"/>
+            <a:endParaRPr lang="en-US" altLang="ko-KR">
+              <a:solidFill>
+                <a:srgbClr val="000000"/>
+              </a:solidFill>
+              <a:latin typeface="+mn-ea"/>
+            </a:endParaRPr>
+          </a:p>
+          <a:p>
+            <a:pPr lvl="1"/>
+            <a:endParaRPr lang="en-US" altLang="ko-KR" dirty="0">
+              <a:solidFill>
+                <a:srgbClr val="000000"/>
+              </a:solidFill>
+              <a:latin typeface="+mn-ea"/>
+            </a:endParaRPr>
+          </a:p>
+        </p:txBody>
+      </p:sp>
+      <p:graphicFrame>
+        <p:nvGraphicFramePr>
+          <p:cNvPr id="3" name="Table 4">
+            <a:extLst>
+              <a:ext uri="{FF2B5EF4-FFF2-40B4-BE49-F238E27FC236}">
+                <a16:creationId xmlns:a16="http://schemas.microsoft.com/office/drawing/2014/main" id="{2B4115D5-BDB7-67D5-FB44-20B5457E74C3}"/>
+              </a:ext>
+            </a:extLst>
+          </p:cNvPr>
+          <p:cNvGraphicFramePr>
+            <a:graphicFrameLocks noGrp="1"/>
+          </p:cNvGraphicFramePr>
+          <p:nvPr/>
+        </p:nvGraphicFramePr>
+        <p:xfrm>
+          <a:off x="1578428" y="2157494"/>
+          <a:ext cx="5003800" cy="2011680"/>
+        </p:xfrm>
+        <a:graphic>
+          <a:graphicData uri="http://schemas.openxmlformats.org/drawingml/2006/table">
+            <a:tbl>
+              <a:tblPr firstRow="1" bandRow="1">
+                <a:tableStyleId>{5C22544A-7EE6-4342-B048-85BDC9FD1C3A}</a:tableStyleId>
+              </a:tblPr>
+              <a:tblGrid>
+                <a:gridCol w="5003800">
+                  <a:extLst>
+                    <a:ext uri="{9D8B030D-6E8A-4147-A177-3AD203B41FA5}">
+                      <a16:colId xmlns:a16="http://schemas.microsoft.com/office/drawing/2014/main" val="861803730"/>
+                    </a:ext>
+                  </a:extLst>
+                </a:gridCol>
+              </a:tblGrid>
+              <a:tr h="370840">
+                <a:tc>
+                  <a:txBody>
+                    <a:bodyPr/>
+                    <a:lstStyle/>
+                    <a:p>
+                      <a:pPr latinLnBrk="1"/>
+                      <a:r>
+                        <a:rPr lang="en-US" altLang="ko-KR" sz="1400" b="0" dirty="0">
+                          <a:solidFill>
+                            <a:sysClr val="windowText" lastClr="000000"/>
+                          </a:solidFill>
+                        </a:rPr>
+                        <a:t>if (</a:t>
+                      </a:r>
+                      <a:r>
+                        <a:rPr lang="ko-KR" altLang="en-US" sz="1400" b="0" dirty="0">
+                          <a:solidFill>
+                            <a:srgbClr val="FF0000"/>
+                          </a:solidFill>
+                        </a:rPr>
+                        <a:t>불 표현식</a:t>
+                      </a:r>
+                      <a:r>
+                        <a:rPr lang="en-US" altLang="ko-KR" sz="1400" b="0" dirty="0">
+                          <a:solidFill>
+                            <a:sysClr val="windowText" lastClr="000000"/>
+                          </a:solidFill>
+                        </a:rPr>
+                        <a:t>) {</a:t>
+                      </a:r>
+                    </a:p>
+                    <a:p>
+                      <a:pPr latinLnBrk="1"/>
+                      <a:r>
+                        <a:rPr lang="ko-KR" altLang="en-US" sz="1400" b="0" dirty="0">
+                          <a:solidFill>
+                            <a:srgbClr val="FF0000"/>
+                          </a:solidFill>
+                        </a:rPr>
+                        <a:t>  문장</a:t>
+                      </a:r>
+                    </a:p>
+                    <a:p>
+                      <a:pPr latinLnBrk="1"/>
+                      <a:r>
+                        <a:rPr lang="en-US" altLang="ko-KR" sz="1400" b="0" dirty="0">
+                          <a:solidFill>
+                            <a:sysClr val="windowText" lastClr="000000"/>
+                          </a:solidFill>
+                        </a:rPr>
+                        <a:t>} else if (</a:t>
+                      </a:r>
+                      <a:r>
+                        <a:rPr lang="ko-KR" altLang="en-US" sz="1400" b="0" dirty="0">
+                          <a:solidFill>
+                            <a:srgbClr val="FF0000"/>
+                          </a:solidFill>
+                        </a:rPr>
+                        <a:t>불 표현식</a:t>
+                      </a:r>
+                      <a:r>
+                        <a:rPr lang="en-US" altLang="ko-KR" sz="1400" b="0" dirty="0">
+                          <a:solidFill>
+                            <a:sysClr val="windowText" lastClr="000000"/>
+                          </a:solidFill>
+                        </a:rPr>
+                        <a:t>) {</a:t>
+                      </a:r>
+                    </a:p>
+                    <a:p>
+                      <a:pPr latinLnBrk="1"/>
+                      <a:r>
+                        <a:rPr lang="ko-KR" altLang="en-US" sz="1400" b="0" dirty="0">
+                          <a:solidFill>
+                            <a:srgbClr val="FF0000"/>
+                          </a:solidFill>
+                        </a:rPr>
+                        <a:t>  문장</a:t>
+                      </a:r>
+                    </a:p>
+                    <a:p>
+                      <a:pPr latinLnBrk="1"/>
+                      <a:r>
+                        <a:rPr lang="en-US" altLang="ko-KR" sz="1400" b="0" dirty="0">
+                          <a:solidFill>
+                            <a:sysClr val="windowText" lastClr="000000"/>
+                          </a:solidFill>
+                        </a:rPr>
+                        <a:t>} else if (</a:t>
+                      </a:r>
+                      <a:r>
+                        <a:rPr lang="ko-KR" altLang="en-US" sz="1400" b="0" dirty="0">
+                          <a:solidFill>
+                            <a:srgbClr val="FF0000"/>
+                          </a:solidFill>
+                        </a:rPr>
+                        <a:t>불 표현식</a:t>
+                      </a:r>
+                      <a:r>
+                        <a:rPr lang="en-US" altLang="ko-KR" sz="1400" b="0" dirty="0">
+                          <a:solidFill>
+                            <a:sysClr val="windowText" lastClr="000000"/>
+                          </a:solidFill>
+                        </a:rPr>
+                        <a:t>) {</a:t>
+                      </a:r>
+                    </a:p>
+                    <a:p>
+                      <a:pPr latinLnBrk="1"/>
+                      <a:r>
+                        <a:rPr lang="ko-KR" altLang="en-US" sz="1400" b="0" dirty="0">
+                          <a:solidFill>
+                            <a:srgbClr val="FF0000"/>
+                          </a:solidFill>
+                        </a:rPr>
+                        <a:t>  문장</a:t>
+                      </a:r>
+                    </a:p>
+                    <a:p>
+                      <a:pPr latinLnBrk="1"/>
+                      <a:r>
+                        <a:rPr lang="en-US" altLang="ko-KR" sz="1400" b="0" dirty="0">
+                          <a:solidFill>
+                            <a:sysClr val="windowText" lastClr="000000"/>
+                          </a:solidFill>
+                        </a:rPr>
+                        <a:t>} else {</a:t>
+                      </a:r>
+                    </a:p>
+                    <a:p>
+                      <a:pPr latinLnBrk="1"/>
+                      <a:r>
+                        <a:rPr lang="ko-KR" altLang="en-US" sz="1400" b="0" dirty="0">
+                          <a:solidFill>
+                            <a:srgbClr val="FF0000"/>
+                          </a:solidFill>
+                        </a:rPr>
+                        <a:t>  문장</a:t>
+                      </a:r>
+                    </a:p>
+                    <a:p>
+                      <a:pPr latinLnBrk="1"/>
+                      <a:r>
+                        <a:rPr lang="en-US" altLang="ko-KR" sz="1400" b="0" dirty="0">
+                          <a:solidFill>
+                            <a:sysClr val="windowText" lastClr="000000"/>
+                          </a:solidFill>
+                        </a:rPr>
+                        <a:t>}</a:t>
+                      </a:r>
+                      <a:endParaRPr lang="ko-KR" altLang="en-US" sz="1400" b="0" dirty="0">
+                        <a:solidFill>
+                          <a:sysClr val="windowText" lastClr="000000"/>
+                        </a:solidFill>
+                      </a:endParaRPr>
+                    </a:p>
+                  </a:txBody>
+                  <a:tcPr>
+                    <a:lnL w="12700" cmpd="sng">
+                      <a:noFill/>
+                    </a:lnL>
+                    <a:lnR w="12700" cmpd="sng">
+                      <a:noFill/>
+                    </a:lnR>
+                    <a:lnT w="12700" cap="flat" cmpd="sng" algn="ctr">
+                      <a:solidFill>
+                        <a:schemeClr val="tx1"/>
+                      </a:solidFill>
+                      <a:prstDash val="solid"/>
+                      <a:round/>
+                      <a:headEnd type="none" w="med" len="med"/>
+                      <a:tailEnd type="none" w="med" len="med"/>
+                    </a:lnT>
+                    <a:lnB w="12700" cap="flat" cmpd="sng" algn="ctr">
+                      <a:solidFill>
+                        <a:schemeClr val="tx1"/>
+                      </a:solidFill>
+                      <a:prstDash val="solid"/>
+                      <a:round/>
+                      <a:headEnd type="none" w="med" len="med"/>
+                      <a:tailEnd type="none" w="med" len="med"/>
+                    </a:lnB>
+                    <a:lnTlToBr w="12700" cmpd="sng">
+                      <a:noFill/>
+                      <a:prstDash val="solid"/>
+                    </a:lnTlToBr>
+                    <a:lnBlToTr w="12700" cmpd="sng">
+                      <a:noFill/>
+                      <a:prstDash val="solid"/>
+                    </a:lnBlToTr>
+                    <a:noFill/>
+                  </a:tcPr>
+                </a:tc>
+                <a:extLst>
+                  <a:ext uri="{0D108BD9-81ED-4DB2-BD59-A6C34878D82A}">
+                    <a16:rowId xmlns:a16="http://schemas.microsoft.com/office/drawing/2014/main" val="2868720426"/>
+                  </a:ext>
+                </a:extLst>
+              </a:tr>
+            </a:tbl>
+          </a:graphicData>
+        </a:graphic>
+      </p:graphicFrame>
+    </p:spTree>
+    <p:extLst>
+      <p:ext uri="{BB962C8B-B14F-4D97-AF65-F5344CB8AC3E}">
+        <p14:creationId xmlns:p14="http://schemas.microsoft.com/office/powerpoint/2010/main" val="1461680999"/>
+      </p:ext>
+    </p:extLst>
+  </p:cSld>
+  <p:clrMapOvr>
+    <a:masterClrMapping/>
+  </p:clrMapOvr>
+</p:sld>
+</file>
+
 <file path=ppt/slides/slide3.xml><?xml version="1.0" encoding="utf-8"?>
 <p:sld xmlns:a="http://schemas.openxmlformats.org/drawingml/2006/main" xmlns:r="http://schemas.openxmlformats.org/officeDocument/2006/relationships" xmlns:p="http://schemas.openxmlformats.org/presentationml/2006/main">
   <p:cSld>
@@ -16560,741 +16180,6 @@
 </file>
 
 <file path=ppt/slides/slide30.xml><?xml version="1.0" encoding="utf-8"?>
-<p:sld xmlns:a="http://schemas.openxmlformats.org/drawingml/2006/main" xmlns:r="http://schemas.openxmlformats.org/officeDocument/2006/relationships" xmlns:p="http://schemas.openxmlformats.org/presentationml/2006/main">
-  <p:cSld>
-    <p:spTree>
-      <p:nvGrpSpPr>
-        <p:cNvPr id="1" name=""/>
-        <p:cNvGrpSpPr/>
-        <p:nvPr/>
-      </p:nvGrpSpPr>
-      <p:grpSpPr>
-        <a:xfrm>
-          <a:off x="0" y="0"/>
-          <a:ext cx="0" cy="0"/>
-          <a:chOff x="0" y="0"/>
-          <a:chExt cx="0" cy="0"/>
-        </a:xfrm>
-      </p:grpSpPr>
-      <p:sp>
-        <p:nvSpPr>
-          <p:cNvPr id="4" name="TextBox 3">
-            <a:extLst>
-              <a:ext uri="{FF2B5EF4-FFF2-40B4-BE49-F238E27FC236}">
-                <a16:creationId xmlns:a16="http://schemas.microsoft.com/office/drawing/2014/main" id="{EA93DD08-51B6-5E6C-C97A-BA043F5EAC3B}"/>
-              </a:ext>
-            </a:extLst>
-          </p:cNvPr>
-          <p:cNvSpPr txBox="1"/>
-          <p:nvPr/>
-        </p:nvSpPr>
-        <p:spPr>
-          <a:xfrm>
-            <a:off x="306647" y="319086"/>
-            <a:ext cx="2861095" cy="707886"/>
-          </a:xfrm>
-          <a:prstGeom prst="rect">
-            <a:avLst/>
-          </a:prstGeom>
-          <a:noFill/>
-        </p:spPr>
-        <p:txBody>
-          <a:bodyPr wrap="square">
-            <a:spAutoFit/>
-          </a:bodyPr>
-          <a:lstStyle/>
-          <a:p>
-            <a:r>
-              <a:rPr lang="en-US" altLang="ko-KR" sz="4000" dirty="0">
-                <a:latin typeface="KoPubWorld돋움체 Bold" panose="00000800000000000000" pitchFamily="2" charset="-127"/>
-                <a:ea typeface="KoPubWorld돋움체 Bold" panose="00000800000000000000" pitchFamily="2" charset="-127"/>
-                <a:cs typeface="KoPubWorld돋움체 Bold" panose="00000800000000000000" pitchFamily="2" charset="-127"/>
-              </a:rPr>
-              <a:t>if </a:t>
-            </a:r>
-            <a:r>
-              <a:rPr lang="ko-KR" altLang="en-US" sz="4000" dirty="0">
-                <a:latin typeface="KoPubWorld돋움체 Bold" panose="00000800000000000000" pitchFamily="2" charset="-127"/>
-                <a:ea typeface="KoPubWorld돋움체 Bold" panose="00000800000000000000" pitchFamily="2" charset="-127"/>
-                <a:cs typeface="KoPubWorld돋움체 Bold" panose="00000800000000000000" pitchFamily="2" charset="-127"/>
-              </a:rPr>
-              <a:t>조건문</a:t>
-            </a:r>
-            <a:r>
-              <a:rPr lang="en-US" altLang="ko-KR" sz="4000" dirty="0">
-                <a:latin typeface="KoPubWorld돋움체 Bold" panose="00000800000000000000" pitchFamily="2" charset="-127"/>
-                <a:ea typeface="KoPubWorld돋움체 Bold" panose="00000800000000000000" pitchFamily="2" charset="-127"/>
-                <a:cs typeface="KoPubWorld돋움체 Bold" panose="00000800000000000000" pitchFamily="2" charset="-127"/>
-              </a:rPr>
-              <a:t>(1)</a:t>
-            </a:r>
-            <a:endParaRPr lang="ko-KR" altLang="en-US" sz="4000" dirty="0">
-              <a:latin typeface="KoPubWorld돋움체 Bold" panose="00000800000000000000" pitchFamily="2" charset="-127"/>
-              <a:ea typeface="KoPubWorld돋움체 Bold" panose="00000800000000000000" pitchFamily="2" charset="-127"/>
-              <a:cs typeface="KoPubWorld돋움체 Bold" panose="00000800000000000000" pitchFamily="2" charset="-127"/>
-            </a:endParaRPr>
-          </a:p>
-        </p:txBody>
-      </p:sp>
-      <p:sp>
-        <p:nvSpPr>
-          <p:cNvPr id="2" name="텍스트 개체 틀 8">
-            <a:extLst>
-              <a:ext uri="{FF2B5EF4-FFF2-40B4-BE49-F238E27FC236}">
-                <a16:creationId xmlns:a16="http://schemas.microsoft.com/office/drawing/2014/main" id="{91A17491-88BD-62C7-7527-944A087B0ECA}"/>
-              </a:ext>
-            </a:extLst>
-          </p:cNvPr>
-          <p:cNvSpPr txBox="1">
-            <a:spLocks/>
-          </p:cNvSpPr>
-          <p:nvPr/>
-        </p:nvSpPr>
-        <p:spPr>
-          <a:xfrm>
-            <a:off x="541443" y="1261323"/>
-            <a:ext cx="11281052" cy="5351330"/>
-          </a:xfrm>
-          <a:prstGeom prst="rect">
-            <a:avLst/>
-          </a:prstGeom>
-        </p:spPr>
-        <p:txBody>
-          <a:bodyPr>
-            <a:normAutofit/>
-          </a:bodyPr>
-          <a:lstStyle>
-            <a:lvl1pPr marL="228600" indent="-228600" algn="l" defTabSz="914400" rtl="0" eaLnBrk="1" latinLnBrk="1" hangingPunct="1">
-              <a:lnSpc>
-                <a:spcPct val="90000"/>
-              </a:lnSpc>
-              <a:spcBef>
-                <a:spcPts val="1000"/>
-              </a:spcBef>
-              <a:buFont typeface="Arial" panose="020B0604020202020204" pitchFamily="34" charset="0"/>
-              <a:buChar char="•"/>
-              <a:defRPr sz="2800" kern="1200">
-                <a:solidFill>
-                  <a:schemeClr val="tx1"/>
-                </a:solidFill>
-                <a:latin typeface="+mn-lt"/>
-                <a:ea typeface="+mn-ea"/>
-                <a:cs typeface="+mn-cs"/>
-              </a:defRPr>
-            </a:lvl1pPr>
-            <a:lvl2pPr marL="685800" indent="-228600" algn="l" defTabSz="914400" rtl="0" eaLnBrk="1" latinLnBrk="1" hangingPunct="1">
-              <a:lnSpc>
-                <a:spcPct val="90000"/>
-              </a:lnSpc>
-              <a:spcBef>
-                <a:spcPts val="500"/>
-              </a:spcBef>
-              <a:buFont typeface="Arial" panose="020B0604020202020204" pitchFamily="34" charset="0"/>
-              <a:buChar char="•"/>
-              <a:defRPr sz="2400" kern="1200">
-                <a:solidFill>
-                  <a:schemeClr val="tx1"/>
-                </a:solidFill>
-                <a:latin typeface="+mn-lt"/>
-                <a:ea typeface="+mn-ea"/>
-                <a:cs typeface="+mn-cs"/>
-              </a:defRPr>
-            </a:lvl2pPr>
-            <a:lvl3pPr marL="1143000" indent="-228600" algn="l" defTabSz="914400" rtl="0" eaLnBrk="1" latinLnBrk="1" hangingPunct="1">
-              <a:lnSpc>
-                <a:spcPct val="90000"/>
-              </a:lnSpc>
-              <a:spcBef>
-                <a:spcPts val="500"/>
-              </a:spcBef>
-              <a:buFont typeface="Arial" panose="020B0604020202020204" pitchFamily="34" charset="0"/>
-              <a:buChar char="•"/>
-              <a:defRPr sz="2000" kern="1200">
-                <a:solidFill>
-                  <a:schemeClr val="tx1"/>
-                </a:solidFill>
-                <a:latin typeface="+mn-lt"/>
-                <a:ea typeface="+mn-ea"/>
-                <a:cs typeface="+mn-cs"/>
-              </a:defRPr>
-            </a:lvl3pPr>
-            <a:lvl4pPr marL="1600200" indent="-228600" algn="l" defTabSz="914400" rtl="0" eaLnBrk="1" latinLnBrk="1" hangingPunct="1">
-              <a:lnSpc>
-                <a:spcPct val="90000"/>
-              </a:lnSpc>
-              <a:spcBef>
-                <a:spcPts val="500"/>
-              </a:spcBef>
-              <a:buFont typeface="Arial" panose="020B0604020202020204" pitchFamily="34" charset="0"/>
-              <a:buChar char="•"/>
-              <a:defRPr sz="1800" kern="1200">
-                <a:solidFill>
-                  <a:schemeClr val="tx1"/>
-                </a:solidFill>
-                <a:latin typeface="+mn-lt"/>
-                <a:ea typeface="+mn-ea"/>
-                <a:cs typeface="+mn-cs"/>
-              </a:defRPr>
-            </a:lvl4pPr>
-            <a:lvl5pPr marL="2057400" indent="-228600" algn="l" defTabSz="914400" rtl="0" eaLnBrk="1" latinLnBrk="1" hangingPunct="1">
-              <a:lnSpc>
-                <a:spcPct val="90000"/>
-              </a:lnSpc>
-              <a:spcBef>
-                <a:spcPts val="500"/>
-              </a:spcBef>
-              <a:buFont typeface="Arial" panose="020B0604020202020204" pitchFamily="34" charset="0"/>
-              <a:buChar char="•"/>
-              <a:defRPr sz="1800" kern="1200">
-                <a:solidFill>
-                  <a:schemeClr val="tx1"/>
-                </a:solidFill>
-                <a:latin typeface="+mn-lt"/>
-                <a:ea typeface="+mn-ea"/>
-                <a:cs typeface="+mn-cs"/>
-              </a:defRPr>
-            </a:lvl5pPr>
-            <a:lvl6pPr marL="2514600" indent="-228600" algn="l" defTabSz="914400" rtl="0" eaLnBrk="1" latinLnBrk="1" hangingPunct="1">
-              <a:lnSpc>
-                <a:spcPct val="90000"/>
-              </a:lnSpc>
-              <a:spcBef>
-                <a:spcPts val="500"/>
-              </a:spcBef>
-              <a:buFont typeface="Arial" panose="020B0604020202020204" pitchFamily="34" charset="0"/>
-              <a:buChar char="•"/>
-              <a:defRPr sz="1800" kern="1200">
-                <a:solidFill>
-                  <a:schemeClr val="tx1"/>
-                </a:solidFill>
-                <a:latin typeface="+mn-lt"/>
-                <a:ea typeface="+mn-ea"/>
-                <a:cs typeface="+mn-cs"/>
-              </a:defRPr>
-            </a:lvl6pPr>
-            <a:lvl7pPr marL="2971800" indent="-228600" algn="l" defTabSz="914400" rtl="0" eaLnBrk="1" latinLnBrk="1" hangingPunct="1">
-              <a:lnSpc>
-                <a:spcPct val="90000"/>
-              </a:lnSpc>
-              <a:spcBef>
-                <a:spcPts val="500"/>
-              </a:spcBef>
-              <a:buFont typeface="Arial" panose="020B0604020202020204" pitchFamily="34" charset="0"/>
-              <a:buChar char="•"/>
-              <a:defRPr sz="1800" kern="1200">
-                <a:solidFill>
-                  <a:schemeClr val="tx1"/>
-                </a:solidFill>
-                <a:latin typeface="+mn-lt"/>
-                <a:ea typeface="+mn-ea"/>
-                <a:cs typeface="+mn-cs"/>
-              </a:defRPr>
-            </a:lvl7pPr>
-            <a:lvl8pPr marL="3429000" indent="-228600" algn="l" defTabSz="914400" rtl="0" eaLnBrk="1" latinLnBrk="1" hangingPunct="1">
-              <a:lnSpc>
-                <a:spcPct val="90000"/>
-              </a:lnSpc>
-              <a:spcBef>
-                <a:spcPts val="500"/>
-              </a:spcBef>
-              <a:buFont typeface="Arial" panose="020B0604020202020204" pitchFamily="34" charset="0"/>
-              <a:buChar char="•"/>
-              <a:defRPr sz="1800" kern="1200">
-                <a:solidFill>
-                  <a:schemeClr val="tx1"/>
-                </a:solidFill>
-                <a:latin typeface="+mn-lt"/>
-                <a:ea typeface="+mn-ea"/>
-                <a:cs typeface="+mn-cs"/>
-              </a:defRPr>
-            </a:lvl8pPr>
-            <a:lvl9pPr marL="3886200" indent="-228600" algn="l" defTabSz="914400" rtl="0" eaLnBrk="1" latinLnBrk="1" hangingPunct="1">
-              <a:lnSpc>
-                <a:spcPct val="90000"/>
-              </a:lnSpc>
-              <a:spcBef>
-                <a:spcPts val="500"/>
-              </a:spcBef>
-              <a:buFont typeface="Arial" panose="020B0604020202020204" pitchFamily="34" charset="0"/>
-              <a:buChar char="•"/>
-              <a:defRPr sz="1800" kern="1200">
-                <a:solidFill>
-                  <a:schemeClr val="tx1"/>
-                </a:solidFill>
-                <a:latin typeface="+mn-lt"/>
-                <a:ea typeface="+mn-ea"/>
-                <a:cs typeface="+mn-cs"/>
-              </a:defRPr>
-            </a:lvl9pPr>
-          </a:lstStyle>
-          <a:p>
-            <a:r>
-              <a:rPr lang="en-US" altLang="ko-KR">
-                <a:solidFill>
-                  <a:srgbClr val="000000"/>
-                </a:solidFill>
-                <a:latin typeface="+mn-ea"/>
-              </a:rPr>
-              <a:t>if else if </a:t>
-            </a:r>
-            <a:r>
-              <a:rPr lang="ko-KR" altLang="en-US">
-                <a:solidFill>
-                  <a:srgbClr val="000000"/>
-                </a:solidFill>
-                <a:latin typeface="+mn-ea"/>
-              </a:rPr>
-              <a:t>조건문</a:t>
-            </a:r>
-            <a:endParaRPr lang="en-US" altLang="ko-KR">
-              <a:solidFill>
-                <a:srgbClr val="000000"/>
-              </a:solidFill>
-              <a:latin typeface="+mn-ea"/>
-            </a:endParaRPr>
-          </a:p>
-          <a:p>
-            <a:pPr lvl="1"/>
-            <a:r>
-              <a:rPr lang="ko-KR" altLang="en-US">
-                <a:solidFill>
-                  <a:srgbClr val="000000"/>
-                </a:solidFill>
-                <a:latin typeface="+mn-ea"/>
-              </a:rPr>
-              <a:t>중첩 조건문에서 중괄호를 생략한 형태</a:t>
-            </a:r>
-            <a:endParaRPr lang="en-US" altLang="ko-KR">
-              <a:solidFill>
-                <a:srgbClr val="000000"/>
-              </a:solidFill>
-              <a:latin typeface="+mn-ea"/>
-            </a:endParaRPr>
-          </a:p>
-          <a:p>
-            <a:pPr lvl="1"/>
-            <a:endParaRPr lang="en-US" altLang="ko-KR">
-              <a:solidFill>
-                <a:srgbClr val="000000"/>
-              </a:solidFill>
-              <a:latin typeface="+mn-ea"/>
-            </a:endParaRPr>
-          </a:p>
-          <a:p>
-            <a:pPr lvl="1"/>
-            <a:endParaRPr lang="en-US" altLang="ko-KR">
-              <a:solidFill>
-                <a:srgbClr val="000000"/>
-              </a:solidFill>
-              <a:latin typeface="+mn-ea"/>
-            </a:endParaRPr>
-          </a:p>
-          <a:p>
-            <a:pPr lvl="1"/>
-            <a:endParaRPr lang="en-US" altLang="ko-KR">
-              <a:solidFill>
-                <a:srgbClr val="000000"/>
-              </a:solidFill>
-              <a:latin typeface="+mn-ea"/>
-            </a:endParaRPr>
-          </a:p>
-          <a:p>
-            <a:pPr lvl="1"/>
-            <a:endParaRPr lang="en-US" altLang="ko-KR">
-              <a:solidFill>
-                <a:srgbClr val="000000"/>
-              </a:solidFill>
-              <a:latin typeface="+mn-ea"/>
-            </a:endParaRPr>
-          </a:p>
-          <a:p>
-            <a:pPr lvl="1"/>
-            <a:endParaRPr lang="en-US" altLang="ko-KR">
-              <a:solidFill>
-                <a:srgbClr val="000000"/>
-              </a:solidFill>
-              <a:latin typeface="+mn-ea"/>
-            </a:endParaRPr>
-          </a:p>
-          <a:p>
-            <a:pPr lvl="1"/>
-            <a:endParaRPr lang="en-US" altLang="ko-KR">
-              <a:solidFill>
-                <a:srgbClr val="000000"/>
-              </a:solidFill>
-              <a:latin typeface="+mn-ea"/>
-            </a:endParaRPr>
-          </a:p>
-          <a:p>
-            <a:pPr lvl="1"/>
-            <a:r>
-              <a:rPr lang="ko-KR" altLang="en-US">
-                <a:solidFill>
-                  <a:srgbClr val="000000"/>
-                </a:solidFill>
-                <a:latin typeface="+mn-ea"/>
-              </a:rPr>
-              <a:t>중첩 조건문으로 만들었던 예제를 </a:t>
-            </a:r>
-            <a:r>
-              <a:rPr lang="en-US" altLang="ko-KR">
-                <a:solidFill>
-                  <a:srgbClr val="000000"/>
-                </a:solidFill>
-                <a:latin typeface="+mn-ea"/>
-              </a:rPr>
-              <a:t>if else if </a:t>
-            </a:r>
-            <a:r>
-              <a:rPr lang="ko-KR" altLang="en-US">
-                <a:solidFill>
-                  <a:srgbClr val="000000"/>
-                </a:solidFill>
-                <a:latin typeface="+mn-ea"/>
-              </a:rPr>
-              <a:t>조건문의 형태로 바꾸는 것은 매우 간단하여</a:t>
-            </a:r>
-            <a:r>
-              <a:rPr lang="en-US" altLang="ko-KR">
-                <a:solidFill>
-                  <a:srgbClr val="000000"/>
-                </a:solidFill>
-                <a:latin typeface="+mn-ea"/>
-              </a:rPr>
-              <a:t>, </a:t>
-            </a:r>
-            <a:r>
-              <a:rPr lang="ko-KR" altLang="en-US">
-                <a:solidFill>
-                  <a:srgbClr val="000000"/>
-                </a:solidFill>
-                <a:latin typeface="+mn-ea"/>
-              </a:rPr>
-              <a:t>한 쌍의 중괄호를 지우면 됨</a:t>
-            </a:r>
-            <a:endParaRPr lang="en-US" altLang="ko-KR">
-              <a:solidFill>
-                <a:srgbClr val="000000"/>
-              </a:solidFill>
-              <a:latin typeface="+mn-ea"/>
-            </a:endParaRPr>
-          </a:p>
-          <a:p>
-            <a:pPr lvl="2"/>
-            <a:endParaRPr lang="en-US" altLang="ko-KR">
-              <a:solidFill>
-                <a:srgbClr val="000000"/>
-              </a:solidFill>
-              <a:latin typeface="+mn-ea"/>
-            </a:endParaRPr>
-          </a:p>
-          <a:p>
-            <a:pPr lvl="1"/>
-            <a:endParaRPr lang="en-US" altLang="ko-KR">
-              <a:solidFill>
-                <a:srgbClr val="000000"/>
-              </a:solidFill>
-              <a:latin typeface="+mn-ea"/>
-            </a:endParaRPr>
-          </a:p>
-          <a:p>
-            <a:pPr lvl="1"/>
-            <a:endParaRPr lang="en-US" altLang="ko-KR">
-              <a:solidFill>
-                <a:srgbClr val="000000"/>
-              </a:solidFill>
-              <a:latin typeface="+mn-ea"/>
-            </a:endParaRPr>
-          </a:p>
-          <a:p>
-            <a:pPr lvl="1"/>
-            <a:endParaRPr lang="en-US" altLang="ko-KR">
-              <a:solidFill>
-                <a:srgbClr val="000000"/>
-              </a:solidFill>
-              <a:latin typeface="+mn-ea"/>
-            </a:endParaRPr>
-          </a:p>
-          <a:p>
-            <a:pPr lvl="1"/>
-            <a:endParaRPr lang="en-US" altLang="ko-KR">
-              <a:solidFill>
-                <a:srgbClr val="000000"/>
-              </a:solidFill>
-              <a:latin typeface="+mn-ea"/>
-            </a:endParaRPr>
-          </a:p>
-          <a:p>
-            <a:pPr lvl="1"/>
-            <a:endParaRPr lang="en-US" altLang="ko-KR">
-              <a:solidFill>
-                <a:srgbClr val="000000"/>
-              </a:solidFill>
-              <a:latin typeface="+mn-ea"/>
-            </a:endParaRPr>
-          </a:p>
-          <a:p>
-            <a:pPr lvl="1"/>
-            <a:endParaRPr lang="en-US" altLang="ko-KR" dirty="0">
-              <a:solidFill>
-                <a:srgbClr val="000000"/>
-              </a:solidFill>
-              <a:latin typeface="+mn-ea"/>
-            </a:endParaRPr>
-          </a:p>
-        </p:txBody>
-      </p:sp>
-      <p:graphicFrame>
-        <p:nvGraphicFramePr>
-          <p:cNvPr id="3" name="Table 4">
-            <a:extLst>
-              <a:ext uri="{FF2B5EF4-FFF2-40B4-BE49-F238E27FC236}">
-                <a16:creationId xmlns:a16="http://schemas.microsoft.com/office/drawing/2014/main" id="{2B4115D5-BDB7-67D5-FB44-20B5457E74C3}"/>
-              </a:ext>
-            </a:extLst>
-          </p:cNvPr>
-          <p:cNvGraphicFramePr>
-            <a:graphicFrameLocks noGrp="1"/>
-          </p:cNvGraphicFramePr>
-          <p:nvPr/>
-        </p:nvGraphicFramePr>
-        <p:xfrm>
-          <a:off x="1578428" y="2157494"/>
-          <a:ext cx="5003800" cy="2011680"/>
-        </p:xfrm>
-        <a:graphic>
-          <a:graphicData uri="http://schemas.openxmlformats.org/drawingml/2006/table">
-            <a:tbl>
-              <a:tblPr firstRow="1" bandRow="1">
-                <a:tableStyleId>{5C22544A-7EE6-4342-B048-85BDC9FD1C3A}</a:tableStyleId>
-              </a:tblPr>
-              <a:tblGrid>
-                <a:gridCol w="5003800">
-                  <a:extLst>
-                    <a:ext uri="{9D8B030D-6E8A-4147-A177-3AD203B41FA5}">
-                      <a16:colId xmlns:a16="http://schemas.microsoft.com/office/drawing/2014/main" val="861803730"/>
-                    </a:ext>
-                  </a:extLst>
-                </a:gridCol>
-              </a:tblGrid>
-              <a:tr h="370840">
-                <a:tc>
-                  <a:txBody>
-                    <a:bodyPr/>
-                    <a:lstStyle/>
-                    <a:p>
-                      <a:pPr latinLnBrk="1"/>
-                      <a:r>
-                        <a:rPr lang="en-US" altLang="ko-KR" sz="1400" b="0" dirty="0">
-                          <a:solidFill>
-                            <a:sysClr val="windowText" lastClr="000000"/>
-                          </a:solidFill>
-                        </a:rPr>
-                        <a:t>if (</a:t>
-                      </a:r>
-                      <a:r>
-                        <a:rPr lang="ko-KR" altLang="en-US" sz="1400" b="0" dirty="0">
-                          <a:solidFill>
-                            <a:srgbClr val="FF0000"/>
-                          </a:solidFill>
-                        </a:rPr>
-                        <a:t>불 표현식</a:t>
-                      </a:r>
-                      <a:r>
-                        <a:rPr lang="en-US" altLang="ko-KR" sz="1400" b="0" dirty="0">
-                          <a:solidFill>
-                            <a:sysClr val="windowText" lastClr="000000"/>
-                          </a:solidFill>
-                        </a:rPr>
-                        <a:t>) {</a:t>
-                      </a:r>
-                    </a:p>
-                    <a:p>
-                      <a:pPr latinLnBrk="1"/>
-                      <a:r>
-                        <a:rPr lang="ko-KR" altLang="en-US" sz="1400" b="0" dirty="0">
-                          <a:solidFill>
-                            <a:srgbClr val="FF0000"/>
-                          </a:solidFill>
-                        </a:rPr>
-                        <a:t>  문장</a:t>
-                      </a:r>
-                    </a:p>
-                    <a:p>
-                      <a:pPr latinLnBrk="1"/>
-                      <a:r>
-                        <a:rPr lang="en-US" altLang="ko-KR" sz="1400" b="0" dirty="0">
-                          <a:solidFill>
-                            <a:sysClr val="windowText" lastClr="000000"/>
-                          </a:solidFill>
-                        </a:rPr>
-                        <a:t>} else if (</a:t>
-                      </a:r>
-                      <a:r>
-                        <a:rPr lang="ko-KR" altLang="en-US" sz="1400" b="0" dirty="0">
-                          <a:solidFill>
-                            <a:srgbClr val="FF0000"/>
-                          </a:solidFill>
-                        </a:rPr>
-                        <a:t>불 표현식</a:t>
-                      </a:r>
-                      <a:r>
-                        <a:rPr lang="en-US" altLang="ko-KR" sz="1400" b="0" dirty="0">
-                          <a:solidFill>
-                            <a:sysClr val="windowText" lastClr="000000"/>
-                          </a:solidFill>
-                        </a:rPr>
-                        <a:t>) {</a:t>
-                      </a:r>
-                    </a:p>
-                    <a:p>
-                      <a:pPr latinLnBrk="1"/>
-                      <a:r>
-                        <a:rPr lang="ko-KR" altLang="en-US" sz="1400" b="0" dirty="0">
-                          <a:solidFill>
-                            <a:srgbClr val="FF0000"/>
-                          </a:solidFill>
-                        </a:rPr>
-                        <a:t>  문장</a:t>
-                      </a:r>
-                    </a:p>
-                    <a:p>
-                      <a:pPr latinLnBrk="1"/>
-                      <a:r>
-                        <a:rPr lang="en-US" altLang="ko-KR" sz="1400" b="0" dirty="0">
-                          <a:solidFill>
-                            <a:sysClr val="windowText" lastClr="000000"/>
-                          </a:solidFill>
-                        </a:rPr>
-                        <a:t>} else if (</a:t>
-                      </a:r>
-                      <a:r>
-                        <a:rPr lang="ko-KR" altLang="en-US" sz="1400" b="0" dirty="0">
-                          <a:solidFill>
-                            <a:srgbClr val="FF0000"/>
-                          </a:solidFill>
-                        </a:rPr>
-                        <a:t>불 표현식</a:t>
-                      </a:r>
-                      <a:r>
-                        <a:rPr lang="en-US" altLang="ko-KR" sz="1400" b="0" dirty="0">
-                          <a:solidFill>
-                            <a:sysClr val="windowText" lastClr="000000"/>
-                          </a:solidFill>
-                        </a:rPr>
-                        <a:t>) {</a:t>
-                      </a:r>
-                    </a:p>
-                    <a:p>
-                      <a:pPr latinLnBrk="1"/>
-                      <a:r>
-                        <a:rPr lang="ko-KR" altLang="en-US" sz="1400" b="0" dirty="0">
-                          <a:solidFill>
-                            <a:srgbClr val="FF0000"/>
-                          </a:solidFill>
-                        </a:rPr>
-                        <a:t>  문장</a:t>
-                      </a:r>
-                    </a:p>
-                    <a:p>
-                      <a:pPr latinLnBrk="1"/>
-                      <a:r>
-                        <a:rPr lang="en-US" altLang="ko-KR" sz="1400" b="0" dirty="0">
-                          <a:solidFill>
-                            <a:sysClr val="windowText" lastClr="000000"/>
-                          </a:solidFill>
-                        </a:rPr>
-                        <a:t>} else {</a:t>
-                      </a:r>
-                    </a:p>
-                    <a:p>
-                      <a:pPr latinLnBrk="1"/>
-                      <a:r>
-                        <a:rPr lang="ko-KR" altLang="en-US" sz="1400" b="0" dirty="0">
-                          <a:solidFill>
-                            <a:srgbClr val="FF0000"/>
-                          </a:solidFill>
-                        </a:rPr>
-                        <a:t>  문장</a:t>
-                      </a:r>
-                    </a:p>
-                    <a:p>
-                      <a:pPr latinLnBrk="1"/>
-                      <a:r>
-                        <a:rPr lang="en-US" altLang="ko-KR" sz="1400" b="0" dirty="0">
-                          <a:solidFill>
-                            <a:sysClr val="windowText" lastClr="000000"/>
-                          </a:solidFill>
-                        </a:rPr>
-                        <a:t>}</a:t>
-                      </a:r>
-                      <a:endParaRPr lang="ko-KR" altLang="en-US" sz="1400" b="0" dirty="0">
-                        <a:solidFill>
-                          <a:sysClr val="windowText" lastClr="000000"/>
-                        </a:solidFill>
-                      </a:endParaRPr>
-                    </a:p>
-                  </a:txBody>
-                  <a:tcPr>
-                    <a:lnL w="12700" cmpd="sng">
-                      <a:noFill/>
-                    </a:lnL>
-                    <a:lnR w="12700" cmpd="sng">
-                      <a:noFill/>
-                    </a:lnR>
-                    <a:lnT w="12700" cap="flat" cmpd="sng" algn="ctr">
-                      <a:solidFill>
-                        <a:schemeClr val="tx1"/>
-                      </a:solidFill>
-                      <a:prstDash val="solid"/>
-                      <a:round/>
-                      <a:headEnd type="none" w="med" len="med"/>
-                      <a:tailEnd type="none" w="med" len="med"/>
-                    </a:lnT>
-                    <a:lnB w="12700" cap="flat" cmpd="sng" algn="ctr">
-                      <a:solidFill>
-                        <a:schemeClr val="tx1"/>
-                      </a:solidFill>
-                      <a:prstDash val="solid"/>
-                      <a:round/>
-                      <a:headEnd type="none" w="med" len="med"/>
-                      <a:tailEnd type="none" w="med" len="med"/>
-                    </a:lnB>
-                    <a:lnTlToBr w="12700" cmpd="sng">
-                      <a:noFill/>
-                      <a:prstDash val="solid"/>
-                    </a:lnTlToBr>
-                    <a:lnBlToTr w="12700" cmpd="sng">
-                      <a:noFill/>
-                      <a:prstDash val="solid"/>
-                    </a:lnBlToTr>
-                    <a:noFill/>
-                  </a:tcPr>
-                </a:tc>
-                <a:extLst>
-                  <a:ext uri="{0D108BD9-81ED-4DB2-BD59-A6C34878D82A}">
-                    <a16:rowId xmlns:a16="http://schemas.microsoft.com/office/drawing/2014/main" val="2868720426"/>
-                  </a:ext>
-                </a:extLst>
-              </a:tr>
-            </a:tbl>
-          </a:graphicData>
-        </a:graphic>
-      </p:graphicFrame>
-    </p:spTree>
-    <p:extLst>
-      <p:ext uri="{BB962C8B-B14F-4D97-AF65-F5344CB8AC3E}">
-        <p14:creationId xmlns:p14="http://schemas.microsoft.com/office/powerpoint/2010/main" val="1461680999"/>
-      </p:ext>
-    </p:extLst>
-  </p:cSld>
-  <p:clrMapOvr>
-    <a:masterClrMapping/>
-  </p:clrMapOvr>
-</p:sld>
-</file>
-
-<file path=ppt/slides/slide31.xml><?xml version="1.0" encoding="utf-8"?>
 <p:sld xmlns:a="http://schemas.openxmlformats.org/drawingml/2006/main" xmlns:r="http://schemas.openxmlformats.org/officeDocument/2006/relationships" xmlns:p="http://schemas.openxmlformats.org/presentationml/2006/main">
   <p:cSld>
     <p:spTree>
@@ -18380,7 +17265,7 @@
 </p:sld>
 </file>
 
-<file path=ppt/slides/slide32.xml><?xml version="1.0" encoding="utf-8"?>
+<file path=ppt/slides/slide31.xml><?xml version="1.0" encoding="utf-8"?>
 <p:sld xmlns:a="http://schemas.openxmlformats.org/drawingml/2006/main" xmlns:r="http://schemas.openxmlformats.org/officeDocument/2006/relationships" xmlns:p="http://schemas.openxmlformats.org/presentationml/2006/main">
   <p:cSld>
     <p:spTree>
@@ -18481,7 +17366,7 @@
 </p:sld>
 </file>
 
-<file path=ppt/slides/slide33.xml><?xml version="1.0" encoding="utf-8"?>
+<file path=ppt/slides/slide32.xml><?xml version="1.0" encoding="utf-8"?>
 <p:sld xmlns:a="http://schemas.openxmlformats.org/drawingml/2006/main" xmlns:r="http://schemas.openxmlformats.org/officeDocument/2006/relationships" xmlns:p="http://schemas.openxmlformats.org/presentationml/2006/main">
   <p:cSld>
     <p:spTree>
@@ -18971,7 +17856,7 @@
 </p:sld>
 </file>
 
-<file path=ppt/slides/slide34.xml><?xml version="1.0" encoding="utf-8"?>
+<file path=ppt/slides/slide33.xml><?xml version="1.0" encoding="utf-8"?>
 <p:sld xmlns:a="http://schemas.openxmlformats.org/drawingml/2006/main" xmlns:r="http://schemas.openxmlformats.org/officeDocument/2006/relationships" xmlns:p="http://schemas.openxmlformats.org/presentationml/2006/main">
   <p:cSld>
     <p:spTree>
@@ -19380,7 +18265,7 @@
 </p:sld>
 </file>
 
-<file path=ppt/slides/slide35.xml><?xml version="1.0" encoding="utf-8"?>
+<file path=ppt/slides/slide34.xml><?xml version="1.0" encoding="utf-8"?>
 <p:sld xmlns:a="http://schemas.openxmlformats.org/drawingml/2006/main" xmlns:r="http://schemas.openxmlformats.org/officeDocument/2006/relationships" xmlns:p="http://schemas.openxmlformats.org/presentationml/2006/main">
   <p:cSld>
     <p:spTree>
@@ -20589,7 +19474,7 @@
 </p:sld>
 </file>
 
-<file path=ppt/slides/slide36.xml><?xml version="1.0" encoding="utf-8"?>
+<file path=ppt/slides/slide35.xml><?xml version="1.0" encoding="utf-8"?>
 <p:sld xmlns:a="http://schemas.openxmlformats.org/drawingml/2006/main" xmlns:r="http://schemas.openxmlformats.org/officeDocument/2006/relationships" xmlns:p="http://schemas.openxmlformats.org/presentationml/2006/main">
   <p:cSld>
     <p:spTree>
@@ -21239,7 +20124,7 @@
 </p:sld>
 </file>
 
-<file path=ppt/slides/slide37.xml><?xml version="1.0" encoding="utf-8"?>
+<file path=ppt/slides/slide36.xml><?xml version="1.0" encoding="utf-8"?>
 <p:sld xmlns:a="http://schemas.openxmlformats.org/drawingml/2006/main" xmlns:r="http://schemas.openxmlformats.org/officeDocument/2006/relationships" xmlns:p="http://schemas.openxmlformats.org/presentationml/2006/main">
   <p:cSld>
     <p:spTree>
@@ -21729,7 +20614,7 @@
 </p:sld>
 </file>
 
-<file path=ppt/slides/slide38.xml><?xml version="1.0" encoding="utf-8"?>
+<file path=ppt/slides/slide37.xml><?xml version="1.0" encoding="utf-8"?>
 <p:sld xmlns:a="http://schemas.openxmlformats.org/drawingml/2006/main" xmlns:r="http://schemas.openxmlformats.org/officeDocument/2006/relationships" xmlns:p="http://schemas.openxmlformats.org/presentationml/2006/main">
   <p:cSld>
     <p:spTree>
@@ -22336,7 +21221,7 @@
 </p:sld>
 </file>
 
-<file path=ppt/slides/slide39.xml><?xml version="1.0" encoding="utf-8"?>
+<file path=ppt/slides/slide38.xml><?xml version="1.0" encoding="utf-8"?>
 <p:sld xmlns:a="http://schemas.openxmlformats.org/drawingml/2006/main" xmlns:r="http://schemas.openxmlformats.org/officeDocument/2006/relationships" xmlns:p="http://schemas.openxmlformats.org/presentationml/2006/main">
   <p:cSld>
     <p:spTree>
@@ -22745,262 +21630,7 @@
 </p:sld>
 </file>
 
-<file path=ppt/slides/slide4.xml><?xml version="1.0" encoding="utf-8"?>
-<p:sld xmlns:a="http://schemas.openxmlformats.org/drawingml/2006/main" xmlns:r="http://schemas.openxmlformats.org/officeDocument/2006/relationships" xmlns:p="http://schemas.openxmlformats.org/presentationml/2006/main">
-  <p:cSld>
-    <p:spTree>
-      <p:nvGrpSpPr>
-        <p:cNvPr id="1" name=""/>
-        <p:cNvGrpSpPr/>
-        <p:nvPr/>
-      </p:nvGrpSpPr>
-      <p:grpSpPr>
-        <a:xfrm>
-          <a:off x="0" y="0"/>
-          <a:ext cx="0" cy="0"/>
-          <a:chOff x="0" y="0"/>
-          <a:chExt cx="0" cy="0"/>
-        </a:xfrm>
-      </p:grpSpPr>
-      <p:sp>
-        <p:nvSpPr>
-          <p:cNvPr id="5" name="TextBox 4">
-            <a:extLst>
-              <a:ext uri="{FF2B5EF4-FFF2-40B4-BE49-F238E27FC236}">
-                <a16:creationId xmlns:a16="http://schemas.microsoft.com/office/drawing/2014/main" id="{386247AF-0D03-B64F-AD03-55F924A42D56}"/>
-              </a:ext>
-            </a:extLst>
-          </p:cNvPr>
-          <p:cNvSpPr txBox="1"/>
-          <p:nvPr/>
-        </p:nvSpPr>
-        <p:spPr>
-          <a:xfrm>
-            <a:off x="838200" y="1690688"/>
-            <a:ext cx="9211236" cy="2031325"/>
-          </a:xfrm>
-          <a:prstGeom prst="rect">
-            <a:avLst/>
-          </a:prstGeom>
-          <a:noFill/>
-        </p:spPr>
-        <p:txBody>
-          <a:bodyPr wrap="square" rtlCol="0">
-            <a:spAutoFit/>
-          </a:bodyPr>
-          <a:lstStyle/>
-          <a:p>
-            <a:r>
-              <a:rPr kumimoji="1" lang="ko-KR" altLang="en-US" b="1" dirty="0" err="1"/>
-              <a:t>제어문</a:t>
-            </a:r>
-            <a:r>
-              <a:rPr kumimoji="1" lang="ko-KR" altLang="en-US" dirty="0"/>
-              <a:t> </a:t>
-            </a:r>
-            <a:r>
-              <a:rPr kumimoji="1" lang="en-US" altLang="ko-KR" dirty="0"/>
-              <a:t>: </a:t>
-            </a:r>
-            <a:r>
-              <a:rPr kumimoji="1" lang="ko-KR" altLang="en-US" dirty="0"/>
-              <a:t>소스 실행 순서를 결정하는 명령문</a:t>
-            </a:r>
-            <a:endParaRPr kumimoji="1" lang="en-US" altLang="ko-KR" dirty="0"/>
-          </a:p>
-          <a:p>
-            <a:endParaRPr kumimoji="1" lang="en-US" altLang="ko-KR" dirty="0"/>
-          </a:p>
-          <a:p>
-            <a:r>
-              <a:rPr kumimoji="1" lang="ko-KR" altLang="en-US" dirty="0"/>
-              <a:t>조건에 따라 순서 조절하기 </a:t>
-            </a:r>
-            <a:r>
-              <a:rPr kumimoji="1" lang="en-US" altLang="ko-KR" dirty="0"/>
-              <a:t>: if</a:t>
-            </a:r>
-            <a:r>
-              <a:rPr kumimoji="1" lang="ko-KR" altLang="en-US" dirty="0"/>
-              <a:t>문</a:t>
-            </a:r>
-            <a:r>
-              <a:rPr kumimoji="1" lang="en-US" altLang="ko-KR" dirty="0"/>
-              <a:t>, if…else</a:t>
-            </a:r>
-            <a:r>
-              <a:rPr kumimoji="1" lang="ko-KR" altLang="en-US" dirty="0"/>
-              <a:t>문</a:t>
-            </a:r>
-            <a:r>
-              <a:rPr kumimoji="1" lang="en-US" altLang="ko-KR"/>
-              <a:t>, switch</a:t>
-            </a:r>
-            <a:r>
-              <a:rPr kumimoji="1" lang="ko-KR" altLang="en-US"/>
-              <a:t>문</a:t>
-            </a:r>
-            <a:r>
-              <a:rPr kumimoji="1" lang="en-US" altLang="ko-KR" dirty="0"/>
-              <a:t>, </a:t>
-            </a:r>
-            <a:r>
-              <a:rPr kumimoji="1" lang="ko-KR" altLang="en-US" dirty="0"/>
-              <a:t>조건 연산자</a:t>
-            </a:r>
-            <a:endParaRPr kumimoji="1" lang="en-US" altLang="ko-KR" dirty="0"/>
-          </a:p>
-          <a:p>
-            <a:endParaRPr kumimoji="1" lang="en-US" altLang="ko-KR" dirty="0"/>
-          </a:p>
-          <a:p>
-            <a:r>
-              <a:rPr kumimoji="1" lang="ko-KR" altLang="en-US" dirty="0"/>
-              <a:t>반복 횟수 조절하기 </a:t>
-            </a:r>
-            <a:r>
-              <a:rPr kumimoji="1" lang="en-US" altLang="ko-KR" dirty="0"/>
-              <a:t>: for</a:t>
-            </a:r>
-            <a:r>
-              <a:rPr kumimoji="1" lang="ko-KR" altLang="en-US" dirty="0"/>
-              <a:t>문</a:t>
-            </a:r>
-            <a:r>
-              <a:rPr kumimoji="1" lang="en-US" altLang="ko-KR" dirty="0"/>
-              <a:t>, while</a:t>
-            </a:r>
-            <a:r>
-              <a:rPr kumimoji="1" lang="ko-KR" altLang="en-US" dirty="0"/>
-              <a:t>문</a:t>
-            </a:r>
-            <a:r>
-              <a:rPr kumimoji="1" lang="en-US" altLang="ko-KR" dirty="0"/>
-              <a:t>, do…while</a:t>
-            </a:r>
-            <a:r>
-              <a:rPr kumimoji="1" lang="ko-KR" altLang="en-US" dirty="0"/>
-              <a:t>문</a:t>
-            </a:r>
-            <a:endParaRPr kumimoji="1" lang="en-US" altLang="ko-KR" dirty="0"/>
-          </a:p>
-          <a:p>
-            <a:endParaRPr kumimoji="1" lang="en-US" altLang="ko-KR" dirty="0"/>
-          </a:p>
-          <a:p>
-            <a:r>
-              <a:rPr kumimoji="1" lang="ko-KR" altLang="en-US" dirty="0"/>
-              <a:t>소스 흐름에 영향을 주는 문 </a:t>
-            </a:r>
-            <a:r>
-              <a:rPr kumimoji="1" lang="en-US" altLang="ko-KR" dirty="0"/>
-              <a:t>: continue</a:t>
-            </a:r>
-            <a:r>
-              <a:rPr kumimoji="1" lang="ko-KR" altLang="en-US" dirty="0"/>
-              <a:t>문</a:t>
-            </a:r>
-            <a:r>
-              <a:rPr kumimoji="1" lang="en-US" altLang="ko-KR" dirty="0"/>
-              <a:t>, break</a:t>
-            </a:r>
-            <a:r>
-              <a:rPr kumimoji="1" lang="ko-KR" altLang="en-US" dirty="0"/>
-              <a:t>문</a:t>
-            </a:r>
-          </a:p>
-        </p:txBody>
-      </p:sp>
-      <p:sp>
-        <p:nvSpPr>
-          <p:cNvPr id="3" name="바닥글 개체 틀 2">
-            <a:extLst>
-              <a:ext uri="{FF2B5EF4-FFF2-40B4-BE49-F238E27FC236}">
-                <a16:creationId xmlns:a16="http://schemas.microsoft.com/office/drawing/2014/main" id="{E01C8D68-5068-4763-8FF8-3FA6ABA60F75}"/>
-              </a:ext>
-            </a:extLst>
-          </p:cNvPr>
-          <p:cNvSpPr>
-            <a:spLocks noGrp="1"/>
-          </p:cNvSpPr>
-          <p:nvPr>
-            <p:ph type="ftr" sz="quarter" idx="11"/>
-          </p:nvPr>
-        </p:nvSpPr>
-        <p:spPr/>
-        <p:txBody>
-          <a:bodyPr/>
-          <a:lstStyle/>
-          <a:p>
-            <a:r>
-              <a:rPr lang="en-US" altLang="ko-KR"/>
-              <a:t>Do it! </a:t>
-            </a:r>
-            <a:r>
-              <a:rPr lang="ko-KR" altLang="en-US"/>
-              <a:t>자바스크립트 입문</a:t>
-            </a:r>
-          </a:p>
-        </p:txBody>
-      </p:sp>
-      <p:sp>
-        <p:nvSpPr>
-          <p:cNvPr id="4" name="TextBox 3">
-            <a:extLst>
-              <a:ext uri="{FF2B5EF4-FFF2-40B4-BE49-F238E27FC236}">
-                <a16:creationId xmlns:a16="http://schemas.microsoft.com/office/drawing/2014/main" id="{90B82142-551C-8B76-47DB-E9D71F017BBF}"/>
-              </a:ext>
-            </a:extLst>
-          </p:cNvPr>
-          <p:cNvSpPr txBox="1"/>
-          <p:nvPr/>
-        </p:nvSpPr>
-        <p:spPr>
-          <a:xfrm>
-            <a:off x="306648" y="319086"/>
-            <a:ext cx="3514238" cy="707886"/>
-          </a:xfrm>
-          <a:prstGeom prst="rect">
-            <a:avLst/>
-          </a:prstGeom>
-          <a:noFill/>
-        </p:spPr>
-        <p:txBody>
-          <a:bodyPr wrap="square">
-            <a:spAutoFit/>
-          </a:bodyPr>
-          <a:lstStyle/>
-          <a:p>
-            <a:r>
-              <a:rPr lang="ko-KR" altLang="en-US" sz="4000" dirty="0" err="1">
-                <a:latin typeface="KoPubWorld돋움체 Bold" panose="00000800000000000000" pitchFamily="2" charset="-127"/>
-                <a:ea typeface="KoPubWorld돋움체 Bold" panose="00000800000000000000" pitchFamily="2" charset="-127"/>
-                <a:cs typeface="KoPubWorld돋움체 Bold" panose="00000800000000000000" pitchFamily="2" charset="-127"/>
-              </a:rPr>
-              <a:t>제어문</a:t>
-            </a:r>
-            <a:endParaRPr lang="ko-KR" altLang="en-US" sz="4000" dirty="0">
-              <a:latin typeface="KoPubWorld돋움체 Bold" panose="00000800000000000000" pitchFamily="2" charset="-127"/>
-              <a:ea typeface="KoPubWorld돋움체 Bold" panose="00000800000000000000" pitchFamily="2" charset="-127"/>
-              <a:cs typeface="KoPubWorld돋움체 Bold" panose="00000800000000000000" pitchFamily="2" charset="-127"/>
-            </a:endParaRPr>
-          </a:p>
-        </p:txBody>
-      </p:sp>
-    </p:spTree>
-    <p:extLst>
-      <p:ext uri="{BB962C8B-B14F-4D97-AF65-F5344CB8AC3E}">
-        <p14:creationId xmlns:p14="http://schemas.microsoft.com/office/powerpoint/2010/main" val="854207127"/>
-      </p:ext>
-    </p:extLst>
-  </p:cSld>
-  <p:clrMapOvr>
-    <a:masterClrMapping/>
-  </p:clrMapOvr>
-</p:sld>
-</file>
-
-<file path=ppt/slides/slide40.xml><?xml version="1.0" encoding="utf-8"?>
+<file path=ppt/slides/slide39.xml><?xml version="1.0" encoding="utf-8"?>
 <p:sld xmlns:a="http://schemas.openxmlformats.org/drawingml/2006/main" xmlns:r="http://schemas.openxmlformats.org/officeDocument/2006/relationships" xmlns:p="http://schemas.openxmlformats.org/presentationml/2006/main">
   <p:cSld>
     <p:spTree>
@@ -24128,7 +22758,262 @@
 </p:sld>
 </file>
 
-<file path=ppt/slides/slide41.xml><?xml version="1.0" encoding="utf-8"?>
+<file path=ppt/slides/slide4.xml><?xml version="1.0" encoding="utf-8"?>
+<p:sld xmlns:a="http://schemas.openxmlformats.org/drawingml/2006/main" xmlns:r="http://schemas.openxmlformats.org/officeDocument/2006/relationships" xmlns:p="http://schemas.openxmlformats.org/presentationml/2006/main">
+  <p:cSld>
+    <p:spTree>
+      <p:nvGrpSpPr>
+        <p:cNvPr id="1" name=""/>
+        <p:cNvGrpSpPr/>
+        <p:nvPr/>
+      </p:nvGrpSpPr>
+      <p:grpSpPr>
+        <a:xfrm>
+          <a:off x="0" y="0"/>
+          <a:ext cx="0" cy="0"/>
+          <a:chOff x="0" y="0"/>
+          <a:chExt cx="0" cy="0"/>
+        </a:xfrm>
+      </p:grpSpPr>
+      <p:sp>
+        <p:nvSpPr>
+          <p:cNvPr id="5" name="TextBox 4">
+            <a:extLst>
+              <a:ext uri="{FF2B5EF4-FFF2-40B4-BE49-F238E27FC236}">
+                <a16:creationId xmlns:a16="http://schemas.microsoft.com/office/drawing/2014/main" id="{386247AF-0D03-B64F-AD03-55F924A42D56}"/>
+              </a:ext>
+            </a:extLst>
+          </p:cNvPr>
+          <p:cNvSpPr txBox="1"/>
+          <p:nvPr/>
+        </p:nvSpPr>
+        <p:spPr>
+          <a:xfrm>
+            <a:off x="838200" y="1690688"/>
+            <a:ext cx="9211236" cy="2031325"/>
+          </a:xfrm>
+          <a:prstGeom prst="rect">
+            <a:avLst/>
+          </a:prstGeom>
+          <a:noFill/>
+        </p:spPr>
+        <p:txBody>
+          <a:bodyPr wrap="square" rtlCol="0">
+            <a:spAutoFit/>
+          </a:bodyPr>
+          <a:lstStyle/>
+          <a:p>
+            <a:r>
+              <a:rPr kumimoji="1" lang="ko-KR" altLang="en-US" b="1" dirty="0" err="1"/>
+              <a:t>제어문</a:t>
+            </a:r>
+            <a:r>
+              <a:rPr kumimoji="1" lang="ko-KR" altLang="en-US" dirty="0"/>
+              <a:t> </a:t>
+            </a:r>
+            <a:r>
+              <a:rPr kumimoji="1" lang="en-US" altLang="ko-KR" dirty="0"/>
+              <a:t>: </a:t>
+            </a:r>
+            <a:r>
+              <a:rPr kumimoji="1" lang="ko-KR" altLang="en-US" dirty="0"/>
+              <a:t>소스 실행 순서를 결정하는 명령문</a:t>
+            </a:r>
+            <a:endParaRPr kumimoji="1" lang="en-US" altLang="ko-KR" dirty="0"/>
+          </a:p>
+          <a:p>
+            <a:endParaRPr kumimoji="1" lang="en-US" altLang="ko-KR" dirty="0"/>
+          </a:p>
+          <a:p>
+            <a:r>
+              <a:rPr kumimoji="1" lang="ko-KR" altLang="en-US" dirty="0"/>
+              <a:t>조건에 따라 순서 조절하기 </a:t>
+            </a:r>
+            <a:r>
+              <a:rPr kumimoji="1" lang="en-US" altLang="ko-KR" dirty="0"/>
+              <a:t>: if</a:t>
+            </a:r>
+            <a:r>
+              <a:rPr kumimoji="1" lang="ko-KR" altLang="en-US" dirty="0"/>
+              <a:t>문</a:t>
+            </a:r>
+            <a:r>
+              <a:rPr kumimoji="1" lang="en-US" altLang="ko-KR" dirty="0"/>
+              <a:t>, if…else</a:t>
+            </a:r>
+            <a:r>
+              <a:rPr kumimoji="1" lang="ko-KR" altLang="en-US" dirty="0"/>
+              <a:t>문</a:t>
+            </a:r>
+            <a:r>
+              <a:rPr kumimoji="1" lang="en-US" altLang="ko-KR"/>
+              <a:t>, switch</a:t>
+            </a:r>
+            <a:r>
+              <a:rPr kumimoji="1" lang="ko-KR" altLang="en-US"/>
+              <a:t>문</a:t>
+            </a:r>
+            <a:r>
+              <a:rPr kumimoji="1" lang="en-US" altLang="ko-KR" dirty="0"/>
+              <a:t>, </a:t>
+            </a:r>
+            <a:r>
+              <a:rPr kumimoji="1" lang="ko-KR" altLang="en-US" dirty="0"/>
+              <a:t>조건 연산자</a:t>
+            </a:r>
+            <a:endParaRPr kumimoji="1" lang="en-US" altLang="ko-KR" dirty="0"/>
+          </a:p>
+          <a:p>
+            <a:endParaRPr kumimoji="1" lang="en-US" altLang="ko-KR" dirty="0"/>
+          </a:p>
+          <a:p>
+            <a:r>
+              <a:rPr kumimoji="1" lang="ko-KR" altLang="en-US" dirty="0"/>
+              <a:t>반복 횟수 조절하기 </a:t>
+            </a:r>
+            <a:r>
+              <a:rPr kumimoji="1" lang="en-US" altLang="ko-KR" dirty="0"/>
+              <a:t>: for</a:t>
+            </a:r>
+            <a:r>
+              <a:rPr kumimoji="1" lang="ko-KR" altLang="en-US" dirty="0"/>
+              <a:t>문</a:t>
+            </a:r>
+            <a:r>
+              <a:rPr kumimoji="1" lang="en-US" altLang="ko-KR" dirty="0"/>
+              <a:t>, while</a:t>
+            </a:r>
+            <a:r>
+              <a:rPr kumimoji="1" lang="ko-KR" altLang="en-US" dirty="0"/>
+              <a:t>문</a:t>
+            </a:r>
+            <a:r>
+              <a:rPr kumimoji="1" lang="en-US" altLang="ko-KR" dirty="0"/>
+              <a:t>, do…while</a:t>
+            </a:r>
+            <a:r>
+              <a:rPr kumimoji="1" lang="ko-KR" altLang="en-US" dirty="0"/>
+              <a:t>문</a:t>
+            </a:r>
+            <a:endParaRPr kumimoji="1" lang="en-US" altLang="ko-KR" dirty="0"/>
+          </a:p>
+          <a:p>
+            <a:endParaRPr kumimoji="1" lang="en-US" altLang="ko-KR" dirty="0"/>
+          </a:p>
+          <a:p>
+            <a:r>
+              <a:rPr kumimoji="1" lang="ko-KR" altLang="en-US" dirty="0"/>
+              <a:t>소스 흐름에 영향을 주는 문 </a:t>
+            </a:r>
+            <a:r>
+              <a:rPr kumimoji="1" lang="en-US" altLang="ko-KR" dirty="0"/>
+              <a:t>: continue</a:t>
+            </a:r>
+            <a:r>
+              <a:rPr kumimoji="1" lang="ko-KR" altLang="en-US" dirty="0"/>
+              <a:t>문</a:t>
+            </a:r>
+            <a:r>
+              <a:rPr kumimoji="1" lang="en-US" altLang="ko-KR" dirty="0"/>
+              <a:t>, break</a:t>
+            </a:r>
+            <a:r>
+              <a:rPr kumimoji="1" lang="ko-KR" altLang="en-US" dirty="0"/>
+              <a:t>문</a:t>
+            </a:r>
+          </a:p>
+        </p:txBody>
+      </p:sp>
+      <p:sp>
+        <p:nvSpPr>
+          <p:cNvPr id="3" name="바닥글 개체 틀 2">
+            <a:extLst>
+              <a:ext uri="{FF2B5EF4-FFF2-40B4-BE49-F238E27FC236}">
+                <a16:creationId xmlns:a16="http://schemas.microsoft.com/office/drawing/2014/main" id="{E01C8D68-5068-4763-8FF8-3FA6ABA60F75}"/>
+              </a:ext>
+            </a:extLst>
+          </p:cNvPr>
+          <p:cNvSpPr>
+            <a:spLocks noGrp="1"/>
+          </p:cNvSpPr>
+          <p:nvPr>
+            <p:ph type="ftr" sz="quarter" idx="11"/>
+          </p:nvPr>
+        </p:nvSpPr>
+        <p:spPr/>
+        <p:txBody>
+          <a:bodyPr/>
+          <a:lstStyle/>
+          <a:p>
+            <a:r>
+              <a:rPr lang="en-US" altLang="ko-KR"/>
+              <a:t>Do it! </a:t>
+            </a:r>
+            <a:r>
+              <a:rPr lang="ko-KR" altLang="en-US"/>
+              <a:t>자바스크립트 입문</a:t>
+            </a:r>
+          </a:p>
+        </p:txBody>
+      </p:sp>
+      <p:sp>
+        <p:nvSpPr>
+          <p:cNvPr id="4" name="TextBox 3">
+            <a:extLst>
+              <a:ext uri="{FF2B5EF4-FFF2-40B4-BE49-F238E27FC236}">
+                <a16:creationId xmlns:a16="http://schemas.microsoft.com/office/drawing/2014/main" id="{90B82142-551C-8B76-47DB-E9D71F017BBF}"/>
+              </a:ext>
+            </a:extLst>
+          </p:cNvPr>
+          <p:cNvSpPr txBox="1"/>
+          <p:nvPr/>
+        </p:nvSpPr>
+        <p:spPr>
+          <a:xfrm>
+            <a:off x="306648" y="319086"/>
+            <a:ext cx="3514238" cy="707886"/>
+          </a:xfrm>
+          <a:prstGeom prst="rect">
+            <a:avLst/>
+          </a:prstGeom>
+          <a:noFill/>
+        </p:spPr>
+        <p:txBody>
+          <a:bodyPr wrap="square">
+            <a:spAutoFit/>
+          </a:bodyPr>
+          <a:lstStyle/>
+          <a:p>
+            <a:r>
+              <a:rPr lang="ko-KR" altLang="en-US" sz="4000" dirty="0" err="1">
+                <a:latin typeface="KoPubWorld돋움체 Bold" panose="00000800000000000000" pitchFamily="2" charset="-127"/>
+                <a:ea typeface="KoPubWorld돋움체 Bold" panose="00000800000000000000" pitchFamily="2" charset="-127"/>
+                <a:cs typeface="KoPubWorld돋움체 Bold" panose="00000800000000000000" pitchFamily="2" charset="-127"/>
+              </a:rPr>
+              <a:t>제어문</a:t>
+            </a:r>
+            <a:endParaRPr lang="ko-KR" altLang="en-US" sz="4000" dirty="0">
+              <a:latin typeface="KoPubWorld돋움체 Bold" panose="00000800000000000000" pitchFamily="2" charset="-127"/>
+              <a:ea typeface="KoPubWorld돋움체 Bold" panose="00000800000000000000" pitchFamily="2" charset="-127"/>
+              <a:cs typeface="KoPubWorld돋움체 Bold" panose="00000800000000000000" pitchFamily="2" charset="-127"/>
+            </a:endParaRPr>
+          </a:p>
+        </p:txBody>
+      </p:sp>
+    </p:spTree>
+    <p:extLst>
+      <p:ext uri="{BB962C8B-B14F-4D97-AF65-F5344CB8AC3E}">
+        <p14:creationId xmlns:p14="http://schemas.microsoft.com/office/powerpoint/2010/main" val="854207127"/>
+      </p:ext>
+    </p:extLst>
+  </p:cSld>
+  <p:clrMapOvr>
+    <a:masterClrMapping/>
+  </p:clrMapOvr>
+</p:sld>
+</file>
+
+<file path=ppt/slides/slide40.xml><?xml version="1.0" encoding="utf-8"?>
 <p:sld xmlns:a="http://schemas.openxmlformats.org/drawingml/2006/main" xmlns:r="http://schemas.openxmlformats.org/officeDocument/2006/relationships" xmlns:p="http://schemas.openxmlformats.org/presentationml/2006/main">
   <p:cSld>
     <p:spTree>
@@ -25246,7 +24131,7 @@
 </p:sld>
 </file>
 
-<file path=ppt/slides/slide42.xml><?xml version="1.0" encoding="utf-8"?>
+<file path=ppt/slides/slide41.xml><?xml version="1.0" encoding="utf-8"?>
 <p:sld xmlns:a="http://schemas.openxmlformats.org/drawingml/2006/main" xmlns:r="http://schemas.openxmlformats.org/officeDocument/2006/relationships" xmlns:p="http://schemas.openxmlformats.org/presentationml/2006/main">
   <p:cSld>
     <p:spTree>
@@ -25279,7 +24164,7 @@
         </p:blipFill>
         <p:spPr>
           <a:xfrm>
-            <a:off x="2285054" y="1569539"/>
+            <a:off x="464962" y="1107985"/>
             <a:ext cx="7621892" cy="1718084"/>
           </a:xfrm>
           <a:prstGeom prst="rect">
@@ -25303,8 +24188,8 @@
         </p:blipFill>
         <p:spPr>
           <a:xfrm>
-            <a:off x="2367600" y="3335864"/>
-            <a:ext cx="5422724" cy="2905609"/>
+            <a:off x="547508" y="2874310"/>
+            <a:ext cx="6971538" cy="3735496"/>
           </a:xfrm>
           <a:prstGeom prst="rect">
             <a:avLst/>
@@ -25379,7 +24264,7 @@
 </p:sld>
 </file>
 
-<file path=ppt/slides/slide43.xml><?xml version="1.0" encoding="utf-8"?>
+<file path=ppt/slides/slide42.xml><?xml version="1.0" encoding="utf-8"?>
 <p:sld xmlns:a="http://schemas.openxmlformats.org/drawingml/2006/main" xmlns:r="http://schemas.openxmlformats.org/officeDocument/2006/relationships" xmlns:p="http://schemas.openxmlformats.org/presentationml/2006/main">
   <p:cSld>
     <p:spTree>
@@ -25788,7 +24673,7 @@
 </p:sld>
 </file>
 
-<file path=ppt/slides/slide44.xml><?xml version="1.0" encoding="utf-8"?>
+<file path=ppt/slides/slide43.xml><?xml version="1.0" encoding="utf-8"?>
 <p:sld xmlns:a="http://schemas.openxmlformats.org/drawingml/2006/main" xmlns:r="http://schemas.openxmlformats.org/officeDocument/2006/relationships" xmlns:p="http://schemas.openxmlformats.org/presentationml/2006/main">
   <p:cSld>
     <p:spTree>
@@ -26291,7 +25176,7 @@
 </p:sld>
 </file>
 
-<file path=ppt/slides/slide45.xml><?xml version="1.0" encoding="utf-8"?>
+<file path=ppt/slides/slide44.xml><?xml version="1.0" encoding="utf-8"?>
 <p:sld xmlns:a="http://schemas.openxmlformats.org/drawingml/2006/main" xmlns:r="http://schemas.openxmlformats.org/officeDocument/2006/relationships" xmlns:p="http://schemas.openxmlformats.org/presentationml/2006/main">
   <p:cSld>
     <p:spTree>
@@ -26859,7 +25744,7 @@
 </p:sld>
 </file>
 
-<file path=ppt/slides/slide46.xml><?xml version="1.0" encoding="utf-8"?>
+<file path=ppt/slides/slide45.xml><?xml version="1.0" encoding="utf-8"?>
 <p:sld xmlns:a="http://schemas.openxmlformats.org/drawingml/2006/main" xmlns:r="http://schemas.openxmlformats.org/officeDocument/2006/relationships" xmlns:p="http://schemas.openxmlformats.org/presentationml/2006/main">
   <p:cSld>
     <p:spTree>
@@ -27171,7 +26056,7 @@
 </p:sld>
 </file>
 
-<file path=ppt/slides/slide47.xml><?xml version="1.0" encoding="utf-8"?>
+<file path=ppt/slides/slide46.xml><?xml version="1.0" encoding="utf-8"?>
 <p:sld xmlns:a="http://schemas.openxmlformats.org/drawingml/2006/main" xmlns:r="http://schemas.openxmlformats.org/officeDocument/2006/relationships" xmlns:p="http://schemas.openxmlformats.org/presentationml/2006/main">
   <p:cSld>
     <p:spTree>
@@ -27720,7 +26605,7 @@
 </p:sld>
 </file>
 
-<file path=ppt/slides/slide48.xml><?xml version="1.0" encoding="utf-8"?>
+<file path=ppt/slides/slide47.xml><?xml version="1.0" encoding="utf-8"?>
 <p:sld xmlns:a="http://schemas.openxmlformats.org/drawingml/2006/main" xmlns:r="http://schemas.openxmlformats.org/officeDocument/2006/relationships" xmlns:p="http://schemas.openxmlformats.org/presentationml/2006/main">
   <p:cSld>
     <p:spTree>
@@ -28557,7 +27442,7 @@
 </p:sld>
 </file>
 
-<file path=ppt/slides/slide49.xml><?xml version="1.0" encoding="utf-8"?>
+<file path=ppt/slides/slide48.xml><?xml version="1.0" encoding="utf-8"?>
 <p:sld xmlns:a="http://schemas.openxmlformats.org/drawingml/2006/main" xmlns:r="http://schemas.openxmlformats.org/officeDocument/2006/relationships" xmlns:p="http://schemas.openxmlformats.org/presentationml/2006/main">
   <p:cSld>
     <p:spTree>
@@ -28696,369 +27581,7 @@
 </p:sld>
 </file>
 
-<file path=ppt/slides/slide5.xml><?xml version="1.0" encoding="utf-8"?>
-<p:sld xmlns:a="http://schemas.openxmlformats.org/drawingml/2006/main" xmlns:r="http://schemas.openxmlformats.org/officeDocument/2006/relationships" xmlns:p="http://schemas.openxmlformats.org/presentationml/2006/main">
-  <p:cSld>
-    <p:spTree>
-      <p:nvGrpSpPr>
-        <p:cNvPr id="1" name=""/>
-        <p:cNvGrpSpPr/>
-        <p:nvPr/>
-      </p:nvGrpSpPr>
-      <p:grpSpPr>
-        <a:xfrm>
-          <a:off x="0" y="0"/>
-          <a:ext cx="0" cy="0"/>
-          <a:chOff x="0" y="0"/>
-          <a:chExt cx="0" cy="0"/>
-        </a:xfrm>
-      </p:grpSpPr>
-      <p:sp>
-        <p:nvSpPr>
-          <p:cNvPr id="5" name="TextBox 4">
-            <a:extLst>
-              <a:ext uri="{FF2B5EF4-FFF2-40B4-BE49-F238E27FC236}">
-                <a16:creationId xmlns:a16="http://schemas.microsoft.com/office/drawing/2014/main" id="{386247AF-0D03-B64F-AD03-55F924A42D56}"/>
-              </a:ext>
-            </a:extLst>
-          </p:cNvPr>
-          <p:cNvSpPr txBox="1"/>
-          <p:nvPr/>
-        </p:nvSpPr>
-        <p:spPr>
-          <a:xfrm>
-            <a:off x="1428361" y="1666180"/>
-            <a:ext cx="9211236" cy="954107"/>
-          </a:xfrm>
-          <a:prstGeom prst="rect">
-            <a:avLst/>
-          </a:prstGeom>
-          <a:noFill/>
-        </p:spPr>
-        <p:txBody>
-          <a:bodyPr wrap="square" rtlCol="0">
-            <a:spAutoFit/>
-          </a:bodyPr>
-          <a:lstStyle/>
-          <a:p>
-            <a:r>
-              <a:rPr kumimoji="1" lang="en-US" altLang="ko-KR" sz="2000" b="1"/>
-              <a:t>if </a:t>
-            </a:r>
-            <a:r>
-              <a:rPr kumimoji="1" lang="ko-KR" altLang="en-US" sz="2000" b="1"/>
-              <a:t>문</a:t>
-            </a:r>
-            <a:endParaRPr kumimoji="1" lang="en-US" altLang="ko-KR" sz="2000" b="1"/>
-          </a:p>
-          <a:p>
-            <a:endParaRPr kumimoji="1" lang="en-US" altLang="ko-KR"/>
-          </a:p>
-          <a:p>
-            <a:r>
-              <a:rPr kumimoji="1" lang="ko-KR" altLang="en-US"/>
-              <a:t>괄호 안의 조건이 </a:t>
-            </a:r>
-            <a:r>
-              <a:rPr kumimoji="1" lang="en-US" altLang="ko-KR"/>
-              <a:t>true</a:t>
-            </a:r>
-            <a:r>
-              <a:rPr kumimoji="1" lang="ko-KR" altLang="en-US"/>
-              <a:t>이면 </a:t>
-            </a:r>
-            <a:r>
-              <a:rPr kumimoji="1" lang="en-US" altLang="ko-KR"/>
-              <a:t>{</a:t>
-            </a:r>
-            <a:r>
-              <a:rPr kumimoji="1" lang="ko-KR" altLang="en-US"/>
-              <a:t> </a:t>
-            </a:r>
-            <a:r>
-              <a:rPr kumimoji="1" lang="en-US" altLang="ko-KR"/>
-              <a:t>}</a:t>
-            </a:r>
-            <a:r>
-              <a:rPr kumimoji="1" lang="ko-KR" altLang="en-US"/>
-              <a:t> 사이의 명령을 처리하고</a:t>
-            </a:r>
-            <a:r>
-              <a:rPr kumimoji="1" lang="en-US" altLang="ko-KR"/>
-              <a:t>,</a:t>
-            </a:r>
-            <a:r>
-              <a:rPr kumimoji="1" lang="ko-KR" altLang="en-US"/>
-              <a:t> </a:t>
-            </a:r>
-            <a:r>
-              <a:rPr kumimoji="1" lang="en-US" altLang="ko-KR"/>
-              <a:t>false</a:t>
-            </a:r>
-            <a:r>
-              <a:rPr kumimoji="1" lang="ko-KR" altLang="en-US"/>
-              <a:t> 이면 </a:t>
-            </a:r>
-            <a:r>
-              <a:rPr kumimoji="1" lang="en-US" altLang="ko-KR"/>
-              <a:t>{</a:t>
-            </a:r>
-            <a:r>
-              <a:rPr kumimoji="1" lang="ko-KR" altLang="en-US"/>
-              <a:t> </a:t>
-            </a:r>
-            <a:r>
-              <a:rPr kumimoji="1" lang="en-US" altLang="ko-KR"/>
-              <a:t>}</a:t>
-            </a:r>
-            <a:r>
-              <a:rPr kumimoji="1" lang="ko-KR" altLang="en-US"/>
-              <a:t> 안의 명령 무시</a:t>
-            </a:r>
-          </a:p>
-        </p:txBody>
-      </p:sp>
-      <p:sp>
-        <p:nvSpPr>
-          <p:cNvPr id="6" name="TextBox 5">
-            <a:extLst>
-              <a:ext uri="{FF2B5EF4-FFF2-40B4-BE49-F238E27FC236}">
-                <a16:creationId xmlns:a16="http://schemas.microsoft.com/office/drawing/2014/main" id="{3B931A61-DFF9-CE40-A3AD-D8165E6063DE}"/>
-              </a:ext>
-            </a:extLst>
-          </p:cNvPr>
-          <p:cNvSpPr txBox="1"/>
-          <p:nvPr/>
-        </p:nvSpPr>
-        <p:spPr>
-          <a:xfrm>
-            <a:off x="1428361" y="3165796"/>
-            <a:ext cx="9211236" cy="1747145"/>
-          </a:xfrm>
-          <a:prstGeom prst="rect">
-            <a:avLst/>
-          </a:prstGeom>
-          <a:noFill/>
-        </p:spPr>
-        <p:txBody>
-          <a:bodyPr wrap="square" rtlCol="0">
-            <a:spAutoFit/>
-          </a:bodyPr>
-          <a:lstStyle/>
-          <a:p>
-            <a:pPr>
-              <a:lnSpc>
-                <a:spcPct val="150000"/>
-              </a:lnSpc>
-            </a:pPr>
-            <a:r>
-              <a:rPr kumimoji="1" lang="en-US" altLang="ko-KR" sz="2000" b="1"/>
-              <a:t>if …</a:t>
-            </a:r>
-            <a:r>
-              <a:rPr kumimoji="1" lang="ko-KR" altLang="en-US" sz="2000" b="1"/>
-              <a:t> </a:t>
-            </a:r>
-            <a:r>
-              <a:rPr kumimoji="1" lang="en-US" altLang="ko-KR" sz="2000" b="1"/>
-              <a:t>else </a:t>
-            </a:r>
-            <a:r>
-              <a:rPr kumimoji="1" lang="ko-KR" altLang="en-US" sz="2000" b="1"/>
-              <a:t>문</a:t>
-            </a:r>
-            <a:endParaRPr kumimoji="1" lang="en-US" altLang="ko-KR" sz="2000" b="1"/>
-          </a:p>
-          <a:p>
-            <a:pPr>
-              <a:lnSpc>
-                <a:spcPct val="150000"/>
-              </a:lnSpc>
-            </a:pPr>
-            <a:endParaRPr kumimoji="1" lang="en-US" altLang="ko-KR"/>
-          </a:p>
-          <a:p>
-            <a:pPr>
-              <a:lnSpc>
-                <a:spcPct val="150000"/>
-              </a:lnSpc>
-            </a:pPr>
-            <a:r>
-              <a:rPr kumimoji="1" lang="en-US" altLang="ko-KR"/>
-              <a:t>if( )</a:t>
-            </a:r>
-            <a:r>
-              <a:rPr kumimoji="1" lang="ko-KR" altLang="en-US"/>
-              <a:t> 문의 괄호 안의 조건이 </a:t>
-            </a:r>
-            <a:r>
-              <a:rPr kumimoji="1" lang="en-US" altLang="ko-KR"/>
-              <a:t>true</a:t>
-            </a:r>
-            <a:r>
-              <a:rPr kumimoji="1" lang="ko-KR" altLang="en-US"/>
-              <a:t>이면 </a:t>
-            </a:r>
-            <a:r>
-              <a:rPr kumimoji="1" lang="en-US" altLang="ko-KR"/>
-              <a:t>if </a:t>
-            </a:r>
-            <a:r>
-              <a:rPr kumimoji="1" lang="ko-KR" altLang="en-US"/>
-              <a:t>다음에 있는  </a:t>
-            </a:r>
-            <a:r>
-              <a:rPr kumimoji="1" lang="en-US" altLang="ko-KR"/>
-              <a:t>{</a:t>
-            </a:r>
-            <a:r>
-              <a:rPr kumimoji="1" lang="ko-KR" altLang="en-US"/>
-              <a:t> </a:t>
-            </a:r>
-            <a:r>
-              <a:rPr kumimoji="1" lang="en-US" altLang="ko-KR"/>
-              <a:t>}</a:t>
-            </a:r>
-            <a:r>
-              <a:rPr kumimoji="1" lang="ko-KR" altLang="en-US"/>
-              <a:t>의  명령을 처리하고</a:t>
-            </a:r>
-            <a:r>
-              <a:rPr kumimoji="1" lang="en-US" altLang="ko-KR"/>
-              <a:t>,</a:t>
-            </a:r>
-            <a:r>
-              <a:rPr kumimoji="1" lang="ko-KR" altLang="en-US"/>
-              <a:t> </a:t>
-            </a:r>
-            <a:endParaRPr kumimoji="1" lang="en-US" altLang="ko-KR"/>
-          </a:p>
-          <a:p>
-            <a:pPr>
-              <a:lnSpc>
-                <a:spcPct val="150000"/>
-              </a:lnSpc>
-            </a:pPr>
-            <a:r>
-              <a:rPr kumimoji="1" lang="en-US" altLang="ko-KR"/>
-              <a:t>false</a:t>
-            </a:r>
-            <a:r>
-              <a:rPr kumimoji="1" lang="ko-KR" altLang="en-US"/>
-              <a:t> 이면 </a:t>
-            </a:r>
-            <a:r>
-              <a:rPr kumimoji="1" lang="en-US" altLang="ko-KR"/>
-              <a:t>else</a:t>
-            </a:r>
-            <a:r>
-              <a:rPr kumimoji="1" lang="ko-KR" altLang="en-US"/>
-              <a:t> 다음에 있는 </a:t>
-            </a:r>
-            <a:r>
-              <a:rPr kumimoji="1" lang="en-US" altLang="ko-KR"/>
-              <a:t>{</a:t>
-            </a:r>
-            <a:r>
-              <a:rPr kumimoji="1" lang="ko-KR" altLang="en-US"/>
-              <a:t> </a:t>
-            </a:r>
-            <a:r>
-              <a:rPr kumimoji="1" lang="en-US" altLang="ko-KR"/>
-              <a:t>}</a:t>
-            </a:r>
-            <a:r>
-              <a:rPr kumimoji="1" lang="ko-KR" altLang="en-US"/>
-              <a:t> 안의 명령 실행</a:t>
-            </a:r>
-          </a:p>
-        </p:txBody>
-      </p:sp>
-      <p:sp>
-        <p:nvSpPr>
-          <p:cNvPr id="3" name="바닥글 개체 틀 2">
-            <a:extLst>
-              <a:ext uri="{FF2B5EF4-FFF2-40B4-BE49-F238E27FC236}">
-                <a16:creationId xmlns:a16="http://schemas.microsoft.com/office/drawing/2014/main" id="{945C2922-D4B6-4C97-B056-A46FF3201894}"/>
-              </a:ext>
-            </a:extLst>
-          </p:cNvPr>
-          <p:cNvSpPr>
-            <a:spLocks noGrp="1"/>
-          </p:cNvSpPr>
-          <p:nvPr>
-            <p:ph type="ftr" sz="quarter" idx="11"/>
-          </p:nvPr>
-        </p:nvSpPr>
-        <p:spPr/>
-        <p:txBody>
-          <a:bodyPr/>
-          <a:lstStyle/>
-          <a:p>
-            <a:r>
-              <a:rPr lang="en-US" altLang="ko-KR"/>
-              <a:t>Do it! </a:t>
-            </a:r>
-            <a:r>
-              <a:rPr lang="ko-KR" altLang="en-US"/>
-              <a:t>자바스크립트 입문</a:t>
-            </a:r>
-          </a:p>
-        </p:txBody>
-      </p:sp>
-      <p:sp>
-        <p:nvSpPr>
-          <p:cNvPr id="4" name="TextBox 3">
-            <a:extLst>
-              <a:ext uri="{FF2B5EF4-FFF2-40B4-BE49-F238E27FC236}">
-                <a16:creationId xmlns:a16="http://schemas.microsoft.com/office/drawing/2014/main" id="{62F1B142-F7F6-020D-5764-245B9A5B4B38}"/>
-              </a:ext>
-            </a:extLst>
-          </p:cNvPr>
-          <p:cNvSpPr txBox="1"/>
-          <p:nvPr/>
-        </p:nvSpPr>
-        <p:spPr>
-          <a:xfrm>
-            <a:off x="306647" y="319086"/>
-            <a:ext cx="7612709" cy="707886"/>
-          </a:xfrm>
-          <a:prstGeom prst="rect">
-            <a:avLst/>
-          </a:prstGeom>
-          <a:noFill/>
-        </p:spPr>
-        <p:txBody>
-          <a:bodyPr wrap="square">
-            <a:spAutoFit/>
-          </a:bodyPr>
-          <a:lstStyle/>
-          <a:p>
-            <a:r>
-              <a:rPr lang="ko-KR" altLang="en-US" sz="4000" dirty="0">
-                <a:latin typeface="KoPubWorld돋움체 Bold" panose="00000800000000000000" pitchFamily="2" charset="-127"/>
-                <a:ea typeface="KoPubWorld돋움체 Bold" panose="00000800000000000000" pitchFamily="2" charset="-127"/>
-                <a:cs typeface="KoPubWorld돋움체 Bold" panose="00000800000000000000" pitchFamily="2" charset="-127"/>
-              </a:rPr>
-              <a:t>조건에 따라 흐름 조절하기</a:t>
-            </a:r>
-          </a:p>
-        </p:txBody>
-      </p:sp>
-    </p:spTree>
-    <p:extLst>
-      <p:ext uri="{BB962C8B-B14F-4D97-AF65-F5344CB8AC3E}">
-        <p14:creationId xmlns:p14="http://schemas.microsoft.com/office/powerpoint/2010/main" val="2259945577"/>
-      </p:ext>
-    </p:extLst>
-  </p:cSld>
-  <p:clrMapOvr>
-    <a:masterClrMapping/>
-  </p:clrMapOvr>
-</p:sld>
-</file>
-
-<file path=ppt/slides/slide50.xml><?xml version="1.0" encoding="utf-8"?>
+<file path=ppt/slides/slide49.xml><?xml version="1.0" encoding="utf-8"?>
 <p:sld xmlns:a="http://schemas.openxmlformats.org/drawingml/2006/main" xmlns:r="http://schemas.openxmlformats.org/officeDocument/2006/relationships" xmlns:p="http://schemas.openxmlformats.org/presentationml/2006/main">
   <p:cSld>
     <p:spTree>
@@ -29307,7 +27830,369 @@
 </p:sld>
 </file>
 
-<file path=ppt/slides/slide51.xml><?xml version="1.0" encoding="utf-8"?>
+<file path=ppt/slides/slide5.xml><?xml version="1.0" encoding="utf-8"?>
+<p:sld xmlns:a="http://schemas.openxmlformats.org/drawingml/2006/main" xmlns:r="http://schemas.openxmlformats.org/officeDocument/2006/relationships" xmlns:p="http://schemas.openxmlformats.org/presentationml/2006/main">
+  <p:cSld>
+    <p:spTree>
+      <p:nvGrpSpPr>
+        <p:cNvPr id="1" name=""/>
+        <p:cNvGrpSpPr/>
+        <p:nvPr/>
+      </p:nvGrpSpPr>
+      <p:grpSpPr>
+        <a:xfrm>
+          <a:off x="0" y="0"/>
+          <a:ext cx="0" cy="0"/>
+          <a:chOff x="0" y="0"/>
+          <a:chExt cx="0" cy="0"/>
+        </a:xfrm>
+      </p:grpSpPr>
+      <p:sp>
+        <p:nvSpPr>
+          <p:cNvPr id="5" name="TextBox 4">
+            <a:extLst>
+              <a:ext uri="{FF2B5EF4-FFF2-40B4-BE49-F238E27FC236}">
+                <a16:creationId xmlns:a16="http://schemas.microsoft.com/office/drawing/2014/main" id="{386247AF-0D03-B64F-AD03-55F924A42D56}"/>
+              </a:ext>
+            </a:extLst>
+          </p:cNvPr>
+          <p:cNvSpPr txBox="1"/>
+          <p:nvPr/>
+        </p:nvSpPr>
+        <p:spPr>
+          <a:xfrm>
+            <a:off x="1428361" y="1666180"/>
+            <a:ext cx="9211236" cy="954107"/>
+          </a:xfrm>
+          <a:prstGeom prst="rect">
+            <a:avLst/>
+          </a:prstGeom>
+          <a:noFill/>
+        </p:spPr>
+        <p:txBody>
+          <a:bodyPr wrap="square" rtlCol="0">
+            <a:spAutoFit/>
+          </a:bodyPr>
+          <a:lstStyle/>
+          <a:p>
+            <a:r>
+              <a:rPr kumimoji="1" lang="en-US" altLang="ko-KR" sz="2000" b="1"/>
+              <a:t>if </a:t>
+            </a:r>
+            <a:r>
+              <a:rPr kumimoji="1" lang="ko-KR" altLang="en-US" sz="2000" b="1"/>
+              <a:t>문</a:t>
+            </a:r>
+            <a:endParaRPr kumimoji="1" lang="en-US" altLang="ko-KR" sz="2000" b="1"/>
+          </a:p>
+          <a:p>
+            <a:endParaRPr kumimoji="1" lang="en-US" altLang="ko-KR"/>
+          </a:p>
+          <a:p>
+            <a:r>
+              <a:rPr kumimoji="1" lang="ko-KR" altLang="en-US"/>
+              <a:t>괄호 안의 조건이 </a:t>
+            </a:r>
+            <a:r>
+              <a:rPr kumimoji="1" lang="en-US" altLang="ko-KR"/>
+              <a:t>true</a:t>
+            </a:r>
+            <a:r>
+              <a:rPr kumimoji="1" lang="ko-KR" altLang="en-US"/>
+              <a:t>이면 </a:t>
+            </a:r>
+            <a:r>
+              <a:rPr kumimoji="1" lang="en-US" altLang="ko-KR"/>
+              <a:t>{</a:t>
+            </a:r>
+            <a:r>
+              <a:rPr kumimoji="1" lang="ko-KR" altLang="en-US"/>
+              <a:t> </a:t>
+            </a:r>
+            <a:r>
+              <a:rPr kumimoji="1" lang="en-US" altLang="ko-KR"/>
+              <a:t>}</a:t>
+            </a:r>
+            <a:r>
+              <a:rPr kumimoji="1" lang="ko-KR" altLang="en-US"/>
+              <a:t> 사이의 명령을 처리하고</a:t>
+            </a:r>
+            <a:r>
+              <a:rPr kumimoji="1" lang="en-US" altLang="ko-KR"/>
+              <a:t>,</a:t>
+            </a:r>
+            <a:r>
+              <a:rPr kumimoji="1" lang="ko-KR" altLang="en-US"/>
+              <a:t> </a:t>
+            </a:r>
+            <a:r>
+              <a:rPr kumimoji="1" lang="en-US" altLang="ko-KR"/>
+              <a:t>false</a:t>
+            </a:r>
+            <a:r>
+              <a:rPr kumimoji="1" lang="ko-KR" altLang="en-US"/>
+              <a:t> 이면 </a:t>
+            </a:r>
+            <a:r>
+              <a:rPr kumimoji="1" lang="en-US" altLang="ko-KR"/>
+              <a:t>{</a:t>
+            </a:r>
+            <a:r>
+              <a:rPr kumimoji="1" lang="ko-KR" altLang="en-US"/>
+              <a:t> </a:t>
+            </a:r>
+            <a:r>
+              <a:rPr kumimoji="1" lang="en-US" altLang="ko-KR"/>
+              <a:t>}</a:t>
+            </a:r>
+            <a:r>
+              <a:rPr kumimoji="1" lang="ko-KR" altLang="en-US"/>
+              <a:t> 안의 명령 무시</a:t>
+            </a:r>
+          </a:p>
+        </p:txBody>
+      </p:sp>
+      <p:sp>
+        <p:nvSpPr>
+          <p:cNvPr id="6" name="TextBox 5">
+            <a:extLst>
+              <a:ext uri="{FF2B5EF4-FFF2-40B4-BE49-F238E27FC236}">
+                <a16:creationId xmlns:a16="http://schemas.microsoft.com/office/drawing/2014/main" id="{3B931A61-DFF9-CE40-A3AD-D8165E6063DE}"/>
+              </a:ext>
+            </a:extLst>
+          </p:cNvPr>
+          <p:cNvSpPr txBox="1"/>
+          <p:nvPr/>
+        </p:nvSpPr>
+        <p:spPr>
+          <a:xfrm>
+            <a:off x="1428361" y="3165796"/>
+            <a:ext cx="9211236" cy="1747145"/>
+          </a:xfrm>
+          <a:prstGeom prst="rect">
+            <a:avLst/>
+          </a:prstGeom>
+          <a:noFill/>
+        </p:spPr>
+        <p:txBody>
+          <a:bodyPr wrap="square" rtlCol="0">
+            <a:spAutoFit/>
+          </a:bodyPr>
+          <a:lstStyle/>
+          <a:p>
+            <a:pPr>
+              <a:lnSpc>
+                <a:spcPct val="150000"/>
+              </a:lnSpc>
+            </a:pPr>
+            <a:r>
+              <a:rPr kumimoji="1" lang="en-US" altLang="ko-KR" sz="2000" b="1"/>
+              <a:t>if …</a:t>
+            </a:r>
+            <a:r>
+              <a:rPr kumimoji="1" lang="ko-KR" altLang="en-US" sz="2000" b="1"/>
+              <a:t> </a:t>
+            </a:r>
+            <a:r>
+              <a:rPr kumimoji="1" lang="en-US" altLang="ko-KR" sz="2000" b="1"/>
+              <a:t>else </a:t>
+            </a:r>
+            <a:r>
+              <a:rPr kumimoji="1" lang="ko-KR" altLang="en-US" sz="2000" b="1"/>
+              <a:t>문</a:t>
+            </a:r>
+            <a:endParaRPr kumimoji="1" lang="en-US" altLang="ko-KR" sz="2000" b="1"/>
+          </a:p>
+          <a:p>
+            <a:pPr>
+              <a:lnSpc>
+                <a:spcPct val="150000"/>
+              </a:lnSpc>
+            </a:pPr>
+            <a:endParaRPr kumimoji="1" lang="en-US" altLang="ko-KR"/>
+          </a:p>
+          <a:p>
+            <a:pPr>
+              <a:lnSpc>
+                <a:spcPct val="150000"/>
+              </a:lnSpc>
+            </a:pPr>
+            <a:r>
+              <a:rPr kumimoji="1" lang="en-US" altLang="ko-KR"/>
+              <a:t>if( )</a:t>
+            </a:r>
+            <a:r>
+              <a:rPr kumimoji="1" lang="ko-KR" altLang="en-US"/>
+              <a:t> 문의 괄호 안의 조건이 </a:t>
+            </a:r>
+            <a:r>
+              <a:rPr kumimoji="1" lang="en-US" altLang="ko-KR"/>
+              <a:t>true</a:t>
+            </a:r>
+            <a:r>
+              <a:rPr kumimoji="1" lang="ko-KR" altLang="en-US"/>
+              <a:t>이면 </a:t>
+            </a:r>
+            <a:r>
+              <a:rPr kumimoji="1" lang="en-US" altLang="ko-KR"/>
+              <a:t>if </a:t>
+            </a:r>
+            <a:r>
+              <a:rPr kumimoji="1" lang="ko-KR" altLang="en-US"/>
+              <a:t>다음에 있는  </a:t>
+            </a:r>
+            <a:r>
+              <a:rPr kumimoji="1" lang="en-US" altLang="ko-KR"/>
+              <a:t>{</a:t>
+            </a:r>
+            <a:r>
+              <a:rPr kumimoji="1" lang="ko-KR" altLang="en-US"/>
+              <a:t> </a:t>
+            </a:r>
+            <a:r>
+              <a:rPr kumimoji="1" lang="en-US" altLang="ko-KR"/>
+              <a:t>}</a:t>
+            </a:r>
+            <a:r>
+              <a:rPr kumimoji="1" lang="ko-KR" altLang="en-US"/>
+              <a:t>의  명령을 처리하고</a:t>
+            </a:r>
+            <a:r>
+              <a:rPr kumimoji="1" lang="en-US" altLang="ko-KR"/>
+              <a:t>,</a:t>
+            </a:r>
+            <a:r>
+              <a:rPr kumimoji="1" lang="ko-KR" altLang="en-US"/>
+              <a:t> </a:t>
+            </a:r>
+            <a:endParaRPr kumimoji="1" lang="en-US" altLang="ko-KR"/>
+          </a:p>
+          <a:p>
+            <a:pPr>
+              <a:lnSpc>
+                <a:spcPct val="150000"/>
+              </a:lnSpc>
+            </a:pPr>
+            <a:r>
+              <a:rPr kumimoji="1" lang="en-US" altLang="ko-KR"/>
+              <a:t>false</a:t>
+            </a:r>
+            <a:r>
+              <a:rPr kumimoji="1" lang="ko-KR" altLang="en-US"/>
+              <a:t> 이면 </a:t>
+            </a:r>
+            <a:r>
+              <a:rPr kumimoji="1" lang="en-US" altLang="ko-KR"/>
+              <a:t>else</a:t>
+            </a:r>
+            <a:r>
+              <a:rPr kumimoji="1" lang="ko-KR" altLang="en-US"/>
+              <a:t> 다음에 있는 </a:t>
+            </a:r>
+            <a:r>
+              <a:rPr kumimoji="1" lang="en-US" altLang="ko-KR"/>
+              <a:t>{</a:t>
+            </a:r>
+            <a:r>
+              <a:rPr kumimoji="1" lang="ko-KR" altLang="en-US"/>
+              <a:t> </a:t>
+            </a:r>
+            <a:r>
+              <a:rPr kumimoji="1" lang="en-US" altLang="ko-KR"/>
+              <a:t>}</a:t>
+            </a:r>
+            <a:r>
+              <a:rPr kumimoji="1" lang="ko-KR" altLang="en-US"/>
+              <a:t> 안의 명령 실행</a:t>
+            </a:r>
+          </a:p>
+        </p:txBody>
+      </p:sp>
+      <p:sp>
+        <p:nvSpPr>
+          <p:cNvPr id="3" name="바닥글 개체 틀 2">
+            <a:extLst>
+              <a:ext uri="{FF2B5EF4-FFF2-40B4-BE49-F238E27FC236}">
+                <a16:creationId xmlns:a16="http://schemas.microsoft.com/office/drawing/2014/main" id="{945C2922-D4B6-4C97-B056-A46FF3201894}"/>
+              </a:ext>
+            </a:extLst>
+          </p:cNvPr>
+          <p:cNvSpPr>
+            <a:spLocks noGrp="1"/>
+          </p:cNvSpPr>
+          <p:nvPr>
+            <p:ph type="ftr" sz="quarter" idx="11"/>
+          </p:nvPr>
+        </p:nvSpPr>
+        <p:spPr/>
+        <p:txBody>
+          <a:bodyPr/>
+          <a:lstStyle/>
+          <a:p>
+            <a:r>
+              <a:rPr lang="en-US" altLang="ko-KR"/>
+              <a:t>Do it! </a:t>
+            </a:r>
+            <a:r>
+              <a:rPr lang="ko-KR" altLang="en-US"/>
+              <a:t>자바스크립트 입문</a:t>
+            </a:r>
+          </a:p>
+        </p:txBody>
+      </p:sp>
+      <p:sp>
+        <p:nvSpPr>
+          <p:cNvPr id="4" name="TextBox 3">
+            <a:extLst>
+              <a:ext uri="{FF2B5EF4-FFF2-40B4-BE49-F238E27FC236}">
+                <a16:creationId xmlns:a16="http://schemas.microsoft.com/office/drawing/2014/main" id="{62F1B142-F7F6-020D-5764-245B9A5B4B38}"/>
+              </a:ext>
+            </a:extLst>
+          </p:cNvPr>
+          <p:cNvSpPr txBox="1"/>
+          <p:nvPr/>
+        </p:nvSpPr>
+        <p:spPr>
+          <a:xfrm>
+            <a:off x="306647" y="319086"/>
+            <a:ext cx="7612709" cy="707886"/>
+          </a:xfrm>
+          <a:prstGeom prst="rect">
+            <a:avLst/>
+          </a:prstGeom>
+          <a:noFill/>
+        </p:spPr>
+        <p:txBody>
+          <a:bodyPr wrap="square">
+            <a:spAutoFit/>
+          </a:bodyPr>
+          <a:lstStyle/>
+          <a:p>
+            <a:r>
+              <a:rPr lang="ko-KR" altLang="en-US" sz="4000" dirty="0">
+                <a:latin typeface="KoPubWorld돋움체 Bold" panose="00000800000000000000" pitchFamily="2" charset="-127"/>
+                <a:ea typeface="KoPubWorld돋움체 Bold" panose="00000800000000000000" pitchFamily="2" charset="-127"/>
+                <a:cs typeface="KoPubWorld돋움체 Bold" panose="00000800000000000000" pitchFamily="2" charset="-127"/>
+              </a:rPr>
+              <a:t>조건에 따라 흐름 조절하기</a:t>
+            </a:r>
+          </a:p>
+        </p:txBody>
+      </p:sp>
+    </p:spTree>
+    <p:extLst>
+      <p:ext uri="{BB962C8B-B14F-4D97-AF65-F5344CB8AC3E}">
+        <p14:creationId xmlns:p14="http://schemas.microsoft.com/office/powerpoint/2010/main" val="2259945577"/>
+      </p:ext>
+    </p:extLst>
+  </p:cSld>
+  <p:clrMapOvr>
+    <a:masterClrMapping/>
+  </p:clrMapOvr>
+</p:sld>
+</file>
+
+<file path=ppt/slides/slide50.xml><?xml version="1.0" encoding="utf-8"?>
 <p:sld xmlns:a="http://schemas.openxmlformats.org/drawingml/2006/main" xmlns:r="http://schemas.openxmlformats.org/officeDocument/2006/relationships" xmlns:p="http://schemas.openxmlformats.org/presentationml/2006/main">
   <p:cSld>
     <p:spTree>
@@ -29353,28 +28238,12 @@
           <a:lstStyle/>
           <a:p>
             <a:r>
-              <a:rPr lang="en-US" altLang="ko-KR" sz="4000" dirty="0">
+              <a:rPr lang="ko-KR" altLang="en-US" sz="4000">
                 <a:latin typeface="KoPubWorld돋움체 Bold" panose="00000800000000000000" pitchFamily="2" charset="-127"/>
                 <a:ea typeface="KoPubWorld돋움체 Bold" panose="00000800000000000000" pitchFamily="2" charset="-127"/>
                 <a:cs typeface="KoPubWorld돋움체 Bold" panose="00000800000000000000" pitchFamily="2" charset="-127"/>
               </a:rPr>
-              <a:t>if </a:t>
-            </a:r>
-            <a:r>
-              <a:rPr lang="ko-KR" altLang="en-US" sz="4000" dirty="0">
-                <a:latin typeface="KoPubWorld돋움체 Bold" panose="00000800000000000000" pitchFamily="2" charset="-127"/>
-                <a:ea typeface="KoPubWorld돋움체 Bold" panose="00000800000000000000" pitchFamily="2" charset="-127"/>
-                <a:cs typeface="KoPubWorld돋움체 Bold" panose="00000800000000000000" pitchFamily="2" charset="-127"/>
-              </a:rPr>
-              <a:t>조건문</a:t>
-            </a:r>
-            <a:r>
-              <a:rPr lang="en-US" altLang="ko-KR" sz="4000" dirty="0">
-                <a:latin typeface="KoPubWorld돋움체 Bold" panose="00000800000000000000" pitchFamily="2" charset="-127"/>
-                <a:ea typeface="KoPubWorld돋움체 Bold" panose="00000800000000000000" pitchFamily="2" charset="-127"/>
-                <a:cs typeface="KoPubWorld돋움체 Bold" panose="00000800000000000000" pitchFamily="2" charset="-127"/>
-              </a:rPr>
-              <a:t>(1)</a:t>
+              <a:t>확인문제</a:t>
             </a:r>
             <a:endParaRPr lang="ko-KR" altLang="en-US" sz="4000" dirty="0">
               <a:latin typeface="KoPubWorld돋움체 Bold" panose="00000800000000000000" pitchFamily="2" charset="-127"/>
@@ -30474,7 +29343,7 @@
 </p:sld>
 </file>
 
-<file path=ppt/slides/slide52.xml><?xml version="1.0" encoding="utf-8"?>
+<file path=ppt/slides/slide51.xml><?xml version="1.0" encoding="utf-8"?>
 <p:sld xmlns:a="http://schemas.openxmlformats.org/drawingml/2006/main" xmlns:r="http://schemas.openxmlformats.org/officeDocument/2006/relationships" xmlns:p="http://schemas.openxmlformats.org/presentationml/2006/main">
   <p:cSld>
     <p:spTree>
@@ -30520,34 +29389,13 @@
           <a:lstStyle/>
           <a:p>
             <a:r>
-              <a:rPr lang="en-US" altLang="ko-KR" sz="4000" dirty="0">
-                <a:latin typeface="KoPubWorld돋움체 Bold" panose="00000800000000000000" pitchFamily="2" charset="-127"/>
-                <a:ea typeface="KoPubWorld돋움체 Bold" panose="00000800000000000000" pitchFamily="2" charset="-127"/>
-                <a:cs typeface="KoPubWorld돋움체 Bold" panose="00000800000000000000" pitchFamily="2" charset="-127"/>
-              </a:rPr>
-              <a:t>if </a:t>
-            </a:r>
-            <a:r>
               <a:rPr lang="ko-KR" altLang="en-US" sz="4000" dirty="0">
                 <a:latin typeface="KoPubWorld돋움체 Bold" panose="00000800000000000000" pitchFamily="2" charset="-127"/>
                 <a:ea typeface="KoPubWorld돋움체 Bold" panose="00000800000000000000" pitchFamily="2" charset="-127"/>
                 <a:cs typeface="KoPubWorld돋움체 Bold" panose="00000800000000000000" pitchFamily="2" charset="-127"/>
               </a:rPr>
-              <a:t>조건문</a:t>
-            </a:r>
-            <a:r>
-              <a:rPr lang="en-US" altLang="ko-KR" sz="4000" dirty="0">
-                <a:latin typeface="KoPubWorld돋움체 Bold" panose="00000800000000000000" pitchFamily="2" charset="-127"/>
-                <a:ea typeface="KoPubWorld돋움체 Bold" panose="00000800000000000000" pitchFamily="2" charset="-127"/>
-                <a:cs typeface="KoPubWorld돋움체 Bold" panose="00000800000000000000" pitchFamily="2" charset="-127"/>
-              </a:rPr>
-              <a:t>(1)</a:t>
-            </a:r>
-            <a:endParaRPr lang="ko-KR" altLang="en-US" sz="4000" dirty="0">
-              <a:latin typeface="KoPubWorld돋움체 Bold" panose="00000800000000000000" pitchFamily="2" charset="-127"/>
-              <a:ea typeface="KoPubWorld돋움체 Bold" panose="00000800000000000000" pitchFamily="2" charset="-127"/>
-              <a:cs typeface="KoPubWorld돋움체 Bold" panose="00000800000000000000" pitchFamily="2" charset="-127"/>
-            </a:endParaRPr>
+              <a:t>확인문제</a:t>
+            </a:r>
           </a:p>
         </p:txBody>
       </p:sp>
@@ -31142,7 +29990,7 @@
         </p:nvSpPr>
         <p:spPr>
           <a:xfrm>
-            <a:off x="2438400" y="2975429"/>
+            <a:off x="2834964" y="2963928"/>
             <a:ext cx="749300" cy="190500"/>
           </a:xfrm>
           <a:prstGeom prst="rect">
@@ -31197,7 +30045,7 @@
         </p:nvSpPr>
         <p:spPr>
           <a:xfrm>
-            <a:off x="2438400" y="3209010"/>
+            <a:off x="2822225" y="3238500"/>
             <a:ext cx="749300" cy="190500"/>
           </a:xfrm>
           <a:prstGeom prst="rect">
@@ -31252,7 +30100,7 @@
         </p:nvSpPr>
         <p:spPr>
           <a:xfrm>
-            <a:off x="1979761" y="3702071"/>
+            <a:off x="2293269" y="3703582"/>
             <a:ext cx="749300" cy="190500"/>
           </a:xfrm>
           <a:prstGeom prst="rect">
@@ -31307,7 +30155,7 @@
         </p:nvSpPr>
         <p:spPr>
           <a:xfrm>
-            <a:off x="2460314" y="4183560"/>
+            <a:off x="2835612" y="4170253"/>
             <a:ext cx="749300" cy="190500"/>
           </a:xfrm>
           <a:prstGeom prst="rect">
@@ -31445,7 +30293,7 @@
 </p:sld>
 </file>
 
-<file path=ppt/slides/slide53.xml><?xml version="1.0" encoding="utf-8"?>
+<file path=ppt/slides/slide52.xml><?xml version="1.0" encoding="utf-8"?>
 <p:sld xmlns:a="http://schemas.openxmlformats.org/drawingml/2006/main" xmlns:r="http://schemas.openxmlformats.org/officeDocument/2006/relationships" xmlns:p="http://schemas.openxmlformats.org/presentationml/2006/main">
   <p:cSld>
     <p:spTree>
@@ -31491,34 +30339,13 @@
           <a:lstStyle/>
           <a:p>
             <a:r>
-              <a:rPr lang="en-US" altLang="ko-KR" sz="4000" dirty="0">
-                <a:latin typeface="KoPubWorld돋움체 Bold" panose="00000800000000000000" pitchFamily="2" charset="-127"/>
-                <a:ea typeface="KoPubWorld돋움체 Bold" panose="00000800000000000000" pitchFamily="2" charset="-127"/>
-                <a:cs typeface="KoPubWorld돋움체 Bold" panose="00000800000000000000" pitchFamily="2" charset="-127"/>
-              </a:rPr>
-              <a:t>if </a:t>
-            </a:r>
-            <a:r>
               <a:rPr lang="ko-KR" altLang="en-US" sz="4000" dirty="0">
                 <a:latin typeface="KoPubWorld돋움체 Bold" panose="00000800000000000000" pitchFamily="2" charset="-127"/>
                 <a:ea typeface="KoPubWorld돋움체 Bold" panose="00000800000000000000" pitchFamily="2" charset="-127"/>
                 <a:cs typeface="KoPubWorld돋움체 Bold" panose="00000800000000000000" pitchFamily="2" charset="-127"/>
               </a:rPr>
-              <a:t>조건문</a:t>
-            </a:r>
-            <a:r>
-              <a:rPr lang="en-US" altLang="ko-KR" sz="4000" dirty="0">
-                <a:latin typeface="KoPubWorld돋움체 Bold" panose="00000800000000000000" pitchFamily="2" charset="-127"/>
-                <a:ea typeface="KoPubWorld돋움체 Bold" panose="00000800000000000000" pitchFamily="2" charset="-127"/>
-                <a:cs typeface="KoPubWorld돋움체 Bold" panose="00000800000000000000" pitchFamily="2" charset="-127"/>
-              </a:rPr>
-              <a:t>(1)</a:t>
-            </a:r>
-            <a:endParaRPr lang="ko-KR" altLang="en-US" sz="4000" dirty="0">
-              <a:latin typeface="KoPubWorld돋움체 Bold" panose="00000800000000000000" pitchFamily="2" charset="-127"/>
-              <a:ea typeface="KoPubWorld돋움체 Bold" panose="00000800000000000000" pitchFamily="2" charset="-127"/>
-              <a:cs typeface="KoPubWorld돋움체 Bold" panose="00000800000000000000" pitchFamily="2" charset="-127"/>
-            </a:endParaRPr>
+              <a:t>확인문제</a:t>
+            </a:r>
           </a:p>
         </p:txBody>
       </p:sp>
@@ -32422,7 +31249,7 @@
 </p:sld>
 </file>
 
-<file path=ppt/slides/slide54.xml><?xml version="1.0" encoding="utf-8"?>
+<file path=ppt/slides/slide53.xml><?xml version="1.0" encoding="utf-8"?>
 <p:sld xmlns:a="http://schemas.openxmlformats.org/drawingml/2006/main" xmlns:r="http://schemas.openxmlformats.org/officeDocument/2006/relationships" xmlns:p="http://schemas.openxmlformats.org/presentationml/2006/main">
   <p:cSld>
     <p:spTree>
@@ -32468,34 +31295,13 @@
           <a:lstStyle/>
           <a:p>
             <a:r>
-              <a:rPr lang="en-US" altLang="ko-KR" sz="4000" dirty="0">
-                <a:latin typeface="KoPubWorld돋움체 Bold" panose="00000800000000000000" pitchFamily="2" charset="-127"/>
-                <a:ea typeface="KoPubWorld돋움체 Bold" panose="00000800000000000000" pitchFamily="2" charset="-127"/>
-                <a:cs typeface="KoPubWorld돋움체 Bold" panose="00000800000000000000" pitchFamily="2" charset="-127"/>
-              </a:rPr>
-              <a:t>if </a:t>
-            </a:r>
-            <a:r>
               <a:rPr lang="ko-KR" altLang="en-US" sz="4000" dirty="0">
                 <a:latin typeface="KoPubWorld돋움체 Bold" panose="00000800000000000000" pitchFamily="2" charset="-127"/>
                 <a:ea typeface="KoPubWorld돋움체 Bold" panose="00000800000000000000" pitchFamily="2" charset="-127"/>
                 <a:cs typeface="KoPubWorld돋움체 Bold" panose="00000800000000000000" pitchFamily="2" charset="-127"/>
               </a:rPr>
-              <a:t>조건문</a:t>
-            </a:r>
-            <a:r>
-              <a:rPr lang="en-US" altLang="ko-KR" sz="4000" dirty="0">
-                <a:latin typeface="KoPubWorld돋움체 Bold" panose="00000800000000000000" pitchFamily="2" charset="-127"/>
-                <a:ea typeface="KoPubWorld돋움체 Bold" panose="00000800000000000000" pitchFamily="2" charset="-127"/>
-                <a:cs typeface="KoPubWorld돋움체 Bold" panose="00000800000000000000" pitchFamily="2" charset="-127"/>
-              </a:rPr>
-              <a:t>(1)</a:t>
-            </a:r>
-            <a:endParaRPr lang="ko-KR" altLang="en-US" sz="4000" dirty="0">
-              <a:latin typeface="KoPubWorld돋움체 Bold" panose="00000800000000000000" pitchFamily="2" charset="-127"/>
-              <a:ea typeface="KoPubWorld돋움체 Bold" panose="00000800000000000000" pitchFamily="2" charset="-127"/>
-              <a:cs typeface="KoPubWorld돋움체 Bold" panose="00000800000000000000" pitchFamily="2" charset="-127"/>
-            </a:endParaRPr>
+              <a:t>확인문제</a:t>
+            </a:r>
           </a:p>
         </p:txBody>
       </p:sp>
@@ -33135,7 +31941,7 @@
 </p:sld>
 </file>
 
-<file path=ppt/slides/slide55.xml><?xml version="1.0" encoding="utf-8"?>
+<file path=ppt/slides/slide54.xml><?xml version="1.0" encoding="utf-8"?>
 <p:sld xmlns:a="http://schemas.openxmlformats.org/drawingml/2006/main" xmlns:r="http://schemas.openxmlformats.org/officeDocument/2006/relationships" xmlns:p="http://schemas.openxmlformats.org/presentationml/2006/main">
   <p:cSld>
     <p:spTree>
@@ -33181,34 +31987,13 @@
           <a:lstStyle/>
           <a:p>
             <a:r>
-              <a:rPr lang="en-US" altLang="ko-KR" sz="4000" dirty="0">
-                <a:latin typeface="KoPubWorld돋움체 Bold" panose="00000800000000000000" pitchFamily="2" charset="-127"/>
-                <a:ea typeface="KoPubWorld돋움체 Bold" panose="00000800000000000000" pitchFamily="2" charset="-127"/>
-                <a:cs typeface="KoPubWorld돋움체 Bold" panose="00000800000000000000" pitchFamily="2" charset="-127"/>
-              </a:rPr>
-              <a:t>if </a:t>
-            </a:r>
-            <a:r>
               <a:rPr lang="ko-KR" altLang="en-US" sz="4000" dirty="0">
                 <a:latin typeface="KoPubWorld돋움체 Bold" panose="00000800000000000000" pitchFamily="2" charset="-127"/>
                 <a:ea typeface="KoPubWorld돋움체 Bold" panose="00000800000000000000" pitchFamily="2" charset="-127"/>
                 <a:cs typeface="KoPubWorld돋움체 Bold" panose="00000800000000000000" pitchFamily="2" charset="-127"/>
               </a:rPr>
-              <a:t>조건문</a:t>
-            </a:r>
-            <a:r>
-              <a:rPr lang="en-US" altLang="ko-KR" sz="4000" dirty="0">
-                <a:latin typeface="KoPubWorld돋움체 Bold" panose="00000800000000000000" pitchFamily="2" charset="-127"/>
-                <a:ea typeface="KoPubWorld돋움체 Bold" panose="00000800000000000000" pitchFamily="2" charset="-127"/>
-                <a:cs typeface="KoPubWorld돋움체 Bold" panose="00000800000000000000" pitchFamily="2" charset="-127"/>
-              </a:rPr>
-              <a:t>(1)</a:t>
-            </a:r>
-            <a:endParaRPr lang="ko-KR" altLang="en-US" sz="4000" dirty="0">
-              <a:latin typeface="KoPubWorld돋움체 Bold" panose="00000800000000000000" pitchFamily="2" charset="-127"/>
-              <a:ea typeface="KoPubWorld돋움체 Bold" panose="00000800000000000000" pitchFamily="2" charset="-127"/>
-              <a:cs typeface="KoPubWorld돋움체 Bold" panose="00000800000000000000" pitchFamily="2" charset="-127"/>
-            </a:endParaRPr>
+              <a:t>확인문제</a:t>
+            </a:r>
           </a:p>
         </p:txBody>
       </p:sp>
@@ -33961,7 +32746,7 @@
 </p:sld>
 </file>
 
-<file path=ppt/slides/slide56.xml><?xml version="1.0" encoding="utf-8"?>
+<file path=ppt/slides/slide55.xml><?xml version="1.0" encoding="utf-8"?>
 <p:sld xmlns:a="http://schemas.openxmlformats.org/drawingml/2006/main" xmlns:r="http://schemas.openxmlformats.org/officeDocument/2006/relationships" xmlns:p="http://schemas.openxmlformats.org/presentationml/2006/main">
   <p:cSld>
     <p:spTree>
@@ -34007,34 +32792,13 @@
           <a:lstStyle/>
           <a:p>
             <a:r>
-              <a:rPr lang="en-US" altLang="ko-KR" sz="4000" dirty="0">
-                <a:latin typeface="KoPubWorld돋움체 Bold" panose="00000800000000000000" pitchFamily="2" charset="-127"/>
-                <a:ea typeface="KoPubWorld돋움체 Bold" panose="00000800000000000000" pitchFamily="2" charset="-127"/>
-                <a:cs typeface="KoPubWorld돋움체 Bold" panose="00000800000000000000" pitchFamily="2" charset="-127"/>
-              </a:rPr>
-              <a:t>if </a:t>
-            </a:r>
-            <a:r>
               <a:rPr lang="ko-KR" altLang="en-US" sz="4000" dirty="0">
                 <a:latin typeface="KoPubWorld돋움체 Bold" panose="00000800000000000000" pitchFamily="2" charset="-127"/>
                 <a:ea typeface="KoPubWorld돋움체 Bold" panose="00000800000000000000" pitchFamily="2" charset="-127"/>
                 <a:cs typeface="KoPubWorld돋움체 Bold" panose="00000800000000000000" pitchFamily="2" charset="-127"/>
               </a:rPr>
-              <a:t>조건문</a:t>
-            </a:r>
-            <a:r>
-              <a:rPr lang="en-US" altLang="ko-KR" sz="4000" dirty="0">
-                <a:latin typeface="KoPubWorld돋움체 Bold" panose="00000800000000000000" pitchFamily="2" charset="-127"/>
-                <a:ea typeface="KoPubWorld돋움체 Bold" panose="00000800000000000000" pitchFamily="2" charset="-127"/>
-                <a:cs typeface="KoPubWorld돋움체 Bold" panose="00000800000000000000" pitchFamily="2" charset="-127"/>
-              </a:rPr>
-              <a:t>(1)</a:t>
-            </a:r>
-            <a:endParaRPr lang="ko-KR" altLang="en-US" sz="4000" dirty="0">
-              <a:latin typeface="KoPubWorld돋움체 Bold" panose="00000800000000000000" pitchFamily="2" charset="-127"/>
-              <a:ea typeface="KoPubWorld돋움체 Bold" panose="00000800000000000000" pitchFamily="2" charset="-127"/>
-              <a:cs typeface="KoPubWorld돋움체 Bold" panose="00000800000000000000" pitchFamily="2" charset="-127"/>
-            </a:endParaRPr>
+              <a:t>확인문제</a:t>
+            </a:r>
           </a:p>
         </p:txBody>
       </p:sp>
@@ -34485,7 +33249,7 @@
         </p:nvSpPr>
         <p:spPr>
           <a:xfrm>
-            <a:off x="1785303" y="3089502"/>
+            <a:off x="1932651" y="3254498"/>
             <a:ext cx="4472167" cy="1649412"/>
           </a:xfrm>
           <a:prstGeom prst="rect">
@@ -35243,8 +34007,8 @@
         </p:nvSpPr>
         <p:spPr>
           <a:xfrm>
-            <a:off x="929597" y="1690688"/>
-            <a:ext cx="9211236" cy="646331"/>
+            <a:off x="654881" y="1137109"/>
+            <a:ext cx="9211236" cy="369332"/>
           </a:xfrm>
           <a:prstGeom prst="rect">
             <a:avLst/>
@@ -35256,9 +34020,6 @@
             <a:spAutoFit/>
           </a:bodyPr>
           <a:lstStyle/>
-          <a:p>
-            <a:endParaRPr kumimoji="1" lang="en-US" altLang="ko-KR" dirty="0"/>
-          </a:p>
           <a:p>
             <a:r>
               <a:rPr kumimoji="1" lang="ko-KR" altLang="en-US" dirty="0"/>
@@ -35345,7 +34106,7 @@
         </p:blipFill>
         <p:spPr>
           <a:xfrm>
-            <a:off x="929598" y="2921039"/>
+            <a:off x="654881" y="1705609"/>
             <a:ext cx="6302476" cy="1061540"/>
           </a:xfrm>
           <a:prstGeom prst="rect">
@@ -35510,8 +34271,8 @@
         </p:nvSpPr>
         <p:spPr>
           <a:xfrm>
-            <a:off x="724989" y="1331444"/>
-            <a:ext cx="5466805" cy="783356"/>
+            <a:off x="385355" y="1096313"/>
+            <a:ext cx="10099765" cy="414024"/>
           </a:xfrm>
           <a:prstGeom prst="rect">
             <a:avLst/>
@@ -35559,23 +34320,7 @@
             </a:r>
             <a:r>
               <a:rPr kumimoji="1" lang="en-US" altLang="ko-KR" sz="1600" dirty="0"/>
-              <a:t>,</a:t>
-            </a:r>
-            <a:r>
-              <a:rPr kumimoji="1" lang="ko-KR" altLang="en-US" sz="1600" dirty="0"/>
-              <a:t> </a:t>
-            </a:r>
-            <a:endParaRPr kumimoji="1" lang="en-US" altLang="ko-KR" sz="1600" dirty="0"/>
-          </a:p>
-          <a:p>
-            <a:pPr>
-              <a:lnSpc>
-                <a:spcPct val="150000"/>
-              </a:lnSpc>
-            </a:pPr>
-            <a:r>
-              <a:rPr kumimoji="1" lang="en-US" altLang="ko-KR" sz="1600" dirty="0"/>
-              <a:t>false</a:t>
+              <a:t>, false</a:t>
             </a:r>
             <a:r>
               <a:rPr kumimoji="1" lang="ko-KR" altLang="en-US" sz="1600" dirty="0"/>
@@ -35614,7 +34359,7 @@
         </p:nvSpPr>
         <p:spPr>
           <a:xfrm>
-            <a:off x="724989" y="2713964"/>
+            <a:off x="542109" y="1973735"/>
             <a:ext cx="4108268" cy="1337739"/>
           </a:xfrm>
           <a:prstGeom prst="rect">
@@ -35767,6 +34512,87 @@
           </a:p>
         </p:txBody>
       </p:sp>
+      <p:grpSp>
+        <p:nvGrpSpPr>
+          <p:cNvPr id="2" name="그룹 1">
+            <a:extLst>
+              <a:ext uri="{FF2B5EF4-FFF2-40B4-BE49-F238E27FC236}">
+                <a16:creationId xmlns:a16="http://schemas.microsoft.com/office/drawing/2014/main" id="{1DB516FD-2B5A-3917-6EEA-0F3549B7650D}"/>
+              </a:ext>
+            </a:extLst>
+          </p:cNvPr>
+          <p:cNvGrpSpPr/>
+          <p:nvPr/>
+        </p:nvGrpSpPr>
+        <p:grpSpPr>
+          <a:xfrm>
+            <a:off x="5024845" y="1973735"/>
+            <a:ext cx="6770211" cy="2726328"/>
+            <a:chOff x="257714" y="2714714"/>
+            <a:chExt cx="8643233" cy="3480584"/>
+          </a:xfrm>
+        </p:grpSpPr>
+        <p:pic>
+          <p:nvPicPr>
+            <p:cNvPr id="6" name="그림 5">
+              <a:extLst>
+                <a:ext uri="{FF2B5EF4-FFF2-40B4-BE49-F238E27FC236}">
+                  <a16:creationId xmlns:a16="http://schemas.microsoft.com/office/drawing/2014/main" id="{A5765350-7556-3E7F-54A6-B81365CCFC9D}"/>
+                </a:ext>
+              </a:extLst>
+            </p:cNvPr>
+            <p:cNvPicPr>
+              <a:picLocks noChangeAspect="1"/>
+            </p:cNvPicPr>
+            <p:nvPr/>
+          </p:nvPicPr>
+          <p:blipFill>
+            <a:blip r:embed="rId2"/>
+            <a:stretch>
+              <a:fillRect/>
+            </a:stretch>
+          </p:blipFill>
+          <p:spPr>
+            <a:xfrm>
+              <a:off x="257714" y="2714714"/>
+              <a:ext cx="8628571" cy="1428571"/>
+            </a:xfrm>
+            <a:prstGeom prst="rect">
+              <a:avLst/>
+            </a:prstGeom>
+          </p:spPr>
+        </p:pic>
+        <p:pic>
+          <p:nvPicPr>
+            <p:cNvPr id="7" name="그림 6">
+              <a:extLst>
+                <a:ext uri="{FF2B5EF4-FFF2-40B4-BE49-F238E27FC236}">
+                  <a16:creationId xmlns:a16="http://schemas.microsoft.com/office/drawing/2014/main" id="{512CA4E4-A75C-34DB-8451-765F0CF35A2B}"/>
+                </a:ext>
+              </a:extLst>
+            </p:cNvPr>
+            <p:cNvPicPr>
+              <a:picLocks noChangeAspect="1"/>
+            </p:cNvPicPr>
+            <p:nvPr/>
+          </p:nvPicPr>
+          <p:blipFill>
+            <a:blip r:embed="rId3"/>
+            <a:stretch>
+              <a:fillRect/>
+            </a:stretch>
+          </p:blipFill>
+          <p:spPr>
+            <a:xfrm>
+              <a:off x="262852" y="4109584"/>
+              <a:ext cx="8638095" cy="2085714"/>
+            </a:xfrm>
+            <a:prstGeom prst="rect">
+              <a:avLst/>
+            </a:prstGeom>
+          </p:spPr>
+        </p:pic>
+      </p:grpSp>
     </p:spTree>
     <p:extLst>
       <p:ext uri="{BB962C8B-B14F-4D97-AF65-F5344CB8AC3E}">
@@ -35797,75 +34623,853 @@
           <a:chExt cx="0" cy="0"/>
         </a:xfrm>
       </p:grpSpPr>
-      <p:grpSp>
-        <p:nvGrpSpPr>
-          <p:cNvPr id="5" name="그룹 4"/>
-          <p:cNvGrpSpPr/>
-          <p:nvPr/>
-        </p:nvGrpSpPr>
-        <p:grpSpPr>
-          <a:xfrm>
-            <a:off x="2138657" y="2204864"/>
-            <a:ext cx="7914686" cy="3187202"/>
-            <a:chOff x="257714" y="2714714"/>
-            <a:chExt cx="8643233" cy="3480584"/>
-          </a:xfrm>
-        </p:grpSpPr>
-        <p:pic>
-          <p:nvPicPr>
-            <p:cNvPr id="3" name="그림 2"/>
-            <p:cNvPicPr>
-              <a:picLocks noChangeAspect="1"/>
-            </p:cNvPicPr>
-            <p:nvPr/>
-          </p:nvPicPr>
-          <p:blipFill>
-            <a:blip r:embed="rId2"/>
-            <a:stretch>
-              <a:fillRect/>
-            </a:stretch>
-          </p:blipFill>
-          <p:spPr>
-            <a:xfrm>
-              <a:off x="257714" y="2714714"/>
-              <a:ext cx="8628571" cy="1428571"/>
-            </a:xfrm>
-            <a:prstGeom prst="rect">
-              <a:avLst/>
-            </a:prstGeom>
-          </p:spPr>
-        </p:pic>
-        <p:pic>
-          <p:nvPicPr>
-            <p:cNvPr id="4" name="그림 3"/>
-            <p:cNvPicPr>
-              <a:picLocks noChangeAspect="1"/>
-            </p:cNvPicPr>
-            <p:nvPr/>
-          </p:nvPicPr>
-          <p:blipFill>
-            <a:blip r:embed="rId3"/>
-            <a:stretch>
-              <a:fillRect/>
-            </a:stretch>
-          </p:blipFill>
-          <p:spPr>
-            <a:xfrm>
-              <a:off x="262852" y="4109584"/>
-              <a:ext cx="8638095" cy="2085714"/>
-            </a:xfrm>
-            <a:prstGeom prst="rect">
-              <a:avLst/>
-            </a:prstGeom>
-          </p:spPr>
-        </p:pic>
-      </p:grpSp>
       <p:sp>
         <p:nvSpPr>
-          <p:cNvPr id="2" name="TextBox 1">
+          <p:cNvPr id="2" name="텍스트 개체 틀 8">
             <a:extLst>
               <a:ext uri="{FF2B5EF4-FFF2-40B4-BE49-F238E27FC236}">
-                <a16:creationId xmlns:a16="http://schemas.microsoft.com/office/drawing/2014/main" id="{7CA2E95B-00D0-4E0F-2DF3-E1CC4F5F75F6}"/>
+                <a16:creationId xmlns:a16="http://schemas.microsoft.com/office/drawing/2014/main" id="{6C6F1EF9-781E-7D99-0846-199207B7BD62}"/>
+              </a:ext>
+            </a:extLst>
+          </p:cNvPr>
+          <p:cNvSpPr txBox="1">
+            <a:spLocks/>
+          </p:cNvSpPr>
+          <p:nvPr/>
+        </p:nvSpPr>
+        <p:spPr>
+          <a:xfrm>
+            <a:off x="557772" y="1119808"/>
+            <a:ext cx="11281052" cy="5351330"/>
+          </a:xfrm>
+          <a:prstGeom prst="rect">
+            <a:avLst/>
+          </a:prstGeom>
+        </p:spPr>
+        <p:txBody>
+          <a:bodyPr>
+            <a:normAutofit/>
+          </a:bodyPr>
+          <a:lstStyle>
+            <a:lvl1pPr marL="228600" indent="-228600" algn="l" defTabSz="914400" rtl="0" eaLnBrk="1" latinLnBrk="1" hangingPunct="1">
+              <a:lnSpc>
+                <a:spcPct val="90000"/>
+              </a:lnSpc>
+              <a:spcBef>
+                <a:spcPts val="1000"/>
+              </a:spcBef>
+              <a:buFont typeface="Arial" panose="020B0604020202020204" pitchFamily="34" charset="0"/>
+              <a:buChar char="•"/>
+              <a:defRPr sz="2800" kern="1200">
+                <a:solidFill>
+                  <a:schemeClr val="tx1"/>
+                </a:solidFill>
+                <a:latin typeface="+mn-lt"/>
+                <a:ea typeface="+mn-ea"/>
+                <a:cs typeface="+mn-cs"/>
+              </a:defRPr>
+            </a:lvl1pPr>
+            <a:lvl2pPr marL="685800" indent="-228600" algn="l" defTabSz="914400" rtl="0" eaLnBrk="1" latinLnBrk="1" hangingPunct="1">
+              <a:lnSpc>
+                <a:spcPct val="90000"/>
+              </a:lnSpc>
+              <a:spcBef>
+                <a:spcPts val="500"/>
+              </a:spcBef>
+              <a:buFont typeface="Arial" panose="020B0604020202020204" pitchFamily="34" charset="0"/>
+              <a:buChar char="•"/>
+              <a:defRPr sz="2400" kern="1200">
+                <a:solidFill>
+                  <a:schemeClr val="tx1"/>
+                </a:solidFill>
+                <a:latin typeface="+mn-lt"/>
+                <a:ea typeface="+mn-ea"/>
+                <a:cs typeface="+mn-cs"/>
+              </a:defRPr>
+            </a:lvl2pPr>
+            <a:lvl3pPr marL="1143000" indent="-228600" algn="l" defTabSz="914400" rtl="0" eaLnBrk="1" latinLnBrk="1" hangingPunct="1">
+              <a:lnSpc>
+                <a:spcPct val="90000"/>
+              </a:lnSpc>
+              <a:spcBef>
+                <a:spcPts val="500"/>
+              </a:spcBef>
+              <a:buFont typeface="Arial" panose="020B0604020202020204" pitchFamily="34" charset="0"/>
+              <a:buChar char="•"/>
+              <a:defRPr sz="2000" kern="1200">
+                <a:solidFill>
+                  <a:schemeClr val="tx1"/>
+                </a:solidFill>
+                <a:latin typeface="+mn-lt"/>
+                <a:ea typeface="+mn-ea"/>
+                <a:cs typeface="+mn-cs"/>
+              </a:defRPr>
+            </a:lvl3pPr>
+            <a:lvl4pPr marL="1600200" indent="-228600" algn="l" defTabSz="914400" rtl="0" eaLnBrk="1" latinLnBrk="1" hangingPunct="1">
+              <a:lnSpc>
+                <a:spcPct val="90000"/>
+              </a:lnSpc>
+              <a:spcBef>
+                <a:spcPts val="500"/>
+              </a:spcBef>
+              <a:buFont typeface="Arial" panose="020B0604020202020204" pitchFamily="34" charset="0"/>
+              <a:buChar char="•"/>
+              <a:defRPr sz="1800" kern="1200">
+                <a:solidFill>
+                  <a:schemeClr val="tx1"/>
+                </a:solidFill>
+                <a:latin typeface="+mn-lt"/>
+                <a:ea typeface="+mn-ea"/>
+                <a:cs typeface="+mn-cs"/>
+              </a:defRPr>
+            </a:lvl4pPr>
+            <a:lvl5pPr marL="2057400" indent="-228600" algn="l" defTabSz="914400" rtl="0" eaLnBrk="1" latinLnBrk="1" hangingPunct="1">
+              <a:lnSpc>
+                <a:spcPct val="90000"/>
+              </a:lnSpc>
+              <a:spcBef>
+                <a:spcPts val="500"/>
+              </a:spcBef>
+              <a:buFont typeface="Arial" panose="020B0604020202020204" pitchFamily="34" charset="0"/>
+              <a:buChar char="•"/>
+              <a:defRPr sz="1800" kern="1200">
+                <a:solidFill>
+                  <a:schemeClr val="tx1"/>
+                </a:solidFill>
+                <a:latin typeface="+mn-lt"/>
+                <a:ea typeface="+mn-ea"/>
+                <a:cs typeface="+mn-cs"/>
+              </a:defRPr>
+            </a:lvl5pPr>
+            <a:lvl6pPr marL="2514600" indent="-228600" algn="l" defTabSz="914400" rtl="0" eaLnBrk="1" latinLnBrk="1" hangingPunct="1">
+              <a:lnSpc>
+                <a:spcPct val="90000"/>
+              </a:lnSpc>
+              <a:spcBef>
+                <a:spcPts val="500"/>
+              </a:spcBef>
+              <a:buFont typeface="Arial" panose="020B0604020202020204" pitchFamily="34" charset="0"/>
+              <a:buChar char="•"/>
+              <a:defRPr sz="1800" kern="1200">
+                <a:solidFill>
+                  <a:schemeClr val="tx1"/>
+                </a:solidFill>
+                <a:latin typeface="+mn-lt"/>
+                <a:ea typeface="+mn-ea"/>
+                <a:cs typeface="+mn-cs"/>
+              </a:defRPr>
+            </a:lvl6pPr>
+            <a:lvl7pPr marL="2971800" indent="-228600" algn="l" defTabSz="914400" rtl="0" eaLnBrk="1" latinLnBrk="1" hangingPunct="1">
+              <a:lnSpc>
+                <a:spcPct val="90000"/>
+              </a:lnSpc>
+              <a:spcBef>
+                <a:spcPts val="500"/>
+              </a:spcBef>
+              <a:buFont typeface="Arial" panose="020B0604020202020204" pitchFamily="34" charset="0"/>
+              <a:buChar char="•"/>
+              <a:defRPr sz="1800" kern="1200">
+                <a:solidFill>
+                  <a:schemeClr val="tx1"/>
+                </a:solidFill>
+                <a:latin typeface="+mn-lt"/>
+                <a:ea typeface="+mn-ea"/>
+                <a:cs typeface="+mn-cs"/>
+              </a:defRPr>
+            </a:lvl7pPr>
+            <a:lvl8pPr marL="3429000" indent="-228600" algn="l" defTabSz="914400" rtl="0" eaLnBrk="1" latinLnBrk="1" hangingPunct="1">
+              <a:lnSpc>
+                <a:spcPct val="90000"/>
+              </a:lnSpc>
+              <a:spcBef>
+                <a:spcPts val="500"/>
+              </a:spcBef>
+              <a:buFont typeface="Arial" panose="020B0604020202020204" pitchFamily="34" charset="0"/>
+              <a:buChar char="•"/>
+              <a:defRPr sz="1800" kern="1200">
+                <a:solidFill>
+                  <a:schemeClr val="tx1"/>
+                </a:solidFill>
+                <a:latin typeface="+mn-lt"/>
+                <a:ea typeface="+mn-ea"/>
+                <a:cs typeface="+mn-cs"/>
+              </a:defRPr>
+            </a:lvl8pPr>
+            <a:lvl9pPr marL="3886200" indent="-228600" algn="l" defTabSz="914400" rtl="0" eaLnBrk="1" latinLnBrk="1" hangingPunct="1">
+              <a:lnSpc>
+                <a:spcPct val="90000"/>
+              </a:lnSpc>
+              <a:spcBef>
+                <a:spcPts val="500"/>
+              </a:spcBef>
+              <a:buFont typeface="Arial" panose="020B0604020202020204" pitchFamily="34" charset="0"/>
+              <a:buChar char="•"/>
+              <a:defRPr sz="1800" kern="1200">
+                <a:solidFill>
+                  <a:schemeClr val="tx1"/>
+                </a:solidFill>
+                <a:latin typeface="+mn-lt"/>
+                <a:ea typeface="+mn-ea"/>
+                <a:cs typeface="+mn-cs"/>
+              </a:defRPr>
+            </a:lvl9pPr>
+          </a:lstStyle>
+          <a:p>
+            <a:r>
+              <a:rPr lang="en-US" altLang="ko-KR">
+                <a:solidFill>
+                  <a:srgbClr val="000000"/>
+                </a:solidFill>
+                <a:latin typeface="+mn-ea"/>
+              </a:rPr>
+              <a:t>if</a:t>
+            </a:r>
+            <a:r>
+              <a:rPr lang="ko-KR" altLang="en-US">
+                <a:solidFill>
+                  <a:srgbClr val="000000"/>
+                </a:solidFill>
+                <a:latin typeface="+mn-ea"/>
+              </a:rPr>
+              <a:t> 조건문</a:t>
+            </a:r>
+            <a:endParaRPr lang="en-US" altLang="ko-KR">
+              <a:solidFill>
+                <a:srgbClr val="000000"/>
+              </a:solidFill>
+              <a:latin typeface="+mn-ea"/>
+            </a:endParaRPr>
+          </a:p>
+          <a:p>
+            <a:pPr lvl="1"/>
+            <a:r>
+              <a:rPr lang="ko-KR" altLang="en-US">
+                <a:solidFill>
+                  <a:srgbClr val="000000"/>
+                </a:solidFill>
+                <a:latin typeface="+mn-ea"/>
+              </a:rPr>
+              <a:t>현재 시각에 따라 오전과 오후를 구분하는 프로그램</a:t>
+            </a:r>
+            <a:endParaRPr lang="en-US" altLang="ko-KR">
+              <a:solidFill>
+                <a:srgbClr val="000000"/>
+              </a:solidFill>
+              <a:latin typeface="+mn-ea"/>
+            </a:endParaRPr>
+          </a:p>
+          <a:p>
+            <a:pPr lvl="2"/>
+            <a:r>
+              <a:rPr lang="ko-KR" altLang="en-US">
+                <a:solidFill>
+                  <a:srgbClr val="000000"/>
+                </a:solidFill>
+                <a:latin typeface="+mn-ea"/>
+              </a:rPr>
+              <a:t>오전과 오후 구분하기 </a:t>
+            </a:r>
+            <a:r>
+              <a:rPr lang="en-US" altLang="ko-KR">
+                <a:solidFill>
+                  <a:srgbClr val="000000"/>
+                </a:solidFill>
+                <a:latin typeface="+mn-ea"/>
+              </a:rPr>
+              <a:t>(</a:t>
+            </a:r>
+            <a:r>
+              <a:rPr lang="ko-KR" altLang="en-US">
+                <a:solidFill>
+                  <a:srgbClr val="000000"/>
+                </a:solidFill>
+                <a:latin typeface="+mn-ea"/>
+              </a:rPr>
+              <a:t>소스 코드 </a:t>
+            </a:r>
+            <a:r>
+              <a:rPr lang="en-US" altLang="ko-KR">
+                <a:solidFill>
+                  <a:srgbClr val="000000"/>
+                </a:solidFill>
+                <a:latin typeface="+mn-ea"/>
+              </a:rPr>
+              <a:t>3-1-2.html)</a:t>
+            </a:r>
+          </a:p>
+          <a:p>
+            <a:pPr lvl="2"/>
+            <a:endParaRPr lang="en-US" altLang="ko-KR">
+              <a:solidFill>
+                <a:srgbClr val="000000"/>
+              </a:solidFill>
+              <a:latin typeface="+mn-ea"/>
+            </a:endParaRPr>
+          </a:p>
+          <a:p>
+            <a:pPr lvl="2"/>
+            <a:endParaRPr lang="en-US" altLang="ko-KR">
+              <a:solidFill>
+                <a:srgbClr val="000000"/>
+              </a:solidFill>
+              <a:latin typeface="+mn-ea"/>
+            </a:endParaRPr>
+          </a:p>
+          <a:p>
+            <a:pPr lvl="2"/>
+            <a:endParaRPr lang="en-US" altLang="ko-KR">
+              <a:solidFill>
+                <a:srgbClr val="000000"/>
+              </a:solidFill>
+              <a:latin typeface="+mn-ea"/>
+            </a:endParaRPr>
+          </a:p>
+          <a:p>
+            <a:pPr lvl="2"/>
+            <a:endParaRPr lang="en-US" altLang="ko-KR">
+              <a:solidFill>
+                <a:srgbClr val="000000"/>
+              </a:solidFill>
+              <a:latin typeface="+mn-ea"/>
+            </a:endParaRPr>
+          </a:p>
+          <a:p>
+            <a:pPr lvl="1"/>
+            <a:endParaRPr lang="en-US" altLang="ko-KR">
+              <a:solidFill>
+                <a:srgbClr val="000000"/>
+              </a:solidFill>
+              <a:latin typeface="+mn-ea"/>
+            </a:endParaRPr>
+          </a:p>
+          <a:p>
+            <a:pPr lvl="1"/>
+            <a:endParaRPr lang="en-US" altLang="ko-KR">
+              <a:solidFill>
+                <a:srgbClr val="000000"/>
+              </a:solidFill>
+              <a:latin typeface="+mn-ea"/>
+            </a:endParaRPr>
+          </a:p>
+          <a:p>
+            <a:pPr lvl="1"/>
+            <a:endParaRPr lang="en-US" altLang="ko-KR">
+              <a:solidFill>
+                <a:srgbClr val="000000"/>
+              </a:solidFill>
+              <a:latin typeface="+mn-ea"/>
+            </a:endParaRPr>
+          </a:p>
+          <a:p>
+            <a:pPr lvl="1"/>
+            <a:endParaRPr lang="en-US" altLang="ko-KR">
+              <a:solidFill>
+                <a:srgbClr val="000000"/>
+              </a:solidFill>
+              <a:latin typeface="+mn-ea"/>
+            </a:endParaRPr>
+          </a:p>
+          <a:p>
+            <a:pPr lvl="1"/>
+            <a:endParaRPr lang="en-US" altLang="ko-KR">
+              <a:solidFill>
+                <a:srgbClr val="000000"/>
+              </a:solidFill>
+              <a:latin typeface="+mn-ea"/>
+            </a:endParaRPr>
+          </a:p>
+          <a:p>
+            <a:pPr lvl="1"/>
+            <a:endParaRPr lang="en-US" altLang="ko-KR" dirty="0">
+              <a:solidFill>
+                <a:srgbClr val="000000"/>
+              </a:solidFill>
+              <a:latin typeface="+mn-ea"/>
+            </a:endParaRPr>
+          </a:p>
+        </p:txBody>
+      </p:sp>
+      <p:graphicFrame>
+        <p:nvGraphicFramePr>
+          <p:cNvPr id="3" name="Table 4">
+            <a:extLst>
+              <a:ext uri="{FF2B5EF4-FFF2-40B4-BE49-F238E27FC236}">
+                <a16:creationId xmlns:a16="http://schemas.microsoft.com/office/drawing/2014/main" id="{42570B85-BC2F-DEF6-C064-A05802BEFF89}"/>
+              </a:ext>
+            </a:extLst>
+          </p:cNvPr>
+          <p:cNvGraphicFramePr>
+            <a:graphicFrameLocks noGrp="1"/>
+          </p:cNvGraphicFramePr>
+          <p:nvPr/>
+        </p:nvGraphicFramePr>
+        <p:xfrm>
+          <a:off x="1794050" y="2296548"/>
+          <a:ext cx="4372708" cy="3992880"/>
+        </p:xfrm>
+        <a:graphic>
+          <a:graphicData uri="http://schemas.openxmlformats.org/drawingml/2006/table">
+            <a:tbl>
+              <a:tblPr firstRow="1" bandRow="1">
+                <a:tableStyleId>{5C22544A-7EE6-4342-B048-85BDC9FD1C3A}</a:tableStyleId>
+              </a:tblPr>
+              <a:tblGrid>
+                <a:gridCol w="4372708">
+                  <a:extLst>
+                    <a:ext uri="{9D8B030D-6E8A-4147-A177-3AD203B41FA5}">
+                      <a16:colId xmlns:a16="http://schemas.microsoft.com/office/drawing/2014/main" val="861803730"/>
+                    </a:ext>
+                  </a:extLst>
+                </a:gridCol>
+              </a:tblGrid>
+              <a:tr h="370840">
+                <a:tc>
+                  <a:txBody>
+                    <a:bodyPr/>
+                    <a:lstStyle/>
+                    <a:p>
+                      <a:pPr latinLnBrk="1"/>
+                      <a:r>
+                        <a:rPr lang="en-US" altLang="ko-KR" sz="1600" b="0" dirty="0">
+                          <a:solidFill>
+                            <a:sysClr val="windowText" lastClr="000000"/>
+                          </a:solidFill>
+                        </a:rPr>
+                        <a:t>01 &lt;script&gt;</a:t>
+                      </a:r>
+                    </a:p>
+                    <a:p>
+                      <a:pPr latinLnBrk="1"/>
+                      <a:r>
+                        <a:rPr lang="en-US" altLang="ko-KR" sz="1600" b="0" dirty="0">
+                          <a:solidFill>
+                            <a:sysClr val="windowText" lastClr="000000"/>
+                          </a:solidFill>
+                        </a:rPr>
+                        <a:t>02 </a:t>
+                      </a:r>
+                      <a:r>
+                        <a:rPr lang="en-US" altLang="ko-KR" sz="1600" b="0" baseline="0" dirty="0">
+                          <a:solidFill>
+                            <a:sysClr val="windowText" lastClr="000000"/>
+                          </a:solidFill>
+                        </a:rPr>
+                        <a:t>  </a:t>
+                      </a:r>
+                      <a:r>
+                        <a:rPr lang="en-US" altLang="ko-KR" sz="1600" b="0" dirty="0">
+                          <a:solidFill>
+                            <a:srgbClr val="FF0000"/>
+                          </a:solidFill>
+                        </a:rPr>
+                        <a:t>// </a:t>
+                      </a:r>
+                      <a:r>
+                        <a:rPr lang="ko-KR" altLang="en-US" sz="1600" b="0" dirty="0">
+                          <a:solidFill>
+                            <a:srgbClr val="FF0000"/>
+                          </a:solidFill>
+                        </a:rPr>
+                        <a:t>변수를 선언</a:t>
+                      </a:r>
+                      <a:endParaRPr lang="en-US" altLang="ko-KR" sz="1600" b="0" dirty="0">
+                        <a:solidFill>
+                          <a:srgbClr val="FF0000"/>
+                        </a:solidFill>
+                      </a:endParaRPr>
+                    </a:p>
+                    <a:p>
+                      <a:pPr latinLnBrk="1"/>
+                      <a:r>
+                        <a:rPr lang="en-US" altLang="ko-KR" sz="1600" b="0" dirty="0">
+                          <a:solidFill>
+                            <a:sysClr val="windowText" lastClr="000000"/>
+                          </a:solidFill>
+                        </a:rPr>
+                        <a:t>03   </a:t>
+                      </a:r>
+                      <a:r>
+                        <a:rPr lang="en-US" altLang="ko-KR" sz="1600" b="0" dirty="0" err="1">
+                          <a:solidFill>
+                            <a:sysClr val="windowText" lastClr="000000"/>
+                          </a:solidFill>
+                        </a:rPr>
+                        <a:t>const</a:t>
+                      </a:r>
+                      <a:r>
+                        <a:rPr lang="en-US" altLang="ko-KR" sz="1600" b="0" dirty="0">
+                          <a:solidFill>
+                            <a:sysClr val="windowText" lastClr="000000"/>
+                          </a:solidFill>
+                        </a:rPr>
+                        <a:t> date = new Date()</a:t>
+                      </a:r>
+                      <a:endParaRPr lang="ko-KR" altLang="en-US" sz="1600" b="0" dirty="0">
+                        <a:solidFill>
+                          <a:sysClr val="windowText" lastClr="000000"/>
+                        </a:solidFill>
+                      </a:endParaRPr>
+                    </a:p>
+                    <a:p>
+                      <a:pPr latinLnBrk="1"/>
+                      <a:r>
+                        <a:rPr lang="en-US" altLang="ko-KR" sz="1600" b="0" dirty="0">
+                          <a:solidFill>
+                            <a:sysClr val="windowText" lastClr="000000"/>
+                          </a:solidFill>
+                        </a:rPr>
+                        <a:t>04   </a:t>
+                      </a:r>
+                      <a:r>
+                        <a:rPr lang="en-US" altLang="ko-KR" sz="1600" b="0" dirty="0" err="1">
+                          <a:solidFill>
+                            <a:sysClr val="windowText" lastClr="000000"/>
+                          </a:solidFill>
+                        </a:rPr>
+                        <a:t>const</a:t>
+                      </a:r>
+                      <a:r>
+                        <a:rPr lang="en-US" altLang="ko-KR" sz="1600" b="0" dirty="0">
+                          <a:solidFill>
+                            <a:sysClr val="windowText" lastClr="000000"/>
+                          </a:solidFill>
+                        </a:rPr>
+                        <a:t> hour = </a:t>
+                      </a:r>
+                      <a:r>
+                        <a:rPr lang="en-US" altLang="ko-KR" sz="1600" b="0" dirty="0" err="1">
+                          <a:solidFill>
+                            <a:sysClr val="windowText" lastClr="000000"/>
+                          </a:solidFill>
+                        </a:rPr>
+                        <a:t>date.getHours</a:t>
+                      </a:r>
+                      <a:r>
+                        <a:rPr lang="en-US" altLang="ko-KR" sz="1600" b="0" dirty="0">
+                          <a:solidFill>
+                            <a:sysClr val="windowText" lastClr="000000"/>
+                          </a:solidFill>
+                        </a:rPr>
+                        <a:t>()</a:t>
+                      </a:r>
+                      <a:endParaRPr lang="ko-KR" altLang="en-US" sz="1600" b="0" dirty="0">
+                        <a:solidFill>
+                          <a:sysClr val="windowText" lastClr="000000"/>
+                        </a:solidFill>
+                      </a:endParaRPr>
+                    </a:p>
+                    <a:p>
+                      <a:pPr latinLnBrk="1"/>
+                      <a:r>
+                        <a:rPr lang="en-US" altLang="ko-KR" sz="1600" b="0" dirty="0">
+                          <a:solidFill>
+                            <a:sysClr val="windowText" lastClr="000000"/>
+                          </a:solidFill>
+                        </a:rPr>
+                        <a:t>05</a:t>
+                      </a:r>
+                    </a:p>
+                    <a:p>
+                      <a:pPr latinLnBrk="1"/>
+                      <a:r>
+                        <a:rPr lang="en-US" altLang="ko-KR" sz="1600" b="0" dirty="0">
+                          <a:solidFill>
+                            <a:sysClr val="windowText" lastClr="000000"/>
+                          </a:solidFill>
+                        </a:rPr>
+                        <a:t>06   </a:t>
+                      </a:r>
+                      <a:r>
+                        <a:rPr lang="en-US" altLang="ko-KR" sz="1600" b="0" dirty="0">
+                          <a:solidFill>
+                            <a:srgbClr val="FF0000"/>
+                          </a:solidFill>
+                        </a:rPr>
+                        <a:t>// if </a:t>
+                      </a:r>
+                      <a:r>
+                        <a:rPr lang="ko-KR" altLang="en-US" sz="1600" b="0" dirty="0">
+                          <a:solidFill>
+                            <a:srgbClr val="FF0000"/>
+                          </a:solidFill>
+                        </a:rPr>
+                        <a:t>조건문</a:t>
+                      </a:r>
+                    </a:p>
+                    <a:p>
+                      <a:pPr latinLnBrk="1"/>
+                      <a:r>
+                        <a:rPr lang="en-US" altLang="ko-KR" sz="1600" b="0" dirty="0">
+                          <a:solidFill>
+                            <a:sysClr val="windowText" lastClr="000000"/>
+                          </a:solidFill>
+                        </a:rPr>
+                        <a:t>07   if (hour &lt; 12) {</a:t>
+                      </a:r>
+                    </a:p>
+                    <a:p>
+                      <a:pPr latinLnBrk="1"/>
+                      <a:r>
+                        <a:rPr lang="en-US" altLang="ko-KR" sz="1600" b="0" dirty="0">
+                          <a:solidFill>
+                            <a:sysClr val="windowText" lastClr="000000"/>
+                          </a:solidFill>
+                        </a:rPr>
+                        <a:t>08     </a:t>
+                      </a:r>
+                      <a:r>
+                        <a:rPr lang="en-US" altLang="ko-KR" sz="1600" b="0" dirty="0">
+                          <a:solidFill>
+                            <a:srgbClr val="FF0000"/>
+                          </a:solidFill>
+                        </a:rPr>
+                        <a:t>// </a:t>
+                      </a:r>
+                      <a:r>
+                        <a:rPr lang="ko-KR" altLang="en-US" sz="1600" b="0" dirty="0">
+                          <a:solidFill>
+                            <a:srgbClr val="FF0000"/>
+                          </a:solidFill>
+                        </a:rPr>
+                        <a:t>표현식 </a:t>
+                      </a:r>
+                      <a:r>
+                        <a:rPr lang="en-US" altLang="ko-KR" sz="1600" b="0" dirty="0">
+                          <a:solidFill>
+                            <a:srgbClr val="FF0000"/>
+                          </a:solidFill>
+                        </a:rPr>
+                        <a:t>hour &lt; 12</a:t>
+                      </a:r>
+                      <a:r>
+                        <a:rPr lang="ko-KR" altLang="en-US" sz="1600" b="0" dirty="0">
+                          <a:solidFill>
+                            <a:srgbClr val="FF0000"/>
+                          </a:solidFill>
+                        </a:rPr>
+                        <a:t>가 참일 때 실행</a:t>
+                      </a:r>
+                      <a:endParaRPr lang="en-US" altLang="ko-KR" sz="1600" b="0" dirty="0">
+                        <a:solidFill>
+                          <a:sysClr val="windowText" lastClr="000000"/>
+                        </a:solidFill>
+                      </a:endParaRPr>
+                    </a:p>
+                    <a:p>
+                      <a:pPr latinLnBrk="1"/>
+                      <a:r>
+                        <a:rPr lang="en-US" altLang="ko-KR" sz="1600" b="0" dirty="0">
+                          <a:solidFill>
+                            <a:sysClr val="windowText" lastClr="000000"/>
+                          </a:solidFill>
+                        </a:rPr>
+                        <a:t>09     alert('</a:t>
+                      </a:r>
+                      <a:r>
+                        <a:rPr lang="ko-KR" altLang="en-US" sz="1600" b="0" dirty="0">
+                          <a:solidFill>
+                            <a:sysClr val="windowText" lastClr="000000"/>
+                          </a:solidFill>
+                        </a:rPr>
+                        <a:t>오전입니다</a:t>
+                      </a:r>
+                      <a:r>
+                        <a:rPr lang="en-US" altLang="ko-KR" sz="1600" b="0" dirty="0">
+                          <a:solidFill>
+                            <a:sysClr val="windowText" lastClr="000000"/>
+                          </a:solidFill>
+                        </a:rPr>
+                        <a:t>.');</a:t>
+                      </a:r>
+                    </a:p>
+                    <a:p>
+                      <a:pPr latinLnBrk="1"/>
+                      <a:r>
+                        <a:rPr lang="en-US" altLang="ko-KR" sz="1600" b="0" dirty="0">
+                          <a:solidFill>
+                            <a:sysClr val="windowText" lastClr="000000"/>
+                          </a:solidFill>
+                        </a:rPr>
+                        <a:t>10   }</a:t>
+                      </a:r>
+                    </a:p>
+                    <a:p>
+                      <a:pPr latinLnBrk="1"/>
+                      <a:r>
+                        <a:rPr lang="en-US" altLang="ko-KR" sz="1600" b="0" dirty="0">
+                          <a:solidFill>
+                            <a:sysClr val="windowText" lastClr="000000"/>
+                          </a:solidFill>
+                        </a:rPr>
+                        <a:t>11</a:t>
+                      </a:r>
+                    </a:p>
+                    <a:p>
+                      <a:pPr latinLnBrk="1"/>
+                      <a:r>
+                        <a:rPr lang="en-US" altLang="ko-KR" sz="1600" b="0" dirty="0">
+                          <a:solidFill>
+                            <a:sysClr val="windowText" lastClr="000000"/>
+                          </a:solidFill>
+                        </a:rPr>
+                        <a:t>12   if (hour &gt;= 12) {</a:t>
+                      </a:r>
+                    </a:p>
+                    <a:p>
+                      <a:pPr latinLnBrk="1"/>
+                      <a:r>
+                        <a:rPr lang="en-US" altLang="ko-KR" sz="1600" b="0" dirty="0">
+                          <a:solidFill>
+                            <a:sysClr val="windowText" lastClr="000000"/>
+                          </a:solidFill>
+                        </a:rPr>
+                        <a:t>13     </a:t>
+                      </a:r>
+                      <a:r>
+                        <a:rPr lang="en-US" altLang="ko-KR" sz="1600" b="0" dirty="0">
+                          <a:solidFill>
+                            <a:srgbClr val="FF0000"/>
+                          </a:solidFill>
+                        </a:rPr>
+                        <a:t>// </a:t>
+                      </a:r>
+                      <a:r>
+                        <a:rPr lang="ko-KR" altLang="en-US" sz="1600" b="0" dirty="0">
+                          <a:solidFill>
+                            <a:srgbClr val="FF0000"/>
+                          </a:solidFill>
+                        </a:rPr>
+                        <a:t>표현식 </a:t>
+                      </a:r>
+                      <a:r>
+                        <a:rPr lang="en-US" altLang="ko-KR" sz="1600" b="0" dirty="0">
+                          <a:solidFill>
+                            <a:srgbClr val="FF0000"/>
+                          </a:solidFill>
+                        </a:rPr>
+                        <a:t>hour &gt;= 12</a:t>
+                      </a:r>
+                      <a:r>
+                        <a:rPr lang="ko-KR" altLang="en-US" sz="1600" b="0" dirty="0">
+                          <a:solidFill>
+                            <a:srgbClr val="FF0000"/>
+                          </a:solidFill>
+                        </a:rPr>
+                        <a:t>가 참일 때 실행</a:t>
+                      </a:r>
+                      <a:endParaRPr lang="en-US" altLang="ko-KR" sz="1600" b="0" dirty="0">
+                        <a:solidFill>
+                          <a:srgbClr val="FF0000"/>
+                        </a:solidFill>
+                      </a:endParaRPr>
+                    </a:p>
+                    <a:p>
+                      <a:pPr latinLnBrk="1"/>
+                      <a:r>
+                        <a:rPr lang="en-US" altLang="ko-KR" sz="1600" b="0" dirty="0">
+                          <a:solidFill>
+                            <a:sysClr val="windowText" lastClr="000000"/>
+                          </a:solidFill>
+                        </a:rPr>
+                        <a:t>14     alert('</a:t>
+                      </a:r>
+                      <a:r>
+                        <a:rPr lang="ko-KR" altLang="en-US" sz="1600" b="0" dirty="0">
+                          <a:solidFill>
+                            <a:sysClr val="windowText" lastClr="000000"/>
+                          </a:solidFill>
+                        </a:rPr>
+                        <a:t>오후입니다</a:t>
+                      </a:r>
+                      <a:r>
+                        <a:rPr lang="en-US" altLang="ko-KR" sz="1600" b="0" dirty="0">
+                          <a:solidFill>
+                            <a:sysClr val="windowText" lastClr="000000"/>
+                          </a:solidFill>
+                        </a:rPr>
+                        <a:t>.')</a:t>
+                      </a:r>
+                    </a:p>
+                    <a:p>
+                      <a:pPr latinLnBrk="1"/>
+                      <a:r>
+                        <a:rPr lang="en-US" altLang="ko-KR" sz="1600" b="0" dirty="0">
+                          <a:solidFill>
+                            <a:sysClr val="windowText" lastClr="000000"/>
+                          </a:solidFill>
+                        </a:rPr>
+                        <a:t>15   }</a:t>
+                      </a:r>
+                    </a:p>
+                    <a:p>
+                      <a:pPr latinLnBrk="1"/>
+                      <a:r>
+                        <a:rPr lang="en-US" altLang="ko-KR" sz="1600" b="0" dirty="0">
+                          <a:solidFill>
+                            <a:sysClr val="windowText" lastClr="000000"/>
+                          </a:solidFill>
+                        </a:rPr>
+                        <a:t>16 &lt;/script&gt;</a:t>
+                      </a:r>
+                      <a:endParaRPr lang="ko-KR" altLang="en-US" sz="1600" b="0" dirty="0">
+                        <a:solidFill>
+                          <a:sysClr val="windowText" lastClr="000000"/>
+                        </a:solidFill>
+                      </a:endParaRPr>
+                    </a:p>
+                  </a:txBody>
+                  <a:tcPr>
+                    <a:lnL w="12700" cmpd="sng">
+                      <a:noFill/>
+                    </a:lnL>
+                    <a:lnR w="12700" cmpd="sng">
+                      <a:noFill/>
+                    </a:lnR>
+                    <a:lnT w="12700" cap="flat" cmpd="sng" algn="ctr">
+                      <a:solidFill>
+                        <a:schemeClr val="tx1"/>
+                      </a:solidFill>
+                      <a:prstDash val="solid"/>
+                      <a:round/>
+                      <a:headEnd type="none" w="med" len="med"/>
+                      <a:tailEnd type="none" w="med" len="med"/>
+                    </a:lnT>
+                    <a:lnB w="12700" cap="flat" cmpd="sng" algn="ctr">
+                      <a:solidFill>
+                        <a:schemeClr val="tx1"/>
+                      </a:solidFill>
+                      <a:prstDash val="solid"/>
+                      <a:round/>
+                      <a:headEnd type="none" w="med" len="med"/>
+                      <a:tailEnd type="none" w="med" len="med"/>
+                    </a:lnB>
+                    <a:lnTlToBr w="12700" cmpd="sng">
+                      <a:noFill/>
+                      <a:prstDash val="solid"/>
+                    </a:lnTlToBr>
+                    <a:lnBlToTr w="12700" cmpd="sng">
+                      <a:noFill/>
+                      <a:prstDash val="solid"/>
+                    </a:lnBlToTr>
+                    <a:noFill/>
+                  </a:tcPr>
+                </a:tc>
+                <a:extLst>
+                  <a:ext uri="{0D108BD9-81ED-4DB2-BD59-A6C34878D82A}">
+                    <a16:rowId xmlns:a16="http://schemas.microsoft.com/office/drawing/2014/main" val="2868720426"/>
+                  </a:ext>
+                </a:extLst>
+              </a:tr>
+            </a:tbl>
+          </a:graphicData>
+        </a:graphic>
+      </p:graphicFrame>
+      <p:sp>
+        <p:nvSpPr>
+          <p:cNvPr id="5" name="TextBox 4">
+            <a:extLst>
+              <a:ext uri="{FF2B5EF4-FFF2-40B4-BE49-F238E27FC236}">
+                <a16:creationId xmlns:a16="http://schemas.microsoft.com/office/drawing/2014/main" id="{525AE53E-AD88-3F57-76EB-B546D15C7510}"/>
               </a:ext>
             </a:extLst>
           </p:cNvPr>
@@ -35874,8 +35478,8 @@
         </p:nvSpPr>
         <p:spPr>
           <a:xfrm>
-            <a:off x="306648" y="319086"/>
-            <a:ext cx="999638" cy="707886"/>
+            <a:off x="5855205" y="2850232"/>
+            <a:ext cx="6107722" cy="307777"/>
           </a:xfrm>
           <a:prstGeom prst="rect">
             <a:avLst/>
@@ -35889,12 +35493,278 @@
           <a:lstStyle/>
           <a:p>
             <a:r>
+              <a:rPr lang="ko-KR" altLang="en-US" sz="1400" b="0" dirty="0">
+                <a:solidFill>
+                  <a:srgbClr val="FF0000"/>
+                </a:solidFill>
+              </a:rPr>
+              <a:t>현재 날짜와 시간을 갖는 객체 생성</a:t>
+            </a:r>
+            <a:endParaRPr lang="ko-KR" altLang="en-US" sz="1400" dirty="0">
+              <a:solidFill>
+                <a:srgbClr val="FF0000"/>
+              </a:solidFill>
+            </a:endParaRPr>
+          </a:p>
+        </p:txBody>
+      </p:sp>
+      <p:sp>
+        <p:nvSpPr>
+          <p:cNvPr id="6" name="TextBox 5">
+            <a:extLst>
+              <a:ext uri="{FF2B5EF4-FFF2-40B4-BE49-F238E27FC236}">
+                <a16:creationId xmlns:a16="http://schemas.microsoft.com/office/drawing/2014/main" id="{147CEE13-2C08-6416-B07A-56E203BC1F83}"/>
+              </a:ext>
+            </a:extLst>
+          </p:cNvPr>
+          <p:cNvSpPr txBox="1"/>
+          <p:nvPr/>
+        </p:nvSpPr>
+        <p:spPr>
+          <a:xfrm>
+            <a:off x="6135588" y="3092491"/>
+            <a:ext cx="4171435" cy="307777"/>
+          </a:xfrm>
+          <a:prstGeom prst="rect">
+            <a:avLst/>
+          </a:prstGeom>
+          <a:noFill/>
+        </p:spPr>
+        <p:txBody>
+          <a:bodyPr wrap="square">
+            <a:spAutoFit/>
+          </a:bodyPr>
+          <a:lstStyle/>
+          <a:p>
+            <a:r>
+              <a:rPr lang="ko-KR" altLang="en-US" sz="1400" b="0" dirty="0">
+                <a:solidFill>
+                  <a:srgbClr val="FF0000"/>
+                </a:solidFill>
+              </a:rPr>
+              <a:t>현재시간을 </a:t>
+            </a:r>
+            <a:r>
+              <a:rPr lang="en-US" altLang="ko-KR" sz="1400" b="0" dirty="0">
+                <a:solidFill>
+                  <a:srgbClr val="FF0000"/>
+                </a:solidFill>
+              </a:rPr>
+              <a:t>0~23 </a:t>
+            </a:r>
+            <a:r>
+              <a:rPr lang="ko-KR" altLang="en-US" sz="1400" b="0" dirty="0">
+                <a:solidFill>
+                  <a:srgbClr val="FF0000"/>
+                </a:solidFill>
+              </a:rPr>
+              <a:t>사이의 값으로 출력하는 메소드</a:t>
+            </a:r>
+            <a:endParaRPr lang="ko-KR" altLang="en-US" sz="1400" dirty="0">
+              <a:solidFill>
+                <a:srgbClr val="FF0000"/>
+              </a:solidFill>
+            </a:endParaRPr>
+          </a:p>
+        </p:txBody>
+      </p:sp>
+      <p:cxnSp>
+        <p:nvCxnSpPr>
+          <p:cNvPr id="7" name="Straight Arrow Connector 11">
+            <a:extLst>
+              <a:ext uri="{FF2B5EF4-FFF2-40B4-BE49-F238E27FC236}">
+                <a16:creationId xmlns:a16="http://schemas.microsoft.com/office/drawing/2014/main" id="{925FF92E-57BB-DF92-C9AF-9E6ACB4939BD}"/>
+              </a:ext>
+            </a:extLst>
+          </p:cNvPr>
+          <p:cNvCxnSpPr/>
+          <p:nvPr/>
+        </p:nvCxnSpPr>
+        <p:spPr>
+          <a:xfrm>
+            <a:off x="4349680" y="2998175"/>
+            <a:ext cx="1301262" cy="0"/>
+          </a:xfrm>
+          <a:prstGeom prst="straightConnector1">
+            <a:avLst/>
+          </a:prstGeom>
+          <a:ln>
+            <a:tailEnd type="triangle"/>
+          </a:ln>
+        </p:spPr>
+        <p:style>
+          <a:lnRef idx="1">
+            <a:schemeClr val="accent2"/>
+          </a:lnRef>
+          <a:fillRef idx="0">
+            <a:schemeClr val="accent2"/>
+          </a:fillRef>
+          <a:effectRef idx="0">
+            <a:schemeClr val="accent2"/>
+          </a:effectRef>
+          <a:fontRef idx="minor">
+            <a:schemeClr val="tx1"/>
+          </a:fontRef>
+        </p:style>
+      </p:cxnSp>
+      <p:cxnSp>
+        <p:nvCxnSpPr>
+          <p:cNvPr id="8" name="Straight Arrow Connector 12">
+            <a:extLst>
+              <a:ext uri="{FF2B5EF4-FFF2-40B4-BE49-F238E27FC236}">
+                <a16:creationId xmlns:a16="http://schemas.microsoft.com/office/drawing/2014/main" id="{AEE3A650-ECB9-6A73-18E5-C11CF19B6F9F}"/>
+              </a:ext>
+            </a:extLst>
+          </p:cNvPr>
+          <p:cNvCxnSpPr/>
+          <p:nvPr/>
+        </p:nvCxnSpPr>
+        <p:spPr>
+          <a:xfrm>
+            <a:off x="4644737" y="3246380"/>
+            <a:ext cx="1301262" cy="0"/>
+          </a:xfrm>
+          <a:prstGeom prst="straightConnector1">
+            <a:avLst/>
+          </a:prstGeom>
+          <a:ln>
+            <a:tailEnd type="triangle"/>
+          </a:ln>
+        </p:spPr>
+        <p:style>
+          <a:lnRef idx="1">
+            <a:schemeClr val="accent2"/>
+          </a:lnRef>
+          <a:fillRef idx="0">
+            <a:schemeClr val="accent2"/>
+          </a:fillRef>
+          <a:effectRef idx="0">
+            <a:schemeClr val="accent2"/>
+          </a:effectRef>
+          <a:fontRef idx="minor">
+            <a:schemeClr val="tx1"/>
+          </a:fontRef>
+        </p:style>
+      </p:cxnSp>
+      <p:pic>
+        <p:nvPicPr>
+          <p:cNvPr id="9" name="Picture 14">
+            <a:extLst>
+              <a:ext uri="{FF2B5EF4-FFF2-40B4-BE49-F238E27FC236}">
+                <a16:creationId xmlns:a16="http://schemas.microsoft.com/office/drawing/2014/main" id="{0F338309-85CF-2A08-1624-97DD578F3B0A}"/>
+              </a:ext>
+            </a:extLst>
+          </p:cNvPr>
+          <p:cNvPicPr>
+            <a:picLocks noChangeAspect="1"/>
+          </p:cNvPicPr>
+          <p:nvPr/>
+        </p:nvPicPr>
+        <p:blipFill>
+          <a:blip r:embed="rId2"/>
+          <a:stretch>
+            <a:fillRect/>
+          </a:stretch>
+        </p:blipFill>
+        <p:spPr>
+          <a:xfrm>
+            <a:off x="7350813" y="4433014"/>
+            <a:ext cx="3116506" cy="1191807"/>
+          </a:xfrm>
+          <a:prstGeom prst="rect">
+            <a:avLst/>
+          </a:prstGeom>
+        </p:spPr>
+      </p:pic>
+      <p:sp>
+        <p:nvSpPr>
+          <p:cNvPr id="10" name="Arrow: Right 15">
+            <a:extLst>
+              <a:ext uri="{FF2B5EF4-FFF2-40B4-BE49-F238E27FC236}">
+                <a16:creationId xmlns:a16="http://schemas.microsoft.com/office/drawing/2014/main" id="{83BC90A5-6372-3E9D-B2F9-4D5A5FED707A}"/>
+              </a:ext>
+            </a:extLst>
+          </p:cNvPr>
+          <p:cNvSpPr/>
+          <p:nvPr/>
+        </p:nvSpPr>
+        <p:spPr>
+          <a:xfrm>
+            <a:off x="6539161" y="4788815"/>
+            <a:ext cx="439249" cy="480203"/>
+          </a:xfrm>
+          <a:prstGeom prst="rightArrow">
+            <a:avLst/>
+          </a:prstGeom>
+          <a:solidFill>
+            <a:schemeClr val="bg1">
+              <a:lumMod val="50000"/>
+            </a:schemeClr>
+          </a:solidFill>
+          <a:ln>
+            <a:noFill/>
+          </a:ln>
+        </p:spPr>
+        <p:style>
+          <a:lnRef idx="2">
+            <a:schemeClr val="accent1">
+              <a:shade val="50000"/>
+            </a:schemeClr>
+          </a:lnRef>
+          <a:fillRef idx="1">
+            <a:schemeClr val="accent1"/>
+          </a:fillRef>
+          <a:effectRef idx="0">
+            <a:schemeClr val="accent1"/>
+          </a:effectRef>
+          <a:fontRef idx="minor">
+            <a:schemeClr val="lt1"/>
+          </a:fontRef>
+        </p:style>
+        <p:txBody>
+          <a:bodyPr rtlCol="0" anchor="ctr"/>
+          <a:lstStyle/>
+          <a:p>
+            <a:pPr algn="ctr"/>
+            <a:endParaRPr lang="ko-KR" altLang="en-US"/>
+          </a:p>
+        </p:txBody>
+      </p:sp>
+      <p:sp>
+        <p:nvSpPr>
+          <p:cNvPr id="11" name="TextBox 10">
+            <a:extLst>
+              <a:ext uri="{FF2B5EF4-FFF2-40B4-BE49-F238E27FC236}">
+                <a16:creationId xmlns:a16="http://schemas.microsoft.com/office/drawing/2014/main" id="{250778F7-ADDC-D946-0F94-865DFBB75418}"/>
+              </a:ext>
+            </a:extLst>
+          </p:cNvPr>
+          <p:cNvSpPr txBox="1"/>
+          <p:nvPr/>
+        </p:nvSpPr>
+        <p:spPr>
+          <a:xfrm>
+            <a:off x="306647" y="319086"/>
+            <a:ext cx="5691382" cy="707886"/>
+          </a:xfrm>
+          <a:prstGeom prst="rect">
+            <a:avLst/>
+          </a:prstGeom>
+          <a:noFill/>
+        </p:spPr>
+        <p:txBody>
+          <a:bodyPr wrap="square">
+            <a:spAutoFit/>
+          </a:bodyPr>
+          <a:lstStyle/>
+          <a:p>
+            <a:r>
               <a:rPr lang="en-US" altLang="ko-KR" sz="4000" dirty="0">
                 <a:latin typeface="KoPubWorld돋움체 Bold" panose="00000800000000000000" pitchFamily="2" charset="-127"/>
                 <a:ea typeface="KoPubWorld돋움체 Bold" panose="00000800000000000000" pitchFamily="2" charset="-127"/>
                 <a:cs typeface="KoPubWorld돋움체 Bold" panose="00000800000000000000" pitchFamily="2" charset="-127"/>
               </a:rPr>
-              <a:t>if</a:t>
+              <a:t>if </a:t>
             </a:r>
             <a:r>
               <a:rPr lang="ko-KR" altLang="en-US" sz="4000" dirty="0">
@@ -35902,15 +35772,28 @@
                 <a:ea typeface="KoPubWorld돋움체 Bold" panose="00000800000000000000" pitchFamily="2" charset="-127"/>
                 <a:cs typeface="KoPubWorld돋움체 Bold" panose="00000800000000000000" pitchFamily="2" charset="-127"/>
               </a:rPr>
-              <a:t>문</a:t>
-            </a:r>
+              <a:t>조건문 실습</a:t>
+            </a:r>
+            <a:r>
+              <a:rPr lang="en-US" altLang="ko-KR" sz="4000" dirty="0">
+                <a:latin typeface="KoPubWorld돋움체 Bold" panose="00000800000000000000" pitchFamily="2" charset="-127"/>
+                <a:ea typeface="KoPubWorld돋움체 Bold" panose="00000800000000000000" pitchFamily="2" charset="-127"/>
+                <a:cs typeface="KoPubWorld돋움체 Bold" panose="00000800000000000000" pitchFamily="2" charset="-127"/>
+              </a:rPr>
+              <a:t>1</a:t>
+            </a:r>
+            <a:endParaRPr lang="ko-KR" altLang="en-US" sz="4000" dirty="0">
+              <a:latin typeface="KoPubWorld돋움체 Bold" panose="00000800000000000000" pitchFamily="2" charset="-127"/>
+              <a:ea typeface="KoPubWorld돋움체 Bold" panose="00000800000000000000" pitchFamily="2" charset="-127"/>
+              <a:cs typeface="KoPubWorld돋움체 Bold" panose="00000800000000000000" pitchFamily="2" charset="-127"/>
+            </a:endParaRPr>
           </a:p>
         </p:txBody>
       </p:sp>
     </p:spTree>
     <p:extLst>
       <p:ext uri="{BB962C8B-B14F-4D97-AF65-F5344CB8AC3E}">
-        <p14:creationId xmlns:p14="http://schemas.microsoft.com/office/powerpoint/2010/main" val="3957997983"/>
+        <p14:creationId xmlns:p14="http://schemas.microsoft.com/office/powerpoint/2010/main" val="1187169721"/>
       </p:ext>
     </p:extLst>
   </p:cSld>
